--- a/presentación 2019 Dota predict coloquio.pptx
+++ b/presentación 2019 Dota predict coloquio.pptx
@@ -5,7 +5,7 @@
     <p:sldMasterId id="2147483660" r:id="rId1"/>
   </p:sldMasterIdLst>
   <p:notesMasterIdLst>
-    <p:notesMasterId r:id="rId23"/>
+    <p:notesMasterId r:id="rId24"/>
   </p:notesMasterIdLst>
   <p:sldIdLst>
     <p:sldId id="257" r:id="rId2"/>
@@ -17,18 +17,19 @@
     <p:sldId id="281" r:id="rId8"/>
     <p:sldId id="280" r:id="rId9"/>
     <p:sldId id="283" r:id="rId10"/>
-    <p:sldId id="287" r:id="rId11"/>
-    <p:sldId id="288" r:id="rId12"/>
-    <p:sldId id="289" r:id="rId13"/>
-    <p:sldId id="290" r:id="rId14"/>
-    <p:sldId id="293" r:id="rId15"/>
-    <p:sldId id="291" r:id="rId16"/>
-    <p:sldId id="292" r:id="rId17"/>
-    <p:sldId id="277" r:id="rId18"/>
-    <p:sldId id="278" r:id="rId19"/>
-    <p:sldId id="284" r:id="rId20"/>
-    <p:sldId id="285" r:id="rId21"/>
-    <p:sldId id="266" r:id="rId22"/>
+    <p:sldId id="277" r:id="rId11"/>
+    <p:sldId id="278" r:id="rId12"/>
+    <p:sldId id="287" r:id="rId13"/>
+    <p:sldId id="288" r:id="rId14"/>
+    <p:sldId id="289" r:id="rId15"/>
+    <p:sldId id="290" r:id="rId16"/>
+    <p:sldId id="294" r:id="rId17"/>
+    <p:sldId id="293" r:id="rId18"/>
+    <p:sldId id="291" r:id="rId19"/>
+    <p:sldId id="292" r:id="rId20"/>
+    <p:sldId id="284" r:id="rId21"/>
+    <p:sldId id="285" r:id="rId22"/>
+    <p:sldId id="266" r:id="rId23"/>
   </p:sldIdLst>
   <p:sldSz cx="24382413" cy="13716000"/>
   <p:notesSz cx="6858000" cy="9144000"/>
@@ -334,7 +335,7 @@
               <a:cs typeface="+mn-cs"/>
             </a:defRPr>
           </a:pPr>
-          <a:endParaRPr lang="es-CO"/>
+          <a:endParaRPr lang="en-US"/>
         </a:p>
       </c:txPr>
     </c:title>
@@ -399,7 +400,7 @@
                     <a:cs typeface="+mn-cs"/>
                   </a:defRPr>
                 </a:pPr>
-                <a:endParaRPr lang="es-CO"/>
+                <a:endParaRPr lang="en-US"/>
               </a:p>
             </c:txPr>
             <c:showLegendKey val="0"/>
@@ -511,7 +512,7 @@
                     <a:cs typeface="+mn-cs"/>
                   </a:defRPr>
                 </a:pPr>
-                <a:endParaRPr lang="es-CO"/>
+                <a:endParaRPr lang="en-US"/>
               </a:p>
             </c:txPr>
             <c:showLegendKey val="0"/>
@@ -638,7 +639,7 @@
                     <a:cs typeface="+mn-cs"/>
                   </a:defRPr>
                 </a:pPr>
-                <a:endParaRPr lang="es-CO"/>
+                <a:endParaRPr lang="en-US"/>
               </a:p>
             </c:txPr>
             <c:showLegendKey val="0"/>
@@ -776,7 +777,7 @@
                 <a:cs typeface="+mn-cs"/>
               </a:defRPr>
             </a:pPr>
-            <a:endParaRPr lang="es-CO"/>
+            <a:endParaRPr lang="en-US"/>
           </a:p>
         </c:txPr>
         <c:crossAx val="687498656"/>
@@ -812,7 +813,7 @@
                 <a:cs typeface="+mn-cs"/>
               </a:defRPr>
             </a:pPr>
-            <a:endParaRPr lang="es-CO"/>
+            <a:endParaRPr lang="en-US"/>
           </a:p>
         </c:txPr>
       </c:legendEntry>
@@ -835,7 +836,7 @@
                 <a:cs typeface="+mn-cs"/>
               </a:defRPr>
             </a:pPr>
-            <a:endParaRPr lang="es-CO"/>
+            <a:endParaRPr lang="en-US"/>
           </a:p>
         </c:txPr>
       </c:legendEntry>
@@ -858,7 +859,7 @@
                 <a:cs typeface="+mn-cs"/>
               </a:defRPr>
             </a:pPr>
-            <a:endParaRPr lang="es-CO"/>
+            <a:endParaRPr lang="en-US"/>
           </a:p>
         </c:txPr>
       </c:legendEntry>
@@ -897,7 +898,7 @@
               <a:cs typeface="+mn-cs"/>
             </a:defRPr>
           </a:pPr>
-          <a:endParaRPr lang="es-CO"/>
+          <a:endParaRPr lang="en-US"/>
         </a:p>
       </c:txPr>
     </c:legend>
@@ -926,7 +927,7 @@
       <a:pPr>
         <a:defRPr/>
       </a:pPr>
-      <a:endParaRPr lang="es-CO"/>
+      <a:endParaRPr lang="en-US"/>
     </a:p>
   </c:txPr>
   <c:externalData r:id="rId3">
@@ -1005,7 +1006,7 @@
               <a:cs typeface="+mn-cs"/>
             </a:defRPr>
           </a:pPr>
-          <a:endParaRPr lang="es-CO"/>
+          <a:endParaRPr lang="en-US"/>
         </a:p>
       </c:txPr>
     </c:title>
@@ -1111,7 +1112,7 @@
                     <a:cs typeface="+mn-cs"/>
                   </a:defRPr>
                 </a:pPr>
-                <a:endParaRPr lang="es-CO"/>
+                <a:endParaRPr lang="en-US"/>
               </a:p>
             </c:txPr>
             <c:showLegendKey val="0"/>
@@ -1249,7 +1250,7 @@
                     <a:cs typeface="+mn-cs"/>
                   </a:defRPr>
                 </a:pPr>
-                <a:endParaRPr lang="es-CO"/>
+                <a:endParaRPr lang="en-US"/>
               </a:p>
             </c:txPr>
             <c:showLegendKey val="0"/>
@@ -1388,7 +1389,7 @@
                     <a:cs typeface="+mn-cs"/>
                   </a:defRPr>
                 </a:pPr>
-                <a:endParaRPr lang="es-CO"/>
+                <a:endParaRPr lang="en-US"/>
               </a:p>
             </c:txPr>
             <c:showLegendKey val="0"/>
@@ -1527,7 +1528,7 @@
                     <a:cs typeface="+mn-cs"/>
                   </a:defRPr>
                 </a:pPr>
-                <a:endParaRPr lang="es-CO"/>
+                <a:endParaRPr lang="en-US"/>
               </a:p>
             </c:txPr>
             <c:showLegendKey val="0"/>
@@ -1666,7 +1667,7 @@
                     <a:cs typeface="+mn-cs"/>
                   </a:defRPr>
                 </a:pPr>
-                <a:endParaRPr lang="es-CO"/>
+                <a:endParaRPr lang="en-US"/>
               </a:p>
             </c:txPr>
             <c:showLegendKey val="0"/>
@@ -1805,7 +1806,7 @@
                     <a:cs typeface="+mn-cs"/>
                   </a:defRPr>
                 </a:pPr>
-                <a:endParaRPr lang="es-CO"/>
+                <a:endParaRPr lang="en-US"/>
               </a:p>
             </c:txPr>
             <c:showLegendKey val="0"/>
@@ -1962,7 +1963,7 @@
                     <a:cs typeface="+mn-cs"/>
                   </a:defRPr>
                 </a:pPr>
-                <a:endParaRPr lang="es-CO"/>
+                <a:endParaRPr lang="en-US"/>
               </a:p>
             </c:txPr>
             <c:showLegendKey val="0"/>
@@ -2103,7 +2104,7 @@
                     <a:cs typeface="+mn-cs"/>
                   </a:defRPr>
                 </a:pPr>
-                <a:endParaRPr lang="es-CO"/>
+                <a:endParaRPr lang="en-US"/>
               </a:p>
             </c:txPr>
             <c:showLegendKey val="0"/>
@@ -2245,7 +2246,7 @@
                     <a:cs typeface="+mn-cs"/>
                   </a:defRPr>
                 </a:pPr>
-                <a:endParaRPr lang="es-CO"/>
+                <a:endParaRPr lang="en-US"/>
               </a:p>
             </c:txPr>
             <c:showLegendKey val="0"/>
@@ -2358,7 +2359,7 @@
                 <a:cs typeface="+mn-cs"/>
               </a:defRPr>
             </a:pPr>
-            <a:endParaRPr lang="es-CO"/>
+            <a:endParaRPr lang="en-US"/>
           </a:p>
         </c:txPr>
         <c:crossAx val="659687768"/>
@@ -2417,7 +2418,7 @@
                 <a:cs typeface="+mn-cs"/>
               </a:defRPr>
             </a:pPr>
-            <a:endParaRPr lang="es-CO"/>
+            <a:endParaRPr lang="en-US"/>
           </a:p>
         </c:txPr>
         <c:crossAx val="659691704"/>
@@ -2459,7 +2460,7 @@
               <a:cs typeface="+mn-cs"/>
             </a:defRPr>
           </a:pPr>
-          <a:endParaRPr lang="es-CO"/>
+          <a:endParaRPr lang="en-US"/>
         </a:p>
       </c:txPr>
     </c:legend>
@@ -2488,7 +2489,7 @@
       <a:pPr>
         <a:defRPr/>
       </a:pPr>
-      <a:endParaRPr lang="es-CO"/>
+      <a:endParaRPr lang="en-US"/>
     </a:p>
   </c:txPr>
   <c:externalData r:id="rId3">
@@ -2511,62 +2512,7 @@
     </mc:Fallback>
   </mc:AlternateContent>
   <c:chart>
-    <c:title>
-      <c:tx>
-        <c:rich>
-          <a:bodyPr rot="0" spcFirstLastPara="1" vertOverflow="ellipsis" vert="horz" wrap="square" anchor="ctr" anchorCtr="1"/>
-          <a:lstStyle/>
-          <a:p>
-            <a:pPr>
-              <a:defRPr sz="1400" b="0" i="0" u="none" strike="noStrike" kern="1200" spc="0" baseline="0">
-                <a:solidFill>
-                  <a:schemeClr val="tx1">
-                    <a:lumMod val="65000"/>
-                    <a:lumOff val="35000"/>
-                  </a:schemeClr>
-                </a:solidFill>
-                <a:latin typeface="+mn-lt"/>
-                <a:ea typeface="+mn-ea"/>
-                <a:cs typeface="+mn-cs"/>
-              </a:defRPr>
-            </a:pPr>
-            <a:r>
-              <a:rPr lang="en-US"/>
-              <a:t>Jugadores Profesionales</a:t>
-            </a:r>
-          </a:p>
-        </c:rich>
-      </c:tx>
-      <c:overlay val="0"/>
-      <c:spPr>
-        <a:noFill/>
-        <a:ln>
-          <a:noFill/>
-        </a:ln>
-        <a:effectLst/>
-      </c:spPr>
-      <c:txPr>
-        <a:bodyPr rot="0" spcFirstLastPara="1" vertOverflow="ellipsis" vert="horz" wrap="square" anchor="ctr" anchorCtr="1"/>
-        <a:lstStyle/>
-        <a:p>
-          <a:pPr>
-            <a:defRPr sz="1400" b="0" i="0" u="none" strike="noStrike" kern="1200" spc="0" baseline="0">
-              <a:solidFill>
-                <a:schemeClr val="tx1">
-                  <a:lumMod val="65000"/>
-                  <a:lumOff val="35000"/>
-                </a:schemeClr>
-              </a:solidFill>
-              <a:latin typeface="+mn-lt"/>
-              <a:ea typeface="+mn-ea"/>
-              <a:cs typeface="+mn-cs"/>
-            </a:defRPr>
-          </a:pPr>
-          <a:endParaRPr lang="es-CO"/>
-        </a:p>
-      </c:txPr>
-    </c:title>
-    <c:autoTitleDeleted val="0"/>
+    <c:autoTitleDeleted val="1"/>
     <c:plotArea>
       <c:layout/>
       <c:barChart>
@@ -2578,11 +2524,11 @@
           <c:order val="0"/>
           <c:tx>
             <c:strRef>
-              <c:f>Sheet1!$B$1</c:f>
+              <c:f>Sheet2!$B$1</c:f>
               <c:strCache>
                 <c:ptCount val="1"/>
                 <c:pt idx="0">
-                  <c:v>Accuracy 1</c:v>
+                  <c:v>1 capa</c:v>
                 </c:pt>
               </c:strCache>
             </c:strRef>
@@ -2599,7 +2545,7 @@
           <c:invertIfNegative val="0"/>
           <c:cat>
             <c:numRef>
-              <c:f>Sheet1!$A$2:$A$25</c:f>
+              <c:f>Sheet2!$A$2:$A$25</c:f>
               <c:numCache>
                 <c:formatCode>General</c:formatCode>
                 <c:ptCount val="24"/>
@@ -2680,7 +2626,391 @@
           </c:cat>
           <c:val>
             <c:numRef>
-              <c:f>Sheet1!$B$2:$B$25</c:f>
+              <c:f>Sheet2!$B$2:$B$25</c:f>
+              <c:numCache>
+                <c:formatCode>General</c:formatCode>
+                <c:ptCount val="24"/>
+                <c:pt idx="0">
+                  <c:v>0.66</c:v>
+                </c:pt>
+                <c:pt idx="1">
+                  <c:v>0.61</c:v>
+                </c:pt>
+                <c:pt idx="2">
+                  <c:v>0.6</c:v>
+                </c:pt>
+                <c:pt idx="3">
+                  <c:v>0.3</c:v>
+                </c:pt>
+                <c:pt idx="4">
+                  <c:v>0.26</c:v>
+                </c:pt>
+                <c:pt idx="5">
+                  <c:v>0.51</c:v>
+                </c:pt>
+                <c:pt idx="6">
+                  <c:v>0.48</c:v>
+                </c:pt>
+                <c:pt idx="7">
+                  <c:v>0.65</c:v>
+                </c:pt>
+                <c:pt idx="8">
+                  <c:v>0.43</c:v>
+                </c:pt>
+                <c:pt idx="9">
+                  <c:v>0.44</c:v>
+                </c:pt>
+                <c:pt idx="10">
+                  <c:v>0.37</c:v>
+                </c:pt>
+                <c:pt idx="11">
+                  <c:v>0.48</c:v>
+                </c:pt>
+                <c:pt idx="12">
+                  <c:v>0.59</c:v>
+                </c:pt>
+                <c:pt idx="13">
+                  <c:v>0.68</c:v>
+                </c:pt>
+                <c:pt idx="14">
+                  <c:v>0.5</c:v>
+                </c:pt>
+                <c:pt idx="15">
+                  <c:v>0.4</c:v>
+                </c:pt>
+                <c:pt idx="16">
+                  <c:v>0.33</c:v>
+                </c:pt>
+                <c:pt idx="17">
+                  <c:v>0.48</c:v>
+                </c:pt>
+                <c:pt idx="18">
+                  <c:v>0.46</c:v>
+                </c:pt>
+                <c:pt idx="19">
+                  <c:v>0.56000000000000005</c:v>
+                </c:pt>
+                <c:pt idx="20">
+                  <c:v>0.3</c:v>
+                </c:pt>
+                <c:pt idx="21">
+                  <c:v>0.46</c:v>
+                </c:pt>
+                <c:pt idx="22">
+                  <c:v>0.53</c:v>
+                </c:pt>
+                <c:pt idx="23">
+                  <c:v>0.71</c:v>
+                </c:pt>
+              </c:numCache>
+            </c:numRef>
+          </c:val>
+          <c:extLst>
+            <c:ext xmlns:c16="http://schemas.microsoft.com/office/drawing/2014/chart" uri="{C3380CC4-5D6E-409C-BE32-E72D297353CC}">
+              <c16:uniqueId val="{00000000-F385-134E-93A0-7DA908876D50}"/>
+            </c:ext>
+          </c:extLst>
+        </c:ser>
+        <c:ser>
+          <c:idx val="1"/>
+          <c:order val="1"/>
+          <c:tx>
+            <c:strRef>
+              <c:f>Sheet2!$C$1</c:f>
+              <c:strCache>
+                <c:ptCount val="1"/>
+                <c:pt idx="0">
+                  <c:v>2 capa</c:v>
+                </c:pt>
+              </c:strCache>
+            </c:strRef>
+          </c:tx>
+          <c:spPr>
+            <a:solidFill>
+              <a:schemeClr val="accent2"/>
+            </a:solidFill>
+            <a:ln>
+              <a:noFill/>
+            </a:ln>
+            <a:effectLst/>
+          </c:spPr>
+          <c:invertIfNegative val="0"/>
+          <c:cat>
+            <c:numRef>
+              <c:f>Sheet2!$A$2:$A$25</c:f>
+              <c:numCache>
+                <c:formatCode>General</c:formatCode>
+                <c:ptCount val="24"/>
+                <c:pt idx="0">
+                  <c:v>105248644</c:v>
+                </c:pt>
+                <c:pt idx="1">
+                  <c:v>72312627</c:v>
+                </c:pt>
+                <c:pt idx="2">
+                  <c:v>101356886</c:v>
+                </c:pt>
+                <c:pt idx="3">
+                  <c:v>132851371</c:v>
+                </c:pt>
+                <c:pt idx="4">
+                  <c:v>159020918</c:v>
+                </c:pt>
+                <c:pt idx="5">
+                  <c:v>116585378</c:v>
+                </c:pt>
+                <c:pt idx="6">
+                  <c:v>73562326</c:v>
+                </c:pt>
+                <c:pt idx="7">
+                  <c:v>106863163</c:v>
+                </c:pt>
+                <c:pt idx="8">
+                  <c:v>94296097</c:v>
+                </c:pt>
+                <c:pt idx="9">
+                  <c:v>101695162</c:v>
+                </c:pt>
+                <c:pt idx="10">
+                  <c:v>94155156</c:v>
+                </c:pt>
+                <c:pt idx="11">
+                  <c:v>41231571</c:v>
+                </c:pt>
+                <c:pt idx="12">
+                  <c:v>34505203</c:v>
+                </c:pt>
+                <c:pt idx="13">
+                  <c:v>82262664</c:v>
+                </c:pt>
+                <c:pt idx="14">
+                  <c:v>106573901</c:v>
+                </c:pt>
+                <c:pt idx="15">
+                  <c:v>134556694</c:v>
+                </c:pt>
+                <c:pt idx="16">
+                  <c:v>92423451</c:v>
+                </c:pt>
+                <c:pt idx="17">
+                  <c:v>121769650</c:v>
+                </c:pt>
+                <c:pt idx="18">
+                  <c:v>87278757</c:v>
+                </c:pt>
+                <c:pt idx="19">
+                  <c:v>125581247</c:v>
+                </c:pt>
+                <c:pt idx="20">
+                  <c:v>94738847</c:v>
+                </c:pt>
+                <c:pt idx="21">
+                  <c:v>86745912</c:v>
+                </c:pt>
+                <c:pt idx="22">
+                  <c:v>111620041</c:v>
+                </c:pt>
+                <c:pt idx="23">
+                  <c:v>25907144</c:v>
+                </c:pt>
+              </c:numCache>
+            </c:numRef>
+          </c:cat>
+          <c:val>
+            <c:numRef>
+              <c:f>Sheet2!$C$2:$C$25</c:f>
+              <c:numCache>
+                <c:formatCode>General</c:formatCode>
+                <c:ptCount val="24"/>
+                <c:pt idx="0">
+                  <c:v>0.66</c:v>
+                </c:pt>
+                <c:pt idx="1">
+                  <c:v>0.63</c:v>
+                </c:pt>
+                <c:pt idx="2">
+                  <c:v>0.71</c:v>
+                </c:pt>
+                <c:pt idx="3">
+                  <c:v>0.52</c:v>
+                </c:pt>
+                <c:pt idx="4">
+                  <c:v>0.56999999999999995</c:v>
+                </c:pt>
+                <c:pt idx="5">
+                  <c:v>0.59</c:v>
+                </c:pt>
+                <c:pt idx="6">
+                  <c:v>0.65</c:v>
+                </c:pt>
+                <c:pt idx="7">
+                  <c:v>0.66</c:v>
+                </c:pt>
+                <c:pt idx="8">
+                  <c:v>0.4</c:v>
+                </c:pt>
+                <c:pt idx="9">
+                  <c:v>0.54</c:v>
+                </c:pt>
+                <c:pt idx="10">
+                  <c:v>0.59</c:v>
+                </c:pt>
+                <c:pt idx="11">
+                  <c:v>0.73</c:v>
+                </c:pt>
+                <c:pt idx="12">
+                  <c:v>0.46</c:v>
+                </c:pt>
+                <c:pt idx="13">
+                  <c:v>0.5</c:v>
+                </c:pt>
+                <c:pt idx="14">
+                  <c:v>0.7</c:v>
+                </c:pt>
+                <c:pt idx="15">
+                  <c:v>0.53</c:v>
+                </c:pt>
+                <c:pt idx="16">
+                  <c:v>0.47</c:v>
+                </c:pt>
+                <c:pt idx="17">
+                  <c:v>0.59</c:v>
+                </c:pt>
+                <c:pt idx="18">
+                  <c:v>0.63</c:v>
+                </c:pt>
+                <c:pt idx="19">
+                  <c:v>0.46</c:v>
+                </c:pt>
+                <c:pt idx="20">
+                  <c:v>0.65</c:v>
+                </c:pt>
+                <c:pt idx="21">
+                  <c:v>0.6</c:v>
+                </c:pt>
+                <c:pt idx="22">
+                  <c:v>0.61</c:v>
+                </c:pt>
+                <c:pt idx="23">
+                  <c:v>0.59</c:v>
+                </c:pt>
+              </c:numCache>
+            </c:numRef>
+          </c:val>
+          <c:extLst>
+            <c:ext xmlns:c16="http://schemas.microsoft.com/office/drawing/2014/chart" uri="{C3380CC4-5D6E-409C-BE32-E72D297353CC}">
+              <c16:uniqueId val="{00000001-F385-134E-93A0-7DA908876D50}"/>
+            </c:ext>
+          </c:extLst>
+        </c:ser>
+        <c:ser>
+          <c:idx val="2"/>
+          <c:order val="2"/>
+          <c:tx>
+            <c:strRef>
+              <c:f>Sheet2!$D$1</c:f>
+              <c:strCache>
+                <c:ptCount val="1"/>
+                <c:pt idx="0">
+                  <c:v>3 capa</c:v>
+                </c:pt>
+              </c:strCache>
+            </c:strRef>
+          </c:tx>
+          <c:spPr>
+            <a:solidFill>
+              <a:srgbClr val="C00000"/>
+            </a:solidFill>
+            <a:ln>
+              <a:noFill/>
+            </a:ln>
+            <a:effectLst/>
+          </c:spPr>
+          <c:invertIfNegative val="0"/>
+          <c:cat>
+            <c:numRef>
+              <c:f>Sheet2!$A$2:$A$25</c:f>
+              <c:numCache>
+                <c:formatCode>General</c:formatCode>
+                <c:ptCount val="24"/>
+                <c:pt idx="0">
+                  <c:v>105248644</c:v>
+                </c:pt>
+                <c:pt idx="1">
+                  <c:v>72312627</c:v>
+                </c:pt>
+                <c:pt idx="2">
+                  <c:v>101356886</c:v>
+                </c:pt>
+                <c:pt idx="3">
+                  <c:v>132851371</c:v>
+                </c:pt>
+                <c:pt idx="4">
+                  <c:v>159020918</c:v>
+                </c:pt>
+                <c:pt idx="5">
+                  <c:v>116585378</c:v>
+                </c:pt>
+                <c:pt idx="6">
+                  <c:v>73562326</c:v>
+                </c:pt>
+                <c:pt idx="7">
+                  <c:v>106863163</c:v>
+                </c:pt>
+                <c:pt idx="8">
+                  <c:v>94296097</c:v>
+                </c:pt>
+                <c:pt idx="9">
+                  <c:v>101695162</c:v>
+                </c:pt>
+                <c:pt idx="10">
+                  <c:v>94155156</c:v>
+                </c:pt>
+                <c:pt idx="11">
+                  <c:v>41231571</c:v>
+                </c:pt>
+                <c:pt idx="12">
+                  <c:v>34505203</c:v>
+                </c:pt>
+                <c:pt idx="13">
+                  <c:v>82262664</c:v>
+                </c:pt>
+                <c:pt idx="14">
+                  <c:v>106573901</c:v>
+                </c:pt>
+                <c:pt idx="15">
+                  <c:v>134556694</c:v>
+                </c:pt>
+                <c:pt idx="16">
+                  <c:v>92423451</c:v>
+                </c:pt>
+                <c:pt idx="17">
+                  <c:v>121769650</c:v>
+                </c:pt>
+                <c:pt idx="18">
+                  <c:v>87278757</c:v>
+                </c:pt>
+                <c:pt idx="19">
+                  <c:v>125581247</c:v>
+                </c:pt>
+                <c:pt idx="20">
+                  <c:v>94738847</c:v>
+                </c:pt>
+                <c:pt idx="21">
+                  <c:v>86745912</c:v>
+                </c:pt>
+                <c:pt idx="22">
+                  <c:v>111620041</c:v>
+                </c:pt>
+                <c:pt idx="23">
+                  <c:v>25907144</c:v>
+                </c:pt>
+              </c:numCache>
+            </c:numRef>
+          </c:cat>
+          <c:val>
+            <c:numRef>
+              <c:f>Sheet2!$D$2:$D$25</c:f>
               <c:numCache>
                 <c:formatCode>General</c:formatCode>
                 <c:ptCount val="24"/>
@@ -2761,191 +3091,7 @@
           </c:val>
           <c:extLst>
             <c:ext xmlns:c16="http://schemas.microsoft.com/office/drawing/2014/chart" uri="{C3380CC4-5D6E-409C-BE32-E72D297353CC}">
-              <c16:uniqueId val="{00000000-F845-4A29-9A98-92C8BC485A17}"/>
-            </c:ext>
-          </c:extLst>
-        </c:ser>
-        <c:ser>
-          <c:idx val="1"/>
-          <c:order val="1"/>
-          <c:tx>
-            <c:v>Accuracy 2</c:v>
-          </c:tx>
-          <c:spPr>
-            <a:solidFill>
-              <a:schemeClr val="accent2"/>
-            </a:solidFill>
-            <a:ln>
-              <a:noFill/>
-            </a:ln>
-            <a:effectLst/>
-          </c:spPr>
-          <c:invertIfNegative val="0"/>
-          <c:cat>
-            <c:numRef>
-              <c:f>Sheet1!$A$2:$A$25</c:f>
-              <c:numCache>
-                <c:formatCode>General</c:formatCode>
-                <c:ptCount val="24"/>
-                <c:pt idx="0">
-                  <c:v>105248644</c:v>
-                </c:pt>
-                <c:pt idx="1">
-                  <c:v>72312627</c:v>
-                </c:pt>
-                <c:pt idx="2">
-                  <c:v>101356886</c:v>
-                </c:pt>
-                <c:pt idx="3">
-                  <c:v>132851371</c:v>
-                </c:pt>
-                <c:pt idx="4">
-                  <c:v>159020918</c:v>
-                </c:pt>
-                <c:pt idx="5">
-                  <c:v>116585378</c:v>
-                </c:pt>
-                <c:pt idx="6">
-                  <c:v>73562326</c:v>
-                </c:pt>
-                <c:pt idx="7">
-                  <c:v>106863163</c:v>
-                </c:pt>
-                <c:pt idx="8">
-                  <c:v>94296097</c:v>
-                </c:pt>
-                <c:pt idx="9">
-                  <c:v>101695162</c:v>
-                </c:pt>
-                <c:pt idx="10">
-                  <c:v>94155156</c:v>
-                </c:pt>
-                <c:pt idx="11">
-                  <c:v>41231571</c:v>
-                </c:pt>
-                <c:pt idx="12">
-                  <c:v>34505203</c:v>
-                </c:pt>
-                <c:pt idx="13">
-                  <c:v>82262664</c:v>
-                </c:pt>
-                <c:pt idx="14">
-                  <c:v>106573901</c:v>
-                </c:pt>
-                <c:pt idx="15">
-                  <c:v>134556694</c:v>
-                </c:pt>
-                <c:pt idx="16">
-                  <c:v>92423451</c:v>
-                </c:pt>
-                <c:pt idx="17">
-                  <c:v>121769650</c:v>
-                </c:pt>
-                <c:pt idx="18">
-                  <c:v>87278757</c:v>
-                </c:pt>
-                <c:pt idx="19">
-                  <c:v>125581247</c:v>
-                </c:pt>
-                <c:pt idx="20">
-                  <c:v>94738847</c:v>
-                </c:pt>
-                <c:pt idx="21">
-                  <c:v>86745912</c:v>
-                </c:pt>
-                <c:pt idx="22">
-                  <c:v>111620041</c:v>
-                </c:pt>
-                <c:pt idx="23">
-                  <c:v>25907144</c:v>
-                </c:pt>
-              </c:numCache>
-            </c:numRef>
-          </c:cat>
-          <c:val>
-            <c:numRef>
-              <c:f>Sheet1!$C$2:$C$25</c:f>
-              <c:numCache>
-                <c:formatCode>General</c:formatCode>
-                <c:ptCount val="24"/>
-                <c:pt idx="0">
-                  <c:v>0.66</c:v>
-                </c:pt>
-                <c:pt idx="1">
-                  <c:v>0.63</c:v>
-                </c:pt>
-                <c:pt idx="2">
-                  <c:v>0.71</c:v>
-                </c:pt>
-                <c:pt idx="3">
-                  <c:v>0.52</c:v>
-                </c:pt>
-                <c:pt idx="4">
-                  <c:v>0.56999999999999995</c:v>
-                </c:pt>
-                <c:pt idx="5">
-                  <c:v>0.59</c:v>
-                </c:pt>
-                <c:pt idx="6">
-                  <c:v>0.65</c:v>
-                </c:pt>
-                <c:pt idx="7">
-                  <c:v>0.66</c:v>
-                </c:pt>
-                <c:pt idx="8">
-                  <c:v>0.4</c:v>
-                </c:pt>
-                <c:pt idx="9">
-                  <c:v>0.54</c:v>
-                </c:pt>
-                <c:pt idx="10">
-                  <c:v>0.59</c:v>
-                </c:pt>
-                <c:pt idx="11">
-                  <c:v>0.73</c:v>
-                </c:pt>
-                <c:pt idx="12">
-                  <c:v>0.46</c:v>
-                </c:pt>
-                <c:pt idx="13">
-                  <c:v>0.5</c:v>
-                </c:pt>
-                <c:pt idx="14">
-                  <c:v>0.7</c:v>
-                </c:pt>
-                <c:pt idx="15">
-                  <c:v>0.53</c:v>
-                </c:pt>
-                <c:pt idx="16">
-                  <c:v>0.47</c:v>
-                </c:pt>
-                <c:pt idx="17">
-                  <c:v>0.59</c:v>
-                </c:pt>
-                <c:pt idx="18">
-                  <c:v>0.63</c:v>
-                </c:pt>
-                <c:pt idx="19">
-                  <c:v>0.46</c:v>
-                </c:pt>
-                <c:pt idx="20">
-                  <c:v>0.65</c:v>
-                </c:pt>
-                <c:pt idx="21">
-                  <c:v>0.6</c:v>
-                </c:pt>
-                <c:pt idx="22">
-                  <c:v>0.61</c:v>
-                </c:pt>
-                <c:pt idx="23">
-                  <c:v>0.59</c:v>
-                </c:pt>
-              </c:numCache>
-            </c:numRef>
-          </c:val>
-          <c:extLst>
-            <c:ext xmlns:c16="http://schemas.microsoft.com/office/drawing/2014/chart" uri="{C3380CC4-5D6E-409C-BE32-E72D297353CC}">
-              <c16:uniqueId val="{00000001-F845-4A29-9A98-92C8BC485A17}"/>
+              <c16:uniqueId val="{00000002-F385-134E-93A0-7DA908876D50}"/>
             </c:ext>
           </c:extLst>
         </c:ser>
@@ -2959,11 +3105,11 @@
         </c:dLbls>
         <c:gapWidth val="219"/>
         <c:overlap val="-27"/>
-        <c:axId val="730520768"/>
-        <c:axId val="730693120"/>
+        <c:axId val="971695343"/>
+        <c:axId val="971696975"/>
       </c:barChart>
       <c:catAx>
-        <c:axId val="730520768"/>
+        <c:axId val="971695343"/>
         <c:scaling>
           <c:orientation val="minMax"/>
         </c:scaling>
@@ -3003,10 +3149,10 @@
                 <a:cs typeface="+mn-cs"/>
               </a:defRPr>
             </a:pPr>
-            <a:endParaRPr lang="es-CO"/>
+            <a:endParaRPr lang="en-US"/>
           </a:p>
         </c:txPr>
-        <c:crossAx val="730693120"/>
+        <c:crossAx val="971696975"/>
         <c:crosses val="autoZero"/>
         <c:auto val="1"/>
         <c:lblAlgn val="ctr"/>
@@ -3014,7 +3160,7 @@
         <c:noMultiLvlLbl val="0"/>
       </c:catAx>
       <c:valAx>
-        <c:axId val="730693120"/>
+        <c:axId val="971696975"/>
         <c:scaling>
           <c:orientation val="minMax"/>
         </c:scaling>
@@ -3062,10 +3208,10 @@
                 <a:cs typeface="+mn-cs"/>
               </a:defRPr>
             </a:pPr>
-            <a:endParaRPr lang="es-CO"/>
+            <a:endParaRPr lang="en-US"/>
           </a:p>
         </c:txPr>
-        <c:crossAx val="730520768"/>
+        <c:crossAx val="971695343"/>
         <c:crosses val="autoZero"/>
         <c:crossBetween val="between"/>
       </c:valAx>
@@ -3077,37 +3223,6 @@
         <a:effectLst/>
       </c:spPr>
     </c:plotArea>
-    <c:legend>
-      <c:legendPos val="b"/>
-      <c:overlay val="0"/>
-      <c:spPr>
-        <a:noFill/>
-        <a:ln>
-          <a:noFill/>
-        </a:ln>
-        <a:effectLst/>
-      </c:spPr>
-      <c:txPr>
-        <a:bodyPr rot="0" spcFirstLastPara="1" vertOverflow="ellipsis" vert="horz" wrap="square" anchor="ctr" anchorCtr="1"/>
-        <a:lstStyle/>
-        <a:p>
-          <a:pPr>
-            <a:defRPr sz="900" b="0" i="0" u="none" strike="noStrike" kern="1200" baseline="0">
-              <a:solidFill>
-                <a:schemeClr val="tx1">
-                  <a:lumMod val="65000"/>
-                  <a:lumOff val="35000"/>
-                </a:schemeClr>
-              </a:solidFill>
-              <a:latin typeface="+mn-lt"/>
-              <a:ea typeface="+mn-ea"/>
-              <a:cs typeface="+mn-cs"/>
-            </a:defRPr>
-          </a:pPr>
-          <a:endParaRPr lang="es-CO"/>
-        </a:p>
-      </c:txPr>
-    </c:legend>
     <c:plotVisOnly val="1"/>
     <c:dispBlanksAs val="gap"/>
     <c:extLst>
@@ -3133,7 +3248,7 @@
       <a:pPr>
         <a:defRPr/>
       </a:pPr>
-      <a:endParaRPr lang="es-CO"/>
+      <a:endParaRPr lang="en-US"/>
     </a:p>
   </c:txPr>
   <c:externalData r:id="rId3">
@@ -4852,7 +4967,7 @@
           <a:p>
             <a:fld id="{D100391E-5383-C34D-900B-25999BBE87A5}" type="datetimeFigureOut">
               <a:rPr lang="es-ES_tradnl" smtClean="0"/>
-              <a:t>18/06/2019</a:t>
+              <a:t>22/6/19</a:t>
             </a:fld>
             <a:endParaRPr lang="es-ES_tradnl"/>
           </a:p>
@@ -5250,7 +5365,7 @@
           <a:p>
             <a:fld id="{AD759D54-C465-E042-8773-2461E320EA9C}" type="datetimeFigureOut">
               <a:rPr lang="es-ES_tradnl" smtClean="0"/>
-              <a:t>18/06/2019</a:t>
+              <a:t>22/6/19</a:t>
             </a:fld>
             <a:endParaRPr lang="es-ES_tradnl"/>
           </a:p>
@@ -5415,7 +5530,7 @@
           <a:p>
             <a:fld id="{AD759D54-C465-E042-8773-2461E320EA9C}" type="datetimeFigureOut">
               <a:rPr lang="es-ES_tradnl" smtClean="0"/>
-              <a:t>18/06/2019</a:t>
+              <a:t>22/6/19</a:t>
             </a:fld>
             <a:endParaRPr lang="es-ES_tradnl"/>
           </a:p>
@@ -5590,7 +5705,7 @@
           <a:p>
             <a:fld id="{AD759D54-C465-E042-8773-2461E320EA9C}" type="datetimeFigureOut">
               <a:rPr lang="es-ES_tradnl" smtClean="0"/>
-              <a:t>18/06/2019</a:t>
+              <a:t>22/6/19</a:t>
             </a:fld>
             <a:endParaRPr lang="es-ES_tradnl"/>
           </a:p>
@@ -5755,7 +5870,7 @@
           <a:p>
             <a:fld id="{AD759D54-C465-E042-8773-2461E320EA9C}" type="datetimeFigureOut">
               <a:rPr lang="es-ES_tradnl" smtClean="0"/>
-              <a:t>18/06/2019</a:t>
+              <a:t>22/6/19</a:t>
             </a:fld>
             <a:endParaRPr lang="es-ES_tradnl"/>
           </a:p>
@@ -5996,7 +6111,7 @@
           <a:p>
             <a:fld id="{AD759D54-C465-E042-8773-2461E320EA9C}" type="datetimeFigureOut">
               <a:rPr lang="es-ES_tradnl" smtClean="0"/>
-              <a:t>18/06/2019</a:t>
+              <a:t>22/6/19</a:t>
             </a:fld>
             <a:endParaRPr lang="es-ES_tradnl"/>
           </a:p>
@@ -6223,7 +6338,7 @@
           <a:p>
             <a:fld id="{AD759D54-C465-E042-8773-2461E320EA9C}" type="datetimeFigureOut">
               <a:rPr lang="es-ES_tradnl" smtClean="0"/>
-              <a:t>18/06/2019</a:t>
+              <a:t>22/6/19</a:t>
             </a:fld>
             <a:endParaRPr lang="es-ES_tradnl"/>
           </a:p>
@@ -6585,7 +6700,7 @@
           <a:p>
             <a:fld id="{AD759D54-C465-E042-8773-2461E320EA9C}" type="datetimeFigureOut">
               <a:rPr lang="es-ES_tradnl" smtClean="0"/>
-              <a:t>18/06/2019</a:t>
+              <a:t>22/6/19</a:t>
             </a:fld>
             <a:endParaRPr lang="es-ES_tradnl"/>
           </a:p>
@@ -6698,7 +6813,7 @@
           <a:p>
             <a:fld id="{AD759D54-C465-E042-8773-2461E320EA9C}" type="datetimeFigureOut">
               <a:rPr lang="es-ES_tradnl" smtClean="0"/>
-              <a:t>18/06/2019</a:t>
+              <a:t>22/6/19</a:t>
             </a:fld>
             <a:endParaRPr lang="es-ES_tradnl"/>
           </a:p>
@@ -6788,7 +6903,7 @@
           <a:p>
             <a:fld id="{AD759D54-C465-E042-8773-2461E320EA9C}" type="datetimeFigureOut">
               <a:rPr lang="es-ES_tradnl" smtClean="0"/>
-              <a:t>18/06/2019</a:t>
+              <a:t>22/6/19</a:t>
             </a:fld>
             <a:endParaRPr lang="es-ES_tradnl"/>
           </a:p>
@@ -7060,7 +7175,7 @@
           <a:p>
             <a:fld id="{AD759D54-C465-E042-8773-2461E320EA9C}" type="datetimeFigureOut">
               <a:rPr lang="es-ES_tradnl" smtClean="0"/>
-              <a:t>18/06/2019</a:t>
+              <a:t>22/6/19</a:t>
             </a:fld>
             <a:endParaRPr lang="es-ES_tradnl"/>
           </a:p>
@@ -7312,7 +7427,7 @@
           <a:p>
             <a:fld id="{AD759D54-C465-E042-8773-2461E320EA9C}" type="datetimeFigureOut">
               <a:rPr lang="es-ES_tradnl" smtClean="0"/>
-              <a:t>18/06/2019</a:t>
+              <a:t>22/6/19</a:t>
             </a:fld>
             <a:endParaRPr lang="es-ES_tradnl"/>
           </a:p>
@@ -7520,7 +7635,7 @@
           <a:p>
             <a:fld id="{AD759D54-C465-E042-8773-2461E320EA9C}" type="datetimeFigureOut">
               <a:rPr lang="es-ES_tradnl" smtClean="0"/>
-              <a:t>18/06/2019</a:t>
+              <a:t>22/6/19</a:t>
             </a:fld>
             <a:endParaRPr lang="es-ES_tradnl"/>
           </a:p>
@@ -7974,7 +8089,7 @@
         <p:spPr>
           <a:xfrm>
             <a:off x="8325854" y="947720"/>
-            <a:ext cx="14004758" cy="4466492"/>
+            <a:ext cx="14683002" cy="4466492"/>
           </a:xfrm>
         </p:spPr>
         <p:txBody>
@@ -8024,7 +8139,7 @@
                 <a:ea typeface="Arial" charset="0"/>
                 <a:cs typeface="Arial" charset="0"/>
               </a:rPr>
-              <a:t>VII Coloquio de Investigación y Desarrollo</a:t>
+              <a:t>VIII Coloquio de Investigación y Desarrollo</a:t>
             </a:r>
             <a:endParaRPr lang="es-ES_tradnl" sz="5400" dirty="0">
               <a:solidFill>
@@ -8051,6 +8166,938 @@
 </file>
 
 <file path=ppt/slides/slide10.xml><?xml version="1.0" encoding="utf-8"?>
+<p:sld xmlns:a="http://schemas.openxmlformats.org/drawingml/2006/main" xmlns:r="http://schemas.openxmlformats.org/officeDocument/2006/relationships" xmlns:p="http://schemas.openxmlformats.org/presentationml/2006/main">
+  <p:cSld>
+    <p:spTree>
+      <p:nvGrpSpPr>
+        <p:cNvPr id="1" name=""/>
+        <p:cNvGrpSpPr/>
+        <p:nvPr/>
+      </p:nvGrpSpPr>
+      <p:grpSpPr>
+        <a:xfrm>
+          <a:off x="0" y="0"/>
+          <a:ext cx="0" cy="0"/>
+          <a:chOff x="0" y="0"/>
+          <a:chExt cx="0" cy="0"/>
+        </a:xfrm>
+      </p:grpSpPr>
+      <p:pic>
+        <p:nvPicPr>
+          <p:cNvPr id="4" name="Imagen 6">
+            <a:extLst>
+              <a:ext uri="{FF2B5EF4-FFF2-40B4-BE49-F238E27FC236}">
+                <a16:creationId xmlns:a16="http://schemas.microsoft.com/office/drawing/2014/main" id="{265DC233-5CE4-4EA5-ABFB-0DE87C8501B9}"/>
+              </a:ext>
+            </a:extLst>
+          </p:cNvPr>
+          <p:cNvPicPr>
+            <a:picLocks noChangeAspect="1"/>
+          </p:cNvPicPr>
+          <p:nvPr/>
+        </p:nvPicPr>
+        <p:blipFill>
+          <a:blip r:embed="rId2">
+            <a:extLst>
+              <a:ext uri="{28A0092B-C50C-407E-A947-70E740481C1C}">
+                <a14:useLocalDpi xmlns:a14="http://schemas.microsoft.com/office/drawing/2010/main" val="0"/>
+              </a:ext>
+            </a:extLst>
+          </a:blip>
+          <a:stretch>
+            <a:fillRect/>
+          </a:stretch>
+        </p:blipFill>
+        <p:spPr>
+          <a:xfrm>
+            <a:off x="9256713" y="0"/>
+            <a:ext cx="15125700" cy="13716000"/>
+          </a:xfrm>
+          <a:prstGeom prst="rect">
+            <a:avLst/>
+          </a:prstGeom>
+        </p:spPr>
+      </p:pic>
+      <p:sp>
+        <p:nvSpPr>
+          <p:cNvPr id="2" name="Title 1">
+            <a:extLst>
+              <a:ext uri="{FF2B5EF4-FFF2-40B4-BE49-F238E27FC236}">
+                <a16:creationId xmlns:a16="http://schemas.microsoft.com/office/drawing/2014/main" id="{72DEB506-1E25-4F1A-8A02-03F5DC65096C}"/>
+              </a:ext>
+            </a:extLst>
+          </p:cNvPr>
+          <p:cNvSpPr>
+            <a:spLocks noGrp="1"/>
+          </p:cNvSpPr>
+          <p:nvPr>
+            <p:ph type="title"/>
+          </p:nvPr>
+        </p:nvSpPr>
+        <p:spPr/>
+        <p:txBody>
+          <a:bodyPr/>
+          <a:lstStyle/>
+          <a:p>
+            <a:r>
+              <a:rPr lang="es-419" b="1" dirty="0">
+                <a:solidFill>
+                  <a:srgbClr val="173657"/>
+                </a:solidFill>
+              </a:rPr>
+              <a:t>Revisión de la literatura</a:t>
+            </a:r>
+            <a:endParaRPr lang="en-US" b="1" dirty="0">
+              <a:solidFill>
+                <a:srgbClr val="173657"/>
+              </a:solidFill>
+            </a:endParaRPr>
+          </a:p>
+        </p:txBody>
+      </p:sp>
+      <p:sp>
+        <p:nvSpPr>
+          <p:cNvPr id="3" name="Content Placeholder 2">
+            <a:extLst>
+              <a:ext uri="{FF2B5EF4-FFF2-40B4-BE49-F238E27FC236}">
+                <a16:creationId xmlns:a16="http://schemas.microsoft.com/office/drawing/2014/main" id="{A4BB5305-ACD5-4CE1-8CEC-3B4A2E6EBA00}"/>
+              </a:ext>
+            </a:extLst>
+          </p:cNvPr>
+          <p:cNvSpPr>
+            <a:spLocks noGrp="1"/>
+          </p:cNvSpPr>
+          <p:nvPr>
+            <p:ph idx="1"/>
+          </p:nvPr>
+        </p:nvSpPr>
+        <p:spPr>
+          <a:xfrm>
+            <a:off x="1676291" y="3651250"/>
+            <a:ext cx="21679009" cy="8235950"/>
+          </a:xfrm>
+        </p:spPr>
+        <p:txBody>
+          <a:bodyPr>
+            <a:normAutofit/>
+          </a:bodyPr>
+          <a:lstStyle/>
+          <a:p>
+            <a:r>
+              <a:rPr lang="es-ES" b="1" dirty="0"/>
+              <a:t>[T] </a:t>
+            </a:r>
+            <a:r>
+              <a:rPr lang="es-ES" dirty="0" err="1"/>
+              <a:t>Result</a:t>
+            </a:r>
+            <a:r>
+              <a:rPr lang="es-ES" dirty="0"/>
+              <a:t> </a:t>
+            </a:r>
+            <a:r>
+              <a:rPr lang="es-ES" dirty="0" err="1"/>
+              <a:t>Prediction</a:t>
+            </a:r>
+            <a:r>
+              <a:rPr lang="es-ES" dirty="0"/>
+              <a:t> </a:t>
+            </a:r>
+            <a:r>
+              <a:rPr lang="es-ES" dirty="0" err="1"/>
+              <a:t>by</a:t>
+            </a:r>
+            <a:r>
+              <a:rPr lang="es-ES" dirty="0"/>
+              <a:t> </a:t>
+            </a:r>
+            <a:r>
+              <a:rPr lang="es-ES" dirty="0" err="1"/>
+              <a:t>Mining</a:t>
+            </a:r>
+            <a:r>
+              <a:rPr lang="es-ES" dirty="0"/>
+              <a:t> </a:t>
+            </a:r>
+            <a:r>
+              <a:rPr lang="es-ES" dirty="0" err="1"/>
+              <a:t>Replays</a:t>
+            </a:r>
+            <a:r>
+              <a:rPr lang="es-ES" dirty="0"/>
+              <a:t> in Dota 2 (2015). Tesis de maestría Universidad, Blekinge </a:t>
+            </a:r>
+            <a:r>
+              <a:rPr lang="es-ES" dirty="0" err="1"/>
+              <a:t>Institute</a:t>
+            </a:r>
+            <a:r>
+              <a:rPr lang="es-ES" dirty="0"/>
+              <a:t> </a:t>
+            </a:r>
+            <a:r>
+              <a:rPr lang="es-ES" dirty="0" err="1"/>
+              <a:t>of</a:t>
+            </a:r>
+            <a:r>
+              <a:rPr lang="es-ES" dirty="0"/>
+              <a:t> </a:t>
+            </a:r>
+            <a:r>
+              <a:rPr lang="es-ES" dirty="0" err="1"/>
+              <a:t>Technology</a:t>
+            </a:r>
+            <a:r>
+              <a:rPr lang="es-ES" dirty="0"/>
+              <a:t>: Usan </a:t>
+            </a:r>
+            <a:r>
+              <a:rPr lang="es-ES" dirty="0" err="1"/>
+              <a:t>Random</a:t>
+            </a:r>
+            <a:r>
+              <a:rPr lang="es-ES" dirty="0"/>
+              <a:t> Forest (RF) como algoritmo para predecir el equipo ganador a medida que avanza un juego usando 25 modelos de bosques aleatorios [1]</a:t>
+            </a:r>
+          </a:p>
+          <a:p>
+            <a:endParaRPr lang="es-ES" dirty="0"/>
+          </a:p>
+          <a:p>
+            <a:r>
+              <a:rPr lang="es-ES" b="1" dirty="0"/>
+              <a:t>[T] </a:t>
+            </a:r>
+            <a:r>
+              <a:rPr lang="es-ES" dirty="0" err="1"/>
+              <a:t>On</a:t>
+            </a:r>
+            <a:r>
+              <a:rPr lang="es-ES" dirty="0"/>
+              <a:t> </a:t>
+            </a:r>
+            <a:r>
+              <a:rPr lang="es-ES" dirty="0" err="1"/>
+              <a:t>using</a:t>
+            </a:r>
+            <a:r>
+              <a:rPr lang="es-ES" dirty="0"/>
+              <a:t> Artificial Neural Network </a:t>
+            </a:r>
+            <a:r>
+              <a:rPr lang="es-ES" dirty="0" err="1"/>
+              <a:t>models</a:t>
+            </a:r>
+            <a:r>
+              <a:rPr lang="es-ES" dirty="0"/>
+              <a:t> </a:t>
+            </a:r>
+            <a:r>
+              <a:rPr lang="es-ES" dirty="0" err="1"/>
+              <a:t>to</a:t>
+            </a:r>
+            <a:r>
+              <a:rPr lang="es-ES" dirty="0"/>
+              <a:t> </a:t>
+            </a:r>
+            <a:r>
+              <a:rPr lang="es-ES" dirty="0" err="1"/>
+              <a:t>predict</a:t>
+            </a:r>
+            <a:r>
+              <a:rPr lang="es-ES" dirty="0"/>
+              <a:t> </a:t>
+            </a:r>
+            <a:r>
+              <a:rPr lang="es-ES" dirty="0" err="1"/>
+              <a:t>game</a:t>
+            </a:r>
+            <a:r>
+              <a:rPr lang="es-ES" dirty="0"/>
+              <a:t> </a:t>
+            </a:r>
+            <a:r>
+              <a:rPr lang="es-ES" dirty="0" err="1"/>
+              <a:t>outcomes</a:t>
+            </a:r>
+            <a:r>
+              <a:rPr lang="es-ES" dirty="0"/>
+              <a:t> in Dota 2: KTH Royal </a:t>
+            </a:r>
+            <a:r>
+              <a:rPr lang="es-ES" dirty="0" err="1"/>
+              <a:t>Institute</a:t>
+            </a:r>
+            <a:r>
+              <a:rPr lang="es-ES" dirty="0"/>
+              <a:t> </a:t>
+            </a:r>
+            <a:r>
+              <a:rPr lang="es-ES" dirty="0" err="1"/>
+              <a:t>Of</a:t>
+            </a:r>
+            <a:r>
+              <a:rPr lang="es-ES" dirty="0"/>
+              <a:t> </a:t>
+            </a:r>
+            <a:r>
+              <a:rPr lang="es-ES" dirty="0" err="1"/>
+              <a:t>Technology</a:t>
+            </a:r>
+            <a:r>
+              <a:rPr lang="es-ES" dirty="0"/>
+              <a:t> (Junio 2017): Investigan si las redes neuronales pueden ser usadas para predecir los resultados del juego basándose en la selección de personajes de cada juego [2]</a:t>
+            </a:r>
+          </a:p>
+          <a:p>
+            <a:endParaRPr lang="es-ES" dirty="0"/>
+          </a:p>
+          <a:p>
+            <a:endParaRPr lang="en-US" dirty="0"/>
+          </a:p>
+        </p:txBody>
+      </p:sp>
+      <p:pic>
+        <p:nvPicPr>
+          <p:cNvPr id="1028" name="Picture 4">
+            <a:extLst>
+              <a:ext uri="{FF2B5EF4-FFF2-40B4-BE49-F238E27FC236}">
+                <a16:creationId xmlns:a16="http://schemas.microsoft.com/office/drawing/2014/main" id="{397265CD-038D-4A89-949F-48C196CA5CF8}"/>
+              </a:ext>
+            </a:extLst>
+          </p:cNvPr>
+          <p:cNvPicPr>
+            <a:picLocks noChangeAspect="1" noChangeArrowheads="1"/>
+          </p:cNvPicPr>
+          <p:nvPr/>
+        </p:nvPicPr>
+        <p:blipFill>
+          <a:blip r:embed="rId3">
+            <a:extLst>
+              <a:ext uri="{28A0092B-C50C-407E-A947-70E740481C1C}">
+                <a14:useLocalDpi xmlns:a14="http://schemas.microsoft.com/office/drawing/2010/main" val="0"/>
+              </a:ext>
+            </a:extLst>
+          </a:blip>
+          <a:srcRect/>
+          <a:stretch>
+            <a:fillRect/>
+          </a:stretch>
+        </p:blipFill>
+        <p:spPr bwMode="auto">
+          <a:xfrm>
+            <a:off x="75406" y="3651250"/>
+            <a:ext cx="1372394" cy="1332614"/>
+          </a:xfrm>
+          <a:prstGeom prst="rect">
+            <a:avLst/>
+          </a:prstGeom>
+          <a:noFill/>
+          <a:extLst>
+            <a:ext uri="{909E8E84-426E-40DD-AFC4-6F175D3DCCD1}">
+              <a14:hiddenFill xmlns:a14="http://schemas.microsoft.com/office/drawing/2010/main">
+                <a:solidFill>
+                  <a:srgbClr val="FFFFFF"/>
+                </a:solidFill>
+              </a14:hiddenFill>
+            </a:ext>
+          </a:extLst>
+        </p:spPr>
+      </p:pic>
+      <p:pic>
+        <p:nvPicPr>
+          <p:cNvPr id="1030" name="Picture 6">
+            <a:extLst>
+              <a:ext uri="{FF2B5EF4-FFF2-40B4-BE49-F238E27FC236}">
+                <a16:creationId xmlns:a16="http://schemas.microsoft.com/office/drawing/2014/main" id="{DF97617A-8511-448F-8ECB-0E3080A1A01E}"/>
+              </a:ext>
+            </a:extLst>
+          </p:cNvPr>
+          <p:cNvPicPr>
+            <a:picLocks noChangeAspect="1" noChangeArrowheads="1"/>
+          </p:cNvPicPr>
+          <p:nvPr/>
+        </p:nvPicPr>
+        <p:blipFill>
+          <a:blip r:embed="rId4">
+            <a:extLst>
+              <a:ext uri="{28A0092B-C50C-407E-A947-70E740481C1C}">
+                <a14:useLocalDpi xmlns:a14="http://schemas.microsoft.com/office/drawing/2010/main" val="0"/>
+              </a:ext>
+            </a:extLst>
+          </a:blip>
+          <a:srcRect/>
+          <a:stretch>
+            <a:fillRect/>
+          </a:stretch>
+        </p:blipFill>
+        <p:spPr bwMode="auto">
+          <a:xfrm>
+            <a:off x="175022" y="8186256"/>
+            <a:ext cx="1173162" cy="1208712"/>
+          </a:xfrm>
+          <a:prstGeom prst="rect">
+            <a:avLst/>
+          </a:prstGeom>
+          <a:noFill/>
+          <a:extLst>
+            <a:ext uri="{909E8E84-426E-40DD-AFC4-6F175D3DCCD1}">
+              <a14:hiddenFill xmlns:a14="http://schemas.microsoft.com/office/drawing/2010/main">
+                <a:solidFill>
+                  <a:srgbClr val="FFFFFF"/>
+                </a:solidFill>
+              </a14:hiddenFill>
+            </a:ext>
+          </a:extLst>
+        </p:spPr>
+      </p:pic>
+      <p:sp>
+        <p:nvSpPr>
+          <p:cNvPr id="8" name="TextBox 7">
+            <a:extLst>
+              <a:ext uri="{FF2B5EF4-FFF2-40B4-BE49-F238E27FC236}">
+                <a16:creationId xmlns:a16="http://schemas.microsoft.com/office/drawing/2014/main" id="{5F98CBE2-E271-466F-8981-780BB649DE3B}"/>
+              </a:ext>
+            </a:extLst>
+          </p:cNvPr>
+          <p:cNvSpPr txBox="1"/>
+          <p:nvPr/>
+        </p:nvSpPr>
+        <p:spPr>
+          <a:xfrm>
+            <a:off x="-3319" y="13068984"/>
+            <a:ext cx="1727396" cy="646331"/>
+          </a:xfrm>
+          <a:prstGeom prst="rect">
+            <a:avLst/>
+          </a:prstGeom>
+          <a:noFill/>
+        </p:spPr>
+        <p:txBody>
+          <a:bodyPr wrap="none" rtlCol="0">
+            <a:spAutoFit/>
+          </a:bodyPr>
+          <a:lstStyle/>
+          <a:p>
+            <a:r>
+              <a:rPr lang="es-419" dirty="0"/>
+              <a:t>T = Tesis</a:t>
+            </a:r>
+            <a:endParaRPr lang="en-US" dirty="0"/>
+          </a:p>
+        </p:txBody>
+      </p:sp>
+    </p:spTree>
+    <p:extLst>
+      <p:ext uri="{BB962C8B-B14F-4D97-AF65-F5344CB8AC3E}">
+        <p14:creationId xmlns:p14="http://schemas.microsoft.com/office/powerpoint/2010/main" val="3602311932"/>
+      </p:ext>
+    </p:extLst>
+  </p:cSld>
+  <p:clrMapOvr>
+    <a:masterClrMapping/>
+  </p:clrMapOvr>
+</p:sld>
+</file>
+
+<file path=ppt/slides/slide11.xml><?xml version="1.0" encoding="utf-8"?>
+<p:sld xmlns:a="http://schemas.openxmlformats.org/drawingml/2006/main" xmlns:r="http://schemas.openxmlformats.org/officeDocument/2006/relationships" xmlns:p="http://schemas.openxmlformats.org/presentationml/2006/main">
+  <p:cSld>
+    <p:spTree>
+      <p:nvGrpSpPr>
+        <p:cNvPr id="1" name=""/>
+        <p:cNvGrpSpPr/>
+        <p:nvPr/>
+      </p:nvGrpSpPr>
+      <p:grpSpPr>
+        <a:xfrm>
+          <a:off x="0" y="0"/>
+          <a:ext cx="0" cy="0"/>
+          <a:chOff x="0" y="0"/>
+          <a:chExt cx="0" cy="0"/>
+        </a:xfrm>
+      </p:grpSpPr>
+      <p:pic>
+        <p:nvPicPr>
+          <p:cNvPr id="4" name="Imagen 6">
+            <a:extLst>
+              <a:ext uri="{FF2B5EF4-FFF2-40B4-BE49-F238E27FC236}">
+                <a16:creationId xmlns:a16="http://schemas.microsoft.com/office/drawing/2014/main" id="{265DC233-5CE4-4EA5-ABFB-0DE87C8501B9}"/>
+              </a:ext>
+            </a:extLst>
+          </p:cNvPr>
+          <p:cNvPicPr>
+            <a:picLocks noChangeAspect="1"/>
+          </p:cNvPicPr>
+          <p:nvPr/>
+        </p:nvPicPr>
+        <p:blipFill>
+          <a:blip r:embed="rId2">
+            <a:extLst>
+              <a:ext uri="{28A0092B-C50C-407E-A947-70E740481C1C}">
+                <a14:useLocalDpi xmlns:a14="http://schemas.microsoft.com/office/drawing/2010/main" val="0"/>
+              </a:ext>
+            </a:extLst>
+          </a:blip>
+          <a:stretch>
+            <a:fillRect/>
+          </a:stretch>
+        </p:blipFill>
+        <p:spPr>
+          <a:xfrm>
+            <a:off x="9256713" y="0"/>
+            <a:ext cx="15125700" cy="13716000"/>
+          </a:xfrm>
+          <a:prstGeom prst="rect">
+            <a:avLst/>
+          </a:prstGeom>
+        </p:spPr>
+      </p:pic>
+      <p:sp>
+        <p:nvSpPr>
+          <p:cNvPr id="2" name="Title 1">
+            <a:extLst>
+              <a:ext uri="{FF2B5EF4-FFF2-40B4-BE49-F238E27FC236}">
+                <a16:creationId xmlns:a16="http://schemas.microsoft.com/office/drawing/2014/main" id="{72DEB506-1E25-4F1A-8A02-03F5DC65096C}"/>
+              </a:ext>
+            </a:extLst>
+          </p:cNvPr>
+          <p:cNvSpPr>
+            <a:spLocks noGrp="1"/>
+          </p:cNvSpPr>
+          <p:nvPr>
+            <p:ph type="title"/>
+          </p:nvPr>
+        </p:nvSpPr>
+        <p:spPr/>
+        <p:txBody>
+          <a:bodyPr/>
+          <a:lstStyle/>
+          <a:p>
+            <a:r>
+              <a:rPr lang="es-419" b="1" dirty="0">
+                <a:solidFill>
+                  <a:srgbClr val="173657"/>
+                </a:solidFill>
+              </a:rPr>
+              <a:t>Revisión de la literatura</a:t>
+            </a:r>
+            <a:endParaRPr lang="en-US" b="1" dirty="0">
+              <a:solidFill>
+                <a:srgbClr val="173657"/>
+              </a:solidFill>
+            </a:endParaRPr>
+          </a:p>
+        </p:txBody>
+      </p:sp>
+      <p:sp>
+        <p:nvSpPr>
+          <p:cNvPr id="3" name="Content Placeholder 2">
+            <a:extLst>
+              <a:ext uri="{FF2B5EF4-FFF2-40B4-BE49-F238E27FC236}">
+                <a16:creationId xmlns:a16="http://schemas.microsoft.com/office/drawing/2014/main" id="{A4BB5305-ACD5-4CE1-8CEC-3B4A2E6EBA00}"/>
+              </a:ext>
+            </a:extLst>
+          </p:cNvPr>
+          <p:cNvSpPr>
+            <a:spLocks noGrp="1"/>
+          </p:cNvSpPr>
+          <p:nvPr>
+            <p:ph idx="1"/>
+          </p:nvPr>
+        </p:nvSpPr>
+        <p:spPr>
+          <a:xfrm>
+            <a:off x="1676291" y="3651250"/>
+            <a:ext cx="21755209" cy="8235950"/>
+          </a:xfrm>
+        </p:spPr>
+        <p:txBody>
+          <a:bodyPr/>
+          <a:lstStyle/>
+          <a:p>
+            <a:r>
+              <a:rPr lang="es-ES" b="1" dirty="0"/>
+              <a:t>[WP]</a:t>
+            </a:r>
+            <a:r>
+              <a:rPr lang="es-ES" dirty="0"/>
+              <a:t> </a:t>
+            </a:r>
+            <a:r>
+              <a:rPr lang="es-ES" dirty="0" err="1"/>
+              <a:t>Win</a:t>
+            </a:r>
+            <a:r>
+              <a:rPr lang="es-ES" dirty="0"/>
+              <a:t> </a:t>
+            </a:r>
+            <a:r>
+              <a:rPr lang="es-ES" dirty="0" err="1"/>
+              <a:t>Prediction</a:t>
+            </a:r>
+            <a:r>
+              <a:rPr lang="es-ES" dirty="0"/>
+              <a:t> in </a:t>
+            </a:r>
+            <a:r>
+              <a:rPr lang="es-ES" dirty="0" err="1"/>
+              <a:t>Esports</a:t>
+            </a:r>
+            <a:r>
+              <a:rPr lang="es-ES" dirty="0"/>
+              <a:t>: </a:t>
+            </a:r>
+            <a:r>
+              <a:rPr lang="es-ES" dirty="0" err="1"/>
+              <a:t>Mixed</a:t>
+            </a:r>
+            <a:r>
+              <a:rPr lang="es-ES" dirty="0"/>
+              <a:t>-Rank Match </a:t>
+            </a:r>
+            <a:r>
+              <a:rPr lang="es-ES" dirty="0" err="1"/>
+              <a:t>Prediction</a:t>
+            </a:r>
+            <a:r>
+              <a:rPr lang="es-ES" dirty="0"/>
+              <a:t> in </a:t>
+            </a:r>
+            <a:r>
+              <a:rPr lang="es-ES" dirty="0" err="1"/>
+              <a:t>Multi-player</a:t>
+            </a:r>
+            <a:r>
+              <a:rPr lang="es-ES" dirty="0"/>
+              <a:t> Online </a:t>
+            </a:r>
+            <a:r>
+              <a:rPr lang="es-ES" dirty="0" err="1"/>
+              <a:t>Battle</a:t>
+            </a:r>
+            <a:r>
+              <a:rPr lang="es-ES" dirty="0"/>
+              <a:t> Arena </a:t>
+            </a:r>
+            <a:r>
+              <a:rPr lang="es-ES" dirty="0" err="1"/>
+              <a:t>Games</a:t>
+            </a:r>
+            <a:r>
+              <a:rPr lang="es-ES" dirty="0"/>
+              <a:t> (Nov 2017). White Rose, Universidad de </a:t>
+            </a:r>
+            <a:r>
+              <a:rPr lang="es-ES" dirty="0" err="1"/>
+              <a:t>Consortium</a:t>
+            </a:r>
+            <a:r>
+              <a:rPr lang="es-ES" dirty="0"/>
+              <a:t>: Analizan si los datos de juegos mixtos entre jugadores de bajo rango pueden también ser usados para predecir partidas de jugadores profesionales o de alto rango [3]</a:t>
+            </a:r>
+          </a:p>
+          <a:p>
+            <a:r>
+              <a:rPr lang="es-ES" b="1" dirty="0"/>
+              <a:t>[A] </a:t>
+            </a:r>
+            <a:r>
+              <a:rPr lang="es-ES" dirty="0" err="1"/>
+              <a:t>DotA</a:t>
+            </a:r>
+            <a:r>
+              <a:rPr lang="es-ES" dirty="0"/>
+              <a:t> 2 </a:t>
+            </a:r>
+            <a:r>
+              <a:rPr lang="es-ES" dirty="0" err="1"/>
+              <a:t>Bots</a:t>
+            </a:r>
+            <a:r>
+              <a:rPr lang="es-ES" dirty="0"/>
+              <a:t> </a:t>
+            </a:r>
+            <a:r>
+              <a:rPr lang="es-ES" dirty="0" err="1"/>
+              <a:t>Win</a:t>
+            </a:r>
+            <a:r>
+              <a:rPr lang="es-ES" dirty="0"/>
+              <a:t> </a:t>
+            </a:r>
+            <a:r>
+              <a:rPr lang="es-ES" dirty="0" err="1"/>
+              <a:t>Prediction</a:t>
+            </a:r>
+            <a:r>
+              <a:rPr lang="es-ES" dirty="0"/>
+              <a:t> </a:t>
+            </a:r>
+            <a:r>
+              <a:rPr lang="es-ES" dirty="0" err="1"/>
+              <a:t>Using</a:t>
+            </a:r>
+            <a:r>
+              <a:rPr lang="es-ES" dirty="0"/>
+              <a:t> </a:t>
+            </a:r>
+            <a:r>
+              <a:rPr lang="es-ES" dirty="0" err="1"/>
+              <a:t>Naive</a:t>
+            </a:r>
+            <a:r>
+              <a:rPr lang="es-ES" dirty="0"/>
+              <a:t> Bayes </a:t>
+            </a:r>
+            <a:r>
+              <a:rPr lang="es-ES" dirty="0" err="1"/>
+              <a:t>Based</a:t>
+            </a:r>
+            <a:r>
+              <a:rPr lang="es-ES" dirty="0"/>
+              <a:t> </a:t>
+            </a:r>
+            <a:r>
+              <a:rPr lang="es-ES" dirty="0" err="1"/>
+              <a:t>on</a:t>
+            </a:r>
+            <a:r>
+              <a:rPr lang="es-ES" dirty="0"/>
+              <a:t> </a:t>
+            </a:r>
+            <a:r>
+              <a:rPr lang="es-ES" dirty="0" err="1"/>
+              <a:t>Adaboost</a:t>
+            </a:r>
+            <a:r>
+              <a:rPr lang="es-ES" dirty="0"/>
+              <a:t> </a:t>
+            </a:r>
+            <a:r>
+              <a:rPr lang="es-ES" dirty="0" err="1"/>
+              <a:t>Algorithm</a:t>
+            </a:r>
+            <a:r>
+              <a:rPr lang="es-ES" dirty="0"/>
+              <a:t>. </a:t>
+            </a:r>
+            <a:r>
+              <a:rPr lang="es-ES" dirty="0" err="1"/>
+              <a:t>Universitas</a:t>
+            </a:r>
+            <a:r>
+              <a:rPr lang="es-ES" dirty="0"/>
+              <a:t> Dian </a:t>
+            </a:r>
+            <a:r>
+              <a:rPr lang="es-ES" dirty="0" err="1"/>
+              <a:t>Nuswantoro</a:t>
+            </a:r>
+            <a:r>
+              <a:rPr lang="es-ES" dirty="0"/>
+              <a:t>, Indonesia (Nov 2017): Emplean el algoritmo de </a:t>
+            </a:r>
+            <a:r>
+              <a:rPr lang="es-ES" dirty="0" err="1"/>
+              <a:t>adaboost</a:t>
+            </a:r>
+            <a:r>
+              <a:rPr lang="es-ES" dirty="0"/>
+              <a:t> sobre </a:t>
+            </a:r>
+            <a:r>
+              <a:rPr lang="es-ES" dirty="0" err="1"/>
+              <a:t>Naive</a:t>
+            </a:r>
+            <a:r>
+              <a:rPr lang="es-ES" dirty="0"/>
+              <a:t> Bayes en partidas contra </a:t>
+            </a:r>
+            <a:r>
+              <a:rPr lang="es-ES" dirty="0" err="1"/>
+              <a:t>Bots</a:t>
+            </a:r>
+            <a:r>
+              <a:rPr lang="es-ES" dirty="0"/>
+              <a:t> (o robots del juego) para determinar un equipo ganador con un </a:t>
+            </a:r>
+            <a:r>
+              <a:rPr lang="es-ES" dirty="0" err="1"/>
+              <a:t>Kernel</a:t>
+            </a:r>
+            <a:r>
+              <a:rPr lang="es-ES" dirty="0"/>
+              <a:t> de distribución Gaussiana alcanzando un 80% [4]</a:t>
+            </a:r>
+            <a:endParaRPr lang="en-US" dirty="0"/>
+          </a:p>
+        </p:txBody>
+      </p:sp>
+      <p:pic>
+        <p:nvPicPr>
+          <p:cNvPr id="2050" name="Picture 2">
+            <a:extLst>
+              <a:ext uri="{FF2B5EF4-FFF2-40B4-BE49-F238E27FC236}">
+                <a16:creationId xmlns:a16="http://schemas.microsoft.com/office/drawing/2014/main" id="{FF50F571-29F2-488B-86D8-F3CC7C96CE2F}"/>
+              </a:ext>
+            </a:extLst>
+          </p:cNvPr>
+          <p:cNvPicPr>
+            <a:picLocks noChangeAspect="1" noChangeArrowheads="1"/>
+          </p:cNvPicPr>
+          <p:nvPr/>
+        </p:nvPicPr>
+        <p:blipFill>
+          <a:blip r:embed="rId3">
+            <a:extLst>
+              <a:ext uri="{28A0092B-C50C-407E-A947-70E740481C1C}">
+                <a14:useLocalDpi xmlns:a14="http://schemas.microsoft.com/office/drawing/2010/main" val="0"/>
+              </a:ext>
+            </a:extLst>
+          </a:blip>
+          <a:srcRect/>
+          <a:stretch>
+            <a:fillRect/>
+          </a:stretch>
+        </p:blipFill>
+        <p:spPr bwMode="auto">
+          <a:xfrm>
+            <a:off x="217488" y="3708399"/>
+            <a:ext cx="1349086" cy="1370845"/>
+          </a:xfrm>
+          <a:prstGeom prst="rect">
+            <a:avLst/>
+          </a:prstGeom>
+          <a:noFill/>
+          <a:extLst>
+            <a:ext uri="{909E8E84-426E-40DD-AFC4-6F175D3DCCD1}">
+              <a14:hiddenFill xmlns:a14="http://schemas.microsoft.com/office/drawing/2010/main">
+                <a:solidFill>
+                  <a:srgbClr val="FFFFFF"/>
+                </a:solidFill>
+              </a14:hiddenFill>
+            </a:ext>
+          </a:extLst>
+        </p:spPr>
+      </p:pic>
+      <p:pic>
+        <p:nvPicPr>
+          <p:cNvPr id="2052" name="Picture 4">
+            <a:extLst>
+              <a:ext uri="{FF2B5EF4-FFF2-40B4-BE49-F238E27FC236}">
+                <a16:creationId xmlns:a16="http://schemas.microsoft.com/office/drawing/2014/main" id="{A3A3F0DE-B93F-4890-86C7-DA6DADB03CDE}"/>
+              </a:ext>
+            </a:extLst>
+          </p:cNvPr>
+          <p:cNvPicPr>
+            <a:picLocks noChangeAspect="1" noChangeArrowheads="1"/>
+          </p:cNvPicPr>
+          <p:nvPr/>
+        </p:nvPicPr>
+        <p:blipFill>
+          <a:blip r:embed="rId4">
+            <a:extLst>
+              <a:ext uri="{28A0092B-C50C-407E-A947-70E740481C1C}">
+                <a14:useLocalDpi xmlns:a14="http://schemas.microsoft.com/office/drawing/2010/main" val="0"/>
+              </a:ext>
+            </a:extLst>
+          </a:blip>
+          <a:srcRect/>
+          <a:stretch>
+            <a:fillRect/>
+          </a:stretch>
+        </p:blipFill>
+        <p:spPr bwMode="auto">
+          <a:xfrm>
+            <a:off x="217487" y="7769225"/>
+            <a:ext cx="1458803" cy="1479064"/>
+          </a:xfrm>
+          <a:prstGeom prst="rect">
+            <a:avLst/>
+          </a:prstGeom>
+          <a:noFill/>
+          <a:extLst>
+            <a:ext uri="{909E8E84-426E-40DD-AFC4-6F175D3DCCD1}">
+              <a14:hiddenFill xmlns:a14="http://schemas.microsoft.com/office/drawing/2010/main">
+                <a:solidFill>
+                  <a:srgbClr val="FFFFFF"/>
+                </a:solidFill>
+              </a14:hiddenFill>
+            </a:ext>
+          </a:extLst>
+        </p:spPr>
+      </p:pic>
+      <p:sp>
+        <p:nvSpPr>
+          <p:cNvPr id="5" name="TextBox 4">
+            <a:extLst>
+              <a:ext uri="{FF2B5EF4-FFF2-40B4-BE49-F238E27FC236}">
+                <a16:creationId xmlns:a16="http://schemas.microsoft.com/office/drawing/2014/main" id="{9C6E6621-6FF7-453B-9B77-60EFC7DC3B36}"/>
+              </a:ext>
+            </a:extLst>
+          </p:cNvPr>
+          <p:cNvSpPr txBox="1"/>
+          <p:nvPr/>
+        </p:nvSpPr>
+        <p:spPr>
+          <a:xfrm>
+            <a:off x="-3319" y="13068984"/>
+            <a:ext cx="6373411" cy="646331"/>
+          </a:xfrm>
+          <a:prstGeom prst="rect">
+            <a:avLst/>
+          </a:prstGeom>
+          <a:noFill/>
+        </p:spPr>
+        <p:txBody>
+          <a:bodyPr wrap="none" rtlCol="0">
+            <a:spAutoFit/>
+          </a:bodyPr>
+          <a:lstStyle/>
+          <a:p>
+            <a:r>
+              <a:rPr lang="es-419" dirty="0"/>
+              <a:t>WP = </a:t>
+            </a:r>
+            <a:r>
+              <a:rPr lang="es-419" dirty="0" err="1"/>
+              <a:t>Working</a:t>
+            </a:r>
+            <a:r>
+              <a:rPr lang="es-419" dirty="0"/>
+              <a:t> </a:t>
+            </a:r>
+            <a:r>
+              <a:rPr lang="es-419" dirty="0" err="1"/>
+              <a:t>Paper</a:t>
+            </a:r>
+            <a:r>
+              <a:rPr lang="es-419" dirty="0"/>
+              <a:t> | A = </a:t>
+            </a:r>
+            <a:r>
+              <a:rPr lang="es-419" dirty="0" err="1"/>
+              <a:t>Article</a:t>
+            </a:r>
+            <a:endParaRPr lang="en-US" dirty="0"/>
+          </a:p>
+        </p:txBody>
+      </p:sp>
+    </p:spTree>
+    <p:extLst>
+      <p:ext uri="{BB962C8B-B14F-4D97-AF65-F5344CB8AC3E}">
+        <p14:creationId xmlns:p14="http://schemas.microsoft.com/office/powerpoint/2010/main" val="276420612"/>
+      </p:ext>
+    </p:extLst>
+  </p:cSld>
+  <p:clrMapOvr>
+    <a:masterClrMapping/>
+  </p:clrMapOvr>
+</p:sld>
+</file>
+
+<file path=ppt/slides/slide12.xml><?xml version="1.0" encoding="utf-8"?>
 <p:sld xmlns:a="http://schemas.openxmlformats.org/drawingml/2006/main" xmlns:r="http://schemas.openxmlformats.org/officeDocument/2006/relationships" xmlns:p="http://schemas.openxmlformats.org/presentationml/2006/main">
   <p:cSld>
     <p:spTree>
@@ -8138,10 +9185,10 @@
       </p:sp>
       <p:pic>
         <p:nvPicPr>
-          <p:cNvPr id="4" name="Picture 3">
+          <p:cNvPr id="3" name="Picture 2">
             <a:extLst>
               <a:ext uri="{FF2B5EF4-FFF2-40B4-BE49-F238E27FC236}">
-                <a16:creationId xmlns:a16="http://schemas.microsoft.com/office/drawing/2014/main" id="{E72F0121-822A-44C4-9EAD-DD5301E731A2}"/>
+                <a16:creationId xmlns:a16="http://schemas.microsoft.com/office/drawing/2014/main" id="{CA5BF43E-F338-DA45-B37A-4E8ABCAC4661}"/>
               </a:ext>
             </a:extLst>
           </p:cNvPr>
@@ -8158,8 +9205,8 @@
         </p:blipFill>
         <p:spPr>
           <a:xfrm>
-            <a:off x="2308478" y="2870669"/>
-            <a:ext cx="19765456" cy="10845331"/>
+            <a:off x="2333069" y="2698082"/>
+            <a:ext cx="19716274" cy="11017918"/>
           </a:xfrm>
           <a:prstGeom prst="rect">
             <a:avLst/>
@@ -8179,7 +9226,7 @@
 </p:sld>
 </file>
 
-<file path=ppt/slides/slide11.xml><?xml version="1.0" encoding="utf-8"?>
+<file path=ppt/slides/slide13.xml><?xml version="1.0" encoding="utf-8"?>
 <p:sld xmlns:a="http://schemas.openxmlformats.org/drawingml/2006/main" xmlns:r="http://schemas.openxmlformats.org/officeDocument/2006/relationships" xmlns:p="http://schemas.openxmlformats.org/presentationml/2006/main">
   <p:cSld>
     <p:spTree>
@@ -8288,15 +9335,7 @@
           <a:p>
             <a:r>
               <a:rPr lang="es-CO" dirty="0"/>
-              <a:t>En esta investigación se pretende desarrollar un modelo predictivo dado el historial de partidas realizadas por un jugador profesional que sean de tipo </a:t>
-            </a:r>
-            <a:r>
-              <a:rPr lang="es-CO" dirty="0" err="1"/>
-              <a:t>ranked</a:t>
-            </a:r>
-            <a:r>
-              <a:rPr lang="es-CO" dirty="0"/>
-              <a:t> o que sean de la participación de cualquier Liga. Las ligas son aquellas que se consideran a nivel internacional como las mas significativas de acuerdo al modelo de la corporación Valve [5]</a:t>
+              <a:t>En esta investigación se pretende desarrollar un modelo predictivo dado el historial de partidas realizadas por un jugador profesional que sean de tipo rank o que sean de la participación de cualquier Liga. Las ligas son aquellas que se consideran a nivel internacional como las mas significativas de acuerdo al modelo de la corporación Valve [5]</a:t>
             </a:r>
           </a:p>
           <a:p>
@@ -8344,7 +9383,7 @@
 </p:sld>
 </file>
 
-<file path=ppt/slides/slide12.xml><?xml version="1.0" encoding="utf-8"?>
+<file path=ppt/slides/slide14.xml><?xml version="1.0" encoding="utf-8"?>
 <p:sld xmlns:a="http://schemas.openxmlformats.org/drawingml/2006/main" xmlns:r="http://schemas.openxmlformats.org/officeDocument/2006/relationships" xmlns:p="http://schemas.openxmlformats.org/presentationml/2006/main">
   <p:cSld>
     <p:spTree>
@@ -8415,7 +9454,9 @@
         </p:nvSpPr>
         <p:spPr/>
         <p:txBody>
-          <a:bodyPr/>
+          <a:bodyPr>
+            <a:normAutofit/>
+          </a:bodyPr>
           <a:lstStyle/>
           <a:p>
             <a:r>
@@ -9514,7 +10555,601 @@
 </p:sld>
 </file>
 
-<file path=ppt/slides/slide13.xml><?xml version="1.0" encoding="utf-8"?>
+<file path=ppt/slides/slide15.xml><?xml version="1.0" encoding="utf-8"?>
+<p:sld xmlns:a="http://schemas.openxmlformats.org/drawingml/2006/main" xmlns:r="http://schemas.openxmlformats.org/officeDocument/2006/relationships" xmlns:p="http://schemas.openxmlformats.org/presentationml/2006/main">
+  <p:cSld>
+    <p:spTree>
+      <p:nvGrpSpPr>
+        <p:cNvPr id="1" name=""/>
+        <p:cNvGrpSpPr/>
+        <p:nvPr/>
+      </p:nvGrpSpPr>
+      <p:grpSpPr>
+        <a:xfrm>
+          <a:off x="0" y="0"/>
+          <a:ext cx="0" cy="0"/>
+          <a:chOff x="0" y="0"/>
+          <a:chExt cx="0" cy="0"/>
+        </a:xfrm>
+      </p:grpSpPr>
+      <p:pic>
+        <p:nvPicPr>
+          <p:cNvPr id="4" name="Imagen 6">
+            <a:extLst>
+              <a:ext uri="{FF2B5EF4-FFF2-40B4-BE49-F238E27FC236}">
+                <a16:creationId xmlns:a16="http://schemas.microsoft.com/office/drawing/2014/main" id="{24777C4D-FC06-4726-8849-79F4922F4684}"/>
+              </a:ext>
+            </a:extLst>
+          </p:cNvPr>
+          <p:cNvPicPr>
+            <a:picLocks noChangeAspect="1"/>
+          </p:cNvPicPr>
+          <p:nvPr/>
+        </p:nvPicPr>
+        <p:blipFill>
+          <a:blip r:embed="rId2">
+            <a:extLst>
+              <a:ext uri="{28A0092B-C50C-407E-A947-70E740481C1C}">
+                <a14:useLocalDpi xmlns:a14="http://schemas.microsoft.com/office/drawing/2010/main" val="0"/>
+              </a:ext>
+            </a:extLst>
+          </a:blip>
+          <a:stretch>
+            <a:fillRect/>
+          </a:stretch>
+        </p:blipFill>
+        <p:spPr>
+          <a:xfrm>
+            <a:off x="9256713" y="0"/>
+            <a:ext cx="15125700" cy="13716000"/>
+          </a:xfrm>
+          <a:prstGeom prst="rect">
+            <a:avLst/>
+          </a:prstGeom>
+        </p:spPr>
+      </p:pic>
+      <p:sp>
+        <p:nvSpPr>
+          <p:cNvPr id="2" name="Title 1">
+            <a:extLst>
+              <a:ext uri="{FF2B5EF4-FFF2-40B4-BE49-F238E27FC236}">
+                <a16:creationId xmlns:a16="http://schemas.microsoft.com/office/drawing/2014/main" id="{8BCC5043-D92E-4C31-8F05-047382DB6EBD}"/>
+              </a:ext>
+            </a:extLst>
+          </p:cNvPr>
+          <p:cNvSpPr>
+            <a:spLocks noGrp="1"/>
+          </p:cNvSpPr>
+          <p:nvPr>
+            <p:ph type="title"/>
+          </p:nvPr>
+        </p:nvSpPr>
+        <p:spPr/>
+        <p:txBody>
+          <a:bodyPr>
+            <a:normAutofit/>
+          </a:bodyPr>
+          <a:lstStyle/>
+          <a:p>
+            <a:r>
+              <a:rPr lang="es-419" b="1" dirty="0">
+                <a:solidFill>
+                  <a:srgbClr val="173657"/>
+                </a:solidFill>
+              </a:rPr>
+              <a:t>Avances</a:t>
+            </a:r>
+            <a:endParaRPr lang="es-CO" dirty="0"/>
+          </a:p>
+        </p:txBody>
+      </p:sp>
+      <p:graphicFrame>
+        <p:nvGraphicFramePr>
+          <p:cNvPr id="14" name="Content Placeholder 13">
+            <a:extLst>
+              <a:ext uri="{FF2B5EF4-FFF2-40B4-BE49-F238E27FC236}">
+                <a16:creationId xmlns:a16="http://schemas.microsoft.com/office/drawing/2014/main" id="{81C0F8C7-6549-42BE-AFD6-3861A6E89B09}"/>
+              </a:ext>
+            </a:extLst>
+          </p:cNvPr>
+          <p:cNvGraphicFramePr>
+            <a:graphicFrameLocks noGrp="1"/>
+          </p:cNvGraphicFramePr>
+          <p:nvPr>
+            <p:ph idx="1"/>
+            <p:extLst>
+              <p:ext uri="{D42A27DB-BD31-4B8C-83A1-F6EECF244321}">
+                <p14:modId xmlns:p14="http://schemas.microsoft.com/office/powerpoint/2010/main" val="1351047494"/>
+              </p:ext>
+            </p:extLst>
+          </p:nvPr>
+        </p:nvGraphicFramePr>
+        <p:xfrm>
+          <a:off x="415209" y="5537201"/>
+          <a:ext cx="11427725" cy="3797670"/>
+        </p:xfrm>
+        <a:graphic>
+          <a:graphicData uri="http://schemas.openxmlformats.org/drawingml/2006/table">
+            <a:tbl>
+              <a:tblPr firstRow="1" firstCol="1" bandRow="1">
+                <a:tableStyleId>{FABFCF23-3B69-468F-B69F-88F6DE6A72F2}</a:tableStyleId>
+              </a:tblPr>
+              <a:tblGrid>
+                <a:gridCol w="3125331">
+                  <a:extLst>
+                    <a:ext uri="{9D8B030D-6E8A-4147-A177-3AD203B41FA5}">
+                      <a16:colId xmlns:a16="http://schemas.microsoft.com/office/drawing/2014/main" val="1064059423"/>
+                    </a:ext>
+                  </a:extLst>
+                </a:gridCol>
+                <a:gridCol w="2771638">
+                  <a:extLst>
+                    <a:ext uri="{9D8B030D-6E8A-4147-A177-3AD203B41FA5}">
+                      <a16:colId xmlns:a16="http://schemas.microsoft.com/office/drawing/2014/main" val="2624816240"/>
+                    </a:ext>
+                  </a:extLst>
+                </a:gridCol>
+                <a:gridCol w="2765378">
+                  <a:extLst>
+                    <a:ext uri="{9D8B030D-6E8A-4147-A177-3AD203B41FA5}">
+                      <a16:colId xmlns:a16="http://schemas.microsoft.com/office/drawing/2014/main" val="3891759728"/>
+                    </a:ext>
+                  </a:extLst>
+                </a:gridCol>
+                <a:gridCol w="2765378">
+                  <a:extLst>
+                    <a:ext uri="{9D8B030D-6E8A-4147-A177-3AD203B41FA5}">
+                      <a16:colId xmlns:a16="http://schemas.microsoft.com/office/drawing/2014/main" val="3781999322"/>
+                    </a:ext>
+                  </a:extLst>
+                </a:gridCol>
+              </a:tblGrid>
+              <a:tr h="1265890">
+                <a:tc gridSpan="4">
+                  <a:txBody>
+                    <a:bodyPr/>
+                    <a:lstStyle/>
+                    <a:p>
+                      <a:pPr algn="ctr">
+                        <a:lnSpc>
+                          <a:spcPct val="107000"/>
+                        </a:lnSpc>
+                        <a:spcAft>
+                          <a:spcPts val="0"/>
+                        </a:spcAft>
+                      </a:pPr>
+                      <a:r>
+                        <a:rPr lang="en-US" sz="3600" dirty="0">
+                          <a:effectLst/>
+                        </a:rPr>
+                        <a:t>Variables </a:t>
+                      </a:r>
+                      <a:r>
+                        <a:rPr lang="es-CO" sz="3600" dirty="0">
+                          <a:effectLst/>
+                        </a:rPr>
+                        <a:t>Independientes</a:t>
+                      </a:r>
+                      <a:endParaRPr lang="es-CO" sz="3600" dirty="0">
+                        <a:effectLst/>
+                        <a:latin typeface="Calibri" panose="020F0502020204030204" pitchFamily="34" charset="0"/>
+                        <a:ea typeface="Calibri" panose="020F0502020204030204" pitchFamily="34" charset="0"/>
+                        <a:cs typeface="Times New Roman" panose="02020603050405020304" pitchFamily="18" charset="0"/>
+                      </a:endParaRPr>
+                    </a:p>
+                  </a:txBody>
+                  <a:tcPr marL="68580" marR="68580" marT="0" marB="0"/>
+                </a:tc>
+                <a:tc hMerge="1">
+                  <a:txBody>
+                    <a:bodyPr/>
+                    <a:lstStyle/>
+                    <a:p>
+                      <a:endParaRPr lang="es-CO"/>
+                    </a:p>
+                  </a:txBody>
+                  <a:tcPr/>
+                </a:tc>
+                <a:tc hMerge="1">
+                  <a:txBody>
+                    <a:bodyPr/>
+                    <a:lstStyle/>
+                    <a:p>
+                      <a:endParaRPr lang="es-CO"/>
+                    </a:p>
+                  </a:txBody>
+                  <a:tcPr/>
+                </a:tc>
+                <a:tc hMerge="1">
+                  <a:txBody>
+                    <a:bodyPr/>
+                    <a:lstStyle/>
+                    <a:p>
+                      <a:endParaRPr lang="es-CO"/>
+                    </a:p>
+                  </a:txBody>
+                  <a:tcPr/>
+                </a:tc>
+                <a:extLst>
+                  <a:ext uri="{0D108BD9-81ED-4DB2-BD59-A6C34878D82A}">
+                    <a16:rowId xmlns:a16="http://schemas.microsoft.com/office/drawing/2014/main" val="1688379849"/>
+                  </a:ext>
+                </a:extLst>
+              </a:tr>
+              <a:tr h="1265890">
+                <a:tc>
+                  <a:txBody>
+                    <a:bodyPr/>
+                    <a:lstStyle/>
+                    <a:p>
+                      <a:pPr algn="just">
+                        <a:lnSpc>
+                          <a:spcPct val="107000"/>
+                        </a:lnSpc>
+                        <a:spcAft>
+                          <a:spcPts val="0"/>
+                        </a:spcAft>
+                      </a:pPr>
+                      <a:r>
+                        <a:rPr lang="en-US" sz="3600" b="0" dirty="0">
+                          <a:effectLst/>
+                        </a:rPr>
+                        <a:t>Assists (Long)</a:t>
+                      </a:r>
+                      <a:endParaRPr lang="es-CO" sz="3600" b="0" dirty="0">
+                        <a:effectLst/>
+                        <a:latin typeface="Calibri" panose="020F0502020204030204" pitchFamily="34" charset="0"/>
+                        <a:ea typeface="Calibri" panose="020F0502020204030204" pitchFamily="34" charset="0"/>
+                        <a:cs typeface="Times New Roman" panose="02020603050405020304" pitchFamily="18" charset="0"/>
+                      </a:endParaRPr>
+                    </a:p>
+                  </a:txBody>
+                  <a:tcPr marL="68580" marR="68580" marT="0" marB="0"/>
+                </a:tc>
+                <a:tc>
+                  <a:txBody>
+                    <a:bodyPr/>
+                    <a:lstStyle/>
+                    <a:p>
+                      <a:pPr algn="just">
+                        <a:lnSpc>
+                          <a:spcPct val="107000"/>
+                        </a:lnSpc>
+                        <a:spcAft>
+                          <a:spcPts val="0"/>
+                        </a:spcAft>
+                      </a:pPr>
+                      <a:r>
+                        <a:rPr lang="en-US" sz="3600">
+                          <a:effectLst/>
+                        </a:rPr>
+                        <a:t>Hero ID</a:t>
+                      </a:r>
+                      <a:endParaRPr lang="es-CO" sz="3600">
+                        <a:effectLst/>
+                        <a:latin typeface="Calibri" panose="020F0502020204030204" pitchFamily="34" charset="0"/>
+                        <a:ea typeface="Calibri" panose="020F0502020204030204" pitchFamily="34" charset="0"/>
+                        <a:cs typeface="Times New Roman" panose="02020603050405020304" pitchFamily="18" charset="0"/>
+                      </a:endParaRPr>
+                    </a:p>
+                  </a:txBody>
+                  <a:tcPr marL="68580" marR="68580" marT="0" marB="0"/>
+                </a:tc>
+                <a:tc>
+                  <a:txBody>
+                    <a:bodyPr/>
+                    <a:lstStyle/>
+                    <a:p>
+                      <a:pPr algn="just">
+                        <a:lnSpc>
+                          <a:spcPct val="107000"/>
+                        </a:lnSpc>
+                        <a:spcAft>
+                          <a:spcPts val="0"/>
+                        </a:spcAft>
+                      </a:pPr>
+                      <a:r>
+                        <a:rPr lang="en-US" sz="3600">
+                          <a:effectLst/>
+                        </a:rPr>
+                        <a:t>Hero Kills</a:t>
+                      </a:r>
+                      <a:endParaRPr lang="es-CO" sz="3600">
+                        <a:effectLst/>
+                        <a:latin typeface="Calibri" panose="020F0502020204030204" pitchFamily="34" charset="0"/>
+                        <a:ea typeface="Calibri" panose="020F0502020204030204" pitchFamily="34" charset="0"/>
+                        <a:cs typeface="Times New Roman" panose="02020603050405020304" pitchFamily="18" charset="0"/>
+                      </a:endParaRPr>
+                    </a:p>
+                  </a:txBody>
+                  <a:tcPr marL="68580" marR="68580" marT="0" marB="0"/>
+                </a:tc>
+                <a:tc>
+                  <a:txBody>
+                    <a:bodyPr/>
+                    <a:lstStyle/>
+                    <a:p>
+                      <a:pPr algn="just">
+                        <a:lnSpc>
+                          <a:spcPct val="107000"/>
+                        </a:lnSpc>
+                        <a:spcAft>
+                          <a:spcPts val="0"/>
+                        </a:spcAft>
+                      </a:pPr>
+                      <a:r>
+                        <a:rPr lang="en-US" sz="3600">
+                          <a:effectLst/>
+                        </a:rPr>
+                        <a:t>Lane</a:t>
+                      </a:r>
+                      <a:endParaRPr lang="es-CO" sz="3600">
+                        <a:effectLst/>
+                        <a:latin typeface="Calibri" panose="020F0502020204030204" pitchFamily="34" charset="0"/>
+                        <a:ea typeface="Calibri" panose="020F0502020204030204" pitchFamily="34" charset="0"/>
+                        <a:cs typeface="Times New Roman" panose="02020603050405020304" pitchFamily="18" charset="0"/>
+                      </a:endParaRPr>
+                    </a:p>
+                  </a:txBody>
+                  <a:tcPr marL="68580" marR="68580" marT="0" marB="0"/>
+                </a:tc>
+                <a:extLst>
+                  <a:ext uri="{0D108BD9-81ED-4DB2-BD59-A6C34878D82A}">
+                    <a16:rowId xmlns:a16="http://schemas.microsoft.com/office/drawing/2014/main" val="3416288008"/>
+                  </a:ext>
+                </a:extLst>
+              </a:tr>
+              <a:tr h="1265890">
+                <a:tc>
+                  <a:txBody>
+                    <a:bodyPr/>
+                    <a:lstStyle/>
+                    <a:p>
+                      <a:pPr algn="just">
+                        <a:lnSpc>
+                          <a:spcPct val="107000"/>
+                        </a:lnSpc>
+                        <a:spcAft>
+                          <a:spcPts val="0"/>
+                        </a:spcAft>
+                      </a:pPr>
+                      <a:r>
+                        <a:rPr lang="en-US" sz="3600" b="0" dirty="0">
+                          <a:effectLst/>
+                        </a:rPr>
+                        <a:t>Neutral Kills</a:t>
+                      </a:r>
+                      <a:endParaRPr lang="es-CO" sz="3600" b="0" dirty="0">
+                        <a:effectLst/>
+                        <a:latin typeface="Calibri" panose="020F0502020204030204" pitchFamily="34" charset="0"/>
+                        <a:ea typeface="Calibri" panose="020F0502020204030204" pitchFamily="34" charset="0"/>
+                        <a:cs typeface="Times New Roman" panose="02020603050405020304" pitchFamily="18" charset="0"/>
+                      </a:endParaRPr>
+                    </a:p>
+                  </a:txBody>
+                  <a:tcPr marL="68580" marR="68580" marT="0" marB="0"/>
+                </a:tc>
+                <a:tc>
+                  <a:txBody>
+                    <a:bodyPr/>
+                    <a:lstStyle/>
+                    <a:p>
+                      <a:pPr algn="just">
+                        <a:lnSpc>
+                          <a:spcPct val="107000"/>
+                        </a:lnSpc>
+                        <a:spcAft>
+                          <a:spcPts val="0"/>
+                        </a:spcAft>
+                      </a:pPr>
+                      <a:r>
+                        <a:rPr lang="en-US" sz="3600" dirty="0">
+                          <a:effectLst/>
+                        </a:rPr>
+                        <a:t>Game Mode</a:t>
+                      </a:r>
+                      <a:endParaRPr lang="es-CO" sz="3600" dirty="0">
+                        <a:effectLst/>
+                        <a:latin typeface="Calibri" panose="020F0502020204030204" pitchFamily="34" charset="0"/>
+                        <a:ea typeface="Calibri" panose="020F0502020204030204" pitchFamily="34" charset="0"/>
+                        <a:cs typeface="Times New Roman" panose="02020603050405020304" pitchFamily="18" charset="0"/>
+                      </a:endParaRPr>
+                    </a:p>
+                  </a:txBody>
+                  <a:tcPr marL="68580" marR="68580" marT="0" marB="0"/>
+                </a:tc>
+                <a:tc>
+                  <a:txBody>
+                    <a:bodyPr/>
+                    <a:lstStyle/>
+                    <a:p>
+                      <a:pPr algn="just">
+                        <a:lnSpc>
+                          <a:spcPct val="107000"/>
+                        </a:lnSpc>
+                        <a:spcAft>
+                          <a:spcPts val="0"/>
+                        </a:spcAft>
+                      </a:pPr>
+                      <a:r>
+                        <a:rPr lang="en-US" sz="3600">
+                          <a:effectLst/>
+                        </a:rPr>
+                        <a:t>Total XP</a:t>
+                      </a:r>
+                      <a:endParaRPr lang="es-CO" sz="3600">
+                        <a:effectLst/>
+                        <a:latin typeface="Calibri" panose="020F0502020204030204" pitchFamily="34" charset="0"/>
+                        <a:ea typeface="Calibri" panose="020F0502020204030204" pitchFamily="34" charset="0"/>
+                        <a:cs typeface="Times New Roman" panose="02020603050405020304" pitchFamily="18" charset="0"/>
+                      </a:endParaRPr>
+                    </a:p>
+                  </a:txBody>
+                  <a:tcPr marL="68580" marR="68580" marT="0" marB="0"/>
+                </a:tc>
+                <a:tc>
+                  <a:txBody>
+                    <a:bodyPr/>
+                    <a:lstStyle/>
+                    <a:p>
+                      <a:pPr algn="just">
+                        <a:lnSpc>
+                          <a:spcPct val="107000"/>
+                        </a:lnSpc>
+                        <a:spcAft>
+                          <a:spcPts val="0"/>
+                        </a:spcAft>
+                      </a:pPr>
+                      <a:r>
+                        <a:rPr lang="en-US" sz="3600" dirty="0">
+                          <a:effectLst/>
+                        </a:rPr>
+                        <a:t>Total Gold</a:t>
+                      </a:r>
+                      <a:endParaRPr lang="es-CO" sz="3600" dirty="0">
+                        <a:effectLst/>
+                        <a:latin typeface="Calibri" panose="020F0502020204030204" pitchFamily="34" charset="0"/>
+                        <a:ea typeface="Calibri" panose="020F0502020204030204" pitchFamily="34" charset="0"/>
+                        <a:cs typeface="Times New Roman" panose="02020603050405020304" pitchFamily="18" charset="0"/>
+                      </a:endParaRPr>
+                    </a:p>
+                  </a:txBody>
+                  <a:tcPr marL="68580" marR="68580" marT="0" marB="0"/>
+                </a:tc>
+                <a:extLst>
+                  <a:ext uri="{0D108BD9-81ED-4DB2-BD59-A6C34878D82A}">
+                    <a16:rowId xmlns:a16="http://schemas.microsoft.com/office/drawing/2014/main" val="4007443918"/>
+                  </a:ext>
+                </a:extLst>
+              </a:tr>
+            </a:tbl>
+          </a:graphicData>
+        </a:graphic>
+      </p:graphicFrame>
+      <p:pic>
+        <p:nvPicPr>
+          <p:cNvPr id="2050" name="Picture 2">
+            <a:extLst>
+              <a:ext uri="{FF2B5EF4-FFF2-40B4-BE49-F238E27FC236}">
+                <a16:creationId xmlns:a16="http://schemas.microsoft.com/office/drawing/2014/main" id="{CA5B280F-B156-46FB-B19D-0B15A76F6198}"/>
+              </a:ext>
+            </a:extLst>
+          </p:cNvPr>
+          <p:cNvPicPr>
+            <a:picLocks noChangeAspect="1" noChangeArrowheads="1"/>
+          </p:cNvPicPr>
+          <p:nvPr/>
+        </p:nvPicPr>
+        <p:blipFill>
+          <a:blip r:embed="rId3">
+            <a:extLst>
+              <a:ext uri="{28A0092B-C50C-407E-A947-70E740481C1C}">
+                <a14:useLocalDpi xmlns:a14="http://schemas.microsoft.com/office/drawing/2010/main" val="0"/>
+              </a:ext>
+            </a:extLst>
+          </a:blip>
+          <a:srcRect/>
+          <a:stretch>
+            <a:fillRect/>
+          </a:stretch>
+        </p:blipFill>
+        <p:spPr bwMode="auto">
+          <a:xfrm>
+            <a:off x="12787963" y="3956579"/>
+            <a:ext cx="10969504" cy="6782810"/>
+          </a:xfrm>
+          <a:prstGeom prst="rect">
+            <a:avLst/>
+          </a:prstGeom>
+          <a:noFill/>
+          <a:extLst>
+            <a:ext uri="{909E8E84-426E-40DD-AFC4-6F175D3DCCD1}">
+              <a14:hiddenFill xmlns:a14="http://schemas.microsoft.com/office/drawing/2010/main">
+                <a:solidFill>
+                  <a:srgbClr val="FFFFFF"/>
+                </a:solidFill>
+              </a14:hiddenFill>
+            </a:ext>
+          </a:extLst>
+        </p:spPr>
+      </p:pic>
+      <p:sp>
+        <p:nvSpPr>
+          <p:cNvPr id="3" name="TextBox 2">
+            <a:extLst>
+              <a:ext uri="{FF2B5EF4-FFF2-40B4-BE49-F238E27FC236}">
+                <a16:creationId xmlns:a16="http://schemas.microsoft.com/office/drawing/2014/main" id="{6F173698-F20B-8F4A-A899-4F23DA707763}"/>
+              </a:ext>
+            </a:extLst>
+          </p:cNvPr>
+          <p:cNvSpPr txBox="1"/>
+          <p:nvPr/>
+        </p:nvSpPr>
+        <p:spPr>
+          <a:xfrm>
+            <a:off x="14141302" y="2806995"/>
+            <a:ext cx="8844601" cy="646331"/>
+          </a:xfrm>
+          <a:prstGeom prst="rect">
+            <a:avLst/>
+          </a:prstGeom>
+          <a:noFill/>
+        </p:spPr>
+        <p:txBody>
+          <a:bodyPr wrap="none" rtlCol="0">
+            <a:spAutoFit/>
+          </a:bodyPr>
+          <a:lstStyle/>
+          <a:p>
+            <a:r>
+              <a:rPr lang="en-US" dirty="0" err="1"/>
+              <a:t>Distribución</a:t>
+            </a:r>
+            <a:r>
+              <a:rPr lang="en-US" dirty="0"/>
+              <a:t> de </a:t>
+            </a:r>
+            <a:r>
+              <a:rPr lang="en-US" dirty="0" err="1"/>
+              <a:t>datos</a:t>
+            </a:r>
+            <a:r>
+              <a:rPr lang="en-US" dirty="0"/>
+              <a:t> </a:t>
+            </a:r>
+            <a:r>
+              <a:rPr lang="en-US" dirty="0" err="1"/>
+              <a:t>Jugadores</a:t>
+            </a:r>
+            <a:r>
+              <a:rPr lang="en-US" dirty="0"/>
+              <a:t> </a:t>
+            </a:r>
+            <a:r>
+              <a:rPr lang="en-US" dirty="0" err="1"/>
+              <a:t>profesionales</a:t>
+            </a:r>
+            <a:r>
+              <a:rPr lang="en-US" dirty="0"/>
+              <a:t> </a:t>
+            </a:r>
+          </a:p>
+        </p:txBody>
+      </p:sp>
+    </p:spTree>
+    <p:extLst>
+      <p:ext uri="{BB962C8B-B14F-4D97-AF65-F5344CB8AC3E}">
+        <p14:creationId xmlns:p14="http://schemas.microsoft.com/office/powerpoint/2010/main" val="2459793477"/>
+      </p:ext>
+    </p:extLst>
+  </p:cSld>
+  <p:clrMapOvr>
+    <a:masterClrMapping/>
+  </p:clrMapOvr>
+</p:sld>
+</file>
+
+<file path=ppt/slides/slide16.xml><?xml version="1.0" encoding="utf-8"?>
 <p:sld xmlns:a="http://schemas.openxmlformats.org/drawingml/2006/main" xmlns:r="http://schemas.openxmlformats.org/officeDocument/2006/relationships" xmlns:p="http://schemas.openxmlformats.org/presentationml/2006/main">
   <p:cSld>
     <p:spTree>
@@ -9602,535 +11237,6 @@
       </p:sp>
       <p:graphicFrame>
         <p:nvGraphicFramePr>
-          <p:cNvPr id="14" name="Content Placeholder 13">
-            <a:extLst>
-              <a:ext uri="{FF2B5EF4-FFF2-40B4-BE49-F238E27FC236}">
-                <a16:creationId xmlns:a16="http://schemas.microsoft.com/office/drawing/2014/main" id="{81C0F8C7-6549-42BE-AFD6-3861A6E89B09}"/>
-              </a:ext>
-            </a:extLst>
-          </p:cNvPr>
-          <p:cNvGraphicFramePr>
-            <a:graphicFrameLocks noGrp="1"/>
-          </p:cNvGraphicFramePr>
-          <p:nvPr>
-            <p:ph idx="1"/>
-            <p:extLst>
-              <p:ext uri="{D42A27DB-BD31-4B8C-83A1-F6EECF244321}">
-                <p14:modId xmlns:p14="http://schemas.microsoft.com/office/powerpoint/2010/main" val="1351047494"/>
-              </p:ext>
-            </p:extLst>
-          </p:nvPr>
-        </p:nvGraphicFramePr>
-        <p:xfrm>
-          <a:off x="415209" y="5537201"/>
-          <a:ext cx="11427725" cy="3797670"/>
-        </p:xfrm>
-        <a:graphic>
-          <a:graphicData uri="http://schemas.openxmlformats.org/drawingml/2006/table">
-            <a:tbl>
-              <a:tblPr firstRow="1" firstCol="1" bandRow="1">
-                <a:tableStyleId>{FABFCF23-3B69-468F-B69F-88F6DE6A72F2}</a:tableStyleId>
-              </a:tblPr>
-              <a:tblGrid>
-                <a:gridCol w="3125331">
-                  <a:extLst>
-                    <a:ext uri="{9D8B030D-6E8A-4147-A177-3AD203B41FA5}">
-                      <a16:colId xmlns:a16="http://schemas.microsoft.com/office/drawing/2014/main" val="1064059423"/>
-                    </a:ext>
-                  </a:extLst>
-                </a:gridCol>
-                <a:gridCol w="2771638">
-                  <a:extLst>
-                    <a:ext uri="{9D8B030D-6E8A-4147-A177-3AD203B41FA5}">
-                      <a16:colId xmlns:a16="http://schemas.microsoft.com/office/drawing/2014/main" val="2624816240"/>
-                    </a:ext>
-                  </a:extLst>
-                </a:gridCol>
-                <a:gridCol w="2765378">
-                  <a:extLst>
-                    <a:ext uri="{9D8B030D-6E8A-4147-A177-3AD203B41FA5}">
-                      <a16:colId xmlns:a16="http://schemas.microsoft.com/office/drawing/2014/main" val="3891759728"/>
-                    </a:ext>
-                  </a:extLst>
-                </a:gridCol>
-                <a:gridCol w="2765378">
-                  <a:extLst>
-                    <a:ext uri="{9D8B030D-6E8A-4147-A177-3AD203B41FA5}">
-                      <a16:colId xmlns:a16="http://schemas.microsoft.com/office/drawing/2014/main" val="3781999322"/>
-                    </a:ext>
-                  </a:extLst>
-                </a:gridCol>
-              </a:tblGrid>
-              <a:tr h="1265890">
-                <a:tc gridSpan="4">
-                  <a:txBody>
-                    <a:bodyPr/>
-                    <a:lstStyle/>
-                    <a:p>
-                      <a:pPr algn="ctr">
-                        <a:lnSpc>
-                          <a:spcPct val="107000"/>
-                        </a:lnSpc>
-                        <a:spcAft>
-                          <a:spcPts val="0"/>
-                        </a:spcAft>
-                      </a:pPr>
-                      <a:r>
-                        <a:rPr lang="en-US" sz="3600" dirty="0">
-                          <a:effectLst/>
-                        </a:rPr>
-                        <a:t>Variables </a:t>
-                      </a:r>
-                      <a:r>
-                        <a:rPr lang="es-CO" sz="3600" dirty="0">
-                          <a:effectLst/>
-                        </a:rPr>
-                        <a:t>Independientes</a:t>
-                      </a:r>
-                      <a:endParaRPr lang="es-CO" sz="3600" dirty="0">
-                        <a:effectLst/>
-                        <a:latin typeface="Calibri" panose="020F0502020204030204" pitchFamily="34" charset="0"/>
-                        <a:ea typeface="Calibri" panose="020F0502020204030204" pitchFamily="34" charset="0"/>
-                        <a:cs typeface="Times New Roman" panose="02020603050405020304" pitchFamily="18" charset="0"/>
-                      </a:endParaRPr>
-                    </a:p>
-                  </a:txBody>
-                  <a:tcPr marL="68580" marR="68580" marT="0" marB="0"/>
-                </a:tc>
-                <a:tc hMerge="1">
-                  <a:txBody>
-                    <a:bodyPr/>
-                    <a:lstStyle/>
-                    <a:p>
-                      <a:endParaRPr lang="es-CO"/>
-                    </a:p>
-                  </a:txBody>
-                  <a:tcPr/>
-                </a:tc>
-                <a:tc hMerge="1">
-                  <a:txBody>
-                    <a:bodyPr/>
-                    <a:lstStyle/>
-                    <a:p>
-                      <a:endParaRPr lang="es-CO"/>
-                    </a:p>
-                  </a:txBody>
-                  <a:tcPr/>
-                </a:tc>
-                <a:tc hMerge="1">
-                  <a:txBody>
-                    <a:bodyPr/>
-                    <a:lstStyle/>
-                    <a:p>
-                      <a:endParaRPr lang="es-CO"/>
-                    </a:p>
-                  </a:txBody>
-                  <a:tcPr/>
-                </a:tc>
-                <a:extLst>
-                  <a:ext uri="{0D108BD9-81ED-4DB2-BD59-A6C34878D82A}">
-                    <a16:rowId xmlns:a16="http://schemas.microsoft.com/office/drawing/2014/main" val="1688379849"/>
-                  </a:ext>
-                </a:extLst>
-              </a:tr>
-              <a:tr h="1265890">
-                <a:tc>
-                  <a:txBody>
-                    <a:bodyPr/>
-                    <a:lstStyle/>
-                    <a:p>
-                      <a:pPr algn="just">
-                        <a:lnSpc>
-                          <a:spcPct val="107000"/>
-                        </a:lnSpc>
-                        <a:spcAft>
-                          <a:spcPts val="0"/>
-                        </a:spcAft>
-                      </a:pPr>
-                      <a:r>
-                        <a:rPr lang="en-US" sz="3600" b="0" dirty="0">
-                          <a:effectLst/>
-                        </a:rPr>
-                        <a:t>Assists (Long)</a:t>
-                      </a:r>
-                      <a:endParaRPr lang="es-CO" sz="3600" b="0" dirty="0">
-                        <a:effectLst/>
-                        <a:latin typeface="Calibri" panose="020F0502020204030204" pitchFamily="34" charset="0"/>
-                        <a:ea typeface="Calibri" panose="020F0502020204030204" pitchFamily="34" charset="0"/>
-                        <a:cs typeface="Times New Roman" panose="02020603050405020304" pitchFamily="18" charset="0"/>
-                      </a:endParaRPr>
-                    </a:p>
-                  </a:txBody>
-                  <a:tcPr marL="68580" marR="68580" marT="0" marB="0"/>
-                </a:tc>
-                <a:tc>
-                  <a:txBody>
-                    <a:bodyPr/>
-                    <a:lstStyle/>
-                    <a:p>
-                      <a:pPr algn="just">
-                        <a:lnSpc>
-                          <a:spcPct val="107000"/>
-                        </a:lnSpc>
-                        <a:spcAft>
-                          <a:spcPts val="0"/>
-                        </a:spcAft>
-                      </a:pPr>
-                      <a:r>
-                        <a:rPr lang="en-US" sz="3600">
-                          <a:effectLst/>
-                        </a:rPr>
-                        <a:t>Hero ID</a:t>
-                      </a:r>
-                      <a:endParaRPr lang="es-CO" sz="3600">
-                        <a:effectLst/>
-                        <a:latin typeface="Calibri" panose="020F0502020204030204" pitchFamily="34" charset="0"/>
-                        <a:ea typeface="Calibri" panose="020F0502020204030204" pitchFamily="34" charset="0"/>
-                        <a:cs typeface="Times New Roman" panose="02020603050405020304" pitchFamily="18" charset="0"/>
-                      </a:endParaRPr>
-                    </a:p>
-                  </a:txBody>
-                  <a:tcPr marL="68580" marR="68580" marT="0" marB="0"/>
-                </a:tc>
-                <a:tc>
-                  <a:txBody>
-                    <a:bodyPr/>
-                    <a:lstStyle/>
-                    <a:p>
-                      <a:pPr algn="just">
-                        <a:lnSpc>
-                          <a:spcPct val="107000"/>
-                        </a:lnSpc>
-                        <a:spcAft>
-                          <a:spcPts val="0"/>
-                        </a:spcAft>
-                      </a:pPr>
-                      <a:r>
-                        <a:rPr lang="en-US" sz="3600">
-                          <a:effectLst/>
-                        </a:rPr>
-                        <a:t>Hero Kills</a:t>
-                      </a:r>
-                      <a:endParaRPr lang="es-CO" sz="3600">
-                        <a:effectLst/>
-                        <a:latin typeface="Calibri" panose="020F0502020204030204" pitchFamily="34" charset="0"/>
-                        <a:ea typeface="Calibri" panose="020F0502020204030204" pitchFamily="34" charset="0"/>
-                        <a:cs typeface="Times New Roman" panose="02020603050405020304" pitchFamily="18" charset="0"/>
-                      </a:endParaRPr>
-                    </a:p>
-                  </a:txBody>
-                  <a:tcPr marL="68580" marR="68580" marT="0" marB="0"/>
-                </a:tc>
-                <a:tc>
-                  <a:txBody>
-                    <a:bodyPr/>
-                    <a:lstStyle/>
-                    <a:p>
-                      <a:pPr algn="just">
-                        <a:lnSpc>
-                          <a:spcPct val="107000"/>
-                        </a:lnSpc>
-                        <a:spcAft>
-                          <a:spcPts val="0"/>
-                        </a:spcAft>
-                      </a:pPr>
-                      <a:r>
-                        <a:rPr lang="en-US" sz="3600">
-                          <a:effectLst/>
-                        </a:rPr>
-                        <a:t>Lane</a:t>
-                      </a:r>
-                      <a:endParaRPr lang="es-CO" sz="3600">
-                        <a:effectLst/>
-                        <a:latin typeface="Calibri" panose="020F0502020204030204" pitchFamily="34" charset="0"/>
-                        <a:ea typeface="Calibri" panose="020F0502020204030204" pitchFamily="34" charset="0"/>
-                        <a:cs typeface="Times New Roman" panose="02020603050405020304" pitchFamily="18" charset="0"/>
-                      </a:endParaRPr>
-                    </a:p>
-                  </a:txBody>
-                  <a:tcPr marL="68580" marR="68580" marT="0" marB="0"/>
-                </a:tc>
-                <a:extLst>
-                  <a:ext uri="{0D108BD9-81ED-4DB2-BD59-A6C34878D82A}">
-                    <a16:rowId xmlns:a16="http://schemas.microsoft.com/office/drawing/2014/main" val="3416288008"/>
-                  </a:ext>
-                </a:extLst>
-              </a:tr>
-              <a:tr h="1265890">
-                <a:tc>
-                  <a:txBody>
-                    <a:bodyPr/>
-                    <a:lstStyle/>
-                    <a:p>
-                      <a:pPr algn="just">
-                        <a:lnSpc>
-                          <a:spcPct val="107000"/>
-                        </a:lnSpc>
-                        <a:spcAft>
-                          <a:spcPts val="0"/>
-                        </a:spcAft>
-                      </a:pPr>
-                      <a:r>
-                        <a:rPr lang="en-US" sz="3600" b="0" dirty="0">
-                          <a:effectLst/>
-                        </a:rPr>
-                        <a:t>Neutral Kills</a:t>
-                      </a:r>
-                      <a:endParaRPr lang="es-CO" sz="3600" b="0" dirty="0">
-                        <a:effectLst/>
-                        <a:latin typeface="Calibri" panose="020F0502020204030204" pitchFamily="34" charset="0"/>
-                        <a:ea typeface="Calibri" panose="020F0502020204030204" pitchFamily="34" charset="0"/>
-                        <a:cs typeface="Times New Roman" panose="02020603050405020304" pitchFamily="18" charset="0"/>
-                      </a:endParaRPr>
-                    </a:p>
-                  </a:txBody>
-                  <a:tcPr marL="68580" marR="68580" marT="0" marB="0"/>
-                </a:tc>
-                <a:tc>
-                  <a:txBody>
-                    <a:bodyPr/>
-                    <a:lstStyle/>
-                    <a:p>
-                      <a:pPr algn="just">
-                        <a:lnSpc>
-                          <a:spcPct val="107000"/>
-                        </a:lnSpc>
-                        <a:spcAft>
-                          <a:spcPts val="0"/>
-                        </a:spcAft>
-                      </a:pPr>
-                      <a:r>
-                        <a:rPr lang="en-US" sz="3600" dirty="0">
-                          <a:effectLst/>
-                        </a:rPr>
-                        <a:t>Game Mode</a:t>
-                      </a:r>
-                      <a:endParaRPr lang="es-CO" sz="3600" dirty="0">
-                        <a:effectLst/>
-                        <a:latin typeface="Calibri" panose="020F0502020204030204" pitchFamily="34" charset="0"/>
-                        <a:ea typeface="Calibri" panose="020F0502020204030204" pitchFamily="34" charset="0"/>
-                        <a:cs typeface="Times New Roman" panose="02020603050405020304" pitchFamily="18" charset="0"/>
-                      </a:endParaRPr>
-                    </a:p>
-                  </a:txBody>
-                  <a:tcPr marL="68580" marR="68580" marT="0" marB="0"/>
-                </a:tc>
-                <a:tc>
-                  <a:txBody>
-                    <a:bodyPr/>
-                    <a:lstStyle/>
-                    <a:p>
-                      <a:pPr algn="just">
-                        <a:lnSpc>
-                          <a:spcPct val="107000"/>
-                        </a:lnSpc>
-                        <a:spcAft>
-                          <a:spcPts val="0"/>
-                        </a:spcAft>
-                      </a:pPr>
-                      <a:r>
-                        <a:rPr lang="en-US" sz="3600">
-                          <a:effectLst/>
-                        </a:rPr>
-                        <a:t>Total XP</a:t>
-                      </a:r>
-                      <a:endParaRPr lang="es-CO" sz="3600">
-                        <a:effectLst/>
-                        <a:latin typeface="Calibri" panose="020F0502020204030204" pitchFamily="34" charset="0"/>
-                        <a:ea typeface="Calibri" panose="020F0502020204030204" pitchFamily="34" charset="0"/>
-                        <a:cs typeface="Times New Roman" panose="02020603050405020304" pitchFamily="18" charset="0"/>
-                      </a:endParaRPr>
-                    </a:p>
-                  </a:txBody>
-                  <a:tcPr marL="68580" marR="68580" marT="0" marB="0"/>
-                </a:tc>
-                <a:tc>
-                  <a:txBody>
-                    <a:bodyPr/>
-                    <a:lstStyle/>
-                    <a:p>
-                      <a:pPr algn="just">
-                        <a:lnSpc>
-                          <a:spcPct val="107000"/>
-                        </a:lnSpc>
-                        <a:spcAft>
-                          <a:spcPts val="0"/>
-                        </a:spcAft>
-                      </a:pPr>
-                      <a:r>
-                        <a:rPr lang="en-US" sz="3600" dirty="0">
-                          <a:effectLst/>
-                        </a:rPr>
-                        <a:t>Total Gold</a:t>
-                      </a:r>
-                      <a:endParaRPr lang="es-CO" sz="3600" dirty="0">
-                        <a:effectLst/>
-                        <a:latin typeface="Calibri" panose="020F0502020204030204" pitchFamily="34" charset="0"/>
-                        <a:ea typeface="Calibri" panose="020F0502020204030204" pitchFamily="34" charset="0"/>
-                        <a:cs typeface="Times New Roman" panose="02020603050405020304" pitchFamily="18" charset="0"/>
-                      </a:endParaRPr>
-                    </a:p>
-                  </a:txBody>
-                  <a:tcPr marL="68580" marR="68580" marT="0" marB="0"/>
-                </a:tc>
-                <a:extLst>
-                  <a:ext uri="{0D108BD9-81ED-4DB2-BD59-A6C34878D82A}">
-                    <a16:rowId xmlns:a16="http://schemas.microsoft.com/office/drawing/2014/main" val="4007443918"/>
-                  </a:ext>
-                </a:extLst>
-              </a:tr>
-            </a:tbl>
-          </a:graphicData>
-        </a:graphic>
-      </p:graphicFrame>
-      <p:pic>
-        <p:nvPicPr>
-          <p:cNvPr id="2050" name="Picture 2">
-            <a:extLst>
-              <a:ext uri="{FF2B5EF4-FFF2-40B4-BE49-F238E27FC236}">
-                <a16:creationId xmlns:a16="http://schemas.microsoft.com/office/drawing/2014/main" id="{CA5B280F-B156-46FB-B19D-0B15A76F6198}"/>
-              </a:ext>
-            </a:extLst>
-          </p:cNvPr>
-          <p:cNvPicPr>
-            <a:picLocks noChangeAspect="1" noChangeArrowheads="1"/>
-          </p:cNvPicPr>
-          <p:nvPr/>
-        </p:nvPicPr>
-        <p:blipFill>
-          <a:blip r:embed="rId3">
-            <a:extLst>
-              <a:ext uri="{28A0092B-C50C-407E-A947-70E740481C1C}">
-                <a14:useLocalDpi xmlns:a14="http://schemas.microsoft.com/office/drawing/2010/main" val="0"/>
-              </a:ext>
-            </a:extLst>
-          </a:blip>
-          <a:srcRect/>
-          <a:stretch>
-            <a:fillRect/>
-          </a:stretch>
-        </p:blipFill>
-        <p:spPr bwMode="auto">
-          <a:xfrm>
-            <a:off x="12787963" y="3956579"/>
-            <a:ext cx="10969504" cy="6782810"/>
-          </a:xfrm>
-          <a:prstGeom prst="rect">
-            <a:avLst/>
-          </a:prstGeom>
-          <a:noFill/>
-          <a:extLst>
-            <a:ext uri="{909E8E84-426E-40DD-AFC4-6F175D3DCCD1}">
-              <a14:hiddenFill xmlns:a14="http://schemas.microsoft.com/office/drawing/2010/main">
-                <a:solidFill>
-                  <a:srgbClr val="FFFFFF"/>
-                </a:solidFill>
-              </a14:hiddenFill>
-            </a:ext>
-          </a:extLst>
-        </p:spPr>
-      </p:pic>
-    </p:spTree>
-    <p:extLst>
-      <p:ext uri="{BB962C8B-B14F-4D97-AF65-F5344CB8AC3E}">
-        <p14:creationId xmlns:p14="http://schemas.microsoft.com/office/powerpoint/2010/main" val="2459793477"/>
-      </p:ext>
-    </p:extLst>
-  </p:cSld>
-  <p:clrMapOvr>
-    <a:masterClrMapping/>
-  </p:clrMapOvr>
-</p:sld>
-</file>
-
-<file path=ppt/slides/slide14.xml><?xml version="1.0" encoding="utf-8"?>
-<p:sld xmlns:a="http://schemas.openxmlformats.org/drawingml/2006/main" xmlns:r="http://schemas.openxmlformats.org/officeDocument/2006/relationships" xmlns:p="http://schemas.openxmlformats.org/presentationml/2006/main">
-  <p:cSld>
-    <p:spTree>
-      <p:nvGrpSpPr>
-        <p:cNvPr id="1" name=""/>
-        <p:cNvGrpSpPr/>
-        <p:nvPr/>
-      </p:nvGrpSpPr>
-      <p:grpSpPr>
-        <a:xfrm>
-          <a:off x="0" y="0"/>
-          <a:ext cx="0" cy="0"/>
-          <a:chOff x="0" y="0"/>
-          <a:chExt cx="0" cy="0"/>
-        </a:xfrm>
-      </p:grpSpPr>
-      <p:pic>
-        <p:nvPicPr>
-          <p:cNvPr id="4" name="Imagen 6">
-            <a:extLst>
-              <a:ext uri="{FF2B5EF4-FFF2-40B4-BE49-F238E27FC236}">
-                <a16:creationId xmlns:a16="http://schemas.microsoft.com/office/drawing/2014/main" id="{24777C4D-FC06-4726-8849-79F4922F4684}"/>
-              </a:ext>
-            </a:extLst>
-          </p:cNvPr>
-          <p:cNvPicPr>
-            <a:picLocks noChangeAspect="1"/>
-          </p:cNvPicPr>
-          <p:nvPr/>
-        </p:nvPicPr>
-        <p:blipFill>
-          <a:blip r:embed="rId2">
-            <a:extLst>
-              <a:ext uri="{28A0092B-C50C-407E-A947-70E740481C1C}">
-                <a14:useLocalDpi xmlns:a14="http://schemas.microsoft.com/office/drawing/2010/main" val="0"/>
-              </a:ext>
-            </a:extLst>
-          </a:blip>
-          <a:stretch>
-            <a:fillRect/>
-          </a:stretch>
-        </p:blipFill>
-        <p:spPr>
-          <a:xfrm>
-            <a:off x="9256713" y="0"/>
-            <a:ext cx="15125700" cy="13716000"/>
-          </a:xfrm>
-          <a:prstGeom prst="rect">
-            <a:avLst/>
-          </a:prstGeom>
-        </p:spPr>
-      </p:pic>
-      <p:sp>
-        <p:nvSpPr>
-          <p:cNvPr id="2" name="Title 1">
-            <a:extLst>
-              <a:ext uri="{FF2B5EF4-FFF2-40B4-BE49-F238E27FC236}">
-                <a16:creationId xmlns:a16="http://schemas.microsoft.com/office/drawing/2014/main" id="{8BCC5043-D92E-4C31-8F05-047382DB6EBD}"/>
-              </a:ext>
-            </a:extLst>
-          </p:cNvPr>
-          <p:cNvSpPr>
-            <a:spLocks noGrp="1"/>
-          </p:cNvSpPr>
-          <p:nvPr>
-            <p:ph type="title"/>
-          </p:nvPr>
-        </p:nvSpPr>
-        <p:spPr/>
-        <p:txBody>
-          <a:bodyPr/>
-          <a:lstStyle/>
-          <a:p>
-            <a:r>
-              <a:rPr lang="es-419" b="1" dirty="0">
-                <a:solidFill>
-                  <a:srgbClr val="173657"/>
-                </a:solidFill>
-              </a:rPr>
-              <a:t>Avances</a:t>
-            </a:r>
-            <a:endParaRPr lang="es-CO" dirty="0"/>
-          </a:p>
-        </p:txBody>
-      </p:sp>
-      <p:graphicFrame>
-        <p:nvGraphicFramePr>
           <p:cNvPr id="10" name="Content Placeholder 9">
             <a:extLst>
               <a:ext uri="{FF2B5EF4-FFF2-40B4-BE49-F238E27FC236}">
@@ -10143,6 +11249,11 @@
           </p:cNvGraphicFramePr>
           <p:nvPr>
             <p:ph idx="1"/>
+            <p:extLst>
+              <p:ext uri="{D42A27DB-BD31-4B8C-83A1-F6EECF244321}">
+                <p14:modId xmlns:p14="http://schemas.microsoft.com/office/powerpoint/2010/main" val="2350289506"/>
+              </p:ext>
+            </p:extLst>
           </p:nvPr>
         </p:nvGraphicFramePr>
         <p:xfrm>
@@ -10153,7 +11264,7 @@
           <a:graphicData uri="http://schemas.openxmlformats.org/drawingml/2006/table">
             <a:tbl>
               <a:tblPr firstRow="1" firstCol="1" bandRow="1">
-                <a:tableStyleId>{5C22544A-7EE6-4342-B048-85BDC9FD1C3A}</a:tableStyleId>
+                <a:tableStyleId>{FABFCF23-3B69-468F-B69F-88F6DE6A72F2}</a:tableStyleId>
               </a:tblPr>
               <a:tblGrid>
                 <a:gridCol w="4710659">
@@ -10200,12 +11311,12 @@
                         </a:spcAft>
                       </a:pPr>
                       <a:r>
-                        <a:rPr lang="es-CO" sz="3600">
+                        <a:rPr lang="es-CO" sz="3600" dirty="0">
                           <a:effectLst/>
                         </a:rPr>
                         <a:t>playerID</a:t>
                       </a:r>
-                      <a:endParaRPr lang="es-CO" sz="3600">
+                      <a:endParaRPr lang="es-CO" sz="3600" dirty="0">
                         <a:effectLst/>
                         <a:latin typeface="Calibri" panose="020F0502020204030204" pitchFamily="34" charset="0"/>
                         <a:ea typeface="Calibri" panose="020F0502020204030204" pitchFamily="34" charset="0"/>
@@ -10323,12 +11434,12 @@
                         </a:spcAft>
                       </a:pPr>
                       <a:r>
-                        <a:rPr lang="es-CO" sz="3600">
+                        <a:rPr lang="es-CO" sz="3600" b="0" dirty="0">
                           <a:effectLst/>
                         </a:rPr>
                         <a:t>105248644</a:t>
                       </a:r>
-                      <a:endParaRPr lang="es-CO" sz="3600">
+                      <a:endParaRPr lang="es-CO" sz="3600" b="0" dirty="0">
                         <a:effectLst/>
                         <a:latin typeface="Calibri" panose="020F0502020204030204" pitchFamily="34" charset="0"/>
                         <a:ea typeface="Calibri" panose="020F0502020204030204" pitchFamily="34" charset="0"/>
@@ -10352,17 +11463,14 @@
                         </a:spcAft>
                       </a:pPr>
                       <a:r>
-                        <a:rPr lang="es-CO" sz="3600">
-                          <a:effectLst/>
+                        <a:rPr lang="es-CO" sz="3600" dirty="0">
+                          <a:effectLst/>
+                          <a:latin typeface="Calibri" panose="020F0502020204030204" pitchFamily="34" charset="0"/>
+                          <a:ea typeface="Calibri" panose="020F0502020204030204" pitchFamily="34" charset="0"/>
+                          <a:cs typeface="Times New Roman" panose="02020603050405020304" pitchFamily="18" charset="0"/>
                         </a:rPr>
                         <a:t>0.66</a:t>
                       </a:r>
-                      <a:endParaRPr lang="es-CO" sz="3600">
-                        <a:effectLst/>
-                        <a:latin typeface="Calibri" panose="020F0502020204030204" pitchFamily="34" charset="0"/>
-                        <a:ea typeface="Calibri" panose="020F0502020204030204" pitchFamily="34" charset="0"/>
-                        <a:cs typeface="Times New Roman" panose="02020603050405020304" pitchFamily="18" charset="0"/>
-                      </a:endParaRPr>
                     </a:p>
                   </a:txBody>
                   <a:tcPr marL="68580" marR="68580" marT="0" marB="0"/>
@@ -10381,12 +11489,12 @@
                         </a:spcAft>
                       </a:pPr>
                       <a:r>
-                        <a:rPr lang="es-CO" sz="3600">
+                        <a:rPr lang="es-CO" sz="3600" dirty="0">
                           <a:effectLst/>
                         </a:rPr>
                         <a:t>34505203</a:t>
                       </a:r>
-                      <a:endParaRPr lang="es-CO" sz="3600">
+                      <a:endParaRPr lang="es-CO" sz="3600" dirty="0">
                         <a:effectLst/>
                         <a:latin typeface="Calibri" panose="020F0502020204030204" pitchFamily="34" charset="0"/>
                         <a:ea typeface="Calibri" panose="020F0502020204030204" pitchFamily="34" charset="0"/>
@@ -10410,17 +11518,14 @@
                         </a:spcAft>
                       </a:pPr>
                       <a:r>
-                        <a:rPr lang="es-CO" sz="3600">
-                          <a:effectLst/>
-                        </a:rPr>
-                        <a:t>0.46</a:t>
-                      </a:r>
-                      <a:endParaRPr lang="es-CO" sz="3600">
-                        <a:effectLst/>
-                        <a:latin typeface="Calibri" panose="020F0502020204030204" pitchFamily="34" charset="0"/>
-                        <a:ea typeface="Calibri" panose="020F0502020204030204" pitchFamily="34" charset="0"/>
-                        <a:cs typeface="Times New Roman" panose="02020603050405020304" pitchFamily="18" charset="0"/>
-                      </a:endParaRPr>
+                        <a:rPr lang="es-CO" sz="3600" dirty="0">
+                          <a:effectLst/>
+                          <a:latin typeface="Calibri" panose="020F0502020204030204" pitchFamily="34" charset="0"/>
+                          <a:ea typeface="Calibri" panose="020F0502020204030204" pitchFamily="34" charset="0"/>
+                          <a:cs typeface="Times New Roman" panose="02020603050405020304" pitchFamily="18" charset="0"/>
+                        </a:rPr>
+                        <a:t>0.59</a:t>
+                      </a:r>
                     </a:p>
                   </a:txBody>
                   <a:tcPr marL="68580" marR="68580" marT="0" marB="0"/>
@@ -10446,12 +11551,12 @@
                         </a:spcAft>
                       </a:pPr>
                       <a:r>
-                        <a:rPr lang="es-CO" sz="3600" dirty="0">
+                        <a:rPr lang="es-CO" sz="3600" b="0" dirty="0">
                           <a:effectLst/>
                         </a:rPr>
                         <a:t>72312627</a:t>
                       </a:r>
-                      <a:endParaRPr lang="es-CO" sz="3600" dirty="0">
+                      <a:endParaRPr lang="es-CO" sz="3600" b="0" dirty="0">
                         <a:effectLst/>
                         <a:latin typeface="Calibri" panose="020F0502020204030204" pitchFamily="34" charset="0"/>
                         <a:ea typeface="Calibri" panose="020F0502020204030204" pitchFamily="34" charset="0"/>
@@ -10475,17 +11580,14 @@
                         </a:spcAft>
                       </a:pPr>
                       <a:r>
-                        <a:rPr lang="es-CO" sz="3600">
-                          <a:effectLst/>
-                        </a:rPr>
-                        <a:t>0.63</a:t>
-                      </a:r>
-                      <a:endParaRPr lang="es-CO" sz="3600">
-                        <a:effectLst/>
-                        <a:latin typeface="Calibri" panose="020F0502020204030204" pitchFamily="34" charset="0"/>
-                        <a:ea typeface="Calibri" panose="020F0502020204030204" pitchFamily="34" charset="0"/>
-                        <a:cs typeface="Times New Roman" panose="02020603050405020304" pitchFamily="18" charset="0"/>
-                      </a:endParaRPr>
+                        <a:rPr lang="es-CO" sz="3600" dirty="0">
+                          <a:effectLst/>
+                          <a:latin typeface="Calibri" panose="020F0502020204030204" pitchFamily="34" charset="0"/>
+                          <a:ea typeface="Calibri" panose="020F0502020204030204" pitchFamily="34" charset="0"/>
+                          <a:cs typeface="Times New Roman" panose="02020603050405020304" pitchFamily="18" charset="0"/>
+                        </a:rPr>
+                        <a:t>0.61</a:t>
+                      </a:r>
                     </a:p>
                   </a:txBody>
                   <a:tcPr marL="68580" marR="68580" marT="0" marB="0"/>
@@ -10504,12 +11606,12 @@
                         </a:spcAft>
                       </a:pPr>
                       <a:r>
-                        <a:rPr lang="es-CO" sz="3600">
+                        <a:rPr lang="es-CO" sz="3600" dirty="0">
                           <a:effectLst/>
                         </a:rPr>
                         <a:t>82262664</a:t>
                       </a:r>
-                      <a:endParaRPr lang="es-CO" sz="3600">
+                      <a:endParaRPr lang="es-CO" sz="3600" dirty="0">
                         <a:effectLst/>
                         <a:latin typeface="Calibri" panose="020F0502020204030204" pitchFamily="34" charset="0"/>
                         <a:ea typeface="Calibri" panose="020F0502020204030204" pitchFamily="34" charset="0"/>
@@ -10533,17 +11635,14 @@
                         </a:spcAft>
                       </a:pPr>
                       <a:r>
-                        <a:rPr lang="es-CO" sz="3600">
-                          <a:effectLst/>
-                        </a:rPr>
-                        <a:t>0.50</a:t>
-                      </a:r>
-                      <a:endParaRPr lang="es-CO" sz="3600">
-                        <a:effectLst/>
-                        <a:latin typeface="Calibri" panose="020F0502020204030204" pitchFamily="34" charset="0"/>
-                        <a:ea typeface="Calibri" panose="020F0502020204030204" pitchFamily="34" charset="0"/>
-                        <a:cs typeface="Times New Roman" panose="02020603050405020304" pitchFamily="18" charset="0"/>
-                      </a:endParaRPr>
+                        <a:rPr lang="es-CO" sz="3600" dirty="0">
+                          <a:effectLst/>
+                          <a:latin typeface="Calibri" panose="020F0502020204030204" pitchFamily="34" charset="0"/>
+                          <a:ea typeface="Calibri" panose="020F0502020204030204" pitchFamily="34" charset="0"/>
+                          <a:cs typeface="Times New Roman" panose="02020603050405020304" pitchFamily="18" charset="0"/>
+                        </a:rPr>
+                        <a:t>0.68</a:t>
+                      </a:r>
                     </a:p>
                   </a:txBody>
                   <a:tcPr marL="68580" marR="68580" marT="0" marB="0"/>
@@ -10569,12 +11668,12 @@
                         </a:spcAft>
                       </a:pPr>
                       <a:r>
-                        <a:rPr lang="es-CO" sz="3600">
+                        <a:rPr lang="es-CO" sz="3600" b="0" dirty="0">
                           <a:effectLst/>
                         </a:rPr>
                         <a:t>101356886</a:t>
                       </a:r>
-                      <a:endParaRPr lang="es-CO" sz="3600">
+                      <a:endParaRPr lang="es-CO" sz="3600" b="0" dirty="0">
                         <a:effectLst/>
                         <a:latin typeface="Calibri" panose="020F0502020204030204" pitchFamily="34" charset="0"/>
                         <a:ea typeface="Calibri" panose="020F0502020204030204" pitchFamily="34" charset="0"/>
@@ -10598,17 +11697,14 @@
                         </a:spcAft>
                       </a:pPr>
                       <a:r>
-                        <a:rPr lang="es-CO" sz="3600">
-                          <a:effectLst/>
-                        </a:rPr>
-                        <a:t>0.71</a:t>
-                      </a:r>
-                      <a:endParaRPr lang="es-CO" sz="3600">
-                        <a:effectLst/>
-                        <a:latin typeface="Calibri" panose="020F0502020204030204" pitchFamily="34" charset="0"/>
-                        <a:ea typeface="Calibri" panose="020F0502020204030204" pitchFamily="34" charset="0"/>
-                        <a:cs typeface="Times New Roman" panose="02020603050405020304" pitchFamily="18" charset="0"/>
-                      </a:endParaRPr>
+                        <a:rPr lang="es-CO" sz="3600" dirty="0">
+                          <a:effectLst/>
+                          <a:latin typeface="Calibri" panose="020F0502020204030204" pitchFamily="34" charset="0"/>
+                          <a:ea typeface="Calibri" panose="020F0502020204030204" pitchFamily="34" charset="0"/>
+                          <a:cs typeface="Times New Roman" panose="02020603050405020304" pitchFamily="18" charset="0"/>
+                        </a:rPr>
+                        <a:t>0.60</a:t>
+                      </a:r>
                     </a:p>
                   </a:txBody>
                   <a:tcPr marL="68580" marR="68580" marT="0" marB="0"/>
@@ -10627,12 +11723,12 @@
                         </a:spcAft>
                       </a:pPr>
                       <a:r>
-                        <a:rPr lang="es-CO" sz="3600">
+                        <a:rPr lang="es-CO" sz="3600" dirty="0">
                           <a:effectLst/>
                         </a:rPr>
                         <a:t>106573901</a:t>
                       </a:r>
-                      <a:endParaRPr lang="es-CO" sz="3600">
+                      <a:endParaRPr lang="es-CO" sz="3600" dirty="0">
                         <a:effectLst/>
                         <a:latin typeface="Calibri" panose="020F0502020204030204" pitchFamily="34" charset="0"/>
                         <a:ea typeface="Calibri" panose="020F0502020204030204" pitchFamily="34" charset="0"/>
@@ -10656,17 +11752,14 @@
                         </a:spcAft>
                       </a:pPr>
                       <a:r>
-                        <a:rPr lang="es-CO" sz="3600">
-                          <a:effectLst/>
-                        </a:rPr>
-                        <a:t>0.70</a:t>
-                      </a:r>
-                      <a:endParaRPr lang="es-CO" sz="3600">
-                        <a:effectLst/>
-                        <a:latin typeface="Calibri" panose="020F0502020204030204" pitchFamily="34" charset="0"/>
-                        <a:ea typeface="Calibri" panose="020F0502020204030204" pitchFamily="34" charset="0"/>
-                        <a:cs typeface="Times New Roman" panose="02020603050405020304" pitchFamily="18" charset="0"/>
-                      </a:endParaRPr>
+                        <a:rPr lang="es-CO" sz="3600" dirty="0">
+                          <a:effectLst/>
+                          <a:latin typeface="Calibri" panose="020F0502020204030204" pitchFamily="34" charset="0"/>
+                          <a:ea typeface="Calibri" panose="020F0502020204030204" pitchFamily="34" charset="0"/>
+                          <a:cs typeface="Times New Roman" panose="02020603050405020304" pitchFamily="18" charset="0"/>
+                        </a:rPr>
+                        <a:t>0.50</a:t>
+                      </a:r>
                     </a:p>
                   </a:txBody>
                   <a:tcPr marL="68580" marR="68580" marT="0" marB="0"/>
@@ -10692,12 +11785,12 @@
                         </a:spcAft>
                       </a:pPr>
                       <a:r>
-                        <a:rPr lang="es-CO" sz="3600">
+                        <a:rPr lang="es-CO" sz="3600" b="0" dirty="0">
                           <a:effectLst/>
                         </a:rPr>
                         <a:t>132851371</a:t>
                       </a:r>
-                      <a:endParaRPr lang="es-CO" sz="3600">
+                      <a:endParaRPr lang="es-CO" sz="3600" b="0" dirty="0">
                         <a:effectLst/>
                         <a:latin typeface="Calibri" panose="020F0502020204030204" pitchFamily="34" charset="0"/>
                         <a:ea typeface="Calibri" panose="020F0502020204030204" pitchFamily="34" charset="0"/>
@@ -10723,15 +11816,12 @@
                       <a:r>
                         <a:rPr lang="es-CO" sz="3600" dirty="0">
                           <a:effectLst/>
-                        </a:rPr>
-                        <a:t>0.52</a:t>
-                      </a:r>
-                      <a:endParaRPr lang="es-CO" sz="3600" dirty="0">
-                        <a:effectLst/>
-                        <a:latin typeface="Calibri" panose="020F0502020204030204" pitchFamily="34" charset="0"/>
-                        <a:ea typeface="Calibri" panose="020F0502020204030204" pitchFamily="34" charset="0"/>
-                        <a:cs typeface="Times New Roman" panose="02020603050405020304" pitchFamily="18" charset="0"/>
-                      </a:endParaRPr>
+                          <a:latin typeface="Calibri" panose="020F0502020204030204" pitchFamily="34" charset="0"/>
+                          <a:ea typeface="Calibri" panose="020F0502020204030204" pitchFamily="34" charset="0"/>
+                          <a:cs typeface="Times New Roman" panose="02020603050405020304" pitchFamily="18" charset="0"/>
+                        </a:rPr>
+                        <a:t>0.30</a:t>
+                      </a:r>
                     </a:p>
                   </a:txBody>
                   <a:tcPr marL="68580" marR="68580" marT="0" marB="0"/>
@@ -10750,12 +11840,12 @@
                         </a:spcAft>
                       </a:pPr>
                       <a:r>
-                        <a:rPr lang="es-CO" sz="3600">
+                        <a:rPr lang="es-CO" sz="3600" dirty="0">
                           <a:effectLst/>
                         </a:rPr>
                         <a:t>134556694</a:t>
                       </a:r>
-                      <a:endParaRPr lang="es-CO" sz="3600">
+                      <a:endParaRPr lang="es-CO" sz="3600" dirty="0">
                         <a:effectLst/>
                         <a:latin typeface="Calibri" panose="020F0502020204030204" pitchFamily="34" charset="0"/>
                         <a:ea typeface="Calibri" panose="020F0502020204030204" pitchFamily="34" charset="0"/>
@@ -10779,17 +11869,14 @@
                         </a:spcAft>
                       </a:pPr>
                       <a:r>
-                        <a:rPr lang="es-CO" sz="3600">
-                          <a:effectLst/>
-                        </a:rPr>
-                        <a:t>0.53</a:t>
-                      </a:r>
-                      <a:endParaRPr lang="es-CO" sz="3600">
-                        <a:effectLst/>
-                        <a:latin typeface="Calibri" panose="020F0502020204030204" pitchFamily="34" charset="0"/>
-                        <a:ea typeface="Calibri" panose="020F0502020204030204" pitchFamily="34" charset="0"/>
-                        <a:cs typeface="Times New Roman" panose="02020603050405020304" pitchFamily="18" charset="0"/>
-                      </a:endParaRPr>
+                        <a:rPr lang="es-CO" sz="3600" dirty="0">
+                          <a:effectLst/>
+                          <a:latin typeface="Calibri" panose="020F0502020204030204" pitchFamily="34" charset="0"/>
+                          <a:ea typeface="Calibri" panose="020F0502020204030204" pitchFamily="34" charset="0"/>
+                          <a:cs typeface="Times New Roman" panose="02020603050405020304" pitchFamily="18" charset="0"/>
+                        </a:rPr>
+                        <a:t>0.40</a:t>
+                      </a:r>
                     </a:p>
                   </a:txBody>
                   <a:tcPr marL="68580" marR="68580" marT="0" marB="0"/>
@@ -10815,12 +11902,12 @@
                         </a:spcAft>
                       </a:pPr>
                       <a:r>
-                        <a:rPr lang="es-CO" sz="3600">
+                        <a:rPr lang="es-CO" sz="3600" b="0" dirty="0">
                           <a:effectLst/>
                         </a:rPr>
                         <a:t>159020918</a:t>
                       </a:r>
-                      <a:endParaRPr lang="es-CO" sz="3600">
+                      <a:endParaRPr lang="es-CO" sz="3600" b="0" dirty="0">
                         <a:effectLst/>
                         <a:latin typeface="Calibri" panose="020F0502020204030204" pitchFamily="34" charset="0"/>
                         <a:ea typeface="Calibri" panose="020F0502020204030204" pitchFamily="34" charset="0"/>
@@ -10844,17 +11931,14 @@
                         </a:spcAft>
                       </a:pPr>
                       <a:r>
-                        <a:rPr lang="es-CO" sz="3600">
-                          <a:effectLst/>
-                        </a:rPr>
-                        <a:t>0.57</a:t>
-                      </a:r>
-                      <a:endParaRPr lang="es-CO" sz="3600">
-                        <a:effectLst/>
-                        <a:latin typeface="Calibri" panose="020F0502020204030204" pitchFamily="34" charset="0"/>
-                        <a:ea typeface="Calibri" panose="020F0502020204030204" pitchFamily="34" charset="0"/>
-                        <a:cs typeface="Times New Roman" panose="02020603050405020304" pitchFamily="18" charset="0"/>
-                      </a:endParaRPr>
+                        <a:rPr lang="es-CO" sz="3600" dirty="0">
+                          <a:effectLst/>
+                          <a:latin typeface="Calibri" panose="020F0502020204030204" pitchFamily="34" charset="0"/>
+                          <a:ea typeface="Calibri" panose="020F0502020204030204" pitchFamily="34" charset="0"/>
+                          <a:cs typeface="Times New Roman" panose="02020603050405020304" pitchFamily="18" charset="0"/>
+                        </a:rPr>
+                        <a:t>0.26</a:t>
+                      </a:r>
                     </a:p>
                   </a:txBody>
                   <a:tcPr marL="68580" marR="68580" marT="0" marB="0"/>
@@ -10873,12 +11957,12 @@
                         </a:spcAft>
                       </a:pPr>
                       <a:r>
-                        <a:rPr lang="es-CO" sz="3600">
+                        <a:rPr lang="es-CO" sz="3600" dirty="0">
                           <a:effectLst/>
                         </a:rPr>
                         <a:t>92423451</a:t>
                       </a:r>
-                      <a:endParaRPr lang="es-CO" sz="3600">
+                      <a:endParaRPr lang="es-CO" sz="3600" dirty="0">
                         <a:effectLst/>
                         <a:latin typeface="Calibri" panose="020F0502020204030204" pitchFamily="34" charset="0"/>
                         <a:ea typeface="Calibri" panose="020F0502020204030204" pitchFamily="34" charset="0"/>
@@ -10902,17 +11986,14 @@
                         </a:spcAft>
                       </a:pPr>
                       <a:r>
-                        <a:rPr lang="es-CO" sz="3600">
-                          <a:effectLst/>
-                        </a:rPr>
-                        <a:t>0.47</a:t>
-                      </a:r>
-                      <a:endParaRPr lang="es-CO" sz="3600">
-                        <a:effectLst/>
-                        <a:latin typeface="Calibri" panose="020F0502020204030204" pitchFamily="34" charset="0"/>
-                        <a:ea typeface="Calibri" panose="020F0502020204030204" pitchFamily="34" charset="0"/>
-                        <a:cs typeface="Times New Roman" panose="02020603050405020304" pitchFamily="18" charset="0"/>
-                      </a:endParaRPr>
+                        <a:rPr lang="es-CO" sz="3600" dirty="0">
+                          <a:effectLst/>
+                          <a:latin typeface="Calibri" panose="020F0502020204030204" pitchFamily="34" charset="0"/>
+                          <a:ea typeface="Calibri" panose="020F0502020204030204" pitchFamily="34" charset="0"/>
+                          <a:cs typeface="Times New Roman" panose="02020603050405020304" pitchFamily="18" charset="0"/>
+                        </a:rPr>
+                        <a:t>0.33</a:t>
+                      </a:r>
                     </a:p>
                   </a:txBody>
                   <a:tcPr marL="68580" marR="68580" marT="0" marB="0"/>
@@ -10938,12 +12019,12 @@
                         </a:spcAft>
                       </a:pPr>
                       <a:r>
-                        <a:rPr lang="es-CO" sz="3600">
+                        <a:rPr lang="es-CO" sz="3600" b="0" dirty="0">
                           <a:effectLst/>
                         </a:rPr>
                         <a:t>116585378</a:t>
                       </a:r>
-                      <a:endParaRPr lang="es-CO" sz="3600">
+                      <a:endParaRPr lang="es-CO" sz="3600" b="0" dirty="0">
                         <a:effectLst/>
                         <a:latin typeface="Calibri" panose="020F0502020204030204" pitchFamily="34" charset="0"/>
                         <a:ea typeface="Calibri" panose="020F0502020204030204" pitchFamily="34" charset="0"/>
@@ -10967,17 +12048,14 @@
                         </a:spcAft>
                       </a:pPr>
                       <a:r>
-                        <a:rPr lang="es-CO" sz="3600">
-                          <a:effectLst/>
-                        </a:rPr>
-                        <a:t>0.59</a:t>
-                      </a:r>
-                      <a:endParaRPr lang="es-CO" sz="3600">
-                        <a:effectLst/>
-                        <a:latin typeface="Calibri" panose="020F0502020204030204" pitchFamily="34" charset="0"/>
-                        <a:ea typeface="Calibri" panose="020F0502020204030204" pitchFamily="34" charset="0"/>
-                        <a:cs typeface="Times New Roman" panose="02020603050405020304" pitchFamily="18" charset="0"/>
-                      </a:endParaRPr>
+                        <a:rPr lang="es-CO" sz="3600" dirty="0">
+                          <a:effectLst/>
+                          <a:latin typeface="Calibri" panose="020F0502020204030204" pitchFamily="34" charset="0"/>
+                          <a:ea typeface="Calibri" panose="020F0502020204030204" pitchFamily="34" charset="0"/>
+                          <a:cs typeface="Times New Roman" panose="02020603050405020304" pitchFamily="18" charset="0"/>
+                        </a:rPr>
+                        <a:t>0.51</a:t>
+                      </a:r>
                     </a:p>
                   </a:txBody>
                   <a:tcPr marL="68580" marR="68580" marT="0" marB="0"/>
@@ -10996,12 +12074,12 @@
                         </a:spcAft>
                       </a:pPr>
                       <a:r>
-                        <a:rPr lang="es-CO" sz="3600">
+                        <a:rPr lang="es-CO" sz="3600" dirty="0">
                           <a:effectLst/>
                         </a:rPr>
                         <a:t>121769650</a:t>
                       </a:r>
-                      <a:endParaRPr lang="es-CO" sz="3600">
+                      <a:endParaRPr lang="es-CO" sz="3600" dirty="0">
                         <a:effectLst/>
                         <a:latin typeface="Calibri" panose="020F0502020204030204" pitchFamily="34" charset="0"/>
                         <a:ea typeface="Calibri" panose="020F0502020204030204" pitchFamily="34" charset="0"/>
@@ -11025,17 +12103,14 @@
                         </a:spcAft>
                       </a:pPr>
                       <a:r>
-                        <a:rPr lang="es-CO" sz="3600">
-                          <a:effectLst/>
-                        </a:rPr>
-                        <a:t>0.59</a:t>
-                      </a:r>
-                      <a:endParaRPr lang="es-CO" sz="3600">
-                        <a:effectLst/>
-                        <a:latin typeface="Calibri" panose="020F0502020204030204" pitchFamily="34" charset="0"/>
-                        <a:ea typeface="Calibri" panose="020F0502020204030204" pitchFamily="34" charset="0"/>
-                        <a:cs typeface="Times New Roman" panose="02020603050405020304" pitchFamily="18" charset="0"/>
-                      </a:endParaRPr>
+                        <a:rPr lang="es-CO" sz="3600" dirty="0">
+                          <a:effectLst/>
+                          <a:latin typeface="Calibri" panose="020F0502020204030204" pitchFamily="34" charset="0"/>
+                          <a:ea typeface="Calibri" panose="020F0502020204030204" pitchFamily="34" charset="0"/>
+                          <a:cs typeface="Times New Roman" panose="02020603050405020304" pitchFamily="18" charset="0"/>
+                        </a:rPr>
+                        <a:t>0.48</a:t>
+                      </a:r>
                     </a:p>
                   </a:txBody>
                   <a:tcPr marL="68580" marR="68580" marT="0" marB="0"/>
@@ -11061,12 +12136,12 @@
                         </a:spcAft>
                       </a:pPr>
                       <a:r>
-                        <a:rPr lang="es-CO" sz="3600">
+                        <a:rPr lang="es-CO" sz="3600" b="0" dirty="0">
                           <a:effectLst/>
                         </a:rPr>
                         <a:t>73562326</a:t>
                       </a:r>
-                      <a:endParaRPr lang="es-CO" sz="3600">
+                      <a:endParaRPr lang="es-CO" sz="3600" b="0" dirty="0">
                         <a:effectLst/>
                         <a:latin typeface="Calibri" panose="020F0502020204030204" pitchFamily="34" charset="0"/>
                         <a:ea typeface="Calibri" panose="020F0502020204030204" pitchFamily="34" charset="0"/>
@@ -11090,17 +12165,14 @@
                         </a:spcAft>
                       </a:pPr>
                       <a:r>
-                        <a:rPr lang="es-CO" sz="3600">
-                          <a:effectLst/>
-                        </a:rPr>
-                        <a:t>0.65</a:t>
-                      </a:r>
-                      <a:endParaRPr lang="es-CO" sz="3600">
-                        <a:effectLst/>
-                        <a:latin typeface="Calibri" panose="020F0502020204030204" pitchFamily="34" charset="0"/>
-                        <a:ea typeface="Calibri" panose="020F0502020204030204" pitchFamily="34" charset="0"/>
-                        <a:cs typeface="Times New Roman" panose="02020603050405020304" pitchFamily="18" charset="0"/>
-                      </a:endParaRPr>
+                        <a:rPr lang="es-CO" sz="3600" dirty="0">
+                          <a:effectLst/>
+                          <a:latin typeface="Calibri" panose="020F0502020204030204" pitchFamily="34" charset="0"/>
+                          <a:ea typeface="Calibri" panose="020F0502020204030204" pitchFamily="34" charset="0"/>
+                          <a:cs typeface="Times New Roman" panose="02020603050405020304" pitchFamily="18" charset="0"/>
+                        </a:rPr>
+                        <a:t>0.48</a:t>
+                      </a:r>
                     </a:p>
                   </a:txBody>
                   <a:tcPr marL="68580" marR="68580" marT="0" marB="0"/>
@@ -11119,12 +12191,12 @@
                         </a:spcAft>
                       </a:pPr>
                       <a:r>
-                        <a:rPr lang="es-CO" sz="3600">
+                        <a:rPr lang="es-CO" sz="3600" dirty="0">
                           <a:effectLst/>
                         </a:rPr>
                         <a:t>87278757</a:t>
                       </a:r>
-                      <a:endParaRPr lang="es-CO" sz="3600">
+                      <a:endParaRPr lang="es-CO" sz="3600" dirty="0">
                         <a:effectLst/>
                         <a:latin typeface="Calibri" panose="020F0502020204030204" pitchFamily="34" charset="0"/>
                         <a:ea typeface="Calibri" panose="020F0502020204030204" pitchFamily="34" charset="0"/>
@@ -11148,17 +12220,14 @@
                         </a:spcAft>
                       </a:pPr>
                       <a:r>
-                        <a:rPr lang="es-CO" sz="3600">
-                          <a:effectLst/>
-                        </a:rPr>
-                        <a:t>0.63</a:t>
-                      </a:r>
-                      <a:endParaRPr lang="es-CO" sz="3600">
-                        <a:effectLst/>
-                        <a:latin typeface="Calibri" panose="020F0502020204030204" pitchFamily="34" charset="0"/>
-                        <a:ea typeface="Calibri" panose="020F0502020204030204" pitchFamily="34" charset="0"/>
-                        <a:cs typeface="Times New Roman" panose="02020603050405020304" pitchFamily="18" charset="0"/>
-                      </a:endParaRPr>
+                        <a:rPr lang="es-CO" sz="3600" dirty="0">
+                          <a:effectLst/>
+                          <a:latin typeface="Calibri" panose="020F0502020204030204" pitchFamily="34" charset="0"/>
+                          <a:ea typeface="Calibri" panose="020F0502020204030204" pitchFamily="34" charset="0"/>
+                          <a:cs typeface="Times New Roman" panose="02020603050405020304" pitchFamily="18" charset="0"/>
+                        </a:rPr>
+                        <a:t>0.46</a:t>
+                      </a:r>
                     </a:p>
                   </a:txBody>
                   <a:tcPr marL="68580" marR="68580" marT="0" marB="0"/>
@@ -11184,12 +12253,12 @@
                         </a:spcAft>
                       </a:pPr>
                       <a:r>
-                        <a:rPr lang="es-CO" sz="3600">
+                        <a:rPr lang="es-CO" sz="3600" b="0" dirty="0">
                           <a:effectLst/>
                         </a:rPr>
                         <a:t>106863163</a:t>
                       </a:r>
-                      <a:endParaRPr lang="es-CO" sz="3600">
+                      <a:endParaRPr lang="es-CO" sz="3600" b="0" dirty="0">
                         <a:effectLst/>
                         <a:latin typeface="Calibri" panose="020F0502020204030204" pitchFamily="34" charset="0"/>
                         <a:ea typeface="Calibri" panose="020F0502020204030204" pitchFamily="34" charset="0"/>
@@ -11213,17 +12282,14 @@
                         </a:spcAft>
                       </a:pPr>
                       <a:r>
-                        <a:rPr lang="es-CO" sz="3600">
-                          <a:effectLst/>
-                        </a:rPr>
-                        <a:t>0.66</a:t>
-                      </a:r>
-                      <a:endParaRPr lang="es-CO" sz="3600">
-                        <a:effectLst/>
-                        <a:latin typeface="Calibri" panose="020F0502020204030204" pitchFamily="34" charset="0"/>
-                        <a:ea typeface="Calibri" panose="020F0502020204030204" pitchFamily="34" charset="0"/>
-                        <a:cs typeface="Times New Roman" panose="02020603050405020304" pitchFamily="18" charset="0"/>
-                      </a:endParaRPr>
+                        <a:rPr lang="es-CO" sz="3600" dirty="0">
+                          <a:effectLst/>
+                          <a:latin typeface="Calibri" panose="020F0502020204030204" pitchFamily="34" charset="0"/>
+                          <a:ea typeface="Calibri" panose="020F0502020204030204" pitchFamily="34" charset="0"/>
+                          <a:cs typeface="Times New Roman" panose="02020603050405020304" pitchFamily="18" charset="0"/>
+                        </a:rPr>
+                        <a:t>0.65</a:t>
+                      </a:r>
                     </a:p>
                   </a:txBody>
                   <a:tcPr marL="68580" marR="68580" marT="0" marB="0"/>
@@ -11242,12 +12308,12 @@
                         </a:spcAft>
                       </a:pPr>
                       <a:r>
-                        <a:rPr lang="es-CO" sz="3600">
+                        <a:rPr lang="es-CO" sz="3600" dirty="0">
                           <a:effectLst/>
                         </a:rPr>
                         <a:t>125581247</a:t>
                       </a:r>
-                      <a:endParaRPr lang="es-CO" sz="3600">
+                      <a:endParaRPr lang="es-CO" sz="3600" dirty="0">
                         <a:effectLst/>
                         <a:latin typeface="Calibri" panose="020F0502020204030204" pitchFamily="34" charset="0"/>
                         <a:ea typeface="Calibri" panose="020F0502020204030204" pitchFamily="34" charset="0"/>
@@ -11271,17 +12337,14 @@
                         </a:spcAft>
                       </a:pPr>
                       <a:r>
-                        <a:rPr lang="es-CO" sz="3600">
-                          <a:effectLst/>
-                        </a:rPr>
-                        <a:t>0.46</a:t>
-                      </a:r>
-                      <a:endParaRPr lang="es-CO" sz="3600">
-                        <a:effectLst/>
-                        <a:latin typeface="Calibri" panose="020F0502020204030204" pitchFamily="34" charset="0"/>
-                        <a:ea typeface="Calibri" panose="020F0502020204030204" pitchFamily="34" charset="0"/>
-                        <a:cs typeface="Times New Roman" panose="02020603050405020304" pitchFamily="18" charset="0"/>
-                      </a:endParaRPr>
+                        <a:rPr lang="es-CO" sz="3600" dirty="0">
+                          <a:effectLst/>
+                          <a:latin typeface="Calibri" panose="020F0502020204030204" pitchFamily="34" charset="0"/>
+                          <a:ea typeface="Calibri" panose="020F0502020204030204" pitchFamily="34" charset="0"/>
+                          <a:cs typeface="Times New Roman" panose="02020603050405020304" pitchFamily="18" charset="0"/>
+                        </a:rPr>
+                        <a:t>0.56</a:t>
+                      </a:r>
                     </a:p>
                   </a:txBody>
                   <a:tcPr marL="68580" marR="68580" marT="0" marB="0"/>
@@ -11307,12 +12370,12 @@
                         </a:spcAft>
                       </a:pPr>
                       <a:r>
-                        <a:rPr lang="es-CO" sz="3600">
+                        <a:rPr lang="es-CO" sz="3600" b="0" dirty="0">
                           <a:effectLst/>
                         </a:rPr>
                         <a:t>94296097</a:t>
                       </a:r>
-                      <a:endParaRPr lang="es-CO" sz="3600">
+                      <a:endParaRPr lang="es-CO" sz="3600" b="0" dirty="0">
                         <a:effectLst/>
                         <a:latin typeface="Calibri" panose="020F0502020204030204" pitchFamily="34" charset="0"/>
                         <a:ea typeface="Calibri" panose="020F0502020204030204" pitchFamily="34" charset="0"/>
@@ -11336,17 +12399,14 @@
                         </a:spcAft>
                       </a:pPr>
                       <a:r>
-                        <a:rPr lang="es-CO" sz="3600">
-                          <a:effectLst/>
-                        </a:rPr>
-                        <a:t>0.40</a:t>
-                      </a:r>
-                      <a:endParaRPr lang="es-CO" sz="3600">
-                        <a:effectLst/>
-                        <a:latin typeface="Calibri" panose="020F0502020204030204" pitchFamily="34" charset="0"/>
-                        <a:ea typeface="Calibri" panose="020F0502020204030204" pitchFamily="34" charset="0"/>
-                        <a:cs typeface="Times New Roman" panose="02020603050405020304" pitchFamily="18" charset="0"/>
-                      </a:endParaRPr>
+                        <a:rPr lang="es-CO" sz="3600" dirty="0">
+                          <a:effectLst/>
+                          <a:latin typeface="Calibri" panose="020F0502020204030204" pitchFamily="34" charset="0"/>
+                          <a:ea typeface="Calibri" panose="020F0502020204030204" pitchFamily="34" charset="0"/>
+                          <a:cs typeface="Times New Roman" panose="02020603050405020304" pitchFamily="18" charset="0"/>
+                        </a:rPr>
+                        <a:t>0.43</a:t>
+                      </a:r>
                     </a:p>
                   </a:txBody>
                   <a:tcPr marL="68580" marR="68580" marT="0" marB="0"/>
@@ -11365,12 +12425,12 @@
                         </a:spcAft>
                       </a:pPr>
                       <a:r>
-                        <a:rPr lang="es-CO" sz="3600">
+                        <a:rPr lang="es-CO" sz="3600" dirty="0">
                           <a:effectLst/>
                         </a:rPr>
                         <a:t>94738847</a:t>
                       </a:r>
-                      <a:endParaRPr lang="es-CO" sz="3600">
+                      <a:endParaRPr lang="es-CO" sz="3600" dirty="0">
                         <a:effectLst/>
                         <a:latin typeface="Calibri" panose="020F0502020204030204" pitchFamily="34" charset="0"/>
                         <a:ea typeface="Calibri" panose="020F0502020204030204" pitchFamily="34" charset="0"/>
@@ -11394,17 +12454,14 @@
                         </a:spcAft>
                       </a:pPr>
                       <a:r>
-                        <a:rPr lang="es-CO" sz="3600">
-                          <a:effectLst/>
-                        </a:rPr>
-                        <a:t>0.65</a:t>
-                      </a:r>
-                      <a:endParaRPr lang="es-CO" sz="3600">
-                        <a:effectLst/>
-                        <a:latin typeface="Calibri" panose="020F0502020204030204" pitchFamily="34" charset="0"/>
-                        <a:ea typeface="Calibri" panose="020F0502020204030204" pitchFamily="34" charset="0"/>
-                        <a:cs typeface="Times New Roman" panose="02020603050405020304" pitchFamily="18" charset="0"/>
-                      </a:endParaRPr>
+                        <a:rPr lang="es-CO" sz="3600" dirty="0">
+                          <a:effectLst/>
+                          <a:latin typeface="Calibri" panose="020F0502020204030204" pitchFamily="34" charset="0"/>
+                          <a:ea typeface="Calibri" panose="020F0502020204030204" pitchFamily="34" charset="0"/>
+                          <a:cs typeface="Times New Roman" panose="02020603050405020304" pitchFamily="18" charset="0"/>
+                        </a:rPr>
+                        <a:t>0.30</a:t>
+                      </a:r>
                     </a:p>
                   </a:txBody>
                   <a:tcPr marL="68580" marR="68580" marT="0" marB="0"/>
@@ -11430,12 +12487,12 @@
                         </a:spcAft>
                       </a:pPr>
                       <a:r>
-                        <a:rPr lang="es-CO" sz="3600">
+                        <a:rPr lang="es-CO" sz="3600" b="0" dirty="0">
                           <a:effectLst/>
                         </a:rPr>
                         <a:t>101695162</a:t>
                       </a:r>
-                      <a:endParaRPr lang="es-CO" sz="3600">
+                      <a:endParaRPr lang="es-CO" sz="3600" b="0" dirty="0">
                         <a:effectLst/>
                         <a:latin typeface="Calibri" panose="020F0502020204030204" pitchFamily="34" charset="0"/>
                         <a:ea typeface="Calibri" panose="020F0502020204030204" pitchFamily="34" charset="0"/>
@@ -11459,17 +12516,14 @@
                         </a:spcAft>
                       </a:pPr>
                       <a:r>
-                        <a:rPr lang="es-CO" sz="3600">
-                          <a:effectLst/>
-                        </a:rPr>
-                        <a:t>0.54</a:t>
-                      </a:r>
-                      <a:endParaRPr lang="es-CO" sz="3600">
-                        <a:effectLst/>
-                        <a:latin typeface="Calibri" panose="020F0502020204030204" pitchFamily="34" charset="0"/>
-                        <a:ea typeface="Calibri" panose="020F0502020204030204" pitchFamily="34" charset="0"/>
-                        <a:cs typeface="Times New Roman" panose="02020603050405020304" pitchFamily="18" charset="0"/>
-                      </a:endParaRPr>
+                        <a:rPr lang="es-CO" sz="3600" dirty="0">
+                          <a:effectLst/>
+                          <a:latin typeface="Calibri" panose="020F0502020204030204" pitchFamily="34" charset="0"/>
+                          <a:ea typeface="Calibri" panose="020F0502020204030204" pitchFamily="34" charset="0"/>
+                          <a:cs typeface="Times New Roman" panose="02020603050405020304" pitchFamily="18" charset="0"/>
+                        </a:rPr>
+                        <a:t>0.44</a:t>
+                      </a:r>
                     </a:p>
                   </a:txBody>
                   <a:tcPr marL="68580" marR="68580" marT="0" marB="0"/>
@@ -11488,12 +12542,12 @@
                         </a:spcAft>
                       </a:pPr>
                       <a:r>
-                        <a:rPr lang="es-CO" sz="3600">
+                        <a:rPr lang="es-CO" sz="3600" dirty="0">
                           <a:effectLst/>
                         </a:rPr>
                         <a:t>86745912</a:t>
                       </a:r>
-                      <a:endParaRPr lang="es-CO" sz="3600">
+                      <a:endParaRPr lang="es-CO" sz="3600" dirty="0">
                         <a:effectLst/>
                         <a:latin typeface="Calibri" panose="020F0502020204030204" pitchFamily="34" charset="0"/>
                         <a:ea typeface="Calibri" panose="020F0502020204030204" pitchFamily="34" charset="0"/>
@@ -11517,17 +12571,14 @@
                         </a:spcAft>
                       </a:pPr>
                       <a:r>
-                        <a:rPr lang="es-CO" sz="3600">
-                          <a:effectLst/>
-                        </a:rPr>
-                        <a:t>0.60</a:t>
-                      </a:r>
-                      <a:endParaRPr lang="es-CO" sz="3600">
-                        <a:effectLst/>
-                        <a:latin typeface="Calibri" panose="020F0502020204030204" pitchFamily="34" charset="0"/>
-                        <a:ea typeface="Calibri" panose="020F0502020204030204" pitchFamily="34" charset="0"/>
-                        <a:cs typeface="Times New Roman" panose="02020603050405020304" pitchFamily="18" charset="0"/>
-                      </a:endParaRPr>
+                        <a:rPr lang="es-CO" sz="3600" dirty="0">
+                          <a:effectLst/>
+                          <a:latin typeface="Calibri" panose="020F0502020204030204" pitchFamily="34" charset="0"/>
+                          <a:ea typeface="Calibri" panose="020F0502020204030204" pitchFamily="34" charset="0"/>
+                          <a:cs typeface="Times New Roman" panose="02020603050405020304" pitchFamily="18" charset="0"/>
+                        </a:rPr>
+                        <a:t>0.46</a:t>
+                      </a:r>
                     </a:p>
                   </a:txBody>
                   <a:tcPr marL="68580" marR="68580" marT="0" marB="0"/>
@@ -11553,12 +12604,12 @@
                         </a:spcAft>
                       </a:pPr>
                       <a:r>
-                        <a:rPr lang="es-CO" sz="3600">
+                        <a:rPr lang="es-CO" sz="3600" b="0" dirty="0">
                           <a:effectLst/>
                         </a:rPr>
                         <a:t>94155156</a:t>
                       </a:r>
-                      <a:endParaRPr lang="es-CO" sz="3600">
+                      <a:endParaRPr lang="es-CO" sz="3600" b="0" dirty="0">
                         <a:effectLst/>
                         <a:latin typeface="Calibri" panose="020F0502020204030204" pitchFamily="34" charset="0"/>
                         <a:ea typeface="Calibri" panose="020F0502020204030204" pitchFamily="34" charset="0"/>
@@ -11582,17 +12633,14 @@
                         </a:spcAft>
                       </a:pPr>
                       <a:r>
-                        <a:rPr lang="es-CO" sz="3600">
-                          <a:effectLst/>
-                        </a:rPr>
-                        <a:t>0.59</a:t>
-                      </a:r>
-                      <a:endParaRPr lang="es-CO" sz="3600">
-                        <a:effectLst/>
-                        <a:latin typeface="Calibri" panose="020F0502020204030204" pitchFamily="34" charset="0"/>
-                        <a:ea typeface="Calibri" panose="020F0502020204030204" pitchFamily="34" charset="0"/>
-                        <a:cs typeface="Times New Roman" panose="02020603050405020304" pitchFamily="18" charset="0"/>
-                      </a:endParaRPr>
+                        <a:rPr lang="es-CO" sz="3600" dirty="0">
+                          <a:effectLst/>
+                          <a:latin typeface="Calibri" panose="020F0502020204030204" pitchFamily="34" charset="0"/>
+                          <a:ea typeface="Calibri" panose="020F0502020204030204" pitchFamily="34" charset="0"/>
+                          <a:cs typeface="Times New Roman" panose="02020603050405020304" pitchFamily="18" charset="0"/>
+                        </a:rPr>
+                        <a:t>0.37</a:t>
+                      </a:r>
                     </a:p>
                   </a:txBody>
                   <a:tcPr marL="68580" marR="68580" marT="0" marB="0"/>
@@ -11611,12 +12659,12 @@
                         </a:spcAft>
                       </a:pPr>
                       <a:r>
-                        <a:rPr lang="es-CO" sz="3600">
+                        <a:rPr lang="es-CO" sz="3600" dirty="0">
                           <a:effectLst/>
                         </a:rPr>
                         <a:t>111620041</a:t>
                       </a:r>
-                      <a:endParaRPr lang="es-CO" sz="3600">
+                      <a:endParaRPr lang="es-CO" sz="3600" dirty="0">
                         <a:effectLst/>
                         <a:latin typeface="Calibri" panose="020F0502020204030204" pitchFamily="34" charset="0"/>
                         <a:ea typeface="Calibri" panose="020F0502020204030204" pitchFamily="34" charset="0"/>
@@ -11640,17 +12688,14 @@
                         </a:spcAft>
                       </a:pPr>
                       <a:r>
-                        <a:rPr lang="es-CO" sz="3600">
-                          <a:effectLst/>
-                        </a:rPr>
-                        <a:t>0.61</a:t>
-                      </a:r>
-                      <a:endParaRPr lang="es-CO" sz="3600">
-                        <a:effectLst/>
-                        <a:latin typeface="Calibri" panose="020F0502020204030204" pitchFamily="34" charset="0"/>
-                        <a:ea typeface="Calibri" panose="020F0502020204030204" pitchFamily="34" charset="0"/>
-                        <a:cs typeface="Times New Roman" panose="02020603050405020304" pitchFamily="18" charset="0"/>
-                      </a:endParaRPr>
+                        <a:rPr lang="es-CO" sz="3600" dirty="0">
+                          <a:effectLst/>
+                          <a:latin typeface="Calibri" panose="020F0502020204030204" pitchFamily="34" charset="0"/>
+                          <a:ea typeface="Calibri" panose="020F0502020204030204" pitchFamily="34" charset="0"/>
+                          <a:cs typeface="Times New Roman" panose="02020603050405020304" pitchFamily="18" charset="0"/>
+                        </a:rPr>
+                        <a:t>0.53</a:t>
+                      </a:r>
                     </a:p>
                   </a:txBody>
                   <a:tcPr marL="68580" marR="68580" marT="0" marB="0"/>
@@ -11676,12 +12721,12 @@
                         </a:spcAft>
                       </a:pPr>
                       <a:r>
-                        <a:rPr lang="es-CO" sz="3600" dirty="0">
+                        <a:rPr lang="es-CO" sz="3600" b="0" dirty="0">
                           <a:effectLst/>
                         </a:rPr>
                         <a:t>41231571</a:t>
                       </a:r>
-                      <a:endParaRPr lang="es-CO" sz="3600" dirty="0">
+                      <a:endParaRPr lang="es-CO" sz="3600" b="0" dirty="0">
                         <a:effectLst/>
                         <a:latin typeface="Calibri" panose="020F0502020204030204" pitchFamily="34" charset="0"/>
                         <a:ea typeface="Calibri" panose="020F0502020204030204" pitchFamily="34" charset="0"/>
@@ -11705,17 +12750,14 @@
                         </a:spcAft>
                       </a:pPr>
                       <a:r>
-                        <a:rPr lang="es-CO" sz="3600">
-                          <a:effectLst/>
-                        </a:rPr>
-                        <a:t>0.73</a:t>
-                      </a:r>
-                      <a:endParaRPr lang="es-CO" sz="3600">
-                        <a:effectLst/>
-                        <a:latin typeface="Calibri" panose="020F0502020204030204" pitchFamily="34" charset="0"/>
-                        <a:ea typeface="Calibri" panose="020F0502020204030204" pitchFamily="34" charset="0"/>
-                        <a:cs typeface="Times New Roman" panose="02020603050405020304" pitchFamily="18" charset="0"/>
-                      </a:endParaRPr>
+                        <a:rPr lang="es-CO" sz="3600" dirty="0">
+                          <a:effectLst/>
+                          <a:latin typeface="Calibri" panose="020F0502020204030204" pitchFamily="34" charset="0"/>
+                          <a:ea typeface="Calibri" panose="020F0502020204030204" pitchFamily="34" charset="0"/>
+                          <a:cs typeface="Times New Roman" panose="02020603050405020304" pitchFamily="18" charset="0"/>
+                        </a:rPr>
+                        <a:t>0.48</a:t>
+                      </a:r>
                     </a:p>
                   </a:txBody>
                   <a:tcPr marL="68580" marR="68580" marT="0" marB="0"/>
@@ -11734,12 +12776,12 @@
                         </a:spcAft>
                       </a:pPr>
                       <a:r>
-                        <a:rPr lang="es-CO" sz="3600">
+                        <a:rPr lang="es-CO" sz="3600" dirty="0">
                           <a:effectLst/>
                         </a:rPr>
                         <a:t>25907144</a:t>
                       </a:r>
-                      <a:endParaRPr lang="es-CO" sz="3600">
+                      <a:endParaRPr lang="es-CO" sz="3600" dirty="0">
                         <a:effectLst/>
                         <a:latin typeface="Calibri" panose="020F0502020204030204" pitchFamily="34" charset="0"/>
                         <a:ea typeface="Calibri" panose="020F0502020204030204" pitchFamily="34" charset="0"/>
@@ -11765,15 +12807,12 @@
                       <a:r>
                         <a:rPr lang="es-CO" sz="3600" dirty="0">
                           <a:effectLst/>
-                        </a:rPr>
-                        <a:t>0.59</a:t>
-                      </a:r>
-                      <a:endParaRPr lang="es-CO" sz="3600" dirty="0">
-                        <a:effectLst/>
-                        <a:latin typeface="Calibri" panose="020F0502020204030204" pitchFamily="34" charset="0"/>
-                        <a:ea typeface="Calibri" panose="020F0502020204030204" pitchFamily="34" charset="0"/>
-                        <a:cs typeface="Times New Roman" panose="02020603050405020304" pitchFamily="18" charset="0"/>
-                      </a:endParaRPr>
+                          <a:latin typeface="Calibri" panose="020F0502020204030204" pitchFamily="34" charset="0"/>
+                          <a:ea typeface="Calibri" panose="020F0502020204030204" pitchFamily="34" charset="0"/>
+                          <a:cs typeface="Times New Roman" panose="02020603050405020304" pitchFamily="18" charset="0"/>
+                        </a:rPr>
+                        <a:t>0.71</a:t>
+                      </a:r>
                     </a:p>
                   </a:txBody>
                   <a:tcPr marL="68580" marR="68580" marT="0" marB="0"/>
@@ -11982,7 +13021,7 @@
           <a:p>
             <a:r>
               <a:rPr lang="es-CO" dirty="0"/>
-              <a:t>Training set 80% ; 2 capas </a:t>
+              <a:t>Training set 80% ; 1 capa , 10 nodos (TO-DO) </a:t>
             </a:r>
           </a:p>
         </p:txBody>
@@ -11990,7 +13029,7 @@
     </p:spTree>
     <p:extLst>
       <p:ext uri="{BB962C8B-B14F-4D97-AF65-F5344CB8AC3E}">
-        <p14:creationId xmlns:p14="http://schemas.microsoft.com/office/powerpoint/2010/main" val="3885160369"/>
+        <p14:creationId xmlns:p14="http://schemas.microsoft.com/office/powerpoint/2010/main" val="1461715250"/>
       </p:ext>
     </p:extLst>
   </p:cSld>
@@ -12000,7 +13039,7 @@
 </p:sld>
 </file>
 
-<file path=ppt/slides/slide15.xml><?xml version="1.0" encoding="utf-8"?>
+<file path=ppt/slides/slide17.xml><?xml version="1.0" encoding="utf-8"?>
 <p:sld xmlns:a="http://schemas.openxmlformats.org/drawingml/2006/main" xmlns:r="http://schemas.openxmlformats.org/officeDocument/2006/relationships" xmlns:p="http://schemas.openxmlformats.org/presentationml/2006/main">
   <p:cSld>
     <p:spTree>
@@ -12088,10 +13127,10 @@
       </p:sp>
       <p:graphicFrame>
         <p:nvGraphicFramePr>
-          <p:cNvPr id="7" name="Content Placeholder 6">
+          <p:cNvPr id="10" name="Content Placeholder 9">
             <a:extLst>
               <a:ext uri="{FF2B5EF4-FFF2-40B4-BE49-F238E27FC236}">
-                <a16:creationId xmlns:a16="http://schemas.microsoft.com/office/drawing/2014/main" id="{DBD997E9-56B7-42F1-8ED3-AAD551F6777A}"/>
+                <a16:creationId xmlns:a16="http://schemas.microsoft.com/office/drawing/2014/main" id="{529AB63E-4C09-4B86-8018-001E9EFD60D1}"/>
               </a:ext>
             </a:extLst>
           </p:cNvPr>
@@ -12102,52 +13141,52 @@
             <p:ph idx="1"/>
             <p:extLst>
               <p:ext uri="{D42A27DB-BD31-4B8C-83A1-F6EECF244321}">
-                <p14:modId xmlns:p14="http://schemas.microsoft.com/office/powerpoint/2010/main" val="2615667895"/>
+                <p14:modId xmlns:p14="http://schemas.microsoft.com/office/powerpoint/2010/main" val="334176252"/>
               </p:ext>
             </p:extLst>
           </p:nvPr>
         </p:nvGraphicFramePr>
         <p:xfrm>
-          <a:off x="2184399" y="4111627"/>
-          <a:ext cx="19185468" cy="8198905"/>
+          <a:off x="2523067" y="4111628"/>
+          <a:ext cx="18846800" cy="8402108"/>
         </p:xfrm>
         <a:graphic>
           <a:graphicData uri="http://schemas.openxmlformats.org/drawingml/2006/table">
             <a:tbl>
               <a:tblPr firstRow="1" firstCol="1" bandRow="1">
-                <a:tableStyleId>{5C22544A-7EE6-4342-B048-85BDC9FD1C3A}</a:tableStyleId>
+                <a:tableStyleId>{FABFCF23-3B69-468F-B69F-88F6DE6A72F2}</a:tableStyleId>
               </a:tblPr>
               <a:tblGrid>
-                <a:gridCol w="4795308">
+                <a:gridCol w="4710659">
                   <a:extLst>
                     <a:ext uri="{9D8B030D-6E8A-4147-A177-3AD203B41FA5}">
-                      <a16:colId xmlns:a16="http://schemas.microsoft.com/office/drawing/2014/main" val="2829612365"/>
+                      <a16:colId xmlns:a16="http://schemas.microsoft.com/office/drawing/2014/main" val="2437866752"/>
                     </a:ext>
                   </a:extLst>
                 </a:gridCol>
-                <a:gridCol w="4795308">
+                <a:gridCol w="4710659">
                   <a:extLst>
                     <a:ext uri="{9D8B030D-6E8A-4147-A177-3AD203B41FA5}">
-                      <a16:colId xmlns:a16="http://schemas.microsoft.com/office/drawing/2014/main" val="4177138336"/>
+                      <a16:colId xmlns:a16="http://schemas.microsoft.com/office/drawing/2014/main" val="2812011098"/>
                     </a:ext>
                   </a:extLst>
                 </a:gridCol>
-                <a:gridCol w="4797426">
+                <a:gridCol w="4712741">
                   <a:extLst>
                     <a:ext uri="{9D8B030D-6E8A-4147-A177-3AD203B41FA5}">
-                      <a16:colId xmlns:a16="http://schemas.microsoft.com/office/drawing/2014/main" val="2011586019"/>
+                      <a16:colId xmlns:a16="http://schemas.microsoft.com/office/drawing/2014/main" val="860512497"/>
                     </a:ext>
                   </a:extLst>
                 </a:gridCol>
-                <a:gridCol w="4797426">
+                <a:gridCol w="4712741">
                   <a:extLst>
                     <a:ext uri="{9D8B030D-6E8A-4147-A177-3AD203B41FA5}">
-                      <a16:colId xmlns:a16="http://schemas.microsoft.com/office/drawing/2014/main" val="1315002260"/>
+                      <a16:colId xmlns:a16="http://schemas.microsoft.com/office/drawing/2014/main" val="1089309477"/>
                     </a:ext>
                   </a:extLst>
                 </a:gridCol>
               </a:tblGrid>
-              <a:tr h="630685">
+              <a:tr h="646316">
                 <a:tc>
                   <a:txBody>
                     <a:bodyPr/>
@@ -12162,7 +13201,7 @@
                         </a:spcAft>
                       </a:pPr>
                       <a:r>
-                        <a:rPr lang="es-CO" sz="3600" dirty="0" err="1">
+                        <a:rPr lang="es-CO" sz="3600" dirty="0">
                           <a:effectLst/>
                         </a:rPr>
                         <a:t>playerID</a:t>
@@ -12191,12 +13230,12 @@
                         </a:spcAft>
                       </a:pPr>
                       <a:r>
-                        <a:rPr lang="es-CO" sz="3600" dirty="0" err="1">
+                        <a:rPr lang="es-CO" sz="3600">
                           <a:effectLst/>
                         </a:rPr>
                         <a:t>Accuracy</a:t>
                       </a:r>
-                      <a:endParaRPr lang="es-CO" sz="3600" dirty="0">
+                      <a:endParaRPr lang="es-CO" sz="3600">
                         <a:effectLst/>
                         <a:latin typeface="Calibri" panose="020F0502020204030204" pitchFamily="34" charset="0"/>
                         <a:ea typeface="Calibri" panose="020F0502020204030204" pitchFamily="34" charset="0"/>
@@ -12266,11 +13305,11 @@
                 </a:tc>
                 <a:extLst>
                   <a:ext uri="{0D108BD9-81ED-4DB2-BD59-A6C34878D82A}">
-                    <a16:rowId xmlns:a16="http://schemas.microsoft.com/office/drawing/2014/main" val="3450319146"/>
+                    <a16:rowId xmlns:a16="http://schemas.microsoft.com/office/drawing/2014/main" val="1108280180"/>
                   </a:ext>
                 </a:extLst>
               </a:tr>
-              <a:tr h="630685">
+              <a:tr h="646316">
                 <a:tc>
                   <a:txBody>
                     <a:bodyPr/>
@@ -12285,12 +13324,12 @@
                         </a:spcAft>
                       </a:pPr>
                       <a:r>
-                        <a:rPr lang="es-CO" sz="3600">
+                        <a:rPr lang="es-CO" sz="3600" b="0" dirty="0">
                           <a:effectLst/>
                         </a:rPr>
                         <a:t>105248644</a:t>
                       </a:r>
-                      <a:endParaRPr lang="es-CO" sz="3600">
+                      <a:endParaRPr lang="es-CO" sz="3600" b="0" dirty="0">
                         <a:effectLst/>
                         <a:latin typeface="Calibri" panose="020F0502020204030204" pitchFamily="34" charset="0"/>
                         <a:ea typeface="Calibri" panose="020F0502020204030204" pitchFamily="34" charset="0"/>
@@ -12314,12 +13353,12 @@
                         </a:spcAft>
                       </a:pPr>
                       <a:r>
-                        <a:rPr lang="es-CO" sz="3600">
-                          <a:effectLst/>
-                        </a:rPr>
-                        <a:t>0.63</a:t>
-                      </a:r>
-                      <a:endParaRPr lang="es-CO" sz="3600">
+                        <a:rPr lang="es-CO" sz="3600" dirty="0">
+                          <a:effectLst/>
+                        </a:rPr>
+                        <a:t>0.66</a:t>
+                      </a:r>
+                      <a:endParaRPr lang="es-CO" sz="3600" dirty="0">
                         <a:effectLst/>
                         <a:latin typeface="Calibri" panose="020F0502020204030204" pitchFamily="34" charset="0"/>
                         <a:ea typeface="Calibri" panose="020F0502020204030204" pitchFamily="34" charset="0"/>
@@ -12343,12 +13382,12 @@
                         </a:spcAft>
                       </a:pPr>
                       <a:r>
-                        <a:rPr lang="es-CO" sz="3600">
+                        <a:rPr lang="es-CO" sz="3600" dirty="0">
                           <a:effectLst/>
                         </a:rPr>
                         <a:t>34505203</a:t>
                       </a:r>
-                      <a:endParaRPr lang="es-CO" sz="3600">
+                      <a:endParaRPr lang="es-CO" sz="3600" dirty="0">
                         <a:effectLst/>
                         <a:latin typeface="Calibri" panose="020F0502020204030204" pitchFamily="34" charset="0"/>
                         <a:ea typeface="Calibri" panose="020F0502020204030204" pitchFamily="34" charset="0"/>
@@ -12372,12 +13411,12 @@
                         </a:spcAft>
                       </a:pPr>
                       <a:r>
-                        <a:rPr lang="es-CO" sz="3600">
-                          <a:effectLst/>
-                        </a:rPr>
-                        <a:t>0.51</a:t>
-                      </a:r>
-                      <a:endParaRPr lang="es-CO" sz="3600">
+                        <a:rPr lang="es-CO" sz="3600" dirty="0">
+                          <a:effectLst/>
+                        </a:rPr>
+                        <a:t>0.46</a:t>
+                      </a:r>
+                      <a:endParaRPr lang="es-CO" sz="3600" dirty="0">
                         <a:effectLst/>
                         <a:latin typeface="Calibri" panose="020F0502020204030204" pitchFamily="34" charset="0"/>
                         <a:ea typeface="Calibri" panose="020F0502020204030204" pitchFamily="34" charset="0"/>
@@ -12389,11 +13428,11 @@
                 </a:tc>
                 <a:extLst>
                   <a:ext uri="{0D108BD9-81ED-4DB2-BD59-A6C34878D82A}">
-                    <a16:rowId xmlns:a16="http://schemas.microsoft.com/office/drawing/2014/main" val="45979586"/>
+                    <a16:rowId xmlns:a16="http://schemas.microsoft.com/office/drawing/2014/main" val="181299727"/>
                   </a:ext>
                 </a:extLst>
               </a:tr>
-              <a:tr h="630685">
+              <a:tr h="646316">
                 <a:tc>
                   <a:txBody>
                     <a:bodyPr/>
@@ -12408,12 +13447,12 @@
                         </a:spcAft>
                       </a:pPr>
                       <a:r>
-                        <a:rPr lang="es-CO" sz="3600">
+                        <a:rPr lang="es-CO" sz="3600" b="0" dirty="0">
                           <a:effectLst/>
                         </a:rPr>
                         <a:t>72312627</a:t>
                       </a:r>
-                      <a:endParaRPr lang="es-CO" sz="3600">
+                      <a:endParaRPr lang="es-CO" sz="3600" b="0" dirty="0">
                         <a:effectLst/>
                         <a:latin typeface="Calibri" panose="020F0502020204030204" pitchFamily="34" charset="0"/>
                         <a:ea typeface="Calibri" panose="020F0502020204030204" pitchFamily="34" charset="0"/>
@@ -12437,12 +13476,12 @@
                         </a:spcAft>
                       </a:pPr>
                       <a:r>
-                        <a:rPr lang="es-CO" sz="3600">
-                          <a:effectLst/>
-                        </a:rPr>
-                        <a:t>0.68</a:t>
-                      </a:r>
-                      <a:endParaRPr lang="es-CO" sz="3600">
+                        <a:rPr lang="es-CO" sz="3600" dirty="0">
+                          <a:effectLst/>
+                        </a:rPr>
+                        <a:t>0.63</a:t>
+                      </a:r>
+                      <a:endParaRPr lang="es-CO" sz="3600" dirty="0">
                         <a:effectLst/>
                         <a:latin typeface="Calibri" panose="020F0502020204030204" pitchFamily="34" charset="0"/>
                         <a:ea typeface="Calibri" panose="020F0502020204030204" pitchFamily="34" charset="0"/>
@@ -12466,12 +13505,12 @@
                         </a:spcAft>
                       </a:pPr>
                       <a:r>
-                        <a:rPr lang="es-CO" sz="3600">
+                        <a:rPr lang="es-CO" sz="3600" dirty="0">
                           <a:effectLst/>
                         </a:rPr>
                         <a:t>82262664</a:t>
                       </a:r>
-                      <a:endParaRPr lang="es-CO" sz="3600">
+                      <a:endParaRPr lang="es-CO" sz="3600" dirty="0">
                         <a:effectLst/>
                         <a:latin typeface="Calibri" panose="020F0502020204030204" pitchFamily="34" charset="0"/>
                         <a:ea typeface="Calibri" panose="020F0502020204030204" pitchFamily="34" charset="0"/>
@@ -12495,12 +13534,12 @@
                         </a:spcAft>
                       </a:pPr>
                       <a:r>
-                        <a:rPr lang="es-CO" sz="3600">
-                          <a:effectLst/>
-                        </a:rPr>
-                        <a:t>0.74</a:t>
-                      </a:r>
-                      <a:endParaRPr lang="es-CO" sz="3600">
+                        <a:rPr lang="es-CO" sz="3600" dirty="0">
+                          <a:effectLst/>
+                        </a:rPr>
+                        <a:t>0.50</a:t>
+                      </a:r>
+                      <a:endParaRPr lang="es-CO" sz="3600" dirty="0">
                         <a:effectLst/>
                         <a:latin typeface="Calibri" panose="020F0502020204030204" pitchFamily="34" charset="0"/>
                         <a:ea typeface="Calibri" panose="020F0502020204030204" pitchFamily="34" charset="0"/>
@@ -12512,11 +13551,11 @@
                 </a:tc>
                 <a:extLst>
                   <a:ext uri="{0D108BD9-81ED-4DB2-BD59-A6C34878D82A}">
-                    <a16:rowId xmlns:a16="http://schemas.microsoft.com/office/drawing/2014/main" val="1346286688"/>
+                    <a16:rowId xmlns:a16="http://schemas.microsoft.com/office/drawing/2014/main" val="3240925976"/>
                   </a:ext>
                 </a:extLst>
               </a:tr>
-              <a:tr h="630685">
+              <a:tr h="646316">
                 <a:tc>
                   <a:txBody>
                     <a:bodyPr/>
@@ -12531,12 +13570,12 @@
                         </a:spcAft>
                       </a:pPr>
                       <a:r>
-                        <a:rPr lang="es-CO" sz="3600" dirty="0">
+                        <a:rPr lang="es-CO" sz="3600" b="0" dirty="0">
                           <a:effectLst/>
                         </a:rPr>
                         <a:t>101356886</a:t>
                       </a:r>
-                      <a:endParaRPr lang="es-CO" sz="3600" dirty="0">
+                      <a:endParaRPr lang="es-CO" sz="3600" b="0" dirty="0">
                         <a:effectLst/>
                         <a:latin typeface="Calibri" panose="020F0502020204030204" pitchFamily="34" charset="0"/>
                         <a:ea typeface="Calibri" panose="020F0502020204030204" pitchFamily="34" charset="0"/>
@@ -12560,12 +13599,12 @@
                         </a:spcAft>
                       </a:pPr>
                       <a:r>
-                        <a:rPr lang="es-CO" sz="3600">
-                          <a:effectLst/>
-                        </a:rPr>
-                        <a:t>0.70</a:t>
-                      </a:r>
-                      <a:endParaRPr lang="es-CO" sz="3600">
+                        <a:rPr lang="es-CO" sz="3600" dirty="0">
+                          <a:effectLst/>
+                        </a:rPr>
+                        <a:t>0.71</a:t>
+                      </a:r>
+                      <a:endParaRPr lang="es-CO" sz="3600" dirty="0">
                         <a:effectLst/>
                         <a:latin typeface="Calibri" panose="020F0502020204030204" pitchFamily="34" charset="0"/>
                         <a:ea typeface="Calibri" panose="020F0502020204030204" pitchFamily="34" charset="0"/>
@@ -12589,12 +13628,12 @@
                         </a:spcAft>
                       </a:pPr>
                       <a:r>
-                        <a:rPr lang="es-CO" sz="3600">
+                        <a:rPr lang="es-CO" sz="3600" dirty="0">
                           <a:effectLst/>
                         </a:rPr>
                         <a:t>106573901</a:t>
                       </a:r>
-                      <a:endParaRPr lang="es-CO" sz="3600">
+                      <a:endParaRPr lang="es-CO" sz="3600" dirty="0">
                         <a:effectLst/>
                         <a:latin typeface="Calibri" panose="020F0502020204030204" pitchFamily="34" charset="0"/>
                         <a:ea typeface="Calibri" panose="020F0502020204030204" pitchFamily="34" charset="0"/>
@@ -12618,12 +13657,12 @@
                         </a:spcAft>
                       </a:pPr>
                       <a:r>
-                        <a:rPr lang="es-CO" sz="3600">
-                          <a:effectLst/>
-                        </a:rPr>
-                        <a:t>0.58</a:t>
-                      </a:r>
-                      <a:endParaRPr lang="es-CO" sz="3600">
+                        <a:rPr lang="es-CO" sz="3600" dirty="0">
+                          <a:effectLst/>
+                        </a:rPr>
+                        <a:t>0.70</a:t>
+                      </a:r>
+                      <a:endParaRPr lang="es-CO" sz="3600" dirty="0">
                         <a:effectLst/>
                         <a:latin typeface="Calibri" panose="020F0502020204030204" pitchFamily="34" charset="0"/>
                         <a:ea typeface="Calibri" panose="020F0502020204030204" pitchFamily="34" charset="0"/>
@@ -12635,11 +13674,11 @@
                 </a:tc>
                 <a:extLst>
                   <a:ext uri="{0D108BD9-81ED-4DB2-BD59-A6C34878D82A}">
-                    <a16:rowId xmlns:a16="http://schemas.microsoft.com/office/drawing/2014/main" val="753416512"/>
+                    <a16:rowId xmlns:a16="http://schemas.microsoft.com/office/drawing/2014/main" val="695469776"/>
                   </a:ext>
                 </a:extLst>
               </a:tr>
-              <a:tr h="630685">
+              <a:tr h="646316">
                 <a:tc>
                   <a:txBody>
                     <a:bodyPr/>
@@ -12654,12 +13693,12 @@
                         </a:spcAft>
                       </a:pPr>
                       <a:r>
-                        <a:rPr lang="es-CO" sz="3600">
+                        <a:rPr lang="es-CO" sz="3600" b="0" dirty="0">
                           <a:effectLst/>
                         </a:rPr>
                         <a:t>132851371</a:t>
                       </a:r>
-                      <a:endParaRPr lang="es-CO" sz="3600">
+                      <a:endParaRPr lang="es-CO" sz="3600" b="0" dirty="0">
                         <a:effectLst/>
                         <a:latin typeface="Calibri" panose="020F0502020204030204" pitchFamily="34" charset="0"/>
                         <a:ea typeface="Calibri" panose="020F0502020204030204" pitchFamily="34" charset="0"/>
@@ -12683,12 +13722,12 @@
                         </a:spcAft>
                       </a:pPr>
                       <a:r>
-                        <a:rPr lang="es-CO" sz="3600">
+                        <a:rPr lang="es-CO" sz="3600" dirty="0">
                           <a:effectLst/>
                         </a:rPr>
                         <a:t>0.52</a:t>
                       </a:r>
-                      <a:endParaRPr lang="es-CO" sz="3600">
+                      <a:endParaRPr lang="es-CO" sz="3600" dirty="0">
                         <a:effectLst/>
                         <a:latin typeface="Calibri" panose="020F0502020204030204" pitchFamily="34" charset="0"/>
                         <a:ea typeface="Calibri" panose="020F0502020204030204" pitchFamily="34" charset="0"/>
@@ -12712,12 +13751,12 @@
                         </a:spcAft>
                       </a:pPr>
                       <a:r>
-                        <a:rPr lang="es-CO" sz="3600">
+                        <a:rPr lang="es-CO" sz="3600" dirty="0">
                           <a:effectLst/>
                         </a:rPr>
                         <a:t>134556694</a:t>
                       </a:r>
-                      <a:endParaRPr lang="es-CO" sz="3600">
+                      <a:endParaRPr lang="es-CO" sz="3600" dirty="0">
                         <a:effectLst/>
                         <a:latin typeface="Calibri" panose="020F0502020204030204" pitchFamily="34" charset="0"/>
                         <a:ea typeface="Calibri" panose="020F0502020204030204" pitchFamily="34" charset="0"/>
@@ -12741,12 +13780,12 @@
                         </a:spcAft>
                       </a:pPr>
                       <a:r>
-                        <a:rPr lang="es-CO" sz="3600">
+                        <a:rPr lang="es-CO" sz="3600" dirty="0">
                           <a:effectLst/>
                         </a:rPr>
                         <a:t>0.53</a:t>
                       </a:r>
-                      <a:endParaRPr lang="es-CO" sz="3600">
+                      <a:endParaRPr lang="es-CO" sz="3600" dirty="0">
                         <a:effectLst/>
                         <a:latin typeface="Calibri" panose="020F0502020204030204" pitchFamily="34" charset="0"/>
                         <a:ea typeface="Calibri" panose="020F0502020204030204" pitchFamily="34" charset="0"/>
@@ -12758,11 +13797,11 @@
                 </a:tc>
                 <a:extLst>
                   <a:ext uri="{0D108BD9-81ED-4DB2-BD59-A6C34878D82A}">
-                    <a16:rowId xmlns:a16="http://schemas.microsoft.com/office/drawing/2014/main" val="2364542198"/>
+                    <a16:rowId xmlns:a16="http://schemas.microsoft.com/office/drawing/2014/main" val="2239198138"/>
                   </a:ext>
                 </a:extLst>
               </a:tr>
-              <a:tr h="630685">
+              <a:tr h="646316">
                 <a:tc>
                   <a:txBody>
                     <a:bodyPr/>
@@ -12777,12 +13816,12 @@
                         </a:spcAft>
                       </a:pPr>
                       <a:r>
-                        <a:rPr lang="es-CO" sz="3600">
+                        <a:rPr lang="es-CO" sz="3600" b="0" dirty="0">
                           <a:effectLst/>
                         </a:rPr>
                         <a:t>159020918</a:t>
                       </a:r>
-                      <a:endParaRPr lang="es-CO" sz="3600">
+                      <a:endParaRPr lang="es-CO" sz="3600" b="0" dirty="0">
                         <a:effectLst/>
                         <a:latin typeface="Calibri" panose="020F0502020204030204" pitchFamily="34" charset="0"/>
                         <a:ea typeface="Calibri" panose="020F0502020204030204" pitchFamily="34" charset="0"/>
@@ -12806,12 +13845,12 @@
                         </a:spcAft>
                       </a:pPr>
                       <a:r>
-                        <a:rPr lang="es-CO" sz="3600">
-                          <a:effectLst/>
-                        </a:rPr>
-                        <a:t>0.60</a:t>
-                      </a:r>
-                      <a:endParaRPr lang="es-CO" sz="3600">
+                        <a:rPr lang="es-CO" sz="3600" dirty="0">
+                          <a:effectLst/>
+                        </a:rPr>
+                        <a:t>0.57</a:t>
+                      </a:r>
+                      <a:endParaRPr lang="es-CO" sz="3600" dirty="0">
                         <a:effectLst/>
                         <a:latin typeface="Calibri" panose="020F0502020204030204" pitchFamily="34" charset="0"/>
                         <a:ea typeface="Calibri" panose="020F0502020204030204" pitchFamily="34" charset="0"/>
@@ -12835,12 +13874,12 @@
                         </a:spcAft>
                       </a:pPr>
                       <a:r>
-                        <a:rPr lang="es-CO" sz="3600">
+                        <a:rPr lang="es-CO" sz="3600" dirty="0">
                           <a:effectLst/>
                         </a:rPr>
                         <a:t>92423451</a:t>
                       </a:r>
-                      <a:endParaRPr lang="es-CO" sz="3600">
+                      <a:endParaRPr lang="es-CO" sz="3600" dirty="0">
                         <a:effectLst/>
                         <a:latin typeface="Calibri" panose="020F0502020204030204" pitchFamily="34" charset="0"/>
                         <a:ea typeface="Calibri" panose="020F0502020204030204" pitchFamily="34" charset="0"/>
@@ -12864,12 +13903,12 @@
                         </a:spcAft>
                       </a:pPr>
                       <a:r>
-                        <a:rPr lang="es-CO" sz="3600">
-                          <a:effectLst/>
-                        </a:rPr>
-                        <a:t>0.74</a:t>
-                      </a:r>
-                      <a:endParaRPr lang="es-CO" sz="3600">
+                        <a:rPr lang="es-CO" sz="3600" dirty="0">
+                          <a:effectLst/>
+                        </a:rPr>
+                        <a:t>0.47</a:t>
+                      </a:r>
+                      <a:endParaRPr lang="es-CO" sz="3600" dirty="0">
                         <a:effectLst/>
                         <a:latin typeface="Calibri" panose="020F0502020204030204" pitchFamily="34" charset="0"/>
                         <a:ea typeface="Calibri" panose="020F0502020204030204" pitchFamily="34" charset="0"/>
@@ -12881,11 +13920,11 @@
                 </a:tc>
                 <a:extLst>
                   <a:ext uri="{0D108BD9-81ED-4DB2-BD59-A6C34878D82A}">
-                    <a16:rowId xmlns:a16="http://schemas.microsoft.com/office/drawing/2014/main" val="4089266587"/>
+                    <a16:rowId xmlns:a16="http://schemas.microsoft.com/office/drawing/2014/main" val="757364096"/>
                   </a:ext>
                 </a:extLst>
               </a:tr>
-              <a:tr h="630685">
+              <a:tr h="646316">
                 <a:tc>
                   <a:txBody>
                     <a:bodyPr/>
@@ -12900,12 +13939,12 @@
                         </a:spcAft>
                       </a:pPr>
                       <a:r>
-                        <a:rPr lang="es-CO" sz="3600">
+                        <a:rPr lang="es-CO" sz="3600" b="0" dirty="0">
                           <a:effectLst/>
                         </a:rPr>
                         <a:t>116585378</a:t>
                       </a:r>
-                      <a:endParaRPr lang="es-CO" sz="3600">
+                      <a:endParaRPr lang="es-CO" sz="3600" b="0" dirty="0">
                         <a:effectLst/>
                         <a:latin typeface="Calibri" panose="020F0502020204030204" pitchFamily="34" charset="0"/>
                         <a:ea typeface="Calibri" panose="020F0502020204030204" pitchFamily="34" charset="0"/>
@@ -12929,12 +13968,12 @@
                         </a:spcAft>
                       </a:pPr>
                       <a:r>
-                        <a:rPr lang="es-CO" sz="3600">
-                          <a:effectLst/>
-                        </a:rPr>
-                        <a:t>0.65</a:t>
-                      </a:r>
-                      <a:endParaRPr lang="es-CO" sz="3600">
+                        <a:rPr lang="es-CO" sz="3600" dirty="0">
+                          <a:effectLst/>
+                        </a:rPr>
+                        <a:t>0.59</a:t>
+                      </a:r>
+                      <a:endParaRPr lang="es-CO" sz="3600" dirty="0">
                         <a:effectLst/>
                         <a:latin typeface="Calibri" panose="020F0502020204030204" pitchFamily="34" charset="0"/>
                         <a:ea typeface="Calibri" panose="020F0502020204030204" pitchFamily="34" charset="0"/>
@@ -12958,12 +13997,12 @@
                         </a:spcAft>
                       </a:pPr>
                       <a:r>
-                        <a:rPr lang="es-CO" sz="3600">
+                        <a:rPr lang="es-CO" sz="3600" dirty="0">
                           <a:effectLst/>
                         </a:rPr>
                         <a:t>121769650</a:t>
                       </a:r>
-                      <a:endParaRPr lang="es-CO" sz="3600">
+                      <a:endParaRPr lang="es-CO" sz="3600" dirty="0">
                         <a:effectLst/>
                         <a:latin typeface="Calibri" panose="020F0502020204030204" pitchFamily="34" charset="0"/>
                         <a:ea typeface="Calibri" panose="020F0502020204030204" pitchFamily="34" charset="0"/>
@@ -12987,12 +14026,12 @@
                         </a:spcAft>
                       </a:pPr>
                       <a:r>
-                        <a:rPr lang="es-CO" sz="3600">
-                          <a:effectLst/>
-                        </a:rPr>
-                        <a:t>0.63</a:t>
-                      </a:r>
-                      <a:endParaRPr lang="es-CO" sz="3600">
+                        <a:rPr lang="es-CO" sz="3600" dirty="0">
+                          <a:effectLst/>
+                        </a:rPr>
+                        <a:t>0.59</a:t>
+                      </a:r>
+                      <a:endParaRPr lang="es-CO" sz="3600" dirty="0">
                         <a:effectLst/>
                         <a:latin typeface="Calibri" panose="020F0502020204030204" pitchFamily="34" charset="0"/>
                         <a:ea typeface="Calibri" panose="020F0502020204030204" pitchFamily="34" charset="0"/>
@@ -13004,11 +14043,11 @@
                 </a:tc>
                 <a:extLst>
                   <a:ext uri="{0D108BD9-81ED-4DB2-BD59-A6C34878D82A}">
-                    <a16:rowId xmlns:a16="http://schemas.microsoft.com/office/drawing/2014/main" val="389696496"/>
+                    <a16:rowId xmlns:a16="http://schemas.microsoft.com/office/drawing/2014/main" val="2474490346"/>
                   </a:ext>
                 </a:extLst>
               </a:tr>
-              <a:tr h="630685">
+              <a:tr h="646316">
                 <a:tc>
                   <a:txBody>
                     <a:bodyPr/>
@@ -13023,12 +14062,12 @@
                         </a:spcAft>
                       </a:pPr>
                       <a:r>
-                        <a:rPr lang="es-CO" sz="3600">
+                        <a:rPr lang="es-CO" sz="3600" b="0" dirty="0">
                           <a:effectLst/>
                         </a:rPr>
                         <a:t>73562326</a:t>
                       </a:r>
-                      <a:endParaRPr lang="es-CO" sz="3600">
+                      <a:endParaRPr lang="es-CO" sz="3600" b="0" dirty="0">
                         <a:effectLst/>
                         <a:latin typeface="Calibri" panose="020F0502020204030204" pitchFamily="34" charset="0"/>
                         <a:ea typeface="Calibri" panose="020F0502020204030204" pitchFamily="34" charset="0"/>
@@ -13052,12 +14091,12 @@
                         </a:spcAft>
                       </a:pPr>
                       <a:r>
-                        <a:rPr lang="es-CO" sz="3600">
+                        <a:rPr lang="es-CO" sz="3600" dirty="0">
                           <a:effectLst/>
                         </a:rPr>
                         <a:t>0.65</a:t>
                       </a:r>
-                      <a:endParaRPr lang="es-CO" sz="3600">
+                      <a:endParaRPr lang="es-CO" sz="3600" dirty="0">
                         <a:effectLst/>
                         <a:latin typeface="Calibri" panose="020F0502020204030204" pitchFamily="34" charset="0"/>
                         <a:ea typeface="Calibri" panose="020F0502020204030204" pitchFamily="34" charset="0"/>
@@ -13081,12 +14120,12 @@
                         </a:spcAft>
                       </a:pPr>
                       <a:r>
-                        <a:rPr lang="es-CO" sz="3600">
+                        <a:rPr lang="es-CO" sz="3600" dirty="0">
                           <a:effectLst/>
                         </a:rPr>
                         <a:t>87278757</a:t>
                       </a:r>
-                      <a:endParaRPr lang="es-CO" sz="3600">
+                      <a:endParaRPr lang="es-CO" sz="3600" dirty="0">
                         <a:effectLst/>
                         <a:latin typeface="Calibri" panose="020F0502020204030204" pitchFamily="34" charset="0"/>
                         <a:ea typeface="Calibri" panose="020F0502020204030204" pitchFamily="34" charset="0"/>
@@ -13110,12 +14149,12 @@
                         </a:spcAft>
                       </a:pPr>
                       <a:r>
-                        <a:rPr lang="es-CO" sz="3600">
+                        <a:rPr lang="es-CO" sz="3600" dirty="0">
                           <a:effectLst/>
                         </a:rPr>
                         <a:t>0.63</a:t>
                       </a:r>
-                      <a:endParaRPr lang="es-CO" sz="3600">
+                      <a:endParaRPr lang="es-CO" sz="3600" dirty="0">
                         <a:effectLst/>
                         <a:latin typeface="Calibri" panose="020F0502020204030204" pitchFamily="34" charset="0"/>
                         <a:ea typeface="Calibri" panose="020F0502020204030204" pitchFamily="34" charset="0"/>
@@ -13127,11 +14166,11 @@
                 </a:tc>
                 <a:extLst>
                   <a:ext uri="{0D108BD9-81ED-4DB2-BD59-A6C34878D82A}">
-                    <a16:rowId xmlns:a16="http://schemas.microsoft.com/office/drawing/2014/main" val="3691688419"/>
+                    <a16:rowId xmlns:a16="http://schemas.microsoft.com/office/drawing/2014/main" val="1134411793"/>
                   </a:ext>
                 </a:extLst>
               </a:tr>
-              <a:tr h="630685">
+              <a:tr h="646316">
                 <a:tc>
                   <a:txBody>
                     <a:bodyPr/>
@@ -13146,12 +14185,12 @@
                         </a:spcAft>
                       </a:pPr>
                       <a:r>
-                        <a:rPr lang="es-CO" sz="3600">
+                        <a:rPr lang="es-CO" sz="3600" b="0" dirty="0">
                           <a:effectLst/>
                         </a:rPr>
                         <a:t>106863163</a:t>
                       </a:r>
-                      <a:endParaRPr lang="es-CO" sz="3600">
+                      <a:endParaRPr lang="es-CO" sz="3600" b="0" dirty="0">
                         <a:effectLst/>
                         <a:latin typeface="Calibri" panose="020F0502020204030204" pitchFamily="34" charset="0"/>
                         <a:ea typeface="Calibri" panose="020F0502020204030204" pitchFamily="34" charset="0"/>
@@ -13175,12 +14214,12 @@
                         </a:spcAft>
                       </a:pPr>
                       <a:r>
-                        <a:rPr lang="es-CO" sz="3600">
+                        <a:rPr lang="es-CO" sz="3600" dirty="0">
                           <a:effectLst/>
                         </a:rPr>
                         <a:t>0.66</a:t>
                       </a:r>
-                      <a:endParaRPr lang="es-CO" sz="3600">
+                      <a:endParaRPr lang="es-CO" sz="3600" dirty="0">
                         <a:effectLst/>
                         <a:latin typeface="Calibri" panose="020F0502020204030204" pitchFamily="34" charset="0"/>
                         <a:ea typeface="Calibri" panose="020F0502020204030204" pitchFamily="34" charset="0"/>
@@ -13204,12 +14243,12 @@
                         </a:spcAft>
                       </a:pPr>
                       <a:r>
-                        <a:rPr lang="es-CO" sz="3600">
+                        <a:rPr lang="es-CO" sz="3600" dirty="0">
                           <a:effectLst/>
                         </a:rPr>
                         <a:t>125581247</a:t>
                       </a:r>
-                      <a:endParaRPr lang="es-CO" sz="3600">
+                      <a:endParaRPr lang="es-CO" sz="3600" dirty="0">
                         <a:effectLst/>
                         <a:latin typeface="Calibri" panose="020F0502020204030204" pitchFamily="34" charset="0"/>
                         <a:ea typeface="Calibri" panose="020F0502020204030204" pitchFamily="34" charset="0"/>
@@ -13233,12 +14272,12 @@
                         </a:spcAft>
                       </a:pPr>
                       <a:r>
-                        <a:rPr lang="es-CO" sz="3600">
-                          <a:effectLst/>
-                        </a:rPr>
-                        <a:t>0.63</a:t>
-                      </a:r>
-                      <a:endParaRPr lang="es-CO" sz="3600">
+                        <a:rPr lang="es-CO" sz="3600" dirty="0">
+                          <a:effectLst/>
+                        </a:rPr>
+                        <a:t>0.46</a:t>
+                      </a:r>
+                      <a:endParaRPr lang="es-CO" sz="3600" dirty="0">
                         <a:effectLst/>
                         <a:latin typeface="Calibri" panose="020F0502020204030204" pitchFamily="34" charset="0"/>
                         <a:ea typeface="Calibri" panose="020F0502020204030204" pitchFamily="34" charset="0"/>
@@ -13250,11 +14289,11 @@
                 </a:tc>
                 <a:extLst>
                   <a:ext uri="{0D108BD9-81ED-4DB2-BD59-A6C34878D82A}">
-                    <a16:rowId xmlns:a16="http://schemas.microsoft.com/office/drawing/2014/main" val="2635731977"/>
+                    <a16:rowId xmlns:a16="http://schemas.microsoft.com/office/drawing/2014/main" val="2217162579"/>
                   </a:ext>
                 </a:extLst>
               </a:tr>
-              <a:tr h="630685">
+              <a:tr h="646316">
                 <a:tc>
                   <a:txBody>
                     <a:bodyPr/>
@@ -13269,12 +14308,12 @@
                         </a:spcAft>
                       </a:pPr>
                       <a:r>
-                        <a:rPr lang="es-CO" sz="3600">
+                        <a:rPr lang="es-CO" sz="3600" b="0" dirty="0">
                           <a:effectLst/>
                         </a:rPr>
                         <a:t>94296097</a:t>
                       </a:r>
-                      <a:endParaRPr lang="es-CO" sz="3600">
+                      <a:endParaRPr lang="es-CO" sz="3600" b="0" dirty="0">
                         <a:effectLst/>
                         <a:latin typeface="Calibri" panose="020F0502020204030204" pitchFamily="34" charset="0"/>
                         <a:ea typeface="Calibri" panose="020F0502020204030204" pitchFamily="34" charset="0"/>
@@ -13298,12 +14337,12 @@
                         </a:spcAft>
                       </a:pPr>
                       <a:r>
-                        <a:rPr lang="es-CO" sz="3600">
-                          <a:effectLst/>
-                        </a:rPr>
-                        <a:t>0.61</a:t>
-                      </a:r>
-                      <a:endParaRPr lang="es-CO" sz="3600">
+                        <a:rPr lang="es-CO" sz="3600" dirty="0">
+                          <a:effectLst/>
+                        </a:rPr>
+                        <a:t>0.40</a:t>
+                      </a:r>
+                      <a:endParaRPr lang="es-CO" sz="3600" dirty="0">
                         <a:effectLst/>
                         <a:latin typeface="Calibri" panose="020F0502020204030204" pitchFamily="34" charset="0"/>
                         <a:ea typeface="Calibri" panose="020F0502020204030204" pitchFamily="34" charset="0"/>
@@ -13327,12 +14366,12 @@
                         </a:spcAft>
                       </a:pPr>
                       <a:r>
-                        <a:rPr lang="es-CO" sz="3600">
+                        <a:rPr lang="es-CO" sz="3600" dirty="0">
                           <a:effectLst/>
                         </a:rPr>
                         <a:t>94738847</a:t>
                       </a:r>
-                      <a:endParaRPr lang="es-CO" sz="3600">
+                      <a:endParaRPr lang="es-CO" sz="3600" dirty="0">
                         <a:effectLst/>
                         <a:latin typeface="Calibri" panose="020F0502020204030204" pitchFamily="34" charset="0"/>
                         <a:ea typeface="Calibri" panose="020F0502020204030204" pitchFamily="34" charset="0"/>
@@ -13356,12 +14395,12 @@
                         </a:spcAft>
                       </a:pPr>
                       <a:r>
-                        <a:rPr lang="es-CO" sz="3600">
+                        <a:rPr lang="es-CO" sz="3600" dirty="0">
                           <a:effectLst/>
                         </a:rPr>
                         <a:t>0.65</a:t>
                       </a:r>
-                      <a:endParaRPr lang="es-CO" sz="3600">
+                      <a:endParaRPr lang="es-CO" sz="3600" dirty="0">
                         <a:effectLst/>
                         <a:latin typeface="Calibri" panose="020F0502020204030204" pitchFamily="34" charset="0"/>
                         <a:ea typeface="Calibri" panose="020F0502020204030204" pitchFamily="34" charset="0"/>
@@ -13373,11 +14412,11 @@
                 </a:tc>
                 <a:extLst>
                   <a:ext uri="{0D108BD9-81ED-4DB2-BD59-A6C34878D82A}">
-                    <a16:rowId xmlns:a16="http://schemas.microsoft.com/office/drawing/2014/main" val="350549602"/>
+                    <a16:rowId xmlns:a16="http://schemas.microsoft.com/office/drawing/2014/main" val="4197402212"/>
                   </a:ext>
                 </a:extLst>
               </a:tr>
-              <a:tr h="630685">
+              <a:tr h="646316">
                 <a:tc>
                   <a:txBody>
                     <a:bodyPr/>
@@ -13392,12 +14431,12 @@
                         </a:spcAft>
                       </a:pPr>
                       <a:r>
-                        <a:rPr lang="es-CO" sz="3600">
+                        <a:rPr lang="es-CO" sz="3600" b="0" dirty="0">
                           <a:effectLst/>
                         </a:rPr>
                         <a:t>101695162</a:t>
                       </a:r>
-                      <a:endParaRPr lang="es-CO" sz="3600">
+                      <a:endParaRPr lang="es-CO" sz="3600" b="0" dirty="0">
                         <a:effectLst/>
                         <a:latin typeface="Calibri" panose="020F0502020204030204" pitchFamily="34" charset="0"/>
                         <a:ea typeface="Calibri" panose="020F0502020204030204" pitchFamily="34" charset="0"/>
@@ -13421,12 +14460,12 @@
                         </a:spcAft>
                       </a:pPr>
                       <a:r>
-                        <a:rPr lang="es-CO" sz="3600">
-                          <a:effectLst/>
-                        </a:rPr>
-                        <a:t>0.57</a:t>
-                      </a:r>
-                      <a:endParaRPr lang="es-CO" sz="3600">
+                        <a:rPr lang="es-CO" sz="3600" dirty="0">
+                          <a:effectLst/>
+                        </a:rPr>
+                        <a:t>0.54</a:t>
+                      </a:r>
+                      <a:endParaRPr lang="es-CO" sz="3600" dirty="0">
                         <a:effectLst/>
                         <a:latin typeface="Calibri" panose="020F0502020204030204" pitchFamily="34" charset="0"/>
                         <a:ea typeface="Calibri" panose="020F0502020204030204" pitchFamily="34" charset="0"/>
@@ -13450,12 +14489,12 @@
                         </a:spcAft>
                       </a:pPr>
                       <a:r>
-                        <a:rPr lang="es-CO" sz="3600">
+                        <a:rPr lang="es-CO" sz="3600" dirty="0">
                           <a:effectLst/>
                         </a:rPr>
                         <a:t>86745912</a:t>
                       </a:r>
-                      <a:endParaRPr lang="es-CO" sz="3600">
+                      <a:endParaRPr lang="es-CO" sz="3600" dirty="0">
                         <a:effectLst/>
                         <a:latin typeface="Calibri" panose="020F0502020204030204" pitchFamily="34" charset="0"/>
                         <a:ea typeface="Calibri" panose="020F0502020204030204" pitchFamily="34" charset="0"/>
@@ -13479,12 +14518,12 @@
                         </a:spcAft>
                       </a:pPr>
                       <a:r>
-                        <a:rPr lang="es-CO" sz="3600">
-                          <a:effectLst/>
-                        </a:rPr>
-                        <a:t>0.62</a:t>
-                      </a:r>
-                      <a:endParaRPr lang="es-CO" sz="3600">
+                        <a:rPr lang="es-CO" sz="3600" dirty="0">
+                          <a:effectLst/>
+                        </a:rPr>
+                        <a:t>0.60</a:t>
+                      </a:r>
+                      <a:endParaRPr lang="es-CO" sz="3600" dirty="0">
                         <a:effectLst/>
                         <a:latin typeface="Calibri" panose="020F0502020204030204" pitchFamily="34" charset="0"/>
                         <a:ea typeface="Calibri" panose="020F0502020204030204" pitchFamily="34" charset="0"/>
@@ -13496,11 +14535,11 @@
                 </a:tc>
                 <a:extLst>
                   <a:ext uri="{0D108BD9-81ED-4DB2-BD59-A6C34878D82A}">
-                    <a16:rowId xmlns:a16="http://schemas.microsoft.com/office/drawing/2014/main" val="699696019"/>
+                    <a16:rowId xmlns:a16="http://schemas.microsoft.com/office/drawing/2014/main" val="2502168602"/>
                   </a:ext>
                 </a:extLst>
               </a:tr>
-              <a:tr h="630685">
+              <a:tr h="646316">
                 <a:tc>
                   <a:txBody>
                     <a:bodyPr/>
@@ -13515,12 +14554,12 @@
                         </a:spcAft>
                       </a:pPr>
                       <a:r>
-                        <a:rPr lang="es-CO" sz="3600">
+                        <a:rPr lang="es-CO" sz="3600" b="0" dirty="0">
                           <a:effectLst/>
                         </a:rPr>
                         <a:t>94155156</a:t>
                       </a:r>
-                      <a:endParaRPr lang="es-CO" sz="3600">
+                      <a:endParaRPr lang="es-CO" sz="3600" b="0" dirty="0">
                         <a:effectLst/>
                         <a:latin typeface="Calibri" panose="020F0502020204030204" pitchFamily="34" charset="0"/>
                         <a:ea typeface="Calibri" panose="020F0502020204030204" pitchFamily="34" charset="0"/>
@@ -13544,12 +14583,12 @@
                         </a:spcAft>
                       </a:pPr>
                       <a:r>
-                        <a:rPr lang="es-CO" sz="3600">
-                          <a:effectLst/>
-                        </a:rPr>
-                        <a:t>0.64</a:t>
-                      </a:r>
-                      <a:endParaRPr lang="es-CO" sz="3600">
+                        <a:rPr lang="es-CO" sz="3600" dirty="0">
+                          <a:effectLst/>
+                        </a:rPr>
+                        <a:t>0.59</a:t>
+                      </a:r>
+                      <a:endParaRPr lang="es-CO" sz="3600" dirty="0">
                         <a:effectLst/>
                         <a:latin typeface="Calibri" panose="020F0502020204030204" pitchFamily="34" charset="0"/>
                         <a:ea typeface="Calibri" panose="020F0502020204030204" pitchFamily="34" charset="0"/>
@@ -13573,12 +14612,12 @@
                         </a:spcAft>
                       </a:pPr>
                       <a:r>
-                        <a:rPr lang="es-CO" sz="3600">
+                        <a:rPr lang="es-CO" sz="3600" dirty="0">
                           <a:effectLst/>
                         </a:rPr>
                         <a:t>111620041</a:t>
                       </a:r>
-                      <a:endParaRPr lang="es-CO" sz="3600">
+                      <a:endParaRPr lang="es-CO" sz="3600" dirty="0">
                         <a:effectLst/>
                         <a:latin typeface="Calibri" panose="020F0502020204030204" pitchFamily="34" charset="0"/>
                         <a:ea typeface="Calibri" panose="020F0502020204030204" pitchFamily="34" charset="0"/>
@@ -13602,12 +14641,12 @@
                         </a:spcAft>
                       </a:pPr>
                       <a:r>
-                        <a:rPr lang="es-CO" sz="3600">
+                        <a:rPr lang="es-CO" sz="3600" dirty="0">
                           <a:effectLst/>
                         </a:rPr>
                         <a:t>0.61</a:t>
                       </a:r>
-                      <a:endParaRPr lang="es-CO" sz="3600">
+                      <a:endParaRPr lang="es-CO" sz="3600" dirty="0">
                         <a:effectLst/>
                         <a:latin typeface="Calibri" panose="020F0502020204030204" pitchFamily="34" charset="0"/>
                         <a:ea typeface="Calibri" panose="020F0502020204030204" pitchFamily="34" charset="0"/>
@@ -13619,11 +14658,11 @@
                 </a:tc>
                 <a:extLst>
                   <a:ext uri="{0D108BD9-81ED-4DB2-BD59-A6C34878D82A}">
-                    <a16:rowId xmlns:a16="http://schemas.microsoft.com/office/drawing/2014/main" val="2810153417"/>
+                    <a16:rowId xmlns:a16="http://schemas.microsoft.com/office/drawing/2014/main" val="2361168895"/>
                   </a:ext>
                 </a:extLst>
               </a:tr>
-              <a:tr h="630685">
+              <a:tr h="646316">
                 <a:tc>
                   <a:txBody>
                     <a:bodyPr/>
@@ -13638,12 +14677,12 @@
                         </a:spcAft>
                       </a:pPr>
                       <a:r>
-                        <a:rPr lang="es-CO" sz="3600">
+                        <a:rPr lang="es-CO" sz="3600" b="0" dirty="0">
                           <a:effectLst/>
                         </a:rPr>
                         <a:t>41231571</a:t>
                       </a:r>
-                      <a:endParaRPr lang="es-CO" sz="3600">
+                      <a:endParaRPr lang="es-CO" sz="3600" b="0" dirty="0">
                         <a:effectLst/>
                         <a:latin typeface="Calibri" panose="020F0502020204030204" pitchFamily="34" charset="0"/>
                         <a:ea typeface="Calibri" panose="020F0502020204030204" pitchFamily="34" charset="0"/>
@@ -13667,12 +14706,12 @@
                         </a:spcAft>
                       </a:pPr>
                       <a:r>
-                        <a:rPr lang="es-CO" sz="3600">
-                          <a:effectLst/>
-                        </a:rPr>
-                        <a:t>0.67</a:t>
-                      </a:r>
-                      <a:endParaRPr lang="es-CO" sz="3600">
+                        <a:rPr lang="es-CO" sz="3600" dirty="0">
+                          <a:effectLst/>
+                        </a:rPr>
+                        <a:t>0.73</a:t>
+                      </a:r>
+                      <a:endParaRPr lang="es-CO" sz="3600" dirty="0">
                         <a:effectLst/>
                         <a:latin typeface="Calibri" panose="020F0502020204030204" pitchFamily="34" charset="0"/>
                         <a:ea typeface="Calibri" panose="020F0502020204030204" pitchFamily="34" charset="0"/>
@@ -13696,12 +14735,12 @@
                         </a:spcAft>
                       </a:pPr>
                       <a:r>
-                        <a:rPr lang="es-CO" sz="3600">
+                        <a:rPr lang="es-CO" sz="3600" dirty="0">
                           <a:effectLst/>
                         </a:rPr>
                         <a:t>25907144</a:t>
                       </a:r>
-                      <a:endParaRPr lang="es-CO" sz="3600">
+                      <a:endParaRPr lang="es-CO" sz="3600" dirty="0">
                         <a:effectLst/>
                         <a:latin typeface="Calibri" panose="020F0502020204030204" pitchFamily="34" charset="0"/>
                         <a:ea typeface="Calibri" panose="020F0502020204030204" pitchFamily="34" charset="0"/>
@@ -13742,7 +14781,7 @@
                 </a:tc>
                 <a:extLst>
                   <a:ext uri="{0D108BD9-81ED-4DB2-BD59-A6C34878D82A}">
-                    <a16:rowId xmlns:a16="http://schemas.microsoft.com/office/drawing/2014/main" val="2205094333"/>
+                    <a16:rowId xmlns:a16="http://schemas.microsoft.com/office/drawing/2014/main" val="3746509220"/>
                   </a:ext>
                 </a:extLst>
               </a:tr>
@@ -13750,6 +14789,304 @@
           </a:graphicData>
         </a:graphic>
       </p:graphicFrame>
+      <p:sp>
+        <p:nvSpPr>
+          <p:cNvPr id="11" name="Content Placeholder 2">
+            <a:extLst>
+              <a:ext uri="{FF2B5EF4-FFF2-40B4-BE49-F238E27FC236}">
+                <a16:creationId xmlns:a16="http://schemas.microsoft.com/office/drawing/2014/main" id="{6FC6DC23-E167-4957-AC6C-5DF436429532}"/>
+              </a:ext>
+            </a:extLst>
+          </p:cNvPr>
+          <p:cNvSpPr txBox="1">
+            <a:spLocks/>
+          </p:cNvSpPr>
+          <p:nvPr/>
+        </p:nvSpPr>
+        <p:spPr>
+          <a:xfrm>
+            <a:off x="1676291" y="3251200"/>
+            <a:ext cx="21029831" cy="9102726"/>
+          </a:xfrm>
+          <a:prstGeom prst="rect">
+            <a:avLst/>
+          </a:prstGeom>
+        </p:spPr>
+        <p:txBody>
+          <a:bodyPr vert="horz" lIns="91440" tIns="45720" rIns="91440" bIns="45720" rtlCol="0">
+            <a:normAutofit/>
+          </a:bodyPr>
+          <a:lstStyle>
+            <a:lvl1pPr marL="457177" indent="-457177" algn="l" defTabSz="1828709" rtl="0" eaLnBrk="1" latinLnBrk="0" hangingPunct="1">
+              <a:lnSpc>
+                <a:spcPct val="90000"/>
+              </a:lnSpc>
+              <a:spcBef>
+                <a:spcPts val="2000"/>
+              </a:spcBef>
+              <a:buFont typeface="Arial" panose="020B0604020202020204" pitchFamily="34" charset="0"/>
+              <a:buChar char="•"/>
+              <a:defRPr sz="5600" kern="1200">
+                <a:solidFill>
+                  <a:schemeClr val="tx1"/>
+                </a:solidFill>
+                <a:latin typeface="+mn-lt"/>
+                <a:ea typeface="+mn-ea"/>
+                <a:cs typeface="+mn-cs"/>
+              </a:defRPr>
+            </a:lvl1pPr>
+            <a:lvl2pPr marL="1371531" indent="-457177" algn="l" defTabSz="1828709" rtl="0" eaLnBrk="1" latinLnBrk="0" hangingPunct="1">
+              <a:lnSpc>
+                <a:spcPct val="90000"/>
+              </a:lnSpc>
+              <a:spcBef>
+                <a:spcPts val="1000"/>
+              </a:spcBef>
+              <a:buFont typeface="Arial" panose="020B0604020202020204" pitchFamily="34" charset="0"/>
+              <a:buChar char="•"/>
+              <a:defRPr sz="4800" kern="1200">
+                <a:solidFill>
+                  <a:schemeClr val="tx1"/>
+                </a:solidFill>
+                <a:latin typeface="+mn-lt"/>
+                <a:ea typeface="+mn-ea"/>
+                <a:cs typeface="+mn-cs"/>
+              </a:defRPr>
+            </a:lvl2pPr>
+            <a:lvl3pPr marL="2285886" indent="-457177" algn="l" defTabSz="1828709" rtl="0" eaLnBrk="1" latinLnBrk="0" hangingPunct="1">
+              <a:lnSpc>
+                <a:spcPct val="90000"/>
+              </a:lnSpc>
+              <a:spcBef>
+                <a:spcPts val="1000"/>
+              </a:spcBef>
+              <a:buFont typeface="Arial" panose="020B0604020202020204" pitchFamily="34" charset="0"/>
+              <a:buChar char="•"/>
+              <a:defRPr sz="4000" kern="1200">
+                <a:solidFill>
+                  <a:schemeClr val="tx1"/>
+                </a:solidFill>
+                <a:latin typeface="+mn-lt"/>
+                <a:ea typeface="+mn-ea"/>
+                <a:cs typeface="+mn-cs"/>
+              </a:defRPr>
+            </a:lvl3pPr>
+            <a:lvl4pPr marL="3200240" indent="-457177" algn="l" defTabSz="1828709" rtl="0" eaLnBrk="1" latinLnBrk="0" hangingPunct="1">
+              <a:lnSpc>
+                <a:spcPct val="90000"/>
+              </a:lnSpc>
+              <a:spcBef>
+                <a:spcPts val="1000"/>
+              </a:spcBef>
+              <a:buFont typeface="Arial" panose="020B0604020202020204" pitchFamily="34" charset="0"/>
+              <a:buChar char="•"/>
+              <a:defRPr sz="3600" kern="1200">
+                <a:solidFill>
+                  <a:schemeClr val="tx1"/>
+                </a:solidFill>
+                <a:latin typeface="+mn-lt"/>
+                <a:ea typeface="+mn-ea"/>
+                <a:cs typeface="+mn-cs"/>
+              </a:defRPr>
+            </a:lvl4pPr>
+            <a:lvl5pPr marL="4114594" indent="-457177" algn="l" defTabSz="1828709" rtl="0" eaLnBrk="1" latinLnBrk="0" hangingPunct="1">
+              <a:lnSpc>
+                <a:spcPct val="90000"/>
+              </a:lnSpc>
+              <a:spcBef>
+                <a:spcPts val="1000"/>
+              </a:spcBef>
+              <a:buFont typeface="Arial" panose="020B0604020202020204" pitchFamily="34" charset="0"/>
+              <a:buChar char="•"/>
+              <a:defRPr sz="3600" kern="1200">
+                <a:solidFill>
+                  <a:schemeClr val="tx1"/>
+                </a:solidFill>
+                <a:latin typeface="+mn-lt"/>
+                <a:ea typeface="+mn-ea"/>
+                <a:cs typeface="+mn-cs"/>
+              </a:defRPr>
+            </a:lvl5pPr>
+            <a:lvl6pPr marL="5028949" indent="-457177" algn="l" defTabSz="1828709" rtl="0" eaLnBrk="1" latinLnBrk="0" hangingPunct="1">
+              <a:lnSpc>
+                <a:spcPct val="90000"/>
+              </a:lnSpc>
+              <a:spcBef>
+                <a:spcPts val="1000"/>
+              </a:spcBef>
+              <a:buFont typeface="Arial" panose="020B0604020202020204" pitchFamily="34" charset="0"/>
+              <a:buChar char="•"/>
+              <a:defRPr sz="3600" kern="1200">
+                <a:solidFill>
+                  <a:schemeClr val="tx1"/>
+                </a:solidFill>
+                <a:latin typeface="+mn-lt"/>
+                <a:ea typeface="+mn-ea"/>
+                <a:cs typeface="+mn-cs"/>
+              </a:defRPr>
+            </a:lvl6pPr>
+            <a:lvl7pPr marL="5943303" indent="-457177" algn="l" defTabSz="1828709" rtl="0" eaLnBrk="1" latinLnBrk="0" hangingPunct="1">
+              <a:lnSpc>
+                <a:spcPct val="90000"/>
+              </a:lnSpc>
+              <a:spcBef>
+                <a:spcPts val="1000"/>
+              </a:spcBef>
+              <a:buFont typeface="Arial" panose="020B0604020202020204" pitchFamily="34" charset="0"/>
+              <a:buChar char="•"/>
+              <a:defRPr sz="3600" kern="1200">
+                <a:solidFill>
+                  <a:schemeClr val="tx1"/>
+                </a:solidFill>
+                <a:latin typeface="+mn-lt"/>
+                <a:ea typeface="+mn-ea"/>
+                <a:cs typeface="+mn-cs"/>
+              </a:defRPr>
+            </a:lvl7pPr>
+            <a:lvl8pPr marL="6857657" indent="-457177" algn="l" defTabSz="1828709" rtl="0" eaLnBrk="1" latinLnBrk="0" hangingPunct="1">
+              <a:lnSpc>
+                <a:spcPct val="90000"/>
+              </a:lnSpc>
+              <a:spcBef>
+                <a:spcPts val="1000"/>
+              </a:spcBef>
+              <a:buFont typeface="Arial" panose="020B0604020202020204" pitchFamily="34" charset="0"/>
+              <a:buChar char="•"/>
+              <a:defRPr sz="3600" kern="1200">
+                <a:solidFill>
+                  <a:schemeClr val="tx1"/>
+                </a:solidFill>
+                <a:latin typeface="+mn-lt"/>
+                <a:ea typeface="+mn-ea"/>
+                <a:cs typeface="+mn-cs"/>
+              </a:defRPr>
+            </a:lvl8pPr>
+            <a:lvl9pPr marL="7772011" indent="-457177" algn="l" defTabSz="1828709" rtl="0" eaLnBrk="1" latinLnBrk="0" hangingPunct="1">
+              <a:lnSpc>
+                <a:spcPct val="90000"/>
+              </a:lnSpc>
+              <a:spcBef>
+                <a:spcPts val="1000"/>
+              </a:spcBef>
+              <a:buFont typeface="Arial" panose="020B0604020202020204" pitchFamily="34" charset="0"/>
+              <a:buChar char="•"/>
+              <a:defRPr sz="3600" kern="1200">
+                <a:solidFill>
+                  <a:schemeClr val="tx1"/>
+                </a:solidFill>
+                <a:latin typeface="+mn-lt"/>
+                <a:ea typeface="+mn-ea"/>
+                <a:cs typeface="+mn-cs"/>
+              </a:defRPr>
+            </a:lvl9pPr>
+          </a:lstStyle>
+          <a:p>
+            <a:r>
+              <a:rPr lang="es-CO" dirty="0"/>
+              <a:t>Training set 80% ; 2 capas </a:t>
+            </a:r>
+          </a:p>
+        </p:txBody>
+      </p:sp>
+    </p:spTree>
+    <p:extLst>
+      <p:ext uri="{BB962C8B-B14F-4D97-AF65-F5344CB8AC3E}">
+        <p14:creationId xmlns:p14="http://schemas.microsoft.com/office/powerpoint/2010/main" val="3885160369"/>
+      </p:ext>
+    </p:extLst>
+  </p:cSld>
+  <p:clrMapOvr>
+    <a:masterClrMapping/>
+  </p:clrMapOvr>
+</p:sld>
+</file>
+
+<file path=ppt/slides/slide18.xml><?xml version="1.0" encoding="utf-8"?>
+<p:sld xmlns:a="http://schemas.openxmlformats.org/drawingml/2006/main" xmlns:r="http://schemas.openxmlformats.org/officeDocument/2006/relationships" xmlns:p="http://schemas.openxmlformats.org/presentationml/2006/main">
+  <p:cSld>
+    <p:spTree>
+      <p:nvGrpSpPr>
+        <p:cNvPr id="1" name=""/>
+        <p:cNvGrpSpPr/>
+        <p:nvPr/>
+      </p:nvGrpSpPr>
+      <p:grpSpPr>
+        <a:xfrm>
+          <a:off x="0" y="0"/>
+          <a:ext cx="0" cy="0"/>
+          <a:chOff x="0" y="0"/>
+          <a:chExt cx="0" cy="0"/>
+        </a:xfrm>
+      </p:grpSpPr>
+      <p:pic>
+        <p:nvPicPr>
+          <p:cNvPr id="4" name="Imagen 6">
+            <a:extLst>
+              <a:ext uri="{FF2B5EF4-FFF2-40B4-BE49-F238E27FC236}">
+                <a16:creationId xmlns:a16="http://schemas.microsoft.com/office/drawing/2014/main" id="{24777C4D-FC06-4726-8849-79F4922F4684}"/>
+              </a:ext>
+            </a:extLst>
+          </p:cNvPr>
+          <p:cNvPicPr>
+            <a:picLocks noChangeAspect="1"/>
+          </p:cNvPicPr>
+          <p:nvPr/>
+        </p:nvPicPr>
+        <p:blipFill>
+          <a:blip r:embed="rId2">
+            <a:extLst>
+              <a:ext uri="{28A0092B-C50C-407E-A947-70E740481C1C}">
+                <a14:useLocalDpi xmlns:a14="http://schemas.microsoft.com/office/drawing/2010/main" val="0"/>
+              </a:ext>
+            </a:extLst>
+          </a:blip>
+          <a:stretch>
+            <a:fillRect/>
+          </a:stretch>
+        </p:blipFill>
+        <p:spPr>
+          <a:xfrm>
+            <a:off x="9256713" y="0"/>
+            <a:ext cx="15125700" cy="13716000"/>
+          </a:xfrm>
+          <a:prstGeom prst="rect">
+            <a:avLst/>
+          </a:prstGeom>
+        </p:spPr>
+      </p:pic>
+      <p:sp>
+        <p:nvSpPr>
+          <p:cNvPr id="2" name="Title 1">
+            <a:extLst>
+              <a:ext uri="{FF2B5EF4-FFF2-40B4-BE49-F238E27FC236}">
+                <a16:creationId xmlns:a16="http://schemas.microsoft.com/office/drawing/2014/main" id="{8BCC5043-D92E-4C31-8F05-047382DB6EBD}"/>
+              </a:ext>
+            </a:extLst>
+          </p:cNvPr>
+          <p:cNvSpPr>
+            <a:spLocks noGrp="1"/>
+          </p:cNvSpPr>
+          <p:nvPr>
+            <p:ph type="title"/>
+          </p:nvPr>
+        </p:nvSpPr>
+        <p:spPr/>
+        <p:txBody>
+          <a:bodyPr/>
+          <a:lstStyle/>
+          <a:p>
+            <a:r>
+              <a:rPr lang="es-419" b="1" dirty="0">
+                <a:solidFill>
+                  <a:srgbClr val="173657"/>
+                </a:solidFill>
+              </a:rPr>
+              <a:t>Avances</a:t>
+            </a:r>
+            <a:endParaRPr lang="es-CO" dirty="0"/>
+          </a:p>
+        </p:txBody>
+      </p:sp>
       <p:sp>
         <p:nvSpPr>
           <p:cNvPr id="5" name="Content Placeholder 2">
@@ -13944,11 +15281,2587 @@
           <a:p>
             <a:r>
               <a:rPr lang="es-CO" dirty="0"/>
-              <a:t>Training set 67% ; 3 capas</a:t>
+              <a:t>Training set 67% - 33% ; 3 capas</a:t>
             </a:r>
           </a:p>
         </p:txBody>
       </p:sp>
+      <p:graphicFrame>
+        <p:nvGraphicFramePr>
+          <p:cNvPr id="8" name="Content Placeholder 7">
+            <a:extLst>
+              <a:ext uri="{FF2B5EF4-FFF2-40B4-BE49-F238E27FC236}">
+                <a16:creationId xmlns:a16="http://schemas.microsoft.com/office/drawing/2014/main" id="{201D4EE1-899B-3A4B-BD46-BA2FD497ECA5}"/>
+              </a:ext>
+            </a:extLst>
+          </p:cNvPr>
+          <p:cNvGraphicFramePr>
+            <a:graphicFrameLocks noGrp="1"/>
+          </p:cNvGraphicFramePr>
+          <p:nvPr>
+            <p:ph idx="1"/>
+            <p:extLst>
+              <p:ext uri="{D42A27DB-BD31-4B8C-83A1-F6EECF244321}">
+                <p14:modId xmlns:p14="http://schemas.microsoft.com/office/powerpoint/2010/main" val="233005690"/>
+              </p:ext>
+            </p:extLst>
+          </p:nvPr>
+        </p:nvGraphicFramePr>
+        <p:xfrm>
+          <a:off x="0" y="4111628"/>
+          <a:ext cx="24382414" cy="9604367"/>
+        </p:xfrm>
+        <a:graphic>
+          <a:graphicData uri="http://schemas.openxmlformats.org/drawingml/2006/table">
+            <a:tbl>
+              <a:tblPr firstRow="1" firstCol="1" bandRow="1">
+                <a:tableStyleId>{FABFCF23-3B69-468F-B69F-88F6DE6A72F2}</a:tableStyleId>
+              </a:tblPr>
+              <a:tblGrid>
+                <a:gridCol w="3175946">
+                  <a:extLst>
+                    <a:ext uri="{9D8B030D-6E8A-4147-A177-3AD203B41FA5}">
+                      <a16:colId xmlns:a16="http://schemas.microsoft.com/office/drawing/2014/main" val="3589722571"/>
+                    </a:ext>
+                  </a:extLst>
+                </a:gridCol>
+                <a:gridCol w="2773928">
+                  <a:extLst>
+                    <a:ext uri="{9D8B030D-6E8A-4147-A177-3AD203B41FA5}">
+                      <a16:colId xmlns:a16="http://schemas.microsoft.com/office/drawing/2014/main" val="3075510174"/>
+                    </a:ext>
+                  </a:extLst>
+                </a:gridCol>
+                <a:gridCol w="3135742">
+                  <a:extLst>
+                    <a:ext uri="{9D8B030D-6E8A-4147-A177-3AD203B41FA5}">
+                      <a16:colId xmlns:a16="http://schemas.microsoft.com/office/drawing/2014/main" val="189538657"/>
+                    </a:ext>
+                  </a:extLst>
+                </a:gridCol>
+                <a:gridCol w="3105591">
+                  <a:extLst>
+                    <a:ext uri="{9D8B030D-6E8A-4147-A177-3AD203B41FA5}">
+                      <a16:colId xmlns:a16="http://schemas.microsoft.com/office/drawing/2014/main" val="4214079260"/>
+                    </a:ext>
+                  </a:extLst>
+                </a:gridCol>
+                <a:gridCol w="3175946">
+                  <a:extLst>
+                    <a:ext uri="{9D8B030D-6E8A-4147-A177-3AD203B41FA5}">
+                      <a16:colId xmlns:a16="http://schemas.microsoft.com/office/drawing/2014/main" val="2096162918"/>
+                    </a:ext>
+                  </a:extLst>
+                </a:gridCol>
+                <a:gridCol w="2773928">
+                  <a:extLst>
+                    <a:ext uri="{9D8B030D-6E8A-4147-A177-3AD203B41FA5}">
+                      <a16:colId xmlns:a16="http://schemas.microsoft.com/office/drawing/2014/main" val="541007862"/>
+                    </a:ext>
+                  </a:extLst>
+                </a:gridCol>
+                <a:gridCol w="3135742">
+                  <a:extLst>
+                    <a:ext uri="{9D8B030D-6E8A-4147-A177-3AD203B41FA5}">
+                      <a16:colId xmlns:a16="http://schemas.microsoft.com/office/drawing/2014/main" val="3353591994"/>
+                    </a:ext>
+                  </a:extLst>
+                </a:gridCol>
+                <a:gridCol w="3105591">
+                  <a:extLst>
+                    <a:ext uri="{9D8B030D-6E8A-4147-A177-3AD203B41FA5}">
+                      <a16:colId xmlns:a16="http://schemas.microsoft.com/office/drawing/2014/main" val="3274137120"/>
+                    </a:ext>
+                  </a:extLst>
+                </a:gridCol>
+              </a:tblGrid>
+              <a:tr h="767015">
+                <a:tc>
+                  <a:txBody>
+                    <a:bodyPr/>
+                    <a:lstStyle/>
+                    <a:p>
+                      <a:pPr algn="ctr" rtl="0" fontAlgn="ctr"/>
+                      <a:r>
+                        <a:rPr lang="en-US" sz="3600" u="none" strike="noStrike" dirty="0" err="1">
+                          <a:effectLst/>
+                        </a:rPr>
+                        <a:t>playerID</a:t>
+                      </a:r>
+                      <a:endParaRPr lang="en-US" sz="3600" b="1" i="0" u="none" strike="noStrike" dirty="0">
+                        <a:solidFill>
+                          <a:srgbClr val="FFFFFF"/>
+                        </a:solidFill>
+                        <a:effectLst/>
+                        <a:latin typeface="Calibri" panose="020F0502020204030204" pitchFamily="34" charset="0"/>
+                      </a:endParaRPr>
+                    </a:p>
+                  </a:txBody>
+                  <a:tcPr marL="9525" marR="9525" marT="9525" marB="0" anchor="ctr"/>
+                </a:tc>
+                <a:tc>
+                  <a:txBody>
+                    <a:bodyPr/>
+                    <a:lstStyle/>
+                    <a:p>
+                      <a:pPr algn="ctr" rtl="0" fontAlgn="ctr"/>
+                      <a:r>
+                        <a:rPr lang="en-US" sz="3600" u="none" strike="noStrike">
+                          <a:effectLst/>
+                        </a:rPr>
+                        <a:t>Accuracy</a:t>
+                      </a:r>
+                      <a:endParaRPr lang="en-US" sz="3600" b="1" i="0" u="none" strike="noStrike">
+                        <a:solidFill>
+                          <a:srgbClr val="FFFFFF"/>
+                        </a:solidFill>
+                        <a:effectLst/>
+                        <a:latin typeface="Calibri" panose="020F0502020204030204" pitchFamily="34" charset="0"/>
+                      </a:endParaRPr>
+                    </a:p>
+                  </a:txBody>
+                  <a:tcPr marL="9525" marR="9525" marT="9525" marB="0" anchor="ctr"/>
+                </a:tc>
+                <a:tc>
+                  <a:txBody>
+                    <a:bodyPr/>
+                    <a:lstStyle/>
+                    <a:p>
+                      <a:pPr algn="ctr" rtl="0" fontAlgn="ctr"/>
+                      <a:r>
+                        <a:rPr lang="en-US" sz="3600" u="none" strike="noStrike">
+                          <a:effectLst/>
+                        </a:rPr>
+                        <a:t>Sensitivity</a:t>
+                      </a:r>
+                      <a:endParaRPr lang="en-US" sz="3600" b="1" i="0" u="none" strike="noStrike">
+                        <a:solidFill>
+                          <a:srgbClr val="FFFFFF"/>
+                        </a:solidFill>
+                        <a:effectLst/>
+                        <a:latin typeface="Calibri" panose="020F0502020204030204" pitchFamily="34" charset="0"/>
+                      </a:endParaRPr>
+                    </a:p>
+                  </a:txBody>
+                  <a:tcPr marL="9525" marR="9525" marT="9525" marB="0" anchor="ctr"/>
+                </a:tc>
+                <a:tc>
+                  <a:txBody>
+                    <a:bodyPr/>
+                    <a:lstStyle/>
+                    <a:p>
+                      <a:pPr algn="ctr" rtl="0" fontAlgn="ctr"/>
+                      <a:r>
+                        <a:rPr lang="en-US" sz="3600" u="none" strike="noStrike">
+                          <a:effectLst/>
+                        </a:rPr>
+                        <a:t>Specificity</a:t>
+                      </a:r>
+                      <a:endParaRPr lang="en-US" sz="3600" b="1" i="0" u="none" strike="noStrike">
+                        <a:solidFill>
+                          <a:srgbClr val="FFFFFF"/>
+                        </a:solidFill>
+                        <a:effectLst/>
+                        <a:latin typeface="Calibri" panose="020F0502020204030204" pitchFamily="34" charset="0"/>
+                      </a:endParaRPr>
+                    </a:p>
+                  </a:txBody>
+                  <a:tcPr marL="9525" marR="9525" marT="9525" marB="0" anchor="ctr"/>
+                </a:tc>
+                <a:tc>
+                  <a:txBody>
+                    <a:bodyPr/>
+                    <a:lstStyle/>
+                    <a:p>
+                      <a:pPr algn="ctr" rtl="0" fontAlgn="ctr"/>
+                      <a:r>
+                        <a:rPr lang="en-US" sz="3600" u="none" strike="noStrike">
+                          <a:effectLst/>
+                        </a:rPr>
+                        <a:t>playerID</a:t>
+                      </a:r>
+                      <a:endParaRPr lang="en-US" sz="3600" b="1" i="0" u="none" strike="noStrike">
+                        <a:solidFill>
+                          <a:srgbClr val="FFFFFF"/>
+                        </a:solidFill>
+                        <a:effectLst/>
+                        <a:latin typeface="Calibri" panose="020F0502020204030204" pitchFamily="34" charset="0"/>
+                      </a:endParaRPr>
+                    </a:p>
+                  </a:txBody>
+                  <a:tcPr marL="9525" marR="9525" marT="9525" marB="0" anchor="ctr"/>
+                </a:tc>
+                <a:tc>
+                  <a:txBody>
+                    <a:bodyPr/>
+                    <a:lstStyle/>
+                    <a:p>
+                      <a:pPr algn="ctr" rtl="0" fontAlgn="ctr"/>
+                      <a:r>
+                        <a:rPr lang="en-US" sz="3600" u="none" strike="noStrike">
+                          <a:effectLst/>
+                        </a:rPr>
+                        <a:t>Accuracy</a:t>
+                      </a:r>
+                      <a:endParaRPr lang="en-US" sz="3600" b="1" i="0" u="none" strike="noStrike">
+                        <a:solidFill>
+                          <a:srgbClr val="FFFFFF"/>
+                        </a:solidFill>
+                        <a:effectLst/>
+                        <a:latin typeface="Calibri" panose="020F0502020204030204" pitchFamily="34" charset="0"/>
+                      </a:endParaRPr>
+                    </a:p>
+                  </a:txBody>
+                  <a:tcPr marL="9525" marR="9525" marT="9525" marB="0" anchor="ctr"/>
+                </a:tc>
+                <a:tc>
+                  <a:txBody>
+                    <a:bodyPr/>
+                    <a:lstStyle/>
+                    <a:p>
+                      <a:pPr algn="ctr" rtl="0" fontAlgn="ctr"/>
+                      <a:r>
+                        <a:rPr lang="en-US" sz="3600" u="none" strike="noStrike">
+                          <a:effectLst/>
+                        </a:rPr>
+                        <a:t>Sensitivity</a:t>
+                      </a:r>
+                      <a:endParaRPr lang="en-US" sz="3600" b="1" i="0" u="none" strike="noStrike">
+                        <a:solidFill>
+                          <a:srgbClr val="FFFFFF"/>
+                        </a:solidFill>
+                        <a:effectLst/>
+                        <a:latin typeface="Calibri" panose="020F0502020204030204" pitchFamily="34" charset="0"/>
+                      </a:endParaRPr>
+                    </a:p>
+                  </a:txBody>
+                  <a:tcPr marL="9525" marR="9525" marT="9525" marB="0" anchor="ctr"/>
+                </a:tc>
+                <a:tc>
+                  <a:txBody>
+                    <a:bodyPr/>
+                    <a:lstStyle/>
+                    <a:p>
+                      <a:pPr algn="ctr" rtl="0" fontAlgn="ctr"/>
+                      <a:r>
+                        <a:rPr lang="en-US" sz="3600" u="none" strike="noStrike">
+                          <a:effectLst/>
+                        </a:rPr>
+                        <a:t>Specificity</a:t>
+                      </a:r>
+                      <a:endParaRPr lang="en-US" sz="3600" b="1" i="0" u="none" strike="noStrike">
+                        <a:solidFill>
+                          <a:srgbClr val="FFFFFF"/>
+                        </a:solidFill>
+                        <a:effectLst/>
+                        <a:latin typeface="Calibri" panose="020F0502020204030204" pitchFamily="34" charset="0"/>
+                      </a:endParaRPr>
+                    </a:p>
+                  </a:txBody>
+                  <a:tcPr marL="9525" marR="9525" marT="9525" marB="0" anchor="ctr"/>
+                </a:tc>
+                <a:extLst>
+                  <a:ext uri="{0D108BD9-81ED-4DB2-BD59-A6C34878D82A}">
+                    <a16:rowId xmlns:a16="http://schemas.microsoft.com/office/drawing/2014/main" val="3284312226"/>
+                  </a:ext>
+                </a:extLst>
+              </a:tr>
+              <a:tr h="733667">
+                <a:tc>
+                  <a:txBody>
+                    <a:bodyPr/>
+                    <a:lstStyle/>
+                    <a:p>
+                      <a:pPr algn="ctr" rtl="0" fontAlgn="ctr"/>
+                      <a:r>
+                        <a:rPr lang="en-US" sz="3600" b="0" u="none" strike="noStrike" dirty="0">
+                          <a:effectLst/>
+                        </a:rPr>
+                        <a:t>105248644</a:t>
+                      </a:r>
+                      <a:endParaRPr lang="en-US" sz="3600" b="0" i="0" u="none" strike="noStrike" dirty="0">
+                        <a:solidFill>
+                          <a:srgbClr val="000000"/>
+                        </a:solidFill>
+                        <a:effectLst/>
+                        <a:latin typeface="Calibri" panose="020F0502020204030204" pitchFamily="34" charset="0"/>
+                      </a:endParaRPr>
+                    </a:p>
+                  </a:txBody>
+                  <a:tcPr marL="9525" marR="9525" marT="9525" marB="0" anchor="ctr"/>
+                </a:tc>
+                <a:tc>
+                  <a:txBody>
+                    <a:bodyPr/>
+                    <a:lstStyle/>
+                    <a:p>
+                      <a:pPr algn="ctr" rtl="0" fontAlgn="ctr"/>
+                      <a:r>
+                        <a:rPr lang="en-US" sz="3600" u="none" strike="noStrike">
+                          <a:effectLst/>
+                        </a:rPr>
+                        <a:t>0.63</a:t>
+                      </a:r>
+                      <a:endParaRPr lang="en-US" sz="3600" b="0" i="0" u="none" strike="noStrike">
+                        <a:solidFill>
+                          <a:srgbClr val="000000"/>
+                        </a:solidFill>
+                        <a:effectLst/>
+                        <a:latin typeface="Calibri" panose="020F0502020204030204" pitchFamily="34" charset="0"/>
+                      </a:endParaRPr>
+                    </a:p>
+                  </a:txBody>
+                  <a:tcPr marL="9525" marR="9525" marT="9525" marB="0" anchor="ctr"/>
+                </a:tc>
+                <a:tc>
+                  <a:txBody>
+                    <a:bodyPr/>
+                    <a:lstStyle/>
+                    <a:p>
+                      <a:pPr algn="ctr" rtl="0" fontAlgn="ctr"/>
+                      <a:r>
+                        <a:rPr lang="en-US" sz="3600" u="none" strike="noStrike">
+                          <a:effectLst/>
+                        </a:rPr>
+                        <a:t>0.5</a:t>
+                      </a:r>
+                      <a:endParaRPr lang="en-US" sz="3600" b="0" i="0" u="none" strike="noStrike">
+                        <a:solidFill>
+                          <a:srgbClr val="000000"/>
+                        </a:solidFill>
+                        <a:effectLst/>
+                        <a:latin typeface="Calibri" panose="020F0502020204030204" pitchFamily="34" charset="0"/>
+                      </a:endParaRPr>
+                    </a:p>
+                  </a:txBody>
+                  <a:tcPr marL="9525" marR="9525" marT="9525" marB="0" anchor="ctr"/>
+                </a:tc>
+                <a:tc>
+                  <a:txBody>
+                    <a:bodyPr/>
+                    <a:lstStyle/>
+                    <a:p>
+                      <a:pPr algn="ctr" rtl="0" fontAlgn="ctr"/>
+                      <a:r>
+                        <a:rPr lang="en-US" sz="3600" u="none" strike="noStrike">
+                          <a:effectLst/>
+                        </a:rPr>
+                        <a:t>0.8</a:t>
+                      </a:r>
+                      <a:endParaRPr lang="en-US" sz="3600" b="0" i="0" u="none" strike="noStrike">
+                        <a:solidFill>
+                          <a:srgbClr val="000000"/>
+                        </a:solidFill>
+                        <a:effectLst/>
+                        <a:latin typeface="Calibri" panose="020F0502020204030204" pitchFamily="34" charset="0"/>
+                      </a:endParaRPr>
+                    </a:p>
+                  </a:txBody>
+                  <a:tcPr marL="9525" marR="9525" marT="9525" marB="0" anchor="ctr"/>
+                </a:tc>
+                <a:tc>
+                  <a:txBody>
+                    <a:bodyPr/>
+                    <a:lstStyle/>
+                    <a:p>
+                      <a:pPr algn="ctr" rtl="0" fontAlgn="ctr"/>
+                      <a:r>
+                        <a:rPr lang="en-US" sz="3600" u="none" strike="noStrike">
+                          <a:effectLst/>
+                        </a:rPr>
+                        <a:t>34505203</a:t>
+                      </a:r>
+                      <a:endParaRPr lang="en-US" sz="3600" b="0" i="0" u="none" strike="noStrike">
+                        <a:solidFill>
+                          <a:srgbClr val="000000"/>
+                        </a:solidFill>
+                        <a:effectLst/>
+                        <a:latin typeface="Calibri" panose="020F0502020204030204" pitchFamily="34" charset="0"/>
+                      </a:endParaRPr>
+                    </a:p>
+                  </a:txBody>
+                  <a:tcPr marL="9525" marR="9525" marT="9525" marB="0" anchor="ctr"/>
+                </a:tc>
+                <a:tc>
+                  <a:txBody>
+                    <a:bodyPr/>
+                    <a:lstStyle/>
+                    <a:p>
+                      <a:pPr algn="ctr" rtl="0" fontAlgn="ctr"/>
+                      <a:r>
+                        <a:rPr lang="en-US" sz="3600" u="none" strike="noStrike">
+                          <a:effectLst/>
+                        </a:rPr>
+                        <a:t>0.51</a:t>
+                      </a:r>
+                      <a:endParaRPr lang="en-US" sz="3600" b="0" i="0" u="none" strike="noStrike">
+                        <a:solidFill>
+                          <a:srgbClr val="000000"/>
+                        </a:solidFill>
+                        <a:effectLst/>
+                        <a:latin typeface="Calibri" panose="020F0502020204030204" pitchFamily="34" charset="0"/>
+                      </a:endParaRPr>
+                    </a:p>
+                  </a:txBody>
+                  <a:tcPr marL="9525" marR="9525" marT="9525" marB="0" anchor="ctr"/>
+                </a:tc>
+                <a:tc>
+                  <a:txBody>
+                    <a:bodyPr/>
+                    <a:lstStyle/>
+                    <a:p>
+                      <a:pPr algn="ctr" rtl="0" fontAlgn="ctr"/>
+                      <a:r>
+                        <a:rPr lang="en-US" sz="3600" u="none" strike="noStrike">
+                          <a:effectLst/>
+                        </a:rPr>
+                        <a:t>0.3</a:t>
+                      </a:r>
+                      <a:endParaRPr lang="en-US" sz="3600" b="0" i="0" u="none" strike="noStrike">
+                        <a:solidFill>
+                          <a:srgbClr val="000000"/>
+                        </a:solidFill>
+                        <a:effectLst/>
+                        <a:latin typeface="Calibri" panose="020F0502020204030204" pitchFamily="34" charset="0"/>
+                      </a:endParaRPr>
+                    </a:p>
+                  </a:txBody>
+                  <a:tcPr marL="9525" marR="9525" marT="9525" marB="0" anchor="ctr"/>
+                </a:tc>
+                <a:tc>
+                  <a:txBody>
+                    <a:bodyPr/>
+                    <a:lstStyle/>
+                    <a:p>
+                      <a:pPr algn="ctr" rtl="0" fontAlgn="ctr"/>
+                      <a:r>
+                        <a:rPr lang="en-US" sz="3600" u="none" strike="noStrike">
+                          <a:effectLst/>
+                        </a:rPr>
+                        <a:t>0.7</a:t>
+                      </a:r>
+                      <a:endParaRPr lang="en-US" sz="3600" b="0" i="0" u="none" strike="noStrike">
+                        <a:solidFill>
+                          <a:srgbClr val="000000"/>
+                        </a:solidFill>
+                        <a:effectLst/>
+                        <a:latin typeface="Calibri" panose="020F0502020204030204" pitchFamily="34" charset="0"/>
+                      </a:endParaRPr>
+                    </a:p>
+                  </a:txBody>
+                  <a:tcPr marL="9525" marR="9525" marT="9525" marB="0" anchor="ctr"/>
+                </a:tc>
+                <a:extLst>
+                  <a:ext uri="{0D108BD9-81ED-4DB2-BD59-A6C34878D82A}">
+                    <a16:rowId xmlns:a16="http://schemas.microsoft.com/office/drawing/2014/main" val="2067418536"/>
+                  </a:ext>
+                </a:extLst>
+              </a:tr>
+              <a:tr h="733667">
+                <a:tc>
+                  <a:txBody>
+                    <a:bodyPr/>
+                    <a:lstStyle/>
+                    <a:p>
+                      <a:pPr algn="ctr" rtl="0" fontAlgn="ctr"/>
+                      <a:r>
+                        <a:rPr lang="en-US" sz="3600" b="0" u="none" strike="noStrike" dirty="0">
+                          <a:effectLst/>
+                        </a:rPr>
+                        <a:t>72312627</a:t>
+                      </a:r>
+                      <a:endParaRPr lang="en-US" sz="3600" b="0" i="0" u="none" strike="noStrike" dirty="0">
+                        <a:solidFill>
+                          <a:srgbClr val="000000"/>
+                        </a:solidFill>
+                        <a:effectLst/>
+                        <a:latin typeface="Calibri" panose="020F0502020204030204" pitchFamily="34" charset="0"/>
+                      </a:endParaRPr>
+                    </a:p>
+                  </a:txBody>
+                  <a:tcPr marL="9525" marR="9525" marT="9525" marB="0" anchor="ctr"/>
+                </a:tc>
+                <a:tc>
+                  <a:txBody>
+                    <a:bodyPr/>
+                    <a:lstStyle/>
+                    <a:p>
+                      <a:pPr algn="ctr" rtl="0" fontAlgn="ctr"/>
+                      <a:r>
+                        <a:rPr lang="en-US" sz="3600" u="none" strike="noStrike">
+                          <a:effectLst/>
+                        </a:rPr>
+                        <a:t>0.68</a:t>
+                      </a:r>
+                      <a:endParaRPr lang="en-US" sz="3600" b="0" i="0" u="none" strike="noStrike">
+                        <a:solidFill>
+                          <a:srgbClr val="000000"/>
+                        </a:solidFill>
+                        <a:effectLst/>
+                        <a:latin typeface="Calibri" panose="020F0502020204030204" pitchFamily="34" charset="0"/>
+                      </a:endParaRPr>
+                    </a:p>
+                  </a:txBody>
+                  <a:tcPr marL="9525" marR="9525" marT="9525" marB="0" anchor="ctr"/>
+                </a:tc>
+                <a:tc>
+                  <a:txBody>
+                    <a:bodyPr/>
+                    <a:lstStyle/>
+                    <a:p>
+                      <a:pPr algn="ctr" rtl="0" fontAlgn="ctr"/>
+                      <a:r>
+                        <a:rPr lang="en-US" sz="3600" u="none" strike="noStrike">
+                          <a:effectLst/>
+                        </a:rPr>
+                        <a:t>0.5</a:t>
+                      </a:r>
+                      <a:endParaRPr lang="en-US" sz="3600" b="0" i="0" u="none" strike="noStrike">
+                        <a:solidFill>
+                          <a:srgbClr val="000000"/>
+                        </a:solidFill>
+                        <a:effectLst/>
+                        <a:latin typeface="Calibri" panose="020F0502020204030204" pitchFamily="34" charset="0"/>
+                      </a:endParaRPr>
+                    </a:p>
+                  </a:txBody>
+                  <a:tcPr marL="9525" marR="9525" marT="9525" marB="0" anchor="ctr"/>
+                </a:tc>
+                <a:tc>
+                  <a:txBody>
+                    <a:bodyPr/>
+                    <a:lstStyle/>
+                    <a:p>
+                      <a:pPr algn="ctr" rtl="0" fontAlgn="ctr"/>
+                      <a:r>
+                        <a:rPr lang="en-US" sz="3600" u="none" strike="noStrike">
+                          <a:effectLst/>
+                        </a:rPr>
+                        <a:t>0.9</a:t>
+                      </a:r>
+                      <a:endParaRPr lang="en-US" sz="3600" b="0" i="0" u="none" strike="noStrike">
+                        <a:solidFill>
+                          <a:srgbClr val="000000"/>
+                        </a:solidFill>
+                        <a:effectLst/>
+                        <a:latin typeface="Calibri" panose="020F0502020204030204" pitchFamily="34" charset="0"/>
+                      </a:endParaRPr>
+                    </a:p>
+                  </a:txBody>
+                  <a:tcPr marL="9525" marR="9525" marT="9525" marB="0" anchor="ctr"/>
+                </a:tc>
+                <a:tc>
+                  <a:txBody>
+                    <a:bodyPr/>
+                    <a:lstStyle/>
+                    <a:p>
+                      <a:pPr algn="ctr" rtl="0" fontAlgn="ctr"/>
+                      <a:r>
+                        <a:rPr lang="en-US" sz="3600" u="none" strike="noStrike">
+                          <a:effectLst/>
+                        </a:rPr>
+                        <a:t>82262664</a:t>
+                      </a:r>
+                      <a:endParaRPr lang="en-US" sz="3600" b="0" i="0" u="none" strike="noStrike">
+                        <a:solidFill>
+                          <a:srgbClr val="000000"/>
+                        </a:solidFill>
+                        <a:effectLst/>
+                        <a:latin typeface="Calibri" panose="020F0502020204030204" pitchFamily="34" charset="0"/>
+                      </a:endParaRPr>
+                    </a:p>
+                  </a:txBody>
+                  <a:tcPr marL="9525" marR="9525" marT="9525" marB="0" anchor="ctr"/>
+                </a:tc>
+                <a:tc>
+                  <a:txBody>
+                    <a:bodyPr/>
+                    <a:lstStyle/>
+                    <a:p>
+                      <a:pPr algn="ctr" rtl="0" fontAlgn="ctr"/>
+                      <a:r>
+                        <a:rPr lang="en-US" sz="3600" u="none" strike="noStrike">
+                          <a:effectLst/>
+                        </a:rPr>
+                        <a:t>0.74</a:t>
+                      </a:r>
+                      <a:endParaRPr lang="en-US" sz="3600" b="0" i="0" u="none" strike="noStrike">
+                        <a:solidFill>
+                          <a:srgbClr val="000000"/>
+                        </a:solidFill>
+                        <a:effectLst/>
+                        <a:latin typeface="Calibri" panose="020F0502020204030204" pitchFamily="34" charset="0"/>
+                      </a:endParaRPr>
+                    </a:p>
+                  </a:txBody>
+                  <a:tcPr marL="9525" marR="9525" marT="9525" marB="0" anchor="ctr"/>
+                </a:tc>
+                <a:tc>
+                  <a:txBody>
+                    <a:bodyPr/>
+                    <a:lstStyle/>
+                    <a:p>
+                      <a:pPr algn="ctr" rtl="0" fontAlgn="ctr"/>
+                      <a:r>
+                        <a:rPr lang="en-US" sz="3600" u="none" strike="noStrike">
+                          <a:effectLst/>
+                        </a:rPr>
+                        <a:t>0.01</a:t>
+                      </a:r>
+                      <a:endParaRPr lang="en-US" sz="3600" b="0" i="0" u="none" strike="noStrike">
+                        <a:solidFill>
+                          <a:srgbClr val="000000"/>
+                        </a:solidFill>
+                        <a:effectLst/>
+                        <a:latin typeface="Calibri" panose="020F0502020204030204" pitchFamily="34" charset="0"/>
+                      </a:endParaRPr>
+                    </a:p>
+                  </a:txBody>
+                  <a:tcPr marL="9525" marR="9525" marT="9525" marB="0" anchor="ctr"/>
+                </a:tc>
+                <a:tc>
+                  <a:txBody>
+                    <a:bodyPr/>
+                    <a:lstStyle/>
+                    <a:p>
+                      <a:pPr algn="ctr" rtl="0" fontAlgn="ctr"/>
+                      <a:r>
+                        <a:rPr lang="en-US" sz="3600" u="none" strike="noStrike">
+                          <a:effectLst/>
+                        </a:rPr>
+                        <a:t>0.99</a:t>
+                      </a:r>
+                      <a:endParaRPr lang="en-US" sz="3600" b="0" i="0" u="none" strike="noStrike">
+                        <a:solidFill>
+                          <a:srgbClr val="000000"/>
+                        </a:solidFill>
+                        <a:effectLst/>
+                        <a:latin typeface="Calibri" panose="020F0502020204030204" pitchFamily="34" charset="0"/>
+                      </a:endParaRPr>
+                    </a:p>
+                  </a:txBody>
+                  <a:tcPr marL="9525" marR="9525" marT="9525" marB="0" anchor="ctr"/>
+                </a:tc>
+                <a:extLst>
+                  <a:ext uri="{0D108BD9-81ED-4DB2-BD59-A6C34878D82A}">
+                    <a16:rowId xmlns:a16="http://schemas.microsoft.com/office/drawing/2014/main" val="528910333"/>
+                  </a:ext>
+                </a:extLst>
+              </a:tr>
+              <a:tr h="733667">
+                <a:tc>
+                  <a:txBody>
+                    <a:bodyPr/>
+                    <a:lstStyle/>
+                    <a:p>
+                      <a:pPr algn="ctr" rtl="0" fontAlgn="ctr"/>
+                      <a:r>
+                        <a:rPr lang="en-US" sz="3600" b="0" u="none" strike="noStrike" dirty="0">
+                          <a:effectLst/>
+                        </a:rPr>
+                        <a:t>101356886</a:t>
+                      </a:r>
+                      <a:endParaRPr lang="en-US" sz="3600" b="0" i="0" u="none" strike="noStrike" dirty="0">
+                        <a:solidFill>
+                          <a:srgbClr val="000000"/>
+                        </a:solidFill>
+                        <a:effectLst/>
+                        <a:latin typeface="Calibri" panose="020F0502020204030204" pitchFamily="34" charset="0"/>
+                      </a:endParaRPr>
+                    </a:p>
+                  </a:txBody>
+                  <a:tcPr marL="9525" marR="9525" marT="9525" marB="0" anchor="ctr"/>
+                </a:tc>
+                <a:tc>
+                  <a:txBody>
+                    <a:bodyPr/>
+                    <a:lstStyle/>
+                    <a:p>
+                      <a:pPr algn="ctr" rtl="0" fontAlgn="ctr"/>
+                      <a:r>
+                        <a:rPr lang="en-US" sz="3600" u="none" strike="noStrike">
+                          <a:effectLst/>
+                        </a:rPr>
+                        <a:t>0.7</a:t>
+                      </a:r>
+                      <a:endParaRPr lang="en-US" sz="3600" b="0" i="0" u="none" strike="noStrike">
+                        <a:solidFill>
+                          <a:srgbClr val="000000"/>
+                        </a:solidFill>
+                        <a:effectLst/>
+                        <a:latin typeface="Calibri" panose="020F0502020204030204" pitchFamily="34" charset="0"/>
+                      </a:endParaRPr>
+                    </a:p>
+                  </a:txBody>
+                  <a:tcPr marL="9525" marR="9525" marT="9525" marB="0" anchor="ctr"/>
+                </a:tc>
+                <a:tc>
+                  <a:txBody>
+                    <a:bodyPr/>
+                    <a:lstStyle/>
+                    <a:p>
+                      <a:pPr algn="ctr" rtl="0" fontAlgn="ctr"/>
+                      <a:r>
+                        <a:rPr lang="en-US" sz="3600" u="none" strike="noStrike" dirty="0">
+                          <a:effectLst/>
+                        </a:rPr>
+                        <a:t>0.53</a:t>
+                      </a:r>
+                      <a:endParaRPr lang="en-US" sz="3600" b="0" i="0" u="none" strike="noStrike" dirty="0">
+                        <a:solidFill>
+                          <a:srgbClr val="000000"/>
+                        </a:solidFill>
+                        <a:effectLst/>
+                        <a:latin typeface="Calibri" panose="020F0502020204030204" pitchFamily="34" charset="0"/>
+                      </a:endParaRPr>
+                    </a:p>
+                  </a:txBody>
+                  <a:tcPr marL="9525" marR="9525" marT="9525" marB="0" anchor="ctr"/>
+                </a:tc>
+                <a:tc>
+                  <a:txBody>
+                    <a:bodyPr/>
+                    <a:lstStyle/>
+                    <a:p>
+                      <a:pPr algn="ctr" rtl="0" fontAlgn="ctr"/>
+                      <a:r>
+                        <a:rPr lang="en-US" sz="3600" u="none" strike="noStrike">
+                          <a:effectLst/>
+                        </a:rPr>
+                        <a:t>0.84</a:t>
+                      </a:r>
+                      <a:endParaRPr lang="en-US" sz="3600" b="0" i="0" u="none" strike="noStrike">
+                        <a:solidFill>
+                          <a:srgbClr val="000000"/>
+                        </a:solidFill>
+                        <a:effectLst/>
+                        <a:latin typeface="Calibri" panose="020F0502020204030204" pitchFamily="34" charset="0"/>
+                      </a:endParaRPr>
+                    </a:p>
+                  </a:txBody>
+                  <a:tcPr marL="9525" marR="9525" marT="9525" marB="0" anchor="ctr"/>
+                </a:tc>
+                <a:tc>
+                  <a:txBody>
+                    <a:bodyPr/>
+                    <a:lstStyle/>
+                    <a:p>
+                      <a:pPr algn="ctr" rtl="0" fontAlgn="ctr"/>
+                      <a:r>
+                        <a:rPr lang="en-US" sz="3600" u="none" strike="noStrike">
+                          <a:effectLst/>
+                        </a:rPr>
+                        <a:t>106573901</a:t>
+                      </a:r>
+                      <a:endParaRPr lang="en-US" sz="3600" b="0" i="0" u="none" strike="noStrike">
+                        <a:solidFill>
+                          <a:srgbClr val="000000"/>
+                        </a:solidFill>
+                        <a:effectLst/>
+                        <a:latin typeface="Calibri" panose="020F0502020204030204" pitchFamily="34" charset="0"/>
+                      </a:endParaRPr>
+                    </a:p>
+                  </a:txBody>
+                  <a:tcPr marL="9525" marR="9525" marT="9525" marB="0" anchor="ctr"/>
+                </a:tc>
+                <a:tc>
+                  <a:txBody>
+                    <a:bodyPr/>
+                    <a:lstStyle/>
+                    <a:p>
+                      <a:pPr algn="ctr" rtl="0" fontAlgn="ctr"/>
+                      <a:r>
+                        <a:rPr lang="en-US" sz="3600" u="none" strike="noStrike">
+                          <a:effectLst/>
+                        </a:rPr>
+                        <a:t>0.58</a:t>
+                      </a:r>
+                      <a:endParaRPr lang="en-US" sz="3600" b="0" i="0" u="none" strike="noStrike">
+                        <a:solidFill>
+                          <a:srgbClr val="000000"/>
+                        </a:solidFill>
+                        <a:effectLst/>
+                        <a:latin typeface="Calibri" panose="020F0502020204030204" pitchFamily="34" charset="0"/>
+                      </a:endParaRPr>
+                    </a:p>
+                  </a:txBody>
+                  <a:tcPr marL="9525" marR="9525" marT="9525" marB="0" anchor="ctr"/>
+                </a:tc>
+                <a:tc>
+                  <a:txBody>
+                    <a:bodyPr/>
+                    <a:lstStyle/>
+                    <a:p>
+                      <a:pPr algn="ctr" rtl="0" fontAlgn="ctr"/>
+                      <a:r>
+                        <a:rPr lang="en-US" sz="3600" u="none" strike="noStrike">
+                          <a:effectLst/>
+                        </a:rPr>
+                        <a:t>0.75</a:t>
+                      </a:r>
+                      <a:endParaRPr lang="en-US" sz="3600" b="0" i="0" u="none" strike="noStrike">
+                        <a:solidFill>
+                          <a:srgbClr val="000000"/>
+                        </a:solidFill>
+                        <a:effectLst/>
+                        <a:latin typeface="Calibri" panose="020F0502020204030204" pitchFamily="34" charset="0"/>
+                      </a:endParaRPr>
+                    </a:p>
+                  </a:txBody>
+                  <a:tcPr marL="9525" marR="9525" marT="9525" marB="0" anchor="ctr"/>
+                </a:tc>
+                <a:tc>
+                  <a:txBody>
+                    <a:bodyPr/>
+                    <a:lstStyle/>
+                    <a:p>
+                      <a:pPr algn="ctr" rtl="0" fontAlgn="ctr"/>
+                      <a:r>
+                        <a:rPr lang="en-US" sz="3600" u="none" strike="noStrike">
+                          <a:effectLst/>
+                        </a:rPr>
+                        <a:t>0.31</a:t>
+                      </a:r>
+                      <a:endParaRPr lang="en-US" sz="3600" b="0" i="0" u="none" strike="noStrike">
+                        <a:solidFill>
+                          <a:srgbClr val="000000"/>
+                        </a:solidFill>
+                        <a:effectLst/>
+                        <a:latin typeface="Calibri" panose="020F0502020204030204" pitchFamily="34" charset="0"/>
+                      </a:endParaRPr>
+                    </a:p>
+                  </a:txBody>
+                  <a:tcPr marL="9525" marR="9525" marT="9525" marB="0" anchor="ctr"/>
+                </a:tc>
+                <a:extLst>
+                  <a:ext uri="{0D108BD9-81ED-4DB2-BD59-A6C34878D82A}">
+                    <a16:rowId xmlns:a16="http://schemas.microsoft.com/office/drawing/2014/main" val="320702246"/>
+                  </a:ext>
+                </a:extLst>
+              </a:tr>
+              <a:tr h="733667">
+                <a:tc>
+                  <a:txBody>
+                    <a:bodyPr/>
+                    <a:lstStyle/>
+                    <a:p>
+                      <a:pPr algn="ctr" rtl="0" fontAlgn="ctr"/>
+                      <a:r>
+                        <a:rPr lang="en-US" sz="3600" b="0" u="none" strike="noStrike" dirty="0">
+                          <a:effectLst/>
+                        </a:rPr>
+                        <a:t>132851371</a:t>
+                      </a:r>
+                      <a:endParaRPr lang="en-US" sz="3600" b="0" i="0" u="none" strike="noStrike" dirty="0">
+                        <a:solidFill>
+                          <a:srgbClr val="000000"/>
+                        </a:solidFill>
+                        <a:effectLst/>
+                        <a:latin typeface="Calibri" panose="020F0502020204030204" pitchFamily="34" charset="0"/>
+                      </a:endParaRPr>
+                    </a:p>
+                  </a:txBody>
+                  <a:tcPr marL="9525" marR="9525" marT="9525" marB="0" anchor="ctr"/>
+                </a:tc>
+                <a:tc>
+                  <a:txBody>
+                    <a:bodyPr/>
+                    <a:lstStyle/>
+                    <a:p>
+                      <a:pPr algn="ctr" rtl="0" fontAlgn="ctr"/>
+                      <a:r>
+                        <a:rPr lang="en-US" sz="3600" u="none" strike="noStrike">
+                          <a:effectLst/>
+                        </a:rPr>
+                        <a:t>0.52</a:t>
+                      </a:r>
+                      <a:endParaRPr lang="en-US" sz="3600" b="0" i="0" u="none" strike="noStrike">
+                        <a:solidFill>
+                          <a:srgbClr val="000000"/>
+                        </a:solidFill>
+                        <a:effectLst/>
+                        <a:latin typeface="Calibri" panose="020F0502020204030204" pitchFamily="34" charset="0"/>
+                      </a:endParaRPr>
+                    </a:p>
+                  </a:txBody>
+                  <a:tcPr marL="9525" marR="9525" marT="9525" marB="0" anchor="ctr"/>
+                </a:tc>
+                <a:tc>
+                  <a:txBody>
+                    <a:bodyPr/>
+                    <a:lstStyle/>
+                    <a:p>
+                      <a:pPr algn="ctr" rtl="0" fontAlgn="ctr"/>
+                      <a:r>
+                        <a:rPr lang="en-US" sz="3600" u="none" strike="noStrike">
+                          <a:effectLst/>
+                        </a:rPr>
+                        <a:t>0.67</a:t>
+                      </a:r>
+                      <a:endParaRPr lang="en-US" sz="3600" b="0" i="0" u="none" strike="noStrike">
+                        <a:solidFill>
+                          <a:srgbClr val="000000"/>
+                        </a:solidFill>
+                        <a:effectLst/>
+                        <a:latin typeface="Calibri" panose="020F0502020204030204" pitchFamily="34" charset="0"/>
+                      </a:endParaRPr>
+                    </a:p>
+                  </a:txBody>
+                  <a:tcPr marL="9525" marR="9525" marT="9525" marB="0" anchor="ctr"/>
+                </a:tc>
+                <a:tc>
+                  <a:txBody>
+                    <a:bodyPr/>
+                    <a:lstStyle/>
+                    <a:p>
+                      <a:pPr algn="ctr" rtl="0" fontAlgn="ctr"/>
+                      <a:r>
+                        <a:rPr lang="en-US" sz="3600" u="none" strike="noStrike">
+                          <a:effectLst/>
+                        </a:rPr>
+                        <a:t>0.5</a:t>
+                      </a:r>
+                      <a:endParaRPr lang="en-US" sz="3600" b="0" i="0" u="none" strike="noStrike">
+                        <a:solidFill>
+                          <a:srgbClr val="000000"/>
+                        </a:solidFill>
+                        <a:effectLst/>
+                        <a:latin typeface="Calibri" panose="020F0502020204030204" pitchFamily="34" charset="0"/>
+                      </a:endParaRPr>
+                    </a:p>
+                  </a:txBody>
+                  <a:tcPr marL="9525" marR="9525" marT="9525" marB="0" anchor="ctr"/>
+                </a:tc>
+                <a:tc>
+                  <a:txBody>
+                    <a:bodyPr/>
+                    <a:lstStyle/>
+                    <a:p>
+                      <a:pPr algn="ctr" rtl="0" fontAlgn="ctr"/>
+                      <a:r>
+                        <a:rPr lang="en-US" sz="3600" u="none" strike="noStrike">
+                          <a:effectLst/>
+                        </a:rPr>
+                        <a:t>134556694</a:t>
+                      </a:r>
+                      <a:endParaRPr lang="en-US" sz="3600" b="0" i="0" u="none" strike="noStrike">
+                        <a:solidFill>
+                          <a:srgbClr val="000000"/>
+                        </a:solidFill>
+                        <a:effectLst/>
+                        <a:latin typeface="Calibri" panose="020F0502020204030204" pitchFamily="34" charset="0"/>
+                      </a:endParaRPr>
+                    </a:p>
+                  </a:txBody>
+                  <a:tcPr marL="9525" marR="9525" marT="9525" marB="0" anchor="ctr"/>
+                </a:tc>
+                <a:tc>
+                  <a:txBody>
+                    <a:bodyPr/>
+                    <a:lstStyle/>
+                    <a:p>
+                      <a:pPr algn="ctr" rtl="0" fontAlgn="ctr"/>
+                      <a:r>
+                        <a:rPr lang="en-US" sz="3600" u="none" strike="noStrike">
+                          <a:effectLst/>
+                        </a:rPr>
+                        <a:t>0.53</a:t>
+                      </a:r>
+                      <a:endParaRPr lang="en-US" sz="3600" b="0" i="0" u="none" strike="noStrike">
+                        <a:solidFill>
+                          <a:srgbClr val="000000"/>
+                        </a:solidFill>
+                        <a:effectLst/>
+                        <a:latin typeface="Calibri" panose="020F0502020204030204" pitchFamily="34" charset="0"/>
+                      </a:endParaRPr>
+                    </a:p>
+                  </a:txBody>
+                  <a:tcPr marL="9525" marR="9525" marT="9525" marB="0" anchor="ctr"/>
+                </a:tc>
+                <a:tc>
+                  <a:txBody>
+                    <a:bodyPr/>
+                    <a:lstStyle/>
+                    <a:p>
+                      <a:pPr algn="ctr" rtl="0" fontAlgn="ctr"/>
+                      <a:r>
+                        <a:rPr lang="en-US" sz="3600" u="none" strike="noStrike">
+                          <a:effectLst/>
+                        </a:rPr>
+                        <a:t>0.9</a:t>
+                      </a:r>
+                      <a:endParaRPr lang="en-US" sz="3600" b="0" i="0" u="none" strike="noStrike">
+                        <a:solidFill>
+                          <a:srgbClr val="000000"/>
+                        </a:solidFill>
+                        <a:effectLst/>
+                        <a:latin typeface="Calibri" panose="020F0502020204030204" pitchFamily="34" charset="0"/>
+                      </a:endParaRPr>
+                    </a:p>
+                  </a:txBody>
+                  <a:tcPr marL="9525" marR="9525" marT="9525" marB="0" anchor="ctr"/>
+                </a:tc>
+                <a:tc>
+                  <a:txBody>
+                    <a:bodyPr/>
+                    <a:lstStyle/>
+                    <a:p>
+                      <a:pPr algn="ctr" rtl="0" fontAlgn="ctr"/>
+                      <a:r>
+                        <a:rPr lang="en-US" sz="3600" u="none" strike="noStrike">
+                          <a:effectLst/>
+                        </a:rPr>
+                        <a:t>0.21</a:t>
+                      </a:r>
+                      <a:endParaRPr lang="en-US" sz="3600" b="0" i="0" u="none" strike="noStrike">
+                        <a:solidFill>
+                          <a:srgbClr val="000000"/>
+                        </a:solidFill>
+                        <a:effectLst/>
+                        <a:latin typeface="Calibri" panose="020F0502020204030204" pitchFamily="34" charset="0"/>
+                      </a:endParaRPr>
+                    </a:p>
+                  </a:txBody>
+                  <a:tcPr marL="9525" marR="9525" marT="9525" marB="0" anchor="ctr"/>
+                </a:tc>
+                <a:extLst>
+                  <a:ext uri="{0D108BD9-81ED-4DB2-BD59-A6C34878D82A}">
+                    <a16:rowId xmlns:a16="http://schemas.microsoft.com/office/drawing/2014/main" val="2284469057"/>
+                  </a:ext>
+                </a:extLst>
+              </a:tr>
+              <a:tr h="733667">
+                <a:tc>
+                  <a:txBody>
+                    <a:bodyPr/>
+                    <a:lstStyle/>
+                    <a:p>
+                      <a:pPr algn="ctr" rtl="0" fontAlgn="ctr"/>
+                      <a:r>
+                        <a:rPr lang="en-US" sz="3600" b="0" u="none" strike="noStrike" dirty="0">
+                          <a:effectLst/>
+                        </a:rPr>
+                        <a:t>159020918</a:t>
+                      </a:r>
+                      <a:endParaRPr lang="en-US" sz="3600" b="0" i="0" u="none" strike="noStrike" dirty="0">
+                        <a:solidFill>
+                          <a:srgbClr val="000000"/>
+                        </a:solidFill>
+                        <a:effectLst/>
+                        <a:latin typeface="Calibri" panose="020F0502020204030204" pitchFamily="34" charset="0"/>
+                      </a:endParaRPr>
+                    </a:p>
+                  </a:txBody>
+                  <a:tcPr marL="9525" marR="9525" marT="9525" marB="0" anchor="ctr"/>
+                </a:tc>
+                <a:tc>
+                  <a:txBody>
+                    <a:bodyPr/>
+                    <a:lstStyle/>
+                    <a:p>
+                      <a:pPr algn="ctr" rtl="0" fontAlgn="ctr"/>
+                      <a:r>
+                        <a:rPr lang="en-US" sz="3600" u="none" strike="noStrike">
+                          <a:effectLst/>
+                        </a:rPr>
+                        <a:t>0.6</a:t>
+                      </a:r>
+                      <a:endParaRPr lang="en-US" sz="3600" b="0" i="0" u="none" strike="noStrike">
+                        <a:solidFill>
+                          <a:srgbClr val="000000"/>
+                        </a:solidFill>
+                        <a:effectLst/>
+                        <a:latin typeface="Calibri" panose="020F0502020204030204" pitchFamily="34" charset="0"/>
+                      </a:endParaRPr>
+                    </a:p>
+                  </a:txBody>
+                  <a:tcPr marL="9525" marR="9525" marT="9525" marB="0" anchor="ctr"/>
+                </a:tc>
+                <a:tc>
+                  <a:txBody>
+                    <a:bodyPr/>
+                    <a:lstStyle/>
+                    <a:p>
+                      <a:pPr algn="ctr" rtl="0" fontAlgn="ctr"/>
+                      <a:r>
+                        <a:rPr lang="en-US" sz="3600" u="none" strike="noStrike">
+                          <a:effectLst/>
+                        </a:rPr>
+                        <a:t>0.97</a:t>
+                      </a:r>
+                      <a:endParaRPr lang="en-US" sz="3600" b="0" i="0" u="none" strike="noStrike">
+                        <a:solidFill>
+                          <a:srgbClr val="000000"/>
+                        </a:solidFill>
+                        <a:effectLst/>
+                        <a:latin typeface="Calibri" panose="020F0502020204030204" pitchFamily="34" charset="0"/>
+                      </a:endParaRPr>
+                    </a:p>
+                  </a:txBody>
+                  <a:tcPr marL="9525" marR="9525" marT="9525" marB="0" anchor="ctr"/>
+                </a:tc>
+                <a:tc>
+                  <a:txBody>
+                    <a:bodyPr/>
+                    <a:lstStyle/>
+                    <a:p>
+                      <a:pPr algn="ctr" rtl="0" fontAlgn="ctr"/>
+                      <a:r>
+                        <a:rPr lang="en-US" sz="3600" u="none" strike="noStrike">
+                          <a:effectLst/>
+                        </a:rPr>
+                        <a:t>0.01</a:t>
+                      </a:r>
+                      <a:endParaRPr lang="en-US" sz="3600" b="0" i="0" u="none" strike="noStrike">
+                        <a:solidFill>
+                          <a:srgbClr val="000000"/>
+                        </a:solidFill>
+                        <a:effectLst/>
+                        <a:latin typeface="Calibri" panose="020F0502020204030204" pitchFamily="34" charset="0"/>
+                      </a:endParaRPr>
+                    </a:p>
+                  </a:txBody>
+                  <a:tcPr marL="9525" marR="9525" marT="9525" marB="0" anchor="ctr"/>
+                </a:tc>
+                <a:tc>
+                  <a:txBody>
+                    <a:bodyPr/>
+                    <a:lstStyle/>
+                    <a:p>
+                      <a:pPr algn="ctr" rtl="0" fontAlgn="ctr"/>
+                      <a:r>
+                        <a:rPr lang="en-US" sz="3600" u="none" strike="noStrike">
+                          <a:effectLst/>
+                        </a:rPr>
+                        <a:t>92423451</a:t>
+                      </a:r>
+                      <a:endParaRPr lang="en-US" sz="3600" b="0" i="0" u="none" strike="noStrike">
+                        <a:solidFill>
+                          <a:srgbClr val="000000"/>
+                        </a:solidFill>
+                        <a:effectLst/>
+                        <a:latin typeface="Calibri" panose="020F0502020204030204" pitchFamily="34" charset="0"/>
+                      </a:endParaRPr>
+                    </a:p>
+                  </a:txBody>
+                  <a:tcPr marL="9525" marR="9525" marT="9525" marB="0" anchor="ctr"/>
+                </a:tc>
+                <a:tc>
+                  <a:txBody>
+                    <a:bodyPr/>
+                    <a:lstStyle/>
+                    <a:p>
+                      <a:pPr algn="ctr" rtl="0" fontAlgn="ctr"/>
+                      <a:r>
+                        <a:rPr lang="en-US" sz="3600" u="none" strike="noStrike">
+                          <a:effectLst/>
+                        </a:rPr>
+                        <a:t>0.74</a:t>
+                      </a:r>
+                      <a:endParaRPr lang="en-US" sz="3600" b="0" i="0" u="none" strike="noStrike">
+                        <a:solidFill>
+                          <a:srgbClr val="000000"/>
+                        </a:solidFill>
+                        <a:effectLst/>
+                        <a:latin typeface="Calibri" panose="020F0502020204030204" pitchFamily="34" charset="0"/>
+                      </a:endParaRPr>
+                    </a:p>
+                  </a:txBody>
+                  <a:tcPr marL="9525" marR="9525" marT="9525" marB="0" anchor="ctr"/>
+                </a:tc>
+                <a:tc>
+                  <a:txBody>
+                    <a:bodyPr/>
+                    <a:lstStyle/>
+                    <a:p>
+                      <a:pPr algn="ctr" rtl="0" fontAlgn="ctr"/>
+                      <a:r>
+                        <a:rPr lang="en-US" sz="3600" u="none" strike="noStrike">
+                          <a:effectLst/>
+                        </a:rPr>
+                        <a:t>0.95</a:t>
+                      </a:r>
+                      <a:endParaRPr lang="en-US" sz="3600" b="0" i="0" u="none" strike="noStrike">
+                        <a:solidFill>
+                          <a:srgbClr val="000000"/>
+                        </a:solidFill>
+                        <a:effectLst/>
+                        <a:latin typeface="Calibri" panose="020F0502020204030204" pitchFamily="34" charset="0"/>
+                      </a:endParaRPr>
+                    </a:p>
+                  </a:txBody>
+                  <a:tcPr marL="9525" marR="9525" marT="9525" marB="0" anchor="ctr"/>
+                </a:tc>
+                <a:tc>
+                  <a:txBody>
+                    <a:bodyPr/>
+                    <a:lstStyle/>
+                    <a:p>
+                      <a:pPr algn="ctr" rtl="0" fontAlgn="ctr"/>
+                      <a:r>
+                        <a:rPr lang="en-US" sz="3600" u="none" strike="noStrike">
+                          <a:effectLst/>
+                        </a:rPr>
+                        <a:t>0.2</a:t>
+                      </a:r>
+                      <a:endParaRPr lang="en-US" sz="3600" b="0" i="0" u="none" strike="noStrike">
+                        <a:solidFill>
+                          <a:srgbClr val="000000"/>
+                        </a:solidFill>
+                        <a:effectLst/>
+                        <a:latin typeface="Calibri" panose="020F0502020204030204" pitchFamily="34" charset="0"/>
+                      </a:endParaRPr>
+                    </a:p>
+                  </a:txBody>
+                  <a:tcPr marL="9525" marR="9525" marT="9525" marB="0" anchor="ctr"/>
+                </a:tc>
+                <a:extLst>
+                  <a:ext uri="{0D108BD9-81ED-4DB2-BD59-A6C34878D82A}">
+                    <a16:rowId xmlns:a16="http://schemas.microsoft.com/office/drawing/2014/main" val="612017647"/>
+                  </a:ext>
+                </a:extLst>
+              </a:tr>
+              <a:tr h="733667">
+                <a:tc>
+                  <a:txBody>
+                    <a:bodyPr/>
+                    <a:lstStyle/>
+                    <a:p>
+                      <a:pPr algn="ctr" rtl="0" fontAlgn="ctr"/>
+                      <a:r>
+                        <a:rPr lang="en-US" sz="3600" b="0" u="none" strike="noStrike" dirty="0">
+                          <a:effectLst/>
+                        </a:rPr>
+                        <a:t>116585378</a:t>
+                      </a:r>
+                      <a:endParaRPr lang="en-US" sz="3600" b="0" i="0" u="none" strike="noStrike" dirty="0">
+                        <a:solidFill>
+                          <a:srgbClr val="000000"/>
+                        </a:solidFill>
+                        <a:effectLst/>
+                        <a:latin typeface="Calibri" panose="020F0502020204030204" pitchFamily="34" charset="0"/>
+                      </a:endParaRPr>
+                    </a:p>
+                  </a:txBody>
+                  <a:tcPr marL="9525" marR="9525" marT="9525" marB="0" anchor="ctr"/>
+                </a:tc>
+                <a:tc>
+                  <a:txBody>
+                    <a:bodyPr/>
+                    <a:lstStyle/>
+                    <a:p>
+                      <a:pPr algn="ctr" rtl="0" fontAlgn="ctr"/>
+                      <a:r>
+                        <a:rPr lang="en-US" sz="3600" u="none" strike="noStrike">
+                          <a:effectLst/>
+                        </a:rPr>
+                        <a:t>0.65</a:t>
+                      </a:r>
+                      <a:endParaRPr lang="en-US" sz="3600" b="0" i="0" u="none" strike="noStrike">
+                        <a:solidFill>
+                          <a:srgbClr val="000000"/>
+                        </a:solidFill>
+                        <a:effectLst/>
+                        <a:latin typeface="Calibri" panose="020F0502020204030204" pitchFamily="34" charset="0"/>
+                      </a:endParaRPr>
+                    </a:p>
+                  </a:txBody>
+                  <a:tcPr marL="9525" marR="9525" marT="9525" marB="0" anchor="ctr"/>
+                </a:tc>
+                <a:tc>
+                  <a:txBody>
+                    <a:bodyPr/>
+                    <a:lstStyle/>
+                    <a:p>
+                      <a:pPr algn="ctr" rtl="0" fontAlgn="ctr"/>
+                      <a:r>
+                        <a:rPr lang="en-US" sz="3600" u="none" strike="noStrike">
+                          <a:effectLst/>
+                        </a:rPr>
+                        <a:t>0.49</a:t>
+                      </a:r>
+                      <a:endParaRPr lang="en-US" sz="3600" b="0" i="0" u="none" strike="noStrike">
+                        <a:solidFill>
+                          <a:srgbClr val="000000"/>
+                        </a:solidFill>
+                        <a:effectLst/>
+                        <a:latin typeface="Calibri" panose="020F0502020204030204" pitchFamily="34" charset="0"/>
+                      </a:endParaRPr>
+                    </a:p>
+                  </a:txBody>
+                  <a:tcPr marL="9525" marR="9525" marT="9525" marB="0" anchor="ctr"/>
+                </a:tc>
+                <a:tc>
+                  <a:txBody>
+                    <a:bodyPr/>
+                    <a:lstStyle/>
+                    <a:p>
+                      <a:pPr algn="ctr" rtl="0" fontAlgn="ctr"/>
+                      <a:r>
+                        <a:rPr lang="en-US" sz="3600" u="none" strike="noStrike">
+                          <a:effectLst/>
+                        </a:rPr>
+                        <a:t>0.85</a:t>
+                      </a:r>
+                      <a:endParaRPr lang="en-US" sz="3600" b="0" i="0" u="none" strike="noStrike">
+                        <a:solidFill>
+                          <a:srgbClr val="000000"/>
+                        </a:solidFill>
+                        <a:effectLst/>
+                        <a:latin typeface="Calibri" panose="020F0502020204030204" pitchFamily="34" charset="0"/>
+                      </a:endParaRPr>
+                    </a:p>
+                  </a:txBody>
+                  <a:tcPr marL="9525" marR="9525" marT="9525" marB="0" anchor="ctr"/>
+                </a:tc>
+                <a:tc>
+                  <a:txBody>
+                    <a:bodyPr/>
+                    <a:lstStyle/>
+                    <a:p>
+                      <a:pPr algn="ctr" rtl="0" fontAlgn="ctr"/>
+                      <a:r>
+                        <a:rPr lang="en-US" sz="3600" u="none" strike="noStrike">
+                          <a:effectLst/>
+                        </a:rPr>
+                        <a:t>121769650</a:t>
+                      </a:r>
+                      <a:endParaRPr lang="en-US" sz="3600" b="0" i="0" u="none" strike="noStrike">
+                        <a:solidFill>
+                          <a:srgbClr val="000000"/>
+                        </a:solidFill>
+                        <a:effectLst/>
+                        <a:latin typeface="Calibri" panose="020F0502020204030204" pitchFamily="34" charset="0"/>
+                      </a:endParaRPr>
+                    </a:p>
+                  </a:txBody>
+                  <a:tcPr marL="9525" marR="9525" marT="9525" marB="0" anchor="ctr"/>
+                </a:tc>
+                <a:tc>
+                  <a:txBody>
+                    <a:bodyPr/>
+                    <a:lstStyle/>
+                    <a:p>
+                      <a:pPr algn="ctr" rtl="0" fontAlgn="ctr"/>
+                      <a:r>
+                        <a:rPr lang="en-US" sz="3600" u="none" strike="noStrike">
+                          <a:effectLst/>
+                        </a:rPr>
+                        <a:t>0.63</a:t>
+                      </a:r>
+                      <a:endParaRPr lang="en-US" sz="3600" b="0" i="0" u="none" strike="noStrike">
+                        <a:solidFill>
+                          <a:srgbClr val="000000"/>
+                        </a:solidFill>
+                        <a:effectLst/>
+                        <a:latin typeface="Calibri" panose="020F0502020204030204" pitchFamily="34" charset="0"/>
+                      </a:endParaRPr>
+                    </a:p>
+                  </a:txBody>
+                  <a:tcPr marL="9525" marR="9525" marT="9525" marB="0" anchor="ctr"/>
+                </a:tc>
+                <a:tc>
+                  <a:txBody>
+                    <a:bodyPr/>
+                    <a:lstStyle/>
+                    <a:p>
+                      <a:pPr algn="ctr" rtl="0" fontAlgn="ctr"/>
+                      <a:r>
+                        <a:rPr lang="en-US" sz="3600" u="none" strike="noStrike">
+                          <a:effectLst/>
+                        </a:rPr>
+                        <a:t>0.87</a:t>
+                      </a:r>
+                      <a:endParaRPr lang="en-US" sz="3600" b="0" i="0" u="none" strike="noStrike">
+                        <a:solidFill>
+                          <a:srgbClr val="000000"/>
+                        </a:solidFill>
+                        <a:effectLst/>
+                        <a:latin typeface="Calibri" panose="020F0502020204030204" pitchFamily="34" charset="0"/>
+                      </a:endParaRPr>
+                    </a:p>
+                  </a:txBody>
+                  <a:tcPr marL="9525" marR="9525" marT="9525" marB="0" anchor="ctr"/>
+                </a:tc>
+                <a:tc>
+                  <a:txBody>
+                    <a:bodyPr/>
+                    <a:lstStyle/>
+                    <a:p>
+                      <a:pPr algn="ctr" rtl="0" fontAlgn="ctr"/>
+                      <a:r>
+                        <a:rPr lang="en-US" sz="3600" u="none" strike="noStrike">
+                          <a:effectLst/>
+                        </a:rPr>
+                        <a:t>0.45</a:t>
+                      </a:r>
+                      <a:endParaRPr lang="en-US" sz="3600" b="0" i="0" u="none" strike="noStrike">
+                        <a:solidFill>
+                          <a:srgbClr val="000000"/>
+                        </a:solidFill>
+                        <a:effectLst/>
+                        <a:latin typeface="Calibri" panose="020F0502020204030204" pitchFamily="34" charset="0"/>
+                      </a:endParaRPr>
+                    </a:p>
+                  </a:txBody>
+                  <a:tcPr marL="9525" marR="9525" marT="9525" marB="0" anchor="ctr"/>
+                </a:tc>
+                <a:extLst>
+                  <a:ext uri="{0D108BD9-81ED-4DB2-BD59-A6C34878D82A}">
+                    <a16:rowId xmlns:a16="http://schemas.microsoft.com/office/drawing/2014/main" val="224201735"/>
+                  </a:ext>
+                </a:extLst>
+              </a:tr>
+              <a:tr h="733667">
+                <a:tc>
+                  <a:txBody>
+                    <a:bodyPr/>
+                    <a:lstStyle/>
+                    <a:p>
+                      <a:pPr algn="ctr" rtl="0" fontAlgn="ctr"/>
+                      <a:r>
+                        <a:rPr lang="en-US" sz="3600" b="0" u="none" strike="noStrike" dirty="0">
+                          <a:effectLst/>
+                        </a:rPr>
+                        <a:t>73562326</a:t>
+                      </a:r>
+                      <a:endParaRPr lang="en-US" sz="3600" b="0" i="0" u="none" strike="noStrike" dirty="0">
+                        <a:solidFill>
+                          <a:srgbClr val="000000"/>
+                        </a:solidFill>
+                        <a:effectLst/>
+                        <a:latin typeface="Calibri" panose="020F0502020204030204" pitchFamily="34" charset="0"/>
+                      </a:endParaRPr>
+                    </a:p>
+                  </a:txBody>
+                  <a:tcPr marL="9525" marR="9525" marT="9525" marB="0" anchor="ctr"/>
+                </a:tc>
+                <a:tc>
+                  <a:txBody>
+                    <a:bodyPr/>
+                    <a:lstStyle/>
+                    <a:p>
+                      <a:pPr algn="ctr" rtl="0" fontAlgn="ctr"/>
+                      <a:r>
+                        <a:rPr lang="en-US" sz="3600" u="none" strike="noStrike">
+                          <a:effectLst/>
+                        </a:rPr>
+                        <a:t>0.65</a:t>
+                      </a:r>
+                      <a:endParaRPr lang="en-US" sz="3600" b="0" i="0" u="none" strike="noStrike">
+                        <a:solidFill>
+                          <a:srgbClr val="000000"/>
+                        </a:solidFill>
+                        <a:effectLst/>
+                        <a:latin typeface="Calibri" panose="020F0502020204030204" pitchFamily="34" charset="0"/>
+                      </a:endParaRPr>
+                    </a:p>
+                  </a:txBody>
+                  <a:tcPr marL="9525" marR="9525" marT="9525" marB="0" anchor="ctr"/>
+                </a:tc>
+                <a:tc>
+                  <a:txBody>
+                    <a:bodyPr/>
+                    <a:lstStyle/>
+                    <a:p>
+                      <a:pPr algn="ctr" rtl="0" fontAlgn="ctr"/>
+                      <a:r>
+                        <a:rPr lang="en-US" sz="3600" u="none" strike="noStrike">
+                          <a:effectLst/>
+                        </a:rPr>
+                        <a:t>0.06</a:t>
+                      </a:r>
+                      <a:endParaRPr lang="en-US" sz="3600" b="0" i="0" u="none" strike="noStrike">
+                        <a:solidFill>
+                          <a:srgbClr val="000000"/>
+                        </a:solidFill>
+                        <a:effectLst/>
+                        <a:latin typeface="Calibri" panose="020F0502020204030204" pitchFamily="34" charset="0"/>
+                      </a:endParaRPr>
+                    </a:p>
+                  </a:txBody>
+                  <a:tcPr marL="9525" marR="9525" marT="9525" marB="0" anchor="ctr"/>
+                </a:tc>
+                <a:tc>
+                  <a:txBody>
+                    <a:bodyPr/>
+                    <a:lstStyle/>
+                    <a:p>
+                      <a:pPr algn="ctr" rtl="0" fontAlgn="ctr"/>
+                      <a:r>
+                        <a:rPr lang="en-US" sz="3600" u="none" strike="noStrike">
+                          <a:effectLst/>
+                        </a:rPr>
+                        <a:t>0.98</a:t>
+                      </a:r>
+                      <a:endParaRPr lang="en-US" sz="3600" b="0" i="0" u="none" strike="noStrike">
+                        <a:solidFill>
+                          <a:srgbClr val="000000"/>
+                        </a:solidFill>
+                        <a:effectLst/>
+                        <a:latin typeface="Calibri" panose="020F0502020204030204" pitchFamily="34" charset="0"/>
+                      </a:endParaRPr>
+                    </a:p>
+                  </a:txBody>
+                  <a:tcPr marL="9525" marR="9525" marT="9525" marB="0" anchor="ctr"/>
+                </a:tc>
+                <a:tc>
+                  <a:txBody>
+                    <a:bodyPr/>
+                    <a:lstStyle/>
+                    <a:p>
+                      <a:pPr algn="ctr" rtl="0" fontAlgn="ctr"/>
+                      <a:r>
+                        <a:rPr lang="en-US" sz="3600" u="none" strike="noStrike">
+                          <a:effectLst/>
+                        </a:rPr>
+                        <a:t>87278757</a:t>
+                      </a:r>
+                      <a:endParaRPr lang="en-US" sz="3600" b="0" i="0" u="none" strike="noStrike">
+                        <a:solidFill>
+                          <a:srgbClr val="000000"/>
+                        </a:solidFill>
+                        <a:effectLst/>
+                        <a:latin typeface="Calibri" panose="020F0502020204030204" pitchFamily="34" charset="0"/>
+                      </a:endParaRPr>
+                    </a:p>
+                  </a:txBody>
+                  <a:tcPr marL="9525" marR="9525" marT="9525" marB="0" anchor="ctr"/>
+                </a:tc>
+                <a:tc>
+                  <a:txBody>
+                    <a:bodyPr/>
+                    <a:lstStyle/>
+                    <a:p>
+                      <a:pPr algn="ctr" rtl="0" fontAlgn="ctr"/>
+                      <a:r>
+                        <a:rPr lang="en-US" sz="3600" u="none" strike="noStrike">
+                          <a:effectLst/>
+                        </a:rPr>
+                        <a:t>0.63</a:t>
+                      </a:r>
+                      <a:endParaRPr lang="en-US" sz="3600" b="0" i="0" u="none" strike="noStrike">
+                        <a:solidFill>
+                          <a:srgbClr val="000000"/>
+                        </a:solidFill>
+                        <a:effectLst/>
+                        <a:latin typeface="Calibri" panose="020F0502020204030204" pitchFamily="34" charset="0"/>
+                      </a:endParaRPr>
+                    </a:p>
+                  </a:txBody>
+                  <a:tcPr marL="9525" marR="9525" marT="9525" marB="0" anchor="ctr"/>
+                </a:tc>
+                <a:tc>
+                  <a:txBody>
+                    <a:bodyPr/>
+                    <a:lstStyle/>
+                    <a:p>
+                      <a:pPr algn="ctr" rtl="0" fontAlgn="ctr"/>
+                      <a:r>
+                        <a:rPr lang="en-US" sz="3600" u="none" strike="noStrike">
+                          <a:effectLst/>
+                        </a:rPr>
+                        <a:t>0.42</a:t>
+                      </a:r>
+                      <a:endParaRPr lang="en-US" sz="3600" b="0" i="0" u="none" strike="noStrike">
+                        <a:solidFill>
+                          <a:srgbClr val="000000"/>
+                        </a:solidFill>
+                        <a:effectLst/>
+                        <a:latin typeface="Calibri" panose="020F0502020204030204" pitchFamily="34" charset="0"/>
+                      </a:endParaRPr>
+                    </a:p>
+                  </a:txBody>
+                  <a:tcPr marL="9525" marR="9525" marT="9525" marB="0" anchor="ctr"/>
+                </a:tc>
+                <a:tc>
+                  <a:txBody>
+                    <a:bodyPr/>
+                    <a:lstStyle/>
+                    <a:p>
+                      <a:pPr algn="ctr" rtl="0" fontAlgn="ctr"/>
+                      <a:r>
+                        <a:rPr lang="en-US" sz="3600" u="none" strike="noStrike">
+                          <a:effectLst/>
+                        </a:rPr>
+                        <a:t>0.8</a:t>
+                      </a:r>
+                      <a:endParaRPr lang="en-US" sz="3600" b="0" i="0" u="none" strike="noStrike">
+                        <a:solidFill>
+                          <a:srgbClr val="000000"/>
+                        </a:solidFill>
+                        <a:effectLst/>
+                        <a:latin typeface="Calibri" panose="020F0502020204030204" pitchFamily="34" charset="0"/>
+                      </a:endParaRPr>
+                    </a:p>
+                  </a:txBody>
+                  <a:tcPr marL="9525" marR="9525" marT="9525" marB="0" anchor="ctr"/>
+                </a:tc>
+                <a:extLst>
+                  <a:ext uri="{0D108BD9-81ED-4DB2-BD59-A6C34878D82A}">
+                    <a16:rowId xmlns:a16="http://schemas.microsoft.com/office/drawing/2014/main" val="3801473240"/>
+                  </a:ext>
+                </a:extLst>
+              </a:tr>
+              <a:tr h="733667">
+                <a:tc>
+                  <a:txBody>
+                    <a:bodyPr/>
+                    <a:lstStyle/>
+                    <a:p>
+                      <a:pPr algn="ctr" rtl="0" fontAlgn="ctr"/>
+                      <a:r>
+                        <a:rPr lang="en-US" sz="3600" b="0" u="none" strike="noStrike" dirty="0">
+                          <a:effectLst/>
+                        </a:rPr>
+                        <a:t>106863163</a:t>
+                      </a:r>
+                      <a:endParaRPr lang="en-US" sz="3600" b="0" i="0" u="none" strike="noStrike" dirty="0">
+                        <a:solidFill>
+                          <a:srgbClr val="000000"/>
+                        </a:solidFill>
+                        <a:effectLst/>
+                        <a:latin typeface="Calibri" panose="020F0502020204030204" pitchFamily="34" charset="0"/>
+                      </a:endParaRPr>
+                    </a:p>
+                  </a:txBody>
+                  <a:tcPr marL="9525" marR="9525" marT="9525" marB="0" anchor="ctr"/>
+                </a:tc>
+                <a:tc>
+                  <a:txBody>
+                    <a:bodyPr/>
+                    <a:lstStyle/>
+                    <a:p>
+                      <a:pPr algn="ctr" rtl="0" fontAlgn="ctr"/>
+                      <a:r>
+                        <a:rPr lang="en-US" sz="3600" u="none" strike="noStrike">
+                          <a:effectLst/>
+                        </a:rPr>
+                        <a:t>0.66</a:t>
+                      </a:r>
+                      <a:endParaRPr lang="en-US" sz="3600" b="0" i="0" u="none" strike="noStrike">
+                        <a:solidFill>
+                          <a:srgbClr val="000000"/>
+                        </a:solidFill>
+                        <a:effectLst/>
+                        <a:latin typeface="Calibri" panose="020F0502020204030204" pitchFamily="34" charset="0"/>
+                      </a:endParaRPr>
+                    </a:p>
+                  </a:txBody>
+                  <a:tcPr marL="9525" marR="9525" marT="9525" marB="0" anchor="ctr"/>
+                </a:tc>
+                <a:tc>
+                  <a:txBody>
+                    <a:bodyPr/>
+                    <a:lstStyle/>
+                    <a:p>
+                      <a:pPr algn="ctr" rtl="0" fontAlgn="ctr"/>
+                      <a:r>
+                        <a:rPr lang="en-US" sz="3600" u="none" strike="noStrike">
+                          <a:effectLst/>
+                        </a:rPr>
+                        <a:t>0.03</a:t>
+                      </a:r>
+                      <a:endParaRPr lang="en-US" sz="3600" b="0" i="0" u="none" strike="noStrike">
+                        <a:solidFill>
+                          <a:srgbClr val="000000"/>
+                        </a:solidFill>
+                        <a:effectLst/>
+                        <a:latin typeface="Calibri" panose="020F0502020204030204" pitchFamily="34" charset="0"/>
+                      </a:endParaRPr>
+                    </a:p>
+                  </a:txBody>
+                  <a:tcPr marL="9525" marR="9525" marT="9525" marB="0" anchor="ctr"/>
+                </a:tc>
+                <a:tc>
+                  <a:txBody>
+                    <a:bodyPr/>
+                    <a:lstStyle/>
+                    <a:p>
+                      <a:pPr algn="ctr" rtl="0" fontAlgn="ctr"/>
+                      <a:r>
+                        <a:rPr lang="en-US" sz="3600" u="none" strike="noStrike">
+                          <a:effectLst/>
+                        </a:rPr>
+                        <a:t>0.99</a:t>
+                      </a:r>
+                      <a:endParaRPr lang="en-US" sz="3600" b="0" i="0" u="none" strike="noStrike">
+                        <a:solidFill>
+                          <a:srgbClr val="000000"/>
+                        </a:solidFill>
+                        <a:effectLst/>
+                        <a:latin typeface="Calibri" panose="020F0502020204030204" pitchFamily="34" charset="0"/>
+                      </a:endParaRPr>
+                    </a:p>
+                  </a:txBody>
+                  <a:tcPr marL="9525" marR="9525" marT="9525" marB="0" anchor="ctr"/>
+                </a:tc>
+                <a:tc>
+                  <a:txBody>
+                    <a:bodyPr/>
+                    <a:lstStyle/>
+                    <a:p>
+                      <a:pPr algn="ctr" rtl="0" fontAlgn="ctr"/>
+                      <a:r>
+                        <a:rPr lang="en-US" sz="3600" u="none" strike="noStrike">
+                          <a:effectLst/>
+                        </a:rPr>
+                        <a:t>125581247</a:t>
+                      </a:r>
+                      <a:endParaRPr lang="en-US" sz="3600" b="0" i="0" u="none" strike="noStrike">
+                        <a:solidFill>
+                          <a:srgbClr val="000000"/>
+                        </a:solidFill>
+                        <a:effectLst/>
+                        <a:latin typeface="Calibri" panose="020F0502020204030204" pitchFamily="34" charset="0"/>
+                      </a:endParaRPr>
+                    </a:p>
+                  </a:txBody>
+                  <a:tcPr marL="9525" marR="9525" marT="9525" marB="0" anchor="ctr"/>
+                </a:tc>
+                <a:tc>
+                  <a:txBody>
+                    <a:bodyPr/>
+                    <a:lstStyle/>
+                    <a:p>
+                      <a:pPr algn="ctr" rtl="0" fontAlgn="ctr"/>
+                      <a:r>
+                        <a:rPr lang="en-US" sz="3600" u="none" strike="noStrike">
+                          <a:effectLst/>
+                        </a:rPr>
+                        <a:t>0.63</a:t>
+                      </a:r>
+                      <a:endParaRPr lang="en-US" sz="3600" b="0" i="0" u="none" strike="noStrike">
+                        <a:solidFill>
+                          <a:srgbClr val="000000"/>
+                        </a:solidFill>
+                        <a:effectLst/>
+                        <a:latin typeface="Calibri" panose="020F0502020204030204" pitchFamily="34" charset="0"/>
+                      </a:endParaRPr>
+                    </a:p>
+                  </a:txBody>
+                  <a:tcPr marL="9525" marR="9525" marT="9525" marB="0" anchor="ctr"/>
+                </a:tc>
+                <a:tc>
+                  <a:txBody>
+                    <a:bodyPr/>
+                    <a:lstStyle/>
+                    <a:p>
+                      <a:pPr algn="ctr" rtl="0" fontAlgn="ctr"/>
+                      <a:r>
+                        <a:rPr lang="en-US" sz="3600" u="none" strike="noStrike">
+                          <a:effectLst/>
+                        </a:rPr>
+                        <a:t>0.08</a:t>
+                      </a:r>
+                      <a:endParaRPr lang="en-US" sz="3600" b="0" i="0" u="none" strike="noStrike">
+                        <a:solidFill>
+                          <a:srgbClr val="000000"/>
+                        </a:solidFill>
+                        <a:effectLst/>
+                        <a:latin typeface="Calibri" panose="020F0502020204030204" pitchFamily="34" charset="0"/>
+                      </a:endParaRPr>
+                    </a:p>
+                  </a:txBody>
+                  <a:tcPr marL="9525" marR="9525" marT="9525" marB="0" anchor="ctr"/>
+                </a:tc>
+                <a:tc>
+                  <a:txBody>
+                    <a:bodyPr/>
+                    <a:lstStyle/>
+                    <a:p>
+                      <a:pPr algn="ctr" rtl="0" fontAlgn="ctr"/>
+                      <a:r>
+                        <a:rPr lang="en-US" sz="3600" u="none" strike="noStrike">
+                          <a:effectLst/>
+                        </a:rPr>
+                        <a:t>0.99</a:t>
+                      </a:r>
+                      <a:endParaRPr lang="en-US" sz="3600" b="0" i="0" u="none" strike="noStrike">
+                        <a:solidFill>
+                          <a:srgbClr val="000000"/>
+                        </a:solidFill>
+                        <a:effectLst/>
+                        <a:latin typeface="Calibri" panose="020F0502020204030204" pitchFamily="34" charset="0"/>
+                      </a:endParaRPr>
+                    </a:p>
+                  </a:txBody>
+                  <a:tcPr marL="9525" marR="9525" marT="9525" marB="0" anchor="ctr"/>
+                </a:tc>
+                <a:extLst>
+                  <a:ext uri="{0D108BD9-81ED-4DB2-BD59-A6C34878D82A}">
+                    <a16:rowId xmlns:a16="http://schemas.microsoft.com/office/drawing/2014/main" val="4046793629"/>
+                  </a:ext>
+                </a:extLst>
+              </a:tr>
+              <a:tr h="733667">
+                <a:tc>
+                  <a:txBody>
+                    <a:bodyPr/>
+                    <a:lstStyle/>
+                    <a:p>
+                      <a:pPr algn="ctr" rtl="0" fontAlgn="ctr"/>
+                      <a:r>
+                        <a:rPr lang="en-US" sz="3600" b="0" u="none" strike="noStrike" dirty="0">
+                          <a:effectLst/>
+                        </a:rPr>
+                        <a:t>94296097</a:t>
+                      </a:r>
+                      <a:endParaRPr lang="en-US" sz="3600" b="0" i="0" u="none" strike="noStrike" dirty="0">
+                        <a:solidFill>
+                          <a:srgbClr val="000000"/>
+                        </a:solidFill>
+                        <a:effectLst/>
+                        <a:latin typeface="Calibri" panose="020F0502020204030204" pitchFamily="34" charset="0"/>
+                      </a:endParaRPr>
+                    </a:p>
+                  </a:txBody>
+                  <a:tcPr marL="9525" marR="9525" marT="9525" marB="0" anchor="ctr"/>
+                </a:tc>
+                <a:tc>
+                  <a:txBody>
+                    <a:bodyPr/>
+                    <a:lstStyle/>
+                    <a:p>
+                      <a:pPr algn="ctr" rtl="0" fontAlgn="ctr"/>
+                      <a:r>
+                        <a:rPr lang="en-US" sz="3600" u="none" strike="noStrike">
+                          <a:effectLst/>
+                        </a:rPr>
+                        <a:t>0.61</a:t>
+                      </a:r>
+                      <a:endParaRPr lang="en-US" sz="3600" b="0" i="0" u="none" strike="noStrike">
+                        <a:solidFill>
+                          <a:srgbClr val="000000"/>
+                        </a:solidFill>
+                        <a:effectLst/>
+                        <a:latin typeface="Calibri" panose="020F0502020204030204" pitchFamily="34" charset="0"/>
+                      </a:endParaRPr>
+                    </a:p>
+                  </a:txBody>
+                  <a:tcPr marL="9525" marR="9525" marT="9525" marB="0" anchor="ctr"/>
+                </a:tc>
+                <a:tc>
+                  <a:txBody>
+                    <a:bodyPr/>
+                    <a:lstStyle/>
+                    <a:p>
+                      <a:pPr algn="ctr" rtl="0" fontAlgn="ctr"/>
+                      <a:r>
+                        <a:rPr lang="en-US" sz="3600" u="none" strike="noStrike">
+                          <a:effectLst/>
+                        </a:rPr>
+                        <a:t>0.001</a:t>
+                      </a:r>
+                      <a:endParaRPr lang="en-US" sz="3600" b="0" i="0" u="none" strike="noStrike">
+                        <a:solidFill>
+                          <a:srgbClr val="000000"/>
+                        </a:solidFill>
+                        <a:effectLst/>
+                        <a:latin typeface="Calibri" panose="020F0502020204030204" pitchFamily="34" charset="0"/>
+                      </a:endParaRPr>
+                    </a:p>
+                  </a:txBody>
+                  <a:tcPr marL="9525" marR="9525" marT="9525" marB="0" anchor="ctr"/>
+                </a:tc>
+                <a:tc>
+                  <a:txBody>
+                    <a:bodyPr/>
+                    <a:lstStyle/>
+                    <a:p>
+                      <a:pPr algn="ctr" rtl="0" fontAlgn="ctr"/>
+                      <a:r>
+                        <a:rPr lang="en-US" sz="3600" u="none" strike="noStrike">
+                          <a:effectLst/>
+                        </a:rPr>
+                        <a:t>0.99</a:t>
+                      </a:r>
+                      <a:endParaRPr lang="en-US" sz="3600" b="0" i="0" u="none" strike="noStrike">
+                        <a:solidFill>
+                          <a:srgbClr val="000000"/>
+                        </a:solidFill>
+                        <a:effectLst/>
+                        <a:latin typeface="Calibri" panose="020F0502020204030204" pitchFamily="34" charset="0"/>
+                      </a:endParaRPr>
+                    </a:p>
+                  </a:txBody>
+                  <a:tcPr marL="9525" marR="9525" marT="9525" marB="0" anchor="ctr"/>
+                </a:tc>
+                <a:tc>
+                  <a:txBody>
+                    <a:bodyPr/>
+                    <a:lstStyle/>
+                    <a:p>
+                      <a:pPr algn="ctr" rtl="0" fontAlgn="ctr"/>
+                      <a:r>
+                        <a:rPr lang="en-US" sz="3600" u="none" strike="noStrike">
+                          <a:effectLst/>
+                        </a:rPr>
+                        <a:t>94738847</a:t>
+                      </a:r>
+                      <a:endParaRPr lang="en-US" sz="3600" b="0" i="0" u="none" strike="noStrike">
+                        <a:solidFill>
+                          <a:srgbClr val="000000"/>
+                        </a:solidFill>
+                        <a:effectLst/>
+                        <a:latin typeface="Calibri" panose="020F0502020204030204" pitchFamily="34" charset="0"/>
+                      </a:endParaRPr>
+                    </a:p>
+                  </a:txBody>
+                  <a:tcPr marL="9525" marR="9525" marT="9525" marB="0" anchor="ctr"/>
+                </a:tc>
+                <a:tc>
+                  <a:txBody>
+                    <a:bodyPr/>
+                    <a:lstStyle/>
+                    <a:p>
+                      <a:pPr algn="ctr" rtl="0" fontAlgn="ctr"/>
+                      <a:r>
+                        <a:rPr lang="en-US" sz="3600" u="none" strike="noStrike">
+                          <a:effectLst/>
+                        </a:rPr>
+                        <a:t>0.65</a:t>
+                      </a:r>
+                      <a:endParaRPr lang="en-US" sz="3600" b="0" i="0" u="none" strike="noStrike">
+                        <a:solidFill>
+                          <a:srgbClr val="000000"/>
+                        </a:solidFill>
+                        <a:effectLst/>
+                        <a:latin typeface="Calibri" panose="020F0502020204030204" pitchFamily="34" charset="0"/>
+                      </a:endParaRPr>
+                    </a:p>
+                  </a:txBody>
+                  <a:tcPr marL="9525" marR="9525" marT="9525" marB="0" anchor="ctr"/>
+                </a:tc>
+                <a:tc>
+                  <a:txBody>
+                    <a:bodyPr/>
+                    <a:lstStyle/>
+                    <a:p>
+                      <a:pPr algn="ctr" rtl="0" fontAlgn="ctr"/>
+                      <a:r>
+                        <a:rPr lang="en-US" sz="3600" u="none" strike="noStrike">
+                          <a:effectLst/>
+                        </a:rPr>
+                        <a:t>0.41</a:t>
+                      </a:r>
+                      <a:endParaRPr lang="en-US" sz="3600" b="0" i="0" u="none" strike="noStrike">
+                        <a:solidFill>
+                          <a:srgbClr val="000000"/>
+                        </a:solidFill>
+                        <a:effectLst/>
+                        <a:latin typeface="Calibri" panose="020F0502020204030204" pitchFamily="34" charset="0"/>
+                      </a:endParaRPr>
+                    </a:p>
+                  </a:txBody>
+                  <a:tcPr marL="9525" marR="9525" marT="9525" marB="0" anchor="ctr"/>
+                </a:tc>
+                <a:tc>
+                  <a:txBody>
+                    <a:bodyPr/>
+                    <a:lstStyle/>
+                    <a:p>
+                      <a:pPr algn="ctr" rtl="0" fontAlgn="ctr"/>
+                      <a:r>
+                        <a:rPr lang="en-US" sz="3600" u="none" strike="noStrike">
+                          <a:effectLst/>
+                        </a:rPr>
+                        <a:t>0.78</a:t>
+                      </a:r>
+                      <a:endParaRPr lang="en-US" sz="3600" b="0" i="0" u="none" strike="noStrike">
+                        <a:solidFill>
+                          <a:srgbClr val="000000"/>
+                        </a:solidFill>
+                        <a:effectLst/>
+                        <a:latin typeface="Calibri" panose="020F0502020204030204" pitchFamily="34" charset="0"/>
+                      </a:endParaRPr>
+                    </a:p>
+                  </a:txBody>
+                  <a:tcPr marL="9525" marR="9525" marT="9525" marB="0" anchor="ctr"/>
+                </a:tc>
+                <a:extLst>
+                  <a:ext uri="{0D108BD9-81ED-4DB2-BD59-A6C34878D82A}">
+                    <a16:rowId xmlns:a16="http://schemas.microsoft.com/office/drawing/2014/main" val="2674317285"/>
+                  </a:ext>
+                </a:extLst>
+              </a:tr>
+              <a:tr h="767015">
+                <a:tc>
+                  <a:txBody>
+                    <a:bodyPr/>
+                    <a:lstStyle/>
+                    <a:p>
+                      <a:pPr algn="ctr" rtl="0" fontAlgn="ctr"/>
+                      <a:r>
+                        <a:rPr lang="en-US" sz="3600" b="0" u="none" strike="noStrike" dirty="0">
+                          <a:effectLst/>
+                        </a:rPr>
+                        <a:t>101695162</a:t>
+                      </a:r>
+                      <a:endParaRPr lang="en-US" sz="3600" b="0" i="0" u="none" strike="noStrike" dirty="0">
+                        <a:solidFill>
+                          <a:srgbClr val="000000"/>
+                        </a:solidFill>
+                        <a:effectLst/>
+                        <a:latin typeface="Calibri" panose="020F0502020204030204" pitchFamily="34" charset="0"/>
+                      </a:endParaRPr>
+                    </a:p>
+                  </a:txBody>
+                  <a:tcPr marL="9525" marR="9525" marT="9525" marB="0" anchor="ctr"/>
+                </a:tc>
+                <a:tc>
+                  <a:txBody>
+                    <a:bodyPr/>
+                    <a:lstStyle/>
+                    <a:p>
+                      <a:pPr algn="ctr" rtl="0" fontAlgn="ctr"/>
+                      <a:r>
+                        <a:rPr lang="en-US" sz="3600" u="none" strike="noStrike">
+                          <a:effectLst/>
+                        </a:rPr>
+                        <a:t>0.57</a:t>
+                      </a:r>
+                      <a:endParaRPr lang="en-US" sz="3600" b="0" i="0" u="none" strike="noStrike">
+                        <a:solidFill>
+                          <a:srgbClr val="000000"/>
+                        </a:solidFill>
+                        <a:effectLst/>
+                        <a:latin typeface="Calibri" panose="020F0502020204030204" pitchFamily="34" charset="0"/>
+                      </a:endParaRPr>
+                    </a:p>
+                  </a:txBody>
+                  <a:tcPr marL="9525" marR="9525" marT="9525" marB="0" anchor="ctr"/>
+                </a:tc>
+                <a:tc>
+                  <a:txBody>
+                    <a:bodyPr/>
+                    <a:lstStyle/>
+                    <a:p>
+                      <a:pPr algn="ctr" rtl="0" fontAlgn="ctr"/>
+                      <a:r>
+                        <a:rPr lang="en-US" sz="3600" u="none" strike="noStrike">
+                          <a:effectLst/>
+                        </a:rPr>
+                        <a:t>0.07</a:t>
+                      </a:r>
+                      <a:endParaRPr lang="en-US" sz="3600" b="0" i="0" u="none" strike="noStrike">
+                        <a:solidFill>
+                          <a:srgbClr val="000000"/>
+                        </a:solidFill>
+                        <a:effectLst/>
+                        <a:latin typeface="Calibri" panose="020F0502020204030204" pitchFamily="34" charset="0"/>
+                      </a:endParaRPr>
+                    </a:p>
+                  </a:txBody>
+                  <a:tcPr marL="9525" marR="9525" marT="9525" marB="0" anchor="ctr"/>
+                </a:tc>
+                <a:tc>
+                  <a:txBody>
+                    <a:bodyPr/>
+                    <a:lstStyle/>
+                    <a:p>
+                      <a:pPr algn="ctr" rtl="0" fontAlgn="ctr"/>
+                      <a:r>
+                        <a:rPr lang="en-US" sz="3600" u="none" strike="noStrike">
+                          <a:effectLst/>
+                        </a:rPr>
+                        <a:t>0.98</a:t>
+                      </a:r>
+                      <a:endParaRPr lang="en-US" sz="3600" b="0" i="0" u="none" strike="noStrike">
+                        <a:solidFill>
+                          <a:srgbClr val="000000"/>
+                        </a:solidFill>
+                        <a:effectLst/>
+                        <a:latin typeface="Calibri" panose="020F0502020204030204" pitchFamily="34" charset="0"/>
+                      </a:endParaRPr>
+                    </a:p>
+                  </a:txBody>
+                  <a:tcPr marL="9525" marR="9525" marT="9525" marB="0" anchor="ctr"/>
+                </a:tc>
+                <a:tc>
+                  <a:txBody>
+                    <a:bodyPr/>
+                    <a:lstStyle/>
+                    <a:p>
+                      <a:pPr algn="ctr" rtl="0" fontAlgn="ctr"/>
+                      <a:r>
+                        <a:rPr lang="en-US" sz="3600" u="none" strike="noStrike">
+                          <a:effectLst/>
+                        </a:rPr>
+                        <a:t>86745912</a:t>
+                      </a:r>
+                      <a:endParaRPr lang="en-US" sz="3600" b="0" i="0" u="none" strike="noStrike">
+                        <a:solidFill>
+                          <a:srgbClr val="000000"/>
+                        </a:solidFill>
+                        <a:effectLst/>
+                        <a:latin typeface="Calibri" panose="020F0502020204030204" pitchFamily="34" charset="0"/>
+                      </a:endParaRPr>
+                    </a:p>
+                  </a:txBody>
+                  <a:tcPr marL="9525" marR="9525" marT="9525" marB="0" anchor="ctr"/>
+                </a:tc>
+                <a:tc>
+                  <a:txBody>
+                    <a:bodyPr/>
+                    <a:lstStyle/>
+                    <a:p>
+                      <a:pPr algn="ctr" rtl="0" fontAlgn="ctr"/>
+                      <a:r>
+                        <a:rPr lang="en-US" sz="3600" u="none" strike="noStrike">
+                          <a:effectLst/>
+                        </a:rPr>
+                        <a:t>0.62</a:t>
+                      </a:r>
+                      <a:endParaRPr lang="en-US" sz="3600" b="0" i="0" u="none" strike="noStrike">
+                        <a:solidFill>
+                          <a:srgbClr val="000000"/>
+                        </a:solidFill>
+                        <a:effectLst/>
+                        <a:latin typeface="Calibri" panose="020F0502020204030204" pitchFamily="34" charset="0"/>
+                      </a:endParaRPr>
+                    </a:p>
+                  </a:txBody>
+                  <a:tcPr marL="9525" marR="9525" marT="9525" marB="0" anchor="ctr"/>
+                </a:tc>
+                <a:tc>
+                  <a:txBody>
+                    <a:bodyPr/>
+                    <a:lstStyle/>
+                    <a:p>
+                      <a:pPr algn="ctr" rtl="0" fontAlgn="ctr"/>
+                      <a:r>
+                        <a:rPr lang="en-US" sz="3600" u="none" strike="noStrike">
+                          <a:effectLst/>
+                        </a:rPr>
+                        <a:t>0.03</a:t>
+                      </a:r>
+                      <a:endParaRPr lang="en-US" sz="3600" b="0" i="0" u="none" strike="noStrike">
+                        <a:solidFill>
+                          <a:srgbClr val="000000"/>
+                        </a:solidFill>
+                        <a:effectLst/>
+                        <a:latin typeface="Calibri" panose="020F0502020204030204" pitchFamily="34" charset="0"/>
+                      </a:endParaRPr>
+                    </a:p>
+                  </a:txBody>
+                  <a:tcPr marL="9525" marR="9525" marT="9525" marB="0" anchor="ctr"/>
+                </a:tc>
+                <a:tc>
+                  <a:txBody>
+                    <a:bodyPr/>
+                    <a:lstStyle/>
+                    <a:p>
+                      <a:pPr algn="ctr" rtl="0" fontAlgn="ctr"/>
+                      <a:r>
+                        <a:rPr lang="en-US" sz="3600" u="none" strike="noStrike">
+                          <a:effectLst/>
+                        </a:rPr>
+                        <a:t>0..98</a:t>
+                      </a:r>
+                      <a:endParaRPr lang="en-US" sz="3600" b="0" i="0" u="none" strike="noStrike">
+                        <a:solidFill>
+                          <a:srgbClr val="000000"/>
+                        </a:solidFill>
+                        <a:effectLst/>
+                        <a:latin typeface="Calibri" panose="020F0502020204030204" pitchFamily="34" charset="0"/>
+                      </a:endParaRPr>
+                    </a:p>
+                  </a:txBody>
+                  <a:tcPr marL="9525" marR="9525" marT="9525" marB="0" anchor="ctr"/>
+                </a:tc>
+                <a:extLst>
+                  <a:ext uri="{0D108BD9-81ED-4DB2-BD59-A6C34878D82A}">
+                    <a16:rowId xmlns:a16="http://schemas.microsoft.com/office/drawing/2014/main" val="1841707628"/>
+                  </a:ext>
+                </a:extLst>
+              </a:tr>
+              <a:tr h="733667">
+                <a:tc>
+                  <a:txBody>
+                    <a:bodyPr/>
+                    <a:lstStyle/>
+                    <a:p>
+                      <a:pPr algn="ctr" rtl="0" fontAlgn="ctr"/>
+                      <a:r>
+                        <a:rPr lang="en-US" sz="3600" b="0" u="none" strike="noStrike" dirty="0">
+                          <a:effectLst/>
+                        </a:rPr>
+                        <a:t>94155156</a:t>
+                      </a:r>
+                      <a:endParaRPr lang="en-US" sz="3600" b="0" i="0" u="none" strike="noStrike" dirty="0">
+                        <a:solidFill>
+                          <a:srgbClr val="000000"/>
+                        </a:solidFill>
+                        <a:effectLst/>
+                        <a:latin typeface="Calibri" panose="020F0502020204030204" pitchFamily="34" charset="0"/>
+                      </a:endParaRPr>
+                    </a:p>
+                  </a:txBody>
+                  <a:tcPr marL="9525" marR="9525" marT="9525" marB="0" anchor="ctr"/>
+                </a:tc>
+                <a:tc>
+                  <a:txBody>
+                    <a:bodyPr/>
+                    <a:lstStyle/>
+                    <a:p>
+                      <a:pPr algn="ctr" rtl="0" fontAlgn="ctr"/>
+                      <a:r>
+                        <a:rPr lang="en-US" sz="3600" u="none" strike="noStrike">
+                          <a:effectLst/>
+                        </a:rPr>
+                        <a:t>0.64</a:t>
+                      </a:r>
+                      <a:endParaRPr lang="en-US" sz="3600" b="0" i="0" u="none" strike="noStrike">
+                        <a:solidFill>
+                          <a:srgbClr val="000000"/>
+                        </a:solidFill>
+                        <a:effectLst/>
+                        <a:latin typeface="Calibri" panose="020F0502020204030204" pitchFamily="34" charset="0"/>
+                      </a:endParaRPr>
+                    </a:p>
+                  </a:txBody>
+                  <a:tcPr marL="9525" marR="9525" marT="9525" marB="0" anchor="ctr"/>
+                </a:tc>
+                <a:tc>
+                  <a:txBody>
+                    <a:bodyPr/>
+                    <a:lstStyle/>
+                    <a:p>
+                      <a:pPr algn="ctr" rtl="0" fontAlgn="ctr"/>
+                      <a:r>
+                        <a:rPr lang="en-US" sz="3600" u="none" strike="noStrike">
+                          <a:effectLst/>
+                        </a:rPr>
+                        <a:t>0.06</a:t>
+                      </a:r>
+                      <a:endParaRPr lang="en-US" sz="3600" b="0" i="0" u="none" strike="noStrike">
+                        <a:solidFill>
+                          <a:srgbClr val="000000"/>
+                        </a:solidFill>
+                        <a:effectLst/>
+                        <a:latin typeface="Calibri" panose="020F0502020204030204" pitchFamily="34" charset="0"/>
+                      </a:endParaRPr>
+                    </a:p>
+                  </a:txBody>
+                  <a:tcPr marL="9525" marR="9525" marT="9525" marB="0" anchor="ctr"/>
+                </a:tc>
+                <a:tc>
+                  <a:txBody>
+                    <a:bodyPr/>
+                    <a:lstStyle/>
+                    <a:p>
+                      <a:pPr algn="ctr" rtl="0" fontAlgn="ctr"/>
+                      <a:r>
+                        <a:rPr lang="en-US" sz="3600" u="none" strike="noStrike">
+                          <a:effectLst/>
+                        </a:rPr>
+                        <a:t>0.99</a:t>
+                      </a:r>
+                      <a:endParaRPr lang="en-US" sz="3600" b="0" i="0" u="none" strike="noStrike">
+                        <a:solidFill>
+                          <a:srgbClr val="000000"/>
+                        </a:solidFill>
+                        <a:effectLst/>
+                        <a:latin typeface="Calibri" panose="020F0502020204030204" pitchFamily="34" charset="0"/>
+                      </a:endParaRPr>
+                    </a:p>
+                  </a:txBody>
+                  <a:tcPr marL="9525" marR="9525" marT="9525" marB="0" anchor="ctr"/>
+                </a:tc>
+                <a:tc>
+                  <a:txBody>
+                    <a:bodyPr/>
+                    <a:lstStyle/>
+                    <a:p>
+                      <a:pPr algn="ctr" rtl="0" fontAlgn="ctr"/>
+                      <a:r>
+                        <a:rPr lang="en-US" sz="3600" u="none" strike="noStrike">
+                          <a:effectLst/>
+                        </a:rPr>
+                        <a:t>111620041</a:t>
+                      </a:r>
+                      <a:endParaRPr lang="en-US" sz="3600" b="0" i="0" u="none" strike="noStrike">
+                        <a:solidFill>
+                          <a:srgbClr val="000000"/>
+                        </a:solidFill>
+                        <a:effectLst/>
+                        <a:latin typeface="Calibri" panose="020F0502020204030204" pitchFamily="34" charset="0"/>
+                      </a:endParaRPr>
+                    </a:p>
+                  </a:txBody>
+                  <a:tcPr marL="9525" marR="9525" marT="9525" marB="0" anchor="ctr"/>
+                </a:tc>
+                <a:tc>
+                  <a:txBody>
+                    <a:bodyPr/>
+                    <a:lstStyle/>
+                    <a:p>
+                      <a:pPr algn="ctr" rtl="0" fontAlgn="ctr"/>
+                      <a:r>
+                        <a:rPr lang="en-US" sz="3600" u="none" strike="noStrike">
+                          <a:effectLst/>
+                        </a:rPr>
+                        <a:t>0.61</a:t>
+                      </a:r>
+                      <a:endParaRPr lang="en-US" sz="3600" b="0" i="0" u="none" strike="noStrike">
+                        <a:solidFill>
+                          <a:srgbClr val="000000"/>
+                        </a:solidFill>
+                        <a:effectLst/>
+                        <a:latin typeface="Calibri" panose="020F0502020204030204" pitchFamily="34" charset="0"/>
+                      </a:endParaRPr>
+                    </a:p>
+                  </a:txBody>
+                  <a:tcPr marL="9525" marR="9525" marT="9525" marB="0" anchor="ctr"/>
+                </a:tc>
+                <a:tc>
+                  <a:txBody>
+                    <a:bodyPr/>
+                    <a:lstStyle/>
+                    <a:p>
+                      <a:pPr algn="ctr" rtl="0" fontAlgn="ctr"/>
+                      <a:r>
+                        <a:rPr lang="en-US" sz="3600" u="none" strike="noStrike">
+                          <a:effectLst/>
+                        </a:rPr>
+                        <a:t>0.13</a:t>
+                      </a:r>
+                      <a:endParaRPr lang="en-US" sz="3600" b="0" i="0" u="none" strike="noStrike">
+                        <a:solidFill>
+                          <a:srgbClr val="000000"/>
+                        </a:solidFill>
+                        <a:effectLst/>
+                        <a:latin typeface="Calibri" panose="020F0502020204030204" pitchFamily="34" charset="0"/>
+                      </a:endParaRPr>
+                    </a:p>
+                  </a:txBody>
+                  <a:tcPr marL="9525" marR="9525" marT="9525" marB="0" anchor="ctr"/>
+                </a:tc>
+                <a:tc>
+                  <a:txBody>
+                    <a:bodyPr/>
+                    <a:lstStyle/>
+                    <a:p>
+                      <a:pPr algn="ctr" rtl="0" fontAlgn="ctr"/>
+                      <a:r>
+                        <a:rPr lang="en-US" sz="3600" u="none" strike="noStrike">
+                          <a:effectLst/>
+                        </a:rPr>
+                        <a:t>0.96</a:t>
+                      </a:r>
+                      <a:endParaRPr lang="en-US" sz="3600" b="0" i="0" u="none" strike="noStrike">
+                        <a:solidFill>
+                          <a:srgbClr val="000000"/>
+                        </a:solidFill>
+                        <a:effectLst/>
+                        <a:latin typeface="Calibri" panose="020F0502020204030204" pitchFamily="34" charset="0"/>
+                      </a:endParaRPr>
+                    </a:p>
+                  </a:txBody>
+                  <a:tcPr marL="9525" marR="9525" marT="9525" marB="0" anchor="ctr"/>
+                </a:tc>
+                <a:extLst>
+                  <a:ext uri="{0D108BD9-81ED-4DB2-BD59-A6C34878D82A}">
+                    <a16:rowId xmlns:a16="http://schemas.microsoft.com/office/drawing/2014/main" val="3395101893"/>
+                  </a:ext>
+                </a:extLst>
+              </a:tr>
+              <a:tr h="733667">
+                <a:tc>
+                  <a:txBody>
+                    <a:bodyPr/>
+                    <a:lstStyle/>
+                    <a:p>
+                      <a:pPr algn="ctr" rtl="0" fontAlgn="ctr"/>
+                      <a:r>
+                        <a:rPr lang="en-US" sz="3600" b="0" u="none" strike="noStrike" dirty="0">
+                          <a:effectLst/>
+                        </a:rPr>
+                        <a:t>41231571</a:t>
+                      </a:r>
+                      <a:endParaRPr lang="en-US" sz="3600" b="0" i="0" u="none" strike="noStrike" dirty="0">
+                        <a:solidFill>
+                          <a:srgbClr val="000000"/>
+                        </a:solidFill>
+                        <a:effectLst/>
+                        <a:latin typeface="Calibri" panose="020F0502020204030204" pitchFamily="34" charset="0"/>
+                      </a:endParaRPr>
+                    </a:p>
+                  </a:txBody>
+                  <a:tcPr marL="9525" marR="9525" marT="9525" marB="0" anchor="ctr"/>
+                </a:tc>
+                <a:tc>
+                  <a:txBody>
+                    <a:bodyPr/>
+                    <a:lstStyle/>
+                    <a:p>
+                      <a:pPr algn="ctr" rtl="0" fontAlgn="ctr"/>
+                      <a:r>
+                        <a:rPr lang="en-US" sz="3600" u="none" strike="noStrike">
+                          <a:effectLst/>
+                        </a:rPr>
+                        <a:t>0.67</a:t>
+                      </a:r>
+                      <a:endParaRPr lang="en-US" sz="3600" b="0" i="0" u="none" strike="noStrike">
+                        <a:solidFill>
+                          <a:srgbClr val="000000"/>
+                        </a:solidFill>
+                        <a:effectLst/>
+                        <a:latin typeface="Calibri" panose="020F0502020204030204" pitchFamily="34" charset="0"/>
+                      </a:endParaRPr>
+                    </a:p>
+                  </a:txBody>
+                  <a:tcPr marL="9525" marR="9525" marT="9525" marB="0" anchor="ctr"/>
+                </a:tc>
+                <a:tc>
+                  <a:txBody>
+                    <a:bodyPr/>
+                    <a:lstStyle/>
+                    <a:p>
+                      <a:pPr algn="ctr" rtl="0" fontAlgn="ctr"/>
+                      <a:r>
+                        <a:rPr lang="en-US" sz="3600" u="none" strike="noStrike">
+                          <a:effectLst/>
+                        </a:rPr>
+                        <a:t>0.18</a:t>
+                      </a:r>
+                      <a:endParaRPr lang="en-US" sz="3600" b="0" i="0" u="none" strike="noStrike">
+                        <a:solidFill>
+                          <a:srgbClr val="000000"/>
+                        </a:solidFill>
+                        <a:effectLst/>
+                        <a:latin typeface="Calibri" panose="020F0502020204030204" pitchFamily="34" charset="0"/>
+                      </a:endParaRPr>
+                    </a:p>
+                  </a:txBody>
+                  <a:tcPr marL="9525" marR="9525" marT="9525" marB="0" anchor="ctr"/>
+                </a:tc>
+                <a:tc>
+                  <a:txBody>
+                    <a:bodyPr/>
+                    <a:lstStyle/>
+                    <a:p>
+                      <a:pPr algn="ctr" rtl="0" fontAlgn="ctr"/>
+                      <a:r>
+                        <a:rPr lang="en-US" sz="3600" u="none" strike="noStrike">
+                          <a:effectLst/>
+                        </a:rPr>
+                        <a:t>0.86</a:t>
+                      </a:r>
+                      <a:endParaRPr lang="en-US" sz="3600" b="0" i="0" u="none" strike="noStrike">
+                        <a:solidFill>
+                          <a:srgbClr val="000000"/>
+                        </a:solidFill>
+                        <a:effectLst/>
+                        <a:latin typeface="Calibri" panose="020F0502020204030204" pitchFamily="34" charset="0"/>
+                      </a:endParaRPr>
+                    </a:p>
+                  </a:txBody>
+                  <a:tcPr marL="9525" marR="9525" marT="9525" marB="0" anchor="ctr"/>
+                </a:tc>
+                <a:tc>
+                  <a:txBody>
+                    <a:bodyPr/>
+                    <a:lstStyle/>
+                    <a:p>
+                      <a:pPr algn="ctr" rtl="0" fontAlgn="ctr"/>
+                      <a:r>
+                        <a:rPr lang="en-US" sz="3600" u="none" strike="noStrike">
+                          <a:effectLst/>
+                        </a:rPr>
+                        <a:t>25907144</a:t>
+                      </a:r>
+                      <a:endParaRPr lang="en-US" sz="3600" b="0" i="0" u="none" strike="noStrike">
+                        <a:solidFill>
+                          <a:srgbClr val="000000"/>
+                        </a:solidFill>
+                        <a:effectLst/>
+                        <a:latin typeface="Calibri" panose="020F0502020204030204" pitchFamily="34" charset="0"/>
+                      </a:endParaRPr>
+                    </a:p>
+                  </a:txBody>
+                  <a:tcPr marL="9525" marR="9525" marT="9525" marB="0" anchor="ctr"/>
+                </a:tc>
+                <a:tc>
+                  <a:txBody>
+                    <a:bodyPr/>
+                    <a:lstStyle/>
+                    <a:p>
+                      <a:pPr algn="ctr" rtl="0" fontAlgn="ctr"/>
+                      <a:r>
+                        <a:rPr lang="en-US" sz="3600" u="none" strike="noStrike">
+                          <a:effectLst/>
+                        </a:rPr>
+                        <a:t>0.59</a:t>
+                      </a:r>
+                      <a:endParaRPr lang="en-US" sz="3600" b="0" i="0" u="none" strike="noStrike">
+                        <a:solidFill>
+                          <a:srgbClr val="000000"/>
+                        </a:solidFill>
+                        <a:effectLst/>
+                        <a:latin typeface="Calibri" panose="020F0502020204030204" pitchFamily="34" charset="0"/>
+                      </a:endParaRPr>
+                    </a:p>
+                  </a:txBody>
+                  <a:tcPr marL="9525" marR="9525" marT="9525" marB="0" anchor="ctr"/>
+                </a:tc>
+                <a:tc>
+                  <a:txBody>
+                    <a:bodyPr/>
+                    <a:lstStyle/>
+                    <a:p>
+                      <a:pPr algn="ctr" rtl="0" fontAlgn="ctr"/>
+                      <a:r>
+                        <a:rPr lang="en-US" sz="3600" u="none" strike="noStrike">
+                          <a:effectLst/>
+                        </a:rPr>
+                        <a:t>0.03</a:t>
+                      </a:r>
+                      <a:endParaRPr lang="en-US" sz="3600" b="0" i="0" u="none" strike="noStrike">
+                        <a:solidFill>
+                          <a:srgbClr val="000000"/>
+                        </a:solidFill>
+                        <a:effectLst/>
+                        <a:latin typeface="Calibri" panose="020F0502020204030204" pitchFamily="34" charset="0"/>
+                      </a:endParaRPr>
+                    </a:p>
+                  </a:txBody>
+                  <a:tcPr marL="9525" marR="9525" marT="9525" marB="0" anchor="ctr"/>
+                </a:tc>
+                <a:tc>
+                  <a:txBody>
+                    <a:bodyPr/>
+                    <a:lstStyle/>
+                    <a:p>
+                      <a:pPr algn="ctr" rtl="0" fontAlgn="ctr"/>
+                      <a:r>
+                        <a:rPr lang="en-US" sz="3600" u="none" strike="noStrike" dirty="0">
+                          <a:effectLst/>
+                        </a:rPr>
+                        <a:t>0.99</a:t>
+                      </a:r>
+                      <a:endParaRPr lang="en-US" sz="3600" b="0" i="0" u="none" strike="noStrike" dirty="0">
+                        <a:solidFill>
+                          <a:srgbClr val="000000"/>
+                        </a:solidFill>
+                        <a:effectLst/>
+                        <a:latin typeface="Calibri" panose="020F0502020204030204" pitchFamily="34" charset="0"/>
+                      </a:endParaRPr>
+                    </a:p>
+                  </a:txBody>
+                  <a:tcPr marL="9525" marR="9525" marT="9525" marB="0" anchor="ctr"/>
+                </a:tc>
+                <a:extLst>
+                  <a:ext uri="{0D108BD9-81ED-4DB2-BD59-A6C34878D82A}">
+                    <a16:rowId xmlns:a16="http://schemas.microsoft.com/office/drawing/2014/main" val="1021501834"/>
+                  </a:ext>
+                </a:extLst>
+              </a:tr>
+            </a:tbl>
+          </a:graphicData>
+        </a:graphic>
+      </p:graphicFrame>
     </p:spTree>
     <p:extLst>
       <p:ext uri="{BB962C8B-B14F-4D97-AF65-F5344CB8AC3E}">
@@ -13962,7 +17875,7 @@
 </p:sld>
 </file>
 
-<file path=ppt/slides/slide16.xml><?xml version="1.0" encoding="utf-8"?>
+<file path=ppt/slides/slide19.xml><?xml version="1.0" encoding="utf-8"?>
 <p:sld xmlns:a="http://schemas.openxmlformats.org/drawingml/2006/main" xmlns:r="http://schemas.openxmlformats.org/officeDocument/2006/relationships" xmlns:p="http://schemas.openxmlformats.org/presentationml/2006/main">
   <p:cSld>
     <p:spTree>
@@ -14050,25 +17963,27 @@
       </p:sp>
       <p:graphicFrame>
         <p:nvGraphicFramePr>
-          <p:cNvPr id="8" name="Chart 7">
+          <p:cNvPr id="5" name="Chart 4">
             <a:extLst>
               <a:ext uri="{FF2B5EF4-FFF2-40B4-BE49-F238E27FC236}">
-                <a16:creationId xmlns:a16="http://schemas.microsoft.com/office/drawing/2014/main" id="{F4782648-62DD-F043-96DA-25DEB635A453}"/>
+                <a16:creationId xmlns:a16="http://schemas.microsoft.com/office/drawing/2014/main" id="{5AB89129-D202-9D44-8CDD-FE2753668E79}"/>
               </a:ext>
             </a:extLst>
           </p:cNvPr>
-          <p:cNvGraphicFramePr/>
+          <p:cNvGraphicFramePr>
+            <a:graphicFrameLocks/>
+          </p:cNvGraphicFramePr>
           <p:nvPr>
             <p:extLst>
               <p:ext uri="{D42A27DB-BD31-4B8C-83A1-F6EECF244321}">
-                <p14:modId xmlns:p14="http://schemas.microsoft.com/office/powerpoint/2010/main" val="100752096"/>
+                <p14:modId xmlns:p14="http://schemas.microsoft.com/office/powerpoint/2010/main" val="2182741998"/>
               </p:ext>
             </p:extLst>
           </p:nvPr>
         </p:nvGraphicFramePr>
         <p:xfrm>
-          <a:off x="2539206" y="2709334"/>
-          <a:ext cx="19304000" cy="11006666"/>
+          <a:off x="1676291" y="2560321"/>
+          <a:ext cx="20466533" cy="11155680"/>
         </p:xfrm>
         <a:graphic>
           <a:graphicData uri="http://schemas.openxmlformats.org/drawingml/2006/chart">
@@ -14080,1177 +17995,6 @@
     <p:extLst>
       <p:ext uri="{BB962C8B-B14F-4D97-AF65-F5344CB8AC3E}">
         <p14:creationId xmlns:p14="http://schemas.microsoft.com/office/powerpoint/2010/main" val="273776132"/>
-      </p:ext>
-    </p:extLst>
-  </p:cSld>
-  <p:clrMapOvr>
-    <a:masterClrMapping/>
-  </p:clrMapOvr>
-</p:sld>
-</file>
-
-<file path=ppt/slides/slide17.xml><?xml version="1.0" encoding="utf-8"?>
-<p:sld xmlns:a="http://schemas.openxmlformats.org/drawingml/2006/main" xmlns:r="http://schemas.openxmlformats.org/officeDocument/2006/relationships" xmlns:p="http://schemas.openxmlformats.org/presentationml/2006/main">
-  <p:cSld>
-    <p:spTree>
-      <p:nvGrpSpPr>
-        <p:cNvPr id="1" name=""/>
-        <p:cNvGrpSpPr/>
-        <p:nvPr/>
-      </p:nvGrpSpPr>
-      <p:grpSpPr>
-        <a:xfrm>
-          <a:off x="0" y="0"/>
-          <a:ext cx="0" cy="0"/>
-          <a:chOff x="0" y="0"/>
-          <a:chExt cx="0" cy="0"/>
-        </a:xfrm>
-      </p:grpSpPr>
-      <p:pic>
-        <p:nvPicPr>
-          <p:cNvPr id="4" name="Imagen 6">
-            <a:extLst>
-              <a:ext uri="{FF2B5EF4-FFF2-40B4-BE49-F238E27FC236}">
-                <a16:creationId xmlns:a16="http://schemas.microsoft.com/office/drawing/2014/main" id="{265DC233-5CE4-4EA5-ABFB-0DE87C8501B9}"/>
-              </a:ext>
-            </a:extLst>
-          </p:cNvPr>
-          <p:cNvPicPr>
-            <a:picLocks noChangeAspect="1"/>
-          </p:cNvPicPr>
-          <p:nvPr/>
-        </p:nvPicPr>
-        <p:blipFill>
-          <a:blip r:embed="rId2">
-            <a:extLst>
-              <a:ext uri="{28A0092B-C50C-407E-A947-70E740481C1C}">
-                <a14:useLocalDpi xmlns:a14="http://schemas.microsoft.com/office/drawing/2010/main" val="0"/>
-              </a:ext>
-            </a:extLst>
-          </a:blip>
-          <a:stretch>
-            <a:fillRect/>
-          </a:stretch>
-        </p:blipFill>
-        <p:spPr>
-          <a:xfrm>
-            <a:off x="9256713" y="0"/>
-            <a:ext cx="15125700" cy="13716000"/>
-          </a:xfrm>
-          <a:prstGeom prst="rect">
-            <a:avLst/>
-          </a:prstGeom>
-        </p:spPr>
-      </p:pic>
-      <p:sp>
-        <p:nvSpPr>
-          <p:cNvPr id="2" name="Title 1">
-            <a:extLst>
-              <a:ext uri="{FF2B5EF4-FFF2-40B4-BE49-F238E27FC236}">
-                <a16:creationId xmlns:a16="http://schemas.microsoft.com/office/drawing/2014/main" id="{72DEB506-1E25-4F1A-8A02-03F5DC65096C}"/>
-              </a:ext>
-            </a:extLst>
-          </p:cNvPr>
-          <p:cNvSpPr>
-            <a:spLocks noGrp="1"/>
-          </p:cNvSpPr>
-          <p:nvPr>
-            <p:ph type="title"/>
-          </p:nvPr>
-        </p:nvSpPr>
-        <p:spPr/>
-        <p:txBody>
-          <a:bodyPr/>
-          <a:lstStyle/>
-          <a:p>
-            <a:r>
-              <a:rPr lang="es-419" b="1" dirty="0">
-                <a:solidFill>
-                  <a:srgbClr val="173657"/>
-                </a:solidFill>
-              </a:rPr>
-              <a:t>Revisión de la literatura</a:t>
-            </a:r>
-            <a:endParaRPr lang="en-US" b="1" dirty="0">
-              <a:solidFill>
-                <a:srgbClr val="173657"/>
-              </a:solidFill>
-            </a:endParaRPr>
-          </a:p>
-        </p:txBody>
-      </p:sp>
-      <p:sp>
-        <p:nvSpPr>
-          <p:cNvPr id="3" name="Content Placeholder 2">
-            <a:extLst>
-              <a:ext uri="{FF2B5EF4-FFF2-40B4-BE49-F238E27FC236}">
-                <a16:creationId xmlns:a16="http://schemas.microsoft.com/office/drawing/2014/main" id="{A4BB5305-ACD5-4CE1-8CEC-3B4A2E6EBA00}"/>
-              </a:ext>
-            </a:extLst>
-          </p:cNvPr>
-          <p:cNvSpPr>
-            <a:spLocks noGrp="1"/>
-          </p:cNvSpPr>
-          <p:nvPr>
-            <p:ph idx="1"/>
-          </p:nvPr>
-        </p:nvSpPr>
-        <p:spPr>
-          <a:xfrm>
-            <a:off x="1676291" y="3651250"/>
-            <a:ext cx="21679009" cy="8235950"/>
-          </a:xfrm>
-        </p:spPr>
-        <p:txBody>
-          <a:bodyPr>
-            <a:normAutofit/>
-          </a:bodyPr>
-          <a:lstStyle/>
-          <a:p>
-            <a:r>
-              <a:rPr lang="es-ES" b="1" dirty="0"/>
-              <a:t>[T] </a:t>
-            </a:r>
-            <a:r>
-              <a:rPr lang="es-ES" dirty="0" err="1"/>
-              <a:t>Result</a:t>
-            </a:r>
-            <a:r>
-              <a:rPr lang="es-ES" dirty="0"/>
-              <a:t> </a:t>
-            </a:r>
-            <a:r>
-              <a:rPr lang="es-ES" dirty="0" err="1"/>
-              <a:t>Prediction</a:t>
-            </a:r>
-            <a:r>
-              <a:rPr lang="es-ES" dirty="0"/>
-              <a:t> </a:t>
-            </a:r>
-            <a:r>
-              <a:rPr lang="es-ES" dirty="0" err="1"/>
-              <a:t>by</a:t>
-            </a:r>
-            <a:r>
-              <a:rPr lang="es-ES" dirty="0"/>
-              <a:t> </a:t>
-            </a:r>
-            <a:r>
-              <a:rPr lang="es-ES" dirty="0" err="1"/>
-              <a:t>Mining</a:t>
-            </a:r>
-            <a:r>
-              <a:rPr lang="es-ES" dirty="0"/>
-              <a:t> </a:t>
-            </a:r>
-            <a:r>
-              <a:rPr lang="es-ES" dirty="0" err="1"/>
-              <a:t>Replays</a:t>
-            </a:r>
-            <a:r>
-              <a:rPr lang="es-ES" dirty="0"/>
-              <a:t> in Dota 2 (2015). Tesis de maestría Universidad, Blekinge </a:t>
-            </a:r>
-            <a:r>
-              <a:rPr lang="es-ES" dirty="0" err="1"/>
-              <a:t>Institute</a:t>
-            </a:r>
-            <a:r>
-              <a:rPr lang="es-ES" dirty="0"/>
-              <a:t> </a:t>
-            </a:r>
-            <a:r>
-              <a:rPr lang="es-ES" dirty="0" err="1"/>
-              <a:t>of</a:t>
-            </a:r>
-            <a:r>
-              <a:rPr lang="es-ES" dirty="0"/>
-              <a:t> </a:t>
-            </a:r>
-            <a:r>
-              <a:rPr lang="es-ES" dirty="0" err="1"/>
-              <a:t>Technology</a:t>
-            </a:r>
-            <a:r>
-              <a:rPr lang="es-ES" dirty="0"/>
-              <a:t>: Usan </a:t>
-            </a:r>
-            <a:r>
-              <a:rPr lang="es-ES" dirty="0" err="1"/>
-              <a:t>Random</a:t>
-            </a:r>
-            <a:r>
-              <a:rPr lang="es-ES" dirty="0"/>
-              <a:t> Forest (RF) como algoritmo para predecir el equipo ganador a medida que avanza un juego usando 25 modelos de bosques aleatorios [1]</a:t>
-            </a:r>
-          </a:p>
-          <a:p>
-            <a:endParaRPr lang="es-ES" dirty="0"/>
-          </a:p>
-          <a:p>
-            <a:r>
-              <a:rPr lang="es-ES" b="1" dirty="0"/>
-              <a:t>[T] </a:t>
-            </a:r>
-            <a:r>
-              <a:rPr lang="es-ES" dirty="0" err="1"/>
-              <a:t>On</a:t>
-            </a:r>
-            <a:r>
-              <a:rPr lang="es-ES" dirty="0"/>
-              <a:t> </a:t>
-            </a:r>
-            <a:r>
-              <a:rPr lang="es-ES" dirty="0" err="1"/>
-              <a:t>using</a:t>
-            </a:r>
-            <a:r>
-              <a:rPr lang="es-ES" dirty="0"/>
-              <a:t> Artificial Neural Network </a:t>
-            </a:r>
-            <a:r>
-              <a:rPr lang="es-ES" dirty="0" err="1"/>
-              <a:t>models</a:t>
-            </a:r>
-            <a:r>
-              <a:rPr lang="es-ES" dirty="0"/>
-              <a:t> </a:t>
-            </a:r>
-            <a:r>
-              <a:rPr lang="es-ES" dirty="0" err="1"/>
-              <a:t>to</a:t>
-            </a:r>
-            <a:r>
-              <a:rPr lang="es-ES" dirty="0"/>
-              <a:t> </a:t>
-            </a:r>
-            <a:r>
-              <a:rPr lang="es-ES" dirty="0" err="1"/>
-              <a:t>predict</a:t>
-            </a:r>
-            <a:r>
-              <a:rPr lang="es-ES" dirty="0"/>
-              <a:t> </a:t>
-            </a:r>
-            <a:r>
-              <a:rPr lang="es-ES" dirty="0" err="1"/>
-              <a:t>game</a:t>
-            </a:r>
-            <a:r>
-              <a:rPr lang="es-ES" dirty="0"/>
-              <a:t> </a:t>
-            </a:r>
-            <a:r>
-              <a:rPr lang="es-ES" dirty="0" err="1"/>
-              <a:t>outcomes</a:t>
-            </a:r>
-            <a:r>
-              <a:rPr lang="es-ES" dirty="0"/>
-              <a:t> in Dota 2: KTH Royal </a:t>
-            </a:r>
-            <a:r>
-              <a:rPr lang="es-ES" dirty="0" err="1"/>
-              <a:t>Institute</a:t>
-            </a:r>
-            <a:r>
-              <a:rPr lang="es-ES" dirty="0"/>
-              <a:t> </a:t>
-            </a:r>
-            <a:r>
-              <a:rPr lang="es-ES" dirty="0" err="1"/>
-              <a:t>Of</a:t>
-            </a:r>
-            <a:r>
-              <a:rPr lang="es-ES" dirty="0"/>
-              <a:t> </a:t>
-            </a:r>
-            <a:r>
-              <a:rPr lang="es-ES" dirty="0" err="1"/>
-              <a:t>Technology</a:t>
-            </a:r>
-            <a:r>
-              <a:rPr lang="es-ES" dirty="0"/>
-              <a:t> (Junio 2017): Investigan si las redes neuronales pueden ser usadas para predecir los resultados del juego basándose en la selección de personajes de cada juego [2]</a:t>
-            </a:r>
-          </a:p>
-          <a:p>
-            <a:endParaRPr lang="es-ES" dirty="0"/>
-          </a:p>
-          <a:p>
-            <a:endParaRPr lang="en-US" dirty="0"/>
-          </a:p>
-        </p:txBody>
-      </p:sp>
-      <p:pic>
-        <p:nvPicPr>
-          <p:cNvPr id="1028" name="Picture 4">
-            <a:extLst>
-              <a:ext uri="{FF2B5EF4-FFF2-40B4-BE49-F238E27FC236}">
-                <a16:creationId xmlns:a16="http://schemas.microsoft.com/office/drawing/2014/main" id="{397265CD-038D-4A89-949F-48C196CA5CF8}"/>
-              </a:ext>
-            </a:extLst>
-          </p:cNvPr>
-          <p:cNvPicPr>
-            <a:picLocks noChangeAspect="1" noChangeArrowheads="1"/>
-          </p:cNvPicPr>
-          <p:nvPr/>
-        </p:nvPicPr>
-        <p:blipFill>
-          <a:blip r:embed="rId3">
-            <a:extLst>
-              <a:ext uri="{28A0092B-C50C-407E-A947-70E740481C1C}">
-                <a14:useLocalDpi xmlns:a14="http://schemas.microsoft.com/office/drawing/2010/main" val="0"/>
-              </a:ext>
-            </a:extLst>
-          </a:blip>
-          <a:srcRect/>
-          <a:stretch>
-            <a:fillRect/>
-          </a:stretch>
-        </p:blipFill>
-        <p:spPr bwMode="auto">
-          <a:xfrm>
-            <a:off x="75406" y="3651250"/>
-            <a:ext cx="1372394" cy="1332614"/>
-          </a:xfrm>
-          <a:prstGeom prst="rect">
-            <a:avLst/>
-          </a:prstGeom>
-          <a:noFill/>
-          <a:extLst>
-            <a:ext uri="{909E8E84-426E-40DD-AFC4-6F175D3DCCD1}">
-              <a14:hiddenFill xmlns:a14="http://schemas.microsoft.com/office/drawing/2010/main">
-                <a:solidFill>
-                  <a:srgbClr val="FFFFFF"/>
-                </a:solidFill>
-              </a14:hiddenFill>
-            </a:ext>
-          </a:extLst>
-        </p:spPr>
-      </p:pic>
-      <p:pic>
-        <p:nvPicPr>
-          <p:cNvPr id="1030" name="Picture 6">
-            <a:extLst>
-              <a:ext uri="{FF2B5EF4-FFF2-40B4-BE49-F238E27FC236}">
-                <a16:creationId xmlns:a16="http://schemas.microsoft.com/office/drawing/2014/main" id="{DF97617A-8511-448F-8ECB-0E3080A1A01E}"/>
-              </a:ext>
-            </a:extLst>
-          </p:cNvPr>
-          <p:cNvPicPr>
-            <a:picLocks noChangeAspect="1" noChangeArrowheads="1"/>
-          </p:cNvPicPr>
-          <p:nvPr/>
-        </p:nvPicPr>
-        <p:blipFill>
-          <a:blip r:embed="rId4">
-            <a:extLst>
-              <a:ext uri="{28A0092B-C50C-407E-A947-70E740481C1C}">
-                <a14:useLocalDpi xmlns:a14="http://schemas.microsoft.com/office/drawing/2010/main" val="0"/>
-              </a:ext>
-            </a:extLst>
-          </a:blip>
-          <a:srcRect/>
-          <a:stretch>
-            <a:fillRect/>
-          </a:stretch>
-        </p:blipFill>
-        <p:spPr bwMode="auto">
-          <a:xfrm>
-            <a:off x="175022" y="8186256"/>
-            <a:ext cx="1173162" cy="1208712"/>
-          </a:xfrm>
-          <a:prstGeom prst="rect">
-            <a:avLst/>
-          </a:prstGeom>
-          <a:noFill/>
-          <a:extLst>
-            <a:ext uri="{909E8E84-426E-40DD-AFC4-6F175D3DCCD1}">
-              <a14:hiddenFill xmlns:a14="http://schemas.microsoft.com/office/drawing/2010/main">
-                <a:solidFill>
-                  <a:srgbClr val="FFFFFF"/>
-                </a:solidFill>
-              </a14:hiddenFill>
-            </a:ext>
-          </a:extLst>
-        </p:spPr>
-      </p:pic>
-      <p:sp>
-        <p:nvSpPr>
-          <p:cNvPr id="8" name="TextBox 7">
-            <a:extLst>
-              <a:ext uri="{FF2B5EF4-FFF2-40B4-BE49-F238E27FC236}">
-                <a16:creationId xmlns:a16="http://schemas.microsoft.com/office/drawing/2014/main" id="{5F98CBE2-E271-466F-8981-780BB649DE3B}"/>
-              </a:ext>
-            </a:extLst>
-          </p:cNvPr>
-          <p:cNvSpPr txBox="1"/>
-          <p:nvPr/>
-        </p:nvSpPr>
-        <p:spPr>
-          <a:xfrm>
-            <a:off x="-3319" y="13068984"/>
-            <a:ext cx="1727396" cy="646331"/>
-          </a:xfrm>
-          <a:prstGeom prst="rect">
-            <a:avLst/>
-          </a:prstGeom>
-          <a:noFill/>
-        </p:spPr>
-        <p:txBody>
-          <a:bodyPr wrap="none" rtlCol="0">
-            <a:spAutoFit/>
-          </a:bodyPr>
-          <a:lstStyle/>
-          <a:p>
-            <a:r>
-              <a:rPr lang="es-419" dirty="0"/>
-              <a:t>T = Tesis</a:t>
-            </a:r>
-            <a:endParaRPr lang="en-US" dirty="0"/>
-          </a:p>
-        </p:txBody>
-      </p:sp>
-    </p:spTree>
-    <p:extLst>
-      <p:ext uri="{BB962C8B-B14F-4D97-AF65-F5344CB8AC3E}">
-        <p14:creationId xmlns:p14="http://schemas.microsoft.com/office/powerpoint/2010/main" val="3602311932"/>
-      </p:ext>
-    </p:extLst>
-  </p:cSld>
-  <p:clrMapOvr>
-    <a:masterClrMapping/>
-  </p:clrMapOvr>
-</p:sld>
-</file>
-
-<file path=ppt/slides/slide18.xml><?xml version="1.0" encoding="utf-8"?>
-<p:sld xmlns:a="http://schemas.openxmlformats.org/drawingml/2006/main" xmlns:r="http://schemas.openxmlformats.org/officeDocument/2006/relationships" xmlns:p="http://schemas.openxmlformats.org/presentationml/2006/main">
-  <p:cSld>
-    <p:spTree>
-      <p:nvGrpSpPr>
-        <p:cNvPr id="1" name=""/>
-        <p:cNvGrpSpPr/>
-        <p:nvPr/>
-      </p:nvGrpSpPr>
-      <p:grpSpPr>
-        <a:xfrm>
-          <a:off x="0" y="0"/>
-          <a:ext cx="0" cy="0"/>
-          <a:chOff x="0" y="0"/>
-          <a:chExt cx="0" cy="0"/>
-        </a:xfrm>
-      </p:grpSpPr>
-      <p:pic>
-        <p:nvPicPr>
-          <p:cNvPr id="4" name="Imagen 6">
-            <a:extLst>
-              <a:ext uri="{FF2B5EF4-FFF2-40B4-BE49-F238E27FC236}">
-                <a16:creationId xmlns:a16="http://schemas.microsoft.com/office/drawing/2014/main" id="{265DC233-5CE4-4EA5-ABFB-0DE87C8501B9}"/>
-              </a:ext>
-            </a:extLst>
-          </p:cNvPr>
-          <p:cNvPicPr>
-            <a:picLocks noChangeAspect="1"/>
-          </p:cNvPicPr>
-          <p:nvPr/>
-        </p:nvPicPr>
-        <p:blipFill>
-          <a:blip r:embed="rId2">
-            <a:extLst>
-              <a:ext uri="{28A0092B-C50C-407E-A947-70E740481C1C}">
-                <a14:useLocalDpi xmlns:a14="http://schemas.microsoft.com/office/drawing/2010/main" val="0"/>
-              </a:ext>
-            </a:extLst>
-          </a:blip>
-          <a:stretch>
-            <a:fillRect/>
-          </a:stretch>
-        </p:blipFill>
-        <p:spPr>
-          <a:xfrm>
-            <a:off x="9256713" y="0"/>
-            <a:ext cx="15125700" cy="13716000"/>
-          </a:xfrm>
-          <a:prstGeom prst="rect">
-            <a:avLst/>
-          </a:prstGeom>
-        </p:spPr>
-      </p:pic>
-      <p:sp>
-        <p:nvSpPr>
-          <p:cNvPr id="2" name="Title 1">
-            <a:extLst>
-              <a:ext uri="{FF2B5EF4-FFF2-40B4-BE49-F238E27FC236}">
-                <a16:creationId xmlns:a16="http://schemas.microsoft.com/office/drawing/2014/main" id="{72DEB506-1E25-4F1A-8A02-03F5DC65096C}"/>
-              </a:ext>
-            </a:extLst>
-          </p:cNvPr>
-          <p:cNvSpPr>
-            <a:spLocks noGrp="1"/>
-          </p:cNvSpPr>
-          <p:nvPr>
-            <p:ph type="title"/>
-          </p:nvPr>
-        </p:nvSpPr>
-        <p:spPr/>
-        <p:txBody>
-          <a:bodyPr/>
-          <a:lstStyle/>
-          <a:p>
-            <a:r>
-              <a:rPr lang="es-419" b="1" dirty="0">
-                <a:solidFill>
-                  <a:srgbClr val="173657"/>
-                </a:solidFill>
-              </a:rPr>
-              <a:t>Revisión de la literatura</a:t>
-            </a:r>
-            <a:endParaRPr lang="en-US" b="1" dirty="0">
-              <a:solidFill>
-                <a:srgbClr val="173657"/>
-              </a:solidFill>
-            </a:endParaRPr>
-          </a:p>
-        </p:txBody>
-      </p:sp>
-      <p:sp>
-        <p:nvSpPr>
-          <p:cNvPr id="3" name="Content Placeholder 2">
-            <a:extLst>
-              <a:ext uri="{FF2B5EF4-FFF2-40B4-BE49-F238E27FC236}">
-                <a16:creationId xmlns:a16="http://schemas.microsoft.com/office/drawing/2014/main" id="{A4BB5305-ACD5-4CE1-8CEC-3B4A2E6EBA00}"/>
-              </a:ext>
-            </a:extLst>
-          </p:cNvPr>
-          <p:cNvSpPr>
-            <a:spLocks noGrp="1"/>
-          </p:cNvSpPr>
-          <p:nvPr>
-            <p:ph idx="1"/>
-          </p:nvPr>
-        </p:nvSpPr>
-        <p:spPr>
-          <a:xfrm>
-            <a:off x="1676291" y="3651250"/>
-            <a:ext cx="21755209" cy="8235950"/>
-          </a:xfrm>
-        </p:spPr>
-        <p:txBody>
-          <a:bodyPr/>
-          <a:lstStyle/>
-          <a:p>
-            <a:r>
-              <a:rPr lang="es-ES" b="1" dirty="0"/>
-              <a:t>[WP]</a:t>
-            </a:r>
-            <a:r>
-              <a:rPr lang="es-ES" dirty="0"/>
-              <a:t> </a:t>
-            </a:r>
-            <a:r>
-              <a:rPr lang="es-ES" dirty="0" err="1"/>
-              <a:t>Win</a:t>
-            </a:r>
-            <a:r>
-              <a:rPr lang="es-ES" dirty="0"/>
-              <a:t> </a:t>
-            </a:r>
-            <a:r>
-              <a:rPr lang="es-ES" dirty="0" err="1"/>
-              <a:t>Prediction</a:t>
-            </a:r>
-            <a:r>
-              <a:rPr lang="es-ES" dirty="0"/>
-              <a:t> in </a:t>
-            </a:r>
-            <a:r>
-              <a:rPr lang="es-ES" dirty="0" err="1"/>
-              <a:t>Esports</a:t>
-            </a:r>
-            <a:r>
-              <a:rPr lang="es-ES" dirty="0"/>
-              <a:t>: </a:t>
-            </a:r>
-            <a:r>
-              <a:rPr lang="es-ES" dirty="0" err="1"/>
-              <a:t>Mixed</a:t>
-            </a:r>
-            <a:r>
-              <a:rPr lang="es-ES" dirty="0"/>
-              <a:t>-Rank Match </a:t>
-            </a:r>
-            <a:r>
-              <a:rPr lang="es-ES" dirty="0" err="1"/>
-              <a:t>Prediction</a:t>
-            </a:r>
-            <a:r>
-              <a:rPr lang="es-ES" dirty="0"/>
-              <a:t> in </a:t>
-            </a:r>
-            <a:r>
-              <a:rPr lang="es-ES" dirty="0" err="1"/>
-              <a:t>Multi-player</a:t>
-            </a:r>
-            <a:r>
-              <a:rPr lang="es-ES" dirty="0"/>
-              <a:t> Online </a:t>
-            </a:r>
-            <a:r>
-              <a:rPr lang="es-ES" dirty="0" err="1"/>
-              <a:t>Battle</a:t>
-            </a:r>
-            <a:r>
-              <a:rPr lang="es-ES" dirty="0"/>
-              <a:t> Arena </a:t>
-            </a:r>
-            <a:r>
-              <a:rPr lang="es-ES" dirty="0" err="1"/>
-              <a:t>Games</a:t>
-            </a:r>
-            <a:r>
-              <a:rPr lang="es-ES" dirty="0"/>
-              <a:t> (Nov 2017). White Rose, Universidad de </a:t>
-            </a:r>
-            <a:r>
-              <a:rPr lang="es-ES" dirty="0" err="1"/>
-              <a:t>Consortium</a:t>
-            </a:r>
-            <a:r>
-              <a:rPr lang="es-ES" dirty="0"/>
-              <a:t>: Analizan si los datos de juegos mixtos entre jugadores de bajo rango pueden también ser usados para predecir partidas de jugadores profesionales o de alto rango [3]</a:t>
-            </a:r>
-          </a:p>
-          <a:p>
-            <a:r>
-              <a:rPr lang="es-ES" b="1" dirty="0"/>
-              <a:t>[A] </a:t>
-            </a:r>
-            <a:r>
-              <a:rPr lang="es-ES" dirty="0" err="1"/>
-              <a:t>DotA</a:t>
-            </a:r>
-            <a:r>
-              <a:rPr lang="es-ES" dirty="0"/>
-              <a:t> 2 </a:t>
-            </a:r>
-            <a:r>
-              <a:rPr lang="es-ES" dirty="0" err="1"/>
-              <a:t>Bots</a:t>
-            </a:r>
-            <a:r>
-              <a:rPr lang="es-ES" dirty="0"/>
-              <a:t> </a:t>
-            </a:r>
-            <a:r>
-              <a:rPr lang="es-ES" dirty="0" err="1"/>
-              <a:t>Win</a:t>
-            </a:r>
-            <a:r>
-              <a:rPr lang="es-ES" dirty="0"/>
-              <a:t> </a:t>
-            </a:r>
-            <a:r>
-              <a:rPr lang="es-ES" dirty="0" err="1"/>
-              <a:t>Prediction</a:t>
-            </a:r>
-            <a:r>
-              <a:rPr lang="es-ES" dirty="0"/>
-              <a:t> </a:t>
-            </a:r>
-            <a:r>
-              <a:rPr lang="es-ES" dirty="0" err="1"/>
-              <a:t>Using</a:t>
-            </a:r>
-            <a:r>
-              <a:rPr lang="es-ES" dirty="0"/>
-              <a:t> </a:t>
-            </a:r>
-            <a:r>
-              <a:rPr lang="es-ES" dirty="0" err="1"/>
-              <a:t>Naive</a:t>
-            </a:r>
-            <a:r>
-              <a:rPr lang="es-ES" dirty="0"/>
-              <a:t> Bayes </a:t>
-            </a:r>
-            <a:r>
-              <a:rPr lang="es-ES" dirty="0" err="1"/>
-              <a:t>Based</a:t>
-            </a:r>
-            <a:r>
-              <a:rPr lang="es-ES" dirty="0"/>
-              <a:t> </a:t>
-            </a:r>
-            <a:r>
-              <a:rPr lang="es-ES" dirty="0" err="1"/>
-              <a:t>on</a:t>
-            </a:r>
-            <a:r>
-              <a:rPr lang="es-ES" dirty="0"/>
-              <a:t> </a:t>
-            </a:r>
-            <a:r>
-              <a:rPr lang="es-ES" dirty="0" err="1"/>
-              <a:t>Adaboost</a:t>
-            </a:r>
-            <a:r>
-              <a:rPr lang="es-ES" dirty="0"/>
-              <a:t> </a:t>
-            </a:r>
-            <a:r>
-              <a:rPr lang="es-ES" dirty="0" err="1"/>
-              <a:t>Algorithm</a:t>
-            </a:r>
-            <a:r>
-              <a:rPr lang="es-ES" dirty="0"/>
-              <a:t>. </a:t>
-            </a:r>
-            <a:r>
-              <a:rPr lang="es-ES" dirty="0" err="1"/>
-              <a:t>Universitas</a:t>
-            </a:r>
-            <a:r>
-              <a:rPr lang="es-ES" dirty="0"/>
-              <a:t> Dian </a:t>
-            </a:r>
-            <a:r>
-              <a:rPr lang="es-ES" dirty="0" err="1"/>
-              <a:t>Nuswantoro</a:t>
-            </a:r>
-            <a:r>
-              <a:rPr lang="es-ES" dirty="0"/>
-              <a:t>, Indonesia (Nov 2017): Emplean el algoritmo de </a:t>
-            </a:r>
-            <a:r>
-              <a:rPr lang="es-ES" dirty="0" err="1"/>
-              <a:t>adaboost</a:t>
-            </a:r>
-            <a:r>
-              <a:rPr lang="es-ES" dirty="0"/>
-              <a:t> sobre </a:t>
-            </a:r>
-            <a:r>
-              <a:rPr lang="es-ES" dirty="0" err="1"/>
-              <a:t>Naive</a:t>
-            </a:r>
-            <a:r>
-              <a:rPr lang="es-ES" dirty="0"/>
-              <a:t> Bayes en partidas contra </a:t>
-            </a:r>
-            <a:r>
-              <a:rPr lang="es-ES" dirty="0" err="1"/>
-              <a:t>Bots</a:t>
-            </a:r>
-            <a:r>
-              <a:rPr lang="es-ES" dirty="0"/>
-              <a:t> (o robots del juego) para determinar un equipo ganador con un </a:t>
-            </a:r>
-            <a:r>
-              <a:rPr lang="es-ES" dirty="0" err="1"/>
-              <a:t>Kernel</a:t>
-            </a:r>
-            <a:r>
-              <a:rPr lang="es-ES" dirty="0"/>
-              <a:t> de distribución Gaussiana alcanzando un 80% [4]</a:t>
-            </a:r>
-            <a:endParaRPr lang="en-US" dirty="0"/>
-          </a:p>
-        </p:txBody>
-      </p:sp>
-      <p:pic>
-        <p:nvPicPr>
-          <p:cNvPr id="2050" name="Picture 2">
-            <a:extLst>
-              <a:ext uri="{FF2B5EF4-FFF2-40B4-BE49-F238E27FC236}">
-                <a16:creationId xmlns:a16="http://schemas.microsoft.com/office/drawing/2014/main" id="{FF50F571-29F2-488B-86D8-F3CC7C96CE2F}"/>
-              </a:ext>
-            </a:extLst>
-          </p:cNvPr>
-          <p:cNvPicPr>
-            <a:picLocks noChangeAspect="1" noChangeArrowheads="1"/>
-          </p:cNvPicPr>
-          <p:nvPr/>
-        </p:nvPicPr>
-        <p:blipFill>
-          <a:blip r:embed="rId3">
-            <a:extLst>
-              <a:ext uri="{28A0092B-C50C-407E-A947-70E740481C1C}">
-                <a14:useLocalDpi xmlns:a14="http://schemas.microsoft.com/office/drawing/2010/main" val="0"/>
-              </a:ext>
-            </a:extLst>
-          </a:blip>
-          <a:srcRect/>
-          <a:stretch>
-            <a:fillRect/>
-          </a:stretch>
-        </p:blipFill>
-        <p:spPr bwMode="auto">
-          <a:xfrm>
-            <a:off x="217488" y="3708399"/>
-            <a:ext cx="1349086" cy="1370845"/>
-          </a:xfrm>
-          <a:prstGeom prst="rect">
-            <a:avLst/>
-          </a:prstGeom>
-          <a:noFill/>
-          <a:extLst>
-            <a:ext uri="{909E8E84-426E-40DD-AFC4-6F175D3DCCD1}">
-              <a14:hiddenFill xmlns:a14="http://schemas.microsoft.com/office/drawing/2010/main">
-                <a:solidFill>
-                  <a:srgbClr val="FFFFFF"/>
-                </a:solidFill>
-              </a14:hiddenFill>
-            </a:ext>
-          </a:extLst>
-        </p:spPr>
-      </p:pic>
-      <p:pic>
-        <p:nvPicPr>
-          <p:cNvPr id="2052" name="Picture 4">
-            <a:extLst>
-              <a:ext uri="{FF2B5EF4-FFF2-40B4-BE49-F238E27FC236}">
-                <a16:creationId xmlns:a16="http://schemas.microsoft.com/office/drawing/2014/main" id="{A3A3F0DE-B93F-4890-86C7-DA6DADB03CDE}"/>
-              </a:ext>
-            </a:extLst>
-          </p:cNvPr>
-          <p:cNvPicPr>
-            <a:picLocks noChangeAspect="1" noChangeArrowheads="1"/>
-          </p:cNvPicPr>
-          <p:nvPr/>
-        </p:nvPicPr>
-        <p:blipFill>
-          <a:blip r:embed="rId4">
-            <a:extLst>
-              <a:ext uri="{28A0092B-C50C-407E-A947-70E740481C1C}">
-                <a14:useLocalDpi xmlns:a14="http://schemas.microsoft.com/office/drawing/2010/main" val="0"/>
-              </a:ext>
-            </a:extLst>
-          </a:blip>
-          <a:srcRect/>
-          <a:stretch>
-            <a:fillRect/>
-          </a:stretch>
-        </p:blipFill>
-        <p:spPr bwMode="auto">
-          <a:xfrm>
-            <a:off x="217487" y="7769225"/>
-            <a:ext cx="1458803" cy="1479064"/>
-          </a:xfrm>
-          <a:prstGeom prst="rect">
-            <a:avLst/>
-          </a:prstGeom>
-          <a:noFill/>
-          <a:extLst>
-            <a:ext uri="{909E8E84-426E-40DD-AFC4-6F175D3DCCD1}">
-              <a14:hiddenFill xmlns:a14="http://schemas.microsoft.com/office/drawing/2010/main">
-                <a:solidFill>
-                  <a:srgbClr val="FFFFFF"/>
-                </a:solidFill>
-              </a14:hiddenFill>
-            </a:ext>
-          </a:extLst>
-        </p:spPr>
-      </p:pic>
-      <p:sp>
-        <p:nvSpPr>
-          <p:cNvPr id="5" name="TextBox 4">
-            <a:extLst>
-              <a:ext uri="{FF2B5EF4-FFF2-40B4-BE49-F238E27FC236}">
-                <a16:creationId xmlns:a16="http://schemas.microsoft.com/office/drawing/2014/main" id="{9C6E6621-6FF7-453B-9B77-60EFC7DC3B36}"/>
-              </a:ext>
-            </a:extLst>
-          </p:cNvPr>
-          <p:cNvSpPr txBox="1"/>
-          <p:nvPr/>
-        </p:nvSpPr>
-        <p:spPr>
-          <a:xfrm>
-            <a:off x="-3319" y="13068984"/>
-            <a:ext cx="6373411" cy="646331"/>
-          </a:xfrm>
-          <a:prstGeom prst="rect">
-            <a:avLst/>
-          </a:prstGeom>
-          <a:noFill/>
-        </p:spPr>
-        <p:txBody>
-          <a:bodyPr wrap="none" rtlCol="0">
-            <a:spAutoFit/>
-          </a:bodyPr>
-          <a:lstStyle/>
-          <a:p>
-            <a:r>
-              <a:rPr lang="es-419" dirty="0"/>
-              <a:t>WP = </a:t>
-            </a:r>
-            <a:r>
-              <a:rPr lang="es-419" dirty="0" err="1"/>
-              <a:t>Working</a:t>
-            </a:r>
-            <a:r>
-              <a:rPr lang="es-419" dirty="0"/>
-              <a:t> </a:t>
-            </a:r>
-            <a:r>
-              <a:rPr lang="es-419" dirty="0" err="1"/>
-              <a:t>Paper</a:t>
-            </a:r>
-            <a:r>
-              <a:rPr lang="es-419" dirty="0"/>
-              <a:t> | A = </a:t>
-            </a:r>
-            <a:r>
-              <a:rPr lang="es-419" dirty="0" err="1"/>
-              <a:t>Article</a:t>
-            </a:r>
-            <a:endParaRPr lang="en-US" dirty="0"/>
-          </a:p>
-        </p:txBody>
-      </p:sp>
-    </p:spTree>
-    <p:extLst>
-      <p:ext uri="{BB962C8B-B14F-4D97-AF65-F5344CB8AC3E}">
-        <p14:creationId xmlns:p14="http://schemas.microsoft.com/office/powerpoint/2010/main" val="276420612"/>
-      </p:ext>
-    </p:extLst>
-  </p:cSld>
-  <p:clrMapOvr>
-    <a:masterClrMapping/>
-  </p:clrMapOvr>
-</p:sld>
-</file>
-
-<file path=ppt/slides/slide19.xml><?xml version="1.0" encoding="utf-8"?>
-<p:sld xmlns:a="http://schemas.openxmlformats.org/drawingml/2006/main" xmlns:r="http://schemas.openxmlformats.org/officeDocument/2006/relationships" xmlns:p="http://schemas.openxmlformats.org/presentationml/2006/main">
-  <p:cSld>
-    <p:spTree>
-      <p:nvGrpSpPr>
-        <p:cNvPr id="1" name=""/>
-        <p:cNvGrpSpPr/>
-        <p:nvPr/>
-      </p:nvGrpSpPr>
-      <p:grpSpPr>
-        <a:xfrm>
-          <a:off x="0" y="0"/>
-          <a:ext cx="0" cy="0"/>
-          <a:chOff x="0" y="0"/>
-          <a:chExt cx="0" cy="0"/>
-        </a:xfrm>
-      </p:grpSpPr>
-      <p:pic>
-        <p:nvPicPr>
-          <p:cNvPr id="4" name="Imagen 6">
-            <a:extLst>
-              <a:ext uri="{FF2B5EF4-FFF2-40B4-BE49-F238E27FC236}">
-                <a16:creationId xmlns:a16="http://schemas.microsoft.com/office/drawing/2014/main" id="{6ED815FC-B894-4CB4-B7EC-89F93526FC25}"/>
-              </a:ext>
-            </a:extLst>
-          </p:cNvPr>
-          <p:cNvPicPr>
-            <a:picLocks noChangeAspect="1"/>
-          </p:cNvPicPr>
-          <p:nvPr/>
-        </p:nvPicPr>
-        <p:blipFill>
-          <a:blip r:embed="rId2">
-            <a:extLst>
-              <a:ext uri="{28A0092B-C50C-407E-A947-70E740481C1C}">
-                <a14:useLocalDpi xmlns:a14="http://schemas.microsoft.com/office/drawing/2010/main" val="0"/>
-              </a:ext>
-            </a:extLst>
-          </a:blip>
-          <a:stretch>
-            <a:fillRect/>
-          </a:stretch>
-        </p:blipFill>
-        <p:spPr>
-          <a:xfrm>
-            <a:off x="9256713" y="0"/>
-            <a:ext cx="15125700" cy="13716000"/>
-          </a:xfrm>
-          <a:prstGeom prst="rect">
-            <a:avLst/>
-          </a:prstGeom>
-        </p:spPr>
-      </p:pic>
-      <p:sp>
-        <p:nvSpPr>
-          <p:cNvPr id="2" name="Title 1">
-            <a:extLst>
-              <a:ext uri="{FF2B5EF4-FFF2-40B4-BE49-F238E27FC236}">
-                <a16:creationId xmlns:a16="http://schemas.microsoft.com/office/drawing/2014/main" id="{453D053E-BD20-47E4-A363-511D44512CDF}"/>
-              </a:ext>
-            </a:extLst>
-          </p:cNvPr>
-          <p:cNvSpPr>
-            <a:spLocks noGrp="1"/>
-          </p:cNvSpPr>
-          <p:nvPr>
-            <p:ph type="title"/>
-          </p:nvPr>
-        </p:nvSpPr>
-        <p:spPr/>
-        <p:txBody>
-          <a:bodyPr/>
-          <a:lstStyle/>
-          <a:p>
-            <a:r>
-              <a:rPr lang="es-419" b="1" dirty="0">
-                <a:solidFill>
-                  <a:srgbClr val="173657"/>
-                </a:solidFill>
-              </a:rPr>
-              <a:t>Bibliografía</a:t>
-            </a:r>
-            <a:endParaRPr lang="en-US" b="1" dirty="0">
-              <a:solidFill>
-                <a:srgbClr val="173657"/>
-              </a:solidFill>
-            </a:endParaRPr>
-          </a:p>
-        </p:txBody>
-      </p:sp>
-      <p:sp>
-        <p:nvSpPr>
-          <p:cNvPr id="3" name="Content Placeholder 2">
-            <a:extLst>
-              <a:ext uri="{FF2B5EF4-FFF2-40B4-BE49-F238E27FC236}">
-                <a16:creationId xmlns:a16="http://schemas.microsoft.com/office/drawing/2014/main" id="{A08877C0-51CF-4E01-A491-0E96DDD4276E}"/>
-              </a:ext>
-            </a:extLst>
-          </p:cNvPr>
-          <p:cNvSpPr>
-            <a:spLocks noGrp="1"/>
-          </p:cNvSpPr>
-          <p:nvPr>
-            <p:ph idx="1"/>
-          </p:nvPr>
-        </p:nvSpPr>
-        <p:spPr/>
-        <p:txBody>
-          <a:bodyPr/>
-          <a:lstStyle/>
-          <a:p>
-            <a:pPr marL="0" indent="0">
-              <a:buNone/>
-            </a:pPr>
-            <a:r>
-              <a:rPr lang="es-419" dirty="0"/>
-              <a:t>[1] </a:t>
-            </a:r>
-            <a:r>
-              <a:rPr lang="en-US" dirty="0"/>
-              <a:t>J. W. Filip Johansson, Result Prediction by Mining Replays in </a:t>
-            </a:r>
-            <a:r>
-              <a:rPr lang="en-US" dirty="0" err="1"/>
-              <a:t>Dota</a:t>
-            </a:r>
-            <a:r>
-              <a:rPr lang="en-US" dirty="0"/>
-              <a:t> 2, Karlskrona, 2015.</a:t>
-            </a:r>
-          </a:p>
-          <a:p>
-            <a:pPr marL="0" indent="0">
-              <a:buNone/>
-            </a:pPr>
-            <a:r>
-              <a:rPr lang="es-419" dirty="0"/>
-              <a:t>[2</a:t>
-            </a:r>
-            <a:r>
-              <a:rPr lang="en-US" dirty="0"/>
-              <a:t>] W. VIKTOR and A. JULIEN, On using Artificial Neural Network models to predict game outcomes in </a:t>
-            </a:r>
-            <a:r>
-              <a:rPr lang="en-US" dirty="0" err="1"/>
-              <a:t>Dota</a:t>
-            </a:r>
-            <a:r>
-              <a:rPr lang="en-US" dirty="0"/>
-              <a:t> 2, Stockholm, Sweden, 2017. </a:t>
-            </a:r>
-          </a:p>
-          <a:p>
-            <a:pPr marL="0" indent="0">
-              <a:buNone/>
-            </a:pPr>
-            <a:r>
-              <a:rPr lang="es-419" dirty="0"/>
-              <a:t>[3</a:t>
-            </a:r>
-            <a:r>
-              <a:rPr lang="en-US" dirty="0"/>
-              <a:t>] Hodge, V., Devlin, S., </a:t>
-            </a:r>
-            <a:r>
-              <a:rPr lang="en-US" dirty="0" err="1"/>
-              <a:t>Sephton</a:t>
-            </a:r>
-            <a:r>
-              <a:rPr lang="en-US" dirty="0"/>
-              <a:t>, N., Block, F., </a:t>
-            </a:r>
-            <a:r>
-              <a:rPr lang="en-US" dirty="0" err="1"/>
-              <a:t>Drachen</a:t>
-            </a:r>
-            <a:r>
-              <a:rPr lang="en-US" dirty="0"/>
-              <a:t>, A., &amp; Cowling, P. Win Prediction in Esports: Mixed-Rank Match Prediction in Multi-player Online Battle Arena Games, 2017.</a:t>
-            </a:r>
-          </a:p>
-          <a:p>
-            <a:pPr marL="0" indent="0">
-              <a:buNone/>
-            </a:pPr>
-            <a:r>
-              <a:rPr lang="es-419" dirty="0"/>
-              <a:t>[4</a:t>
-            </a:r>
-            <a:r>
-              <a:rPr lang="en-US" dirty="0"/>
-              <a:t>] </a:t>
-            </a:r>
-            <a:r>
-              <a:rPr lang="en-US" dirty="0" err="1"/>
-              <a:t>Andono</a:t>
-            </a:r>
-            <a:r>
-              <a:rPr lang="en-US" dirty="0"/>
-              <a:t>, P. N., Kurniawan, N. B., &amp; </a:t>
-            </a:r>
-            <a:r>
-              <a:rPr lang="en-US" dirty="0" err="1"/>
-              <a:t>Supriyanto</a:t>
-            </a:r>
-            <a:r>
-              <a:rPr lang="en-US" dirty="0"/>
-              <a:t>, C. DotA 2 Bots Win Prediction Using Naive Bayes Based on </a:t>
-            </a:r>
-            <a:r>
-              <a:rPr lang="en-US" dirty="0" err="1"/>
-              <a:t>Adaboost</a:t>
-            </a:r>
-            <a:r>
-              <a:rPr lang="en-US" dirty="0"/>
-              <a:t> Algorithm, 2017.</a:t>
-            </a:r>
-          </a:p>
-          <a:p>
-            <a:pPr marL="0" indent="0">
-              <a:buNone/>
-            </a:pPr>
-            <a:endParaRPr lang="en-US" dirty="0"/>
-          </a:p>
-        </p:txBody>
-      </p:sp>
-    </p:spTree>
-    <p:extLst>
-      <p:ext uri="{BB962C8B-B14F-4D97-AF65-F5344CB8AC3E}">
-        <p14:creationId xmlns:p14="http://schemas.microsoft.com/office/powerpoint/2010/main" val="3306732837"/>
       </p:ext>
     </p:extLst>
   </p:cSld>
@@ -15382,7 +18126,7 @@
               </a:rPr>
             </a:br>
             <a:r>
-              <a:rPr lang="es-ES" sz="5400" b="1" dirty="0">
+              <a:rPr lang="es-ES" sz="6000" b="1" dirty="0">
                 <a:solidFill>
                   <a:schemeClr val="bg1"/>
                 </a:solidFill>
@@ -15390,7 +18134,7 @@
                 <a:ea typeface="Arial" charset="0"/>
                 <a:cs typeface="Arial" charset="0"/>
               </a:rPr>
-              <a:t>Diseño de un modelo que permita predecir qué equipo ganará un torneo de Dota 2 teniendo en cuenta el historial individual de cada jugador en todos los tipos de partidas</a:t>
+              <a:t>Diseño de un modelo predictivo para equipos profesionales en Dota 2 </a:t>
             </a:r>
             <a:br>
               <a:rPr lang="es-CO" sz="5400" b="1" dirty="0">
@@ -15540,6 +18284,245 @@
               </a:rPr>
               <a:t>Bibliografía</a:t>
             </a:r>
+            <a:endParaRPr lang="en-US" b="1" dirty="0">
+              <a:solidFill>
+                <a:srgbClr val="173657"/>
+              </a:solidFill>
+            </a:endParaRPr>
+          </a:p>
+        </p:txBody>
+      </p:sp>
+      <p:sp>
+        <p:nvSpPr>
+          <p:cNvPr id="3" name="Content Placeholder 2">
+            <a:extLst>
+              <a:ext uri="{FF2B5EF4-FFF2-40B4-BE49-F238E27FC236}">
+                <a16:creationId xmlns:a16="http://schemas.microsoft.com/office/drawing/2014/main" id="{A08877C0-51CF-4E01-A491-0E96DDD4276E}"/>
+              </a:ext>
+            </a:extLst>
+          </p:cNvPr>
+          <p:cNvSpPr>
+            <a:spLocks noGrp="1"/>
+          </p:cNvSpPr>
+          <p:nvPr>
+            <p:ph idx="1"/>
+          </p:nvPr>
+        </p:nvSpPr>
+        <p:spPr/>
+        <p:txBody>
+          <a:bodyPr/>
+          <a:lstStyle/>
+          <a:p>
+            <a:pPr marL="0" indent="0">
+              <a:buNone/>
+            </a:pPr>
+            <a:r>
+              <a:rPr lang="es-419" dirty="0"/>
+              <a:t>[1] </a:t>
+            </a:r>
+            <a:r>
+              <a:rPr lang="en-US" dirty="0"/>
+              <a:t>J. W. Filip Johansson, Result Prediction by Mining Replays in </a:t>
+            </a:r>
+            <a:r>
+              <a:rPr lang="en-US" dirty="0" err="1"/>
+              <a:t>Dota</a:t>
+            </a:r>
+            <a:r>
+              <a:rPr lang="en-US" dirty="0"/>
+              <a:t> 2, Karlskrona, 2015.</a:t>
+            </a:r>
+          </a:p>
+          <a:p>
+            <a:pPr marL="0" indent="0">
+              <a:buNone/>
+            </a:pPr>
+            <a:r>
+              <a:rPr lang="es-419" dirty="0"/>
+              <a:t>[2</a:t>
+            </a:r>
+            <a:r>
+              <a:rPr lang="en-US" dirty="0"/>
+              <a:t>] W. VIKTOR and A. JULIEN, On using Artificial Neural Network models to predict game outcomes in </a:t>
+            </a:r>
+            <a:r>
+              <a:rPr lang="en-US" dirty="0" err="1"/>
+              <a:t>Dota</a:t>
+            </a:r>
+            <a:r>
+              <a:rPr lang="en-US" dirty="0"/>
+              <a:t> 2, Stockholm, Sweden, 2017. </a:t>
+            </a:r>
+          </a:p>
+          <a:p>
+            <a:pPr marL="0" indent="0">
+              <a:buNone/>
+            </a:pPr>
+            <a:r>
+              <a:rPr lang="es-419" dirty="0"/>
+              <a:t>[3</a:t>
+            </a:r>
+            <a:r>
+              <a:rPr lang="en-US" dirty="0"/>
+              <a:t>] Hodge, V., Devlin, S., </a:t>
+            </a:r>
+            <a:r>
+              <a:rPr lang="en-US" dirty="0" err="1"/>
+              <a:t>Sephton</a:t>
+            </a:r>
+            <a:r>
+              <a:rPr lang="en-US" dirty="0"/>
+              <a:t>, N., Block, F., </a:t>
+            </a:r>
+            <a:r>
+              <a:rPr lang="en-US" dirty="0" err="1"/>
+              <a:t>Drachen</a:t>
+            </a:r>
+            <a:r>
+              <a:rPr lang="en-US" dirty="0"/>
+              <a:t>, A., &amp; Cowling, P. Win Prediction in Esports: Mixed-Rank Match Prediction in Multi-player Online Battle Arena Games, 2017.</a:t>
+            </a:r>
+          </a:p>
+          <a:p>
+            <a:pPr marL="0" indent="0">
+              <a:buNone/>
+            </a:pPr>
+            <a:r>
+              <a:rPr lang="es-419" dirty="0"/>
+              <a:t>[4</a:t>
+            </a:r>
+            <a:r>
+              <a:rPr lang="en-US" dirty="0"/>
+              <a:t>] </a:t>
+            </a:r>
+            <a:r>
+              <a:rPr lang="en-US" dirty="0" err="1"/>
+              <a:t>Andono</a:t>
+            </a:r>
+            <a:r>
+              <a:rPr lang="en-US" dirty="0"/>
+              <a:t>, P. N., Kurniawan, N. B., &amp; </a:t>
+            </a:r>
+            <a:r>
+              <a:rPr lang="en-US" dirty="0" err="1"/>
+              <a:t>Supriyanto</a:t>
+            </a:r>
+            <a:r>
+              <a:rPr lang="en-US" dirty="0"/>
+              <a:t>, C. DotA 2 Bots Win Prediction Using Naive Bayes Based on </a:t>
+            </a:r>
+            <a:r>
+              <a:rPr lang="en-US" dirty="0" err="1"/>
+              <a:t>Adaboost</a:t>
+            </a:r>
+            <a:r>
+              <a:rPr lang="en-US" dirty="0"/>
+              <a:t> Algorithm, 2017.</a:t>
+            </a:r>
+          </a:p>
+          <a:p>
+            <a:pPr marL="0" indent="0">
+              <a:buNone/>
+            </a:pPr>
+            <a:endParaRPr lang="en-US" dirty="0"/>
+          </a:p>
+        </p:txBody>
+      </p:sp>
+    </p:spTree>
+    <p:extLst>
+      <p:ext uri="{BB962C8B-B14F-4D97-AF65-F5344CB8AC3E}">
+        <p14:creationId xmlns:p14="http://schemas.microsoft.com/office/powerpoint/2010/main" val="3306732837"/>
+      </p:ext>
+    </p:extLst>
+  </p:cSld>
+  <p:clrMapOvr>
+    <a:masterClrMapping/>
+  </p:clrMapOvr>
+</p:sld>
+</file>
+
+<file path=ppt/slides/slide21.xml><?xml version="1.0" encoding="utf-8"?>
+<p:sld xmlns:a="http://schemas.openxmlformats.org/drawingml/2006/main" xmlns:r="http://schemas.openxmlformats.org/officeDocument/2006/relationships" xmlns:p="http://schemas.openxmlformats.org/presentationml/2006/main">
+  <p:cSld>
+    <p:spTree>
+      <p:nvGrpSpPr>
+        <p:cNvPr id="1" name=""/>
+        <p:cNvGrpSpPr/>
+        <p:nvPr/>
+      </p:nvGrpSpPr>
+      <p:grpSpPr>
+        <a:xfrm>
+          <a:off x="0" y="0"/>
+          <a:ext cx="0" cy="0"/>
+          <a:chOff x="0" y="0"/>
+          <a:chExt cx="0" cy="0"/>
+        </a:xfrm>
+      </p:grpSpPr>
+      <p:pic>
+        <p:nvPicPr>
+          <p:cNvPr id="4" name="Imagen 6">
+            <a:extLst>
+              <a:ext uri="{FF2B5EF4-FFF2-40B4-BE49-F238E27FC236}">
+                <a16:creationId xmlns:a16="http://schemas.microsoft.com/office/drawing/2014/main" id="{6ED815FC-B894-4CB4-B7EC-89F93526FC25}"/>
+              </a:ext>
+            </a:extLst>
+          </p:cNvPr>
+          <p:cNvPicPr>
+            <a:picLocks noChangeAspect="1"/>
+          </p:cNvPicPr>
+          <p:nvPr/>
+        </p:nvPicPr>
+        <p:blipFill>
+          <a:blip r:embed="rId2">
+            <a:extLst>
+              <a:ext uri="{28A0092B-C50C-407E-A947-70E740481C1C}">
+                <a14:useLocalDpi xmlns:a14="http://schemas.microsoft.com/office/drawing/2010/main" val="0"/>
+              </a:ext>
+            </a:extLst>
+          </a:blip>
+          <a:stretch>
+            <a:fillRect/>
+          </a:stretch>
+        </p:blipFill>
+        <p:spPr>
+          <a:xfrm>
+            <a:off x="9256713" y="0"/>
+            <a:ext cx="15125700" cy="13716000"/>
+          </a:xfrm>
+          <a:prstGeom prst="rect">
+            <a:avLst/>
+          </a:prstGeom>
+        </p:spPr>
+      </p:pic>
+      <p:sp>
+        <p:nvSpPr>
+          <p:cNvPr id="2" name="Title 1">
+            <a:extLst>
+              <a:ext uri="{FF2B5EF4-FFF2-40B4-BE49-F238E27FC236}">
+                <a16:creationId xmlns:a16="http://schemas.microsoft.com/office/drawing/2014/main" id="{453D053E-BD20-47E4-A363-511D44512CDF}"/>
+              </a:ext>
+            </a:extLst>
+          </p:cNvPr>
+          <p:cNvSpPr>
+            <a:spLocks noGrp="1"/>
+          </p:cNvSpPr>
+          <p:nvPr>
+            <p:ph type="title"/>
+          </p:nvPr>
+        </p:nvSpPr>
+        <p:spPr/>
+        <p:txBody>
+          <a:bodyPr/>
+          <a:lstStyle/>
+          <a:p>
+            <a:r>
+              <a:rPr lang="es-419" b="1" dirty="0">
+                <a:solidFill>
+                  <a:srgbClr val="173657"/>
+                </a:solidFill>
+              </a:rPr>
+              <a:t>Bibliografía</a:t>
+            </a:r>
             <a:endParaRPr lang="en-US" dirty="0"/>
           </a:p>
         </p:txBody>
@@ -15676,7 +18659,7 @@
 </p:sld>
 </file>
 
-<file path=ppt/slides/slide21.xml><?xml version="1.0" encoding="utf-8"?>
+<file path=ppt/slides/slide22.xml><?xml version="1.0" encoding="utf-8"?>
 <p:sld xmlns:a="http://schemas.openxmlformats.org/drawingml/2006/main" xmlns:r="http://schemas.openxmlformats.org/officeDocument/2006/relationships" xmlns:p="http://schemas.openxmlformats.org/presentationml/2006/main">
   <p:cSld>
     <p:spTree>
@@ -15951,6 +18934,12 @@
           <a:p>
             <a:r>
               <a:rPr lang="es-CO" dirty="0"/>
+              <a:t>Revisión de la literatura</a:t>
+            </a:r>
+          </a:p>
+          <a:p>
+            <a:r>
+              <a:rPr lang="es-CO" dirty="0"/>
               <a:t>Metodología</a:t>
             </a:r>
           </a:p>
@@ -15964,12 +18953,6 @@
             <a:r>
               <a:rPr lang="es-CO" dirty="0"/>
               <a:t>Avances</a:t>
-            </a:r>
-          </a:p>
-          <a:p>
-            <a:r>
-              <a:rPr lang="es-CO" dirty="0"/>
-              <a:t>Revisión de la literatura</a:t>
             </a:r>
           </a:p>
           <a:p>
